--- a/스크립트 기획발표.pptx
+++ b/스크립트 기획발표.pptx
@@ -343,7 +343,7 @@
           <a:p>
             <a:fld id="{46D9477F-549A-4D7B-8D12-FF30B9203374}" type="datetimeFigureOut">
               <a:rPr lang="ko-KR" altLang="en-US" smtClean="0"/>
-              <a:t>2018-05-16</a:t>
+              <a:t>2018-05-29</a:t>
             </a:fld>
             <a:endParaRPr lang="ko-KR" altLang="en-US"/>
           </a:p>
@@ -9568,7 +9568,7 @@
           <p:nvPr>
             <p:extLst>
               <p:ext uri="{D42A27DB-BD31-4B8C-83A1-F6EECF244321}">
-                <p14:modId xmlns:p14="http://schemas.microsoft.com/office/powerpoint/2010/main" val="3897701360"/>
+                <p14:modId xmlns:p14="http://schemas.microsoft.com/office/powerpoint/2010/main" val="2844255968"/>
               </p:ext>
             </p:extLst>
           </p:nvPr>
@@ -10073,6 +10073,10 @@
                     <a:lstStyle/>
                     <a:p>
                       <a:pPr algn="ctr" latinLnBrk="1"/>
+                      <a:r>
+                        <a:rPr lang="en-US" altLang="ko-KR" sz="1600" dirty="0" smtClean="0"/>
+                        <a:t>O</a:t>
+                      </a:r>
                       <a:endParaRPr lang="ko-KR" altLang="en-US" sz="1600" dirty="0"/>
                     </a:p>
                   </a:txBody>

--- a/스크립트 기획발표.pptx
+++ b/스크립트 기획발표.pptx
@@ -343,7 +343,7 @@
           <a:p>
             <a:fld id="{46D9477F-549A-4D7B-8D12-FF30B9203374}" type="datetimeFigureOut">
               <a:rPr lang="ko-KR" altLang="en-US" smtClean="0"/>
-              <a:t>2018-05-16</a:t>
+              <a:t>2018-05-30</a:t>
             </a:fld>
             <a:endParaRPr lang="ko-KR" altLang="en-US"/>
           </a:p>
@@ -1032,7 +1032,7 @@
                 <a:latin typeface="나눔바른고딕" panose="020B0603020101020101" pitchFamily="50" charset="-127"/>
                 <a:ea typeface="나눔바른고딕" panose="020B0603020101020101" pitchFamily="50" charset="-127"/>
               </a:rPr>
-              <a:t>기획발표</a:t>
+              <a:t>중간발표</a:t>
             </a:r>
           </a:p>
         </p:txBody>
@@ -1793,18 +1793,11 @@
           <a:p>
             <a:pPr algn="ctr"/>
             <a:r>
-              <a:rPr lang="en-US" altLang="ko-KR" sz="3200" dirty="0">
-                <a:latin typeface="나눔고딕 ExtraBold" panose="020D0904000000000000" pitchFamily="50" charset="-127"/>
-                <a:ea typeface="나눔고딕 ExtraBold" panose="020D0904000000000000" pitchFamily="50" charset="-127"/>
-              </a:rPr>
-              <a:t>Open API </a:t>
-            </a:r>
-            <a:r>
               <a:rPr lang="ko-KR" altLang="en-US" sz="3200" dirty="0">
                 <a:latin typeface="나눔고딕 ExtraBold" panose="020D0904000000000000" pitchFamily="50" charset="-127"/>
                 <a:ea typeface="나눔고딕 ExtraBold" panose="020D0904000000000000" pitchFamily="50" charset="-127"/>
               </a:rPr>
-              <a:t>정보</a:t>
+              <a:t>구현한 기능</a:t>
             </a:r>
           </a:p>
         </p:txBody>
@@ -1964,434 +1957,6 @@
       </p:sp>
       <p:grpSp>
         <p:nvGrpSpPr>
-          <p:cNvPr id="31" name="Group 79">
-            <a:extLst>
-              <a:ext uri="{FF2B5EF4-FFF2-40B4-BE49-F238E27FC236}">
-                <a16:creationId xmlns:a16="http://schemas.microsoft.com/office/drawing/2014/main" id="{7F72BC1F-2D2F-4CD0-8DB8-83746D60C36C}"/>
-              </a:ext>
-            </a:extLst>
-          </p:cNvPr>
-          <p:cNvGrpSpPr/>
-          <p:nvPr/>
-        </p:nvGrpSpPr>
-        <p:grpSpPr>
-          <a:xfrm rot="19800000">
-            <a:off x="3964730" y="2772304"/>
-            <a:ext cx="106557" cy="675294"/>
-            <a:chOff x="6022247" y="1219200"/>
-            <a:chExt cx="349978" cy="2867022"/>
-          </a:xfrm>
-        </p:grpSpPr>
-        <p:grpSp>
-          <p:nvGrpSpPr>
-            <p:cNvPr id="32" name="Group 80">
-              <a:extLst>
-                <a:ext uri="{FF2B5EF4-FFF2-40B4-BE49-F238E27FC236}">
-                  <a16:creationId xmlns:a16="http://schemas.microsoft.com/office/drawing/2014/main" id="{1AB68163-9A69-48F9-92DF-255E4A27982C}"/>
-                </a:ext>
-              </a:extLst>
-            </p:cNvPr>
-            <p:cNvGrpSpPr/>
-            <p:nvPr/>
-          </p:nvGrpSpPr>
-          <p:grpSpPr>
-            <a:xfrm>
-              <a:off x="6022248" y="1364877"/>
-              <a:ext cx="349977" cy="2721345"/>
-              <a:chOff x="3383823" y="1726827"/>
-              <a:chExt cx="349977" cy="2721345"/>
-            </a:xfrm>
-          </p:grpSpPr>
-          <p:grpSp>
-            <p:nvGrpSpPr>
-              <p:cNvPr id="34" name="Group 82">
-                <a:extLst>
-                  <a:ext uri="{FF2B5EF4-FFF2-40B4-BE49-F238E27FC236}">
-                    <a16:creationId xmlns:a16="http://schemas.microsoft.com/office/drawing/2014/main" id="{42ACA077-71EC-4806-AB49-B621AC6E83F1}"/>
-                  </a:ext>
-                </a:extLst>
-              </p:cNvPr>
-              <p:cNvGrpSpPr/>
-              <p:nvPr/>
-            </p:nvGrpSpPr>
-            <p:grpSpPr>
-              <a:xfrm>
-                <a:off x="3383823" y="1726827"/>
-                <a:ext cx="349977" cy="2721345"/>
-                <a:chOff x="6003198" y="-4681060"/>
-                <a:chExt cx="2344150" cy="10110307"/>
-              </a:xfrm>
-            </p:grpSpPr>
-            <p:sp>
-              <p:nvSpPr>
-                <p:cNvPr id="37" name="Freeform 85">
-                  <a:extLst>
-                    <a:ext uri="{FF2B5EF4-FFF2-40B4-BE49-F238E27FC236}">
-                      <a16:creationId xmlns:a16="http://schemas.microsoft.com/office/drawing/2014/main" id="{23A8814D-F43A-43AC-82C2-592F95B6EB6B}"/>
-                    </a:ext>
-                  </a:extLst>
-                </p:cNvPr>
-                <p:cNvSpPr/>
-                <p:nvPr/>
-              </p:nvSpPr>
-              <p:spPr>
-                <a:xfrm rot="10800000">
-                  <a:off x="6003198" y="-4681060"/>
-                  <a:ext cx="2344150" cy="10110307"/>
-                </a:xfrm>
-                <a:custGeom>
-                  <a:avLst/>
-                  <a:gdLst>
-                    <a:gd name="connsiteX0" fmla="*/ 2344149 w 2344150"/>
-                    <a:gd name="connsiteY0" fmla="*/ 10110307 h 10110307"/>
-                    <a:gd name="connsiteX1" fmla="*/ 0 w 2344150"/>
-                    <a:gd name="connsiteY1" fmla="*/ 10110307 h 10110307"/>
-                    <a:gd name="connsiteX2" fmla="*/ 0 w 2344150"/>
-                    <a:gd name="connsiteY2" fmla="*/ 2020817 h 10110307"/>
-                    <a:gd name="connsiteX3" fmla="*/ 2 w 2344150"/>
-                    <a:gd name="connsiteY3" fmla="*/ 2020817 h 10110307"/>
-                    <a:gd name="connsiteX4" fmla="*/ 1172076 w 2344150"/>
-                    <a:gd name="connsiteY4" fmla="*/ 0 h 10110307"/>
-                    <a:gd name="connsiteX5" fmla="*/ 2344150 w 2344150"/>
-                    <a:gd name="connsiteY5" fmla="*/ 2020818 h 10110307"/>
-                    <a:gd name="connsiteX6" fmla="*/ 2344149 w 2344150"/>
-                    <a:gd name="connsiteY6" fmla="*/ 2020818 h 10110307"/>
-                  </a:gdLst>
-                  <a:ahLst/>
-                  <a:cxnLst>
-                    <a:cxn ang="0">
-                      <a:pos x="connsiteX0" y="connsiteY0"/>
-                    </a:cxn>
-                    <a:cxn ang="0">
-                      <a:pos x="connsiteX1" y="connsiteY1"/>
-                    </a:cxn>
-                    <a:cxn ang="0">
-                      <a:pos x="connsiteX2" y="connsiteY2"/>
-                    </a:cxn>
-                    <a:cxn ang="0">
-                      <a:pos x="connsiteX3" y="connsiteY3"/>
-                    </a:cxn>
-                    <a:cxn ang="0">
-                      <a:pos x="connsiteX4" y="connsiteY4"/>
-                    </a:cxn>
-                    <a:cxn ang="0">
-                      <a:pos x="connsiteX5" y="connsiteY5"/>
-                    </a:cxn>
-                    <a:cxn ang="0">
-                      <a:pos x="connsiteX6" y="connsiteY6"/>
-                    </a:cxn>
-                  </a:cxnLst>
-                  <a:rect l="l" t="t" r="r" b="b"/>
-                  <a:pathLst>
-                    <a:path w="2344150" h="10110307">
-                      <a:moveTo>
-                        <a:pt x="2344149" y="10110307"/>
-                      </a:moveTo>
-                      <a:lnTo>
-                        <a:pt x="0" y="10110307"/>
-                      </a:lnTo>
-                      <a:lnTo>
-                        <a:pt x="0" y="2020817"/>
-                      </a:lnTo>
-                      <a:lnTo>
-                        <a:pt x="2" y="2020817"/>
-                      </a:lnTo>
-                      <a:lnTo>
-                        <a:pt x="1172076" y="0"/>
-                      </a:lnTo>
-                      <a:lnTo>
-                        <a:pt x="2344150" y="2020818"/>
-                      </a:lnTo>
-                      <a:lnTo>
-                        <a:pt x="2344149" y="2020818"/>
-                      </a:lnTo>
-                      <a:close/>
-                    </a:path>
-                  </a:pathLst>
-                </a:custGeom>
-                <a:solidFill>
-                  <a:schemeClr val="bg1"/>
-                </a:solidFill>
-                <a:ln w="3175">
-                  <a:solidFill>
-                    <a:schemeClr val="bg1">
-                      <a:lumMod val="75000"/>
-                    </a:schemeClr>
-                  </a:solidFill>
-                </a:ln>
-              </p:spPr>
-              <p:style>
-                <a:lnRef idx="2">
-                  <a:schemeClr val="accent1">
-                    <a:shade val="50000"/>
-                  </a:schemeClr>
-                </a:lnRef>
-                <a:fillRef idx="1">
-                  <a:schemeClr val="accent1"/>
-                </a:fillRef>
-                <a:effectRef idx="0">
-                  <a:schemeClr val="accent1"/>
-                </a:effectRef>
-                <a:fontRef idx="minor">
-                  <a:schemeClr val="lt1"/>
-                </a:fontRef>
-              </p:style>
-              <p:txBody>
-                <a:bodyPr rtlCol="0" anchor="ctr"/>
-                <a:lstStyle/>
-                <a:p>
-                  <a:pPr algn="ctr"/>
-                  <a:endParaRPr lang="ko-KR" altLang="en-US"/>
-                </a:p>
-              </p:txBody>
-            </p:sp>
-            <p:sp>
-              <p:nvSpPr>
-                <p:cNvPr id="38" name="Isosceles Triangle 86">
-                  <a:extLst>
-                    <a:ext uri="{FF2B5EF4-FFF2-40B4-BE49-F238E27FC236}">
-                      <a16:creationId xmlns:a16="http://schemas.microsoft.com/office/drawing/2014/main" id="{7DCD69D5-4DCD-4D70-BD76-6FB405010E26}"/>
-                    </a:ext>
-                  </a:extLst>
-                </p:cNvPr>
-                <p:cNvSpPr/>
-                <p:nvPr/>
-              </p:nvSpPr>
-              <p:spPr>
-                <a:xfrm rot="10800000">
-                  <a:off x="6893287" y="4943065"/>
-                  <a:ext cx="563972" cy="486182"/>
-                </a:xfrm>
-                <a:prstGeom prst="triangle">
-                  <a:avLst/>
-                </a:prstGeom>
-                <a:solidFill>
-                  <a:schemeClr val="tx1">
-                    <a:lumMod val="75000"/>
-                    <a:lumOff val="25000"/>
-                  </a:schemeClr>
-                </a:solidFill>
-                <a:ln w="3175">
-                  <a:solidFill>
-                    <a:schemeClr val="tx1">
-                      <a:lumMod val="75000"/>
-                      <a:lumOff val="25000"/>
-                    </a:schemeClr>
-                  </a:solidFill>
-                </a:ln>
-              </p:spPr>
-              <p:style>
-                <a:lnRef idx="2">
-                  <a:schemeClr val="accent1">
-                    <a:shade val="50000"/>
-                  </a:schemeClr>
-                </a:lnRef>
-                <a:fillRef idx="1">
-                  <a:schemeClr val="accent1"/>
-                </a:fillRef>
-                <a:effectRef idx="0">
-                  <a:schemeClr val="accent1"/>
-                </a:effectRef>
-                <a:fontRef idx="minor">
-                  <a:schemeClr val="lt1"/>
-                </a:fontRef>
-              </p:style>
-              <p:txBody>
-                <a:bodyPr rtlCol="0" anchor="ctr"/>
-                <a:lstStyle/>
-                <a:p>
-                  <a:pPr algn="ctr"/>
-                  <a:endParaRPr lang="ko-KR" altLang="en-US" sz="1600"/>
-                </a:p>
-              </p:txBody>
-            </p:sp>
-          </p:grpSp>
-          <p:cxnSp>
-            <p:nvCxnSpPr>
-              <p:cNvPr id="35" name="Straight Connector 83">
-                <a:extLst>
-                  <a:ext uri="{FF2B5EF4-FFF2-40B4-BE49-F238E27FC236}">
-                    <a16:creationId xmlns:a16="http://schemas.microsoft.com/office/drawing/2014/main" id="{6F37493D-8837-4A83-8E06-1E3C05A15495}"/>
-                  </a:ext>
-                </a:extLst>
-              </p:cNvPr>
-              <p:cNvCxnSpPr/>
-              <p:nvPr/>
-            </p:nvCxnSpPr>
-            <p:spPr>
-              <a:xfrm>
-                <a:off x="3516711" y="1828800"/>
-                <a:ext cx="0" cy="1876425"/>
-              </a:xfrm>
-              <a:prstGeom prst="line">
-                <a:avLst/>
-              </a:prstGeom>
-              <a:ln w="3175">
-                <a:solidFill>
-                  <a:schemeClr val="bg1">
-                    <a:lumMod val="75000"/>
-                  </a:schemeClr>
-                </a:solidFill>
-              </a:ln>
-            </p:spPr>
-            <p:style>
-              <a:lnRef idx="1">
-                <a:schemeClr val="accent1"/>
-              </a:lnRef>
-              <a:fillRef idx="0">
-                <a:schemeClr val="accent1"/>
-              </a:fillRef>
-              <a:effectRef idx="0">
-                <a:schemeClr val="accent1"/>
-              </a:effectRef>
-              <a:fontRef idx="minor">
-                <a:schemeClr val="tx1"/>
-              </a:fontRef>
-            </p:style>
-          </p:cxnSp>
-          <p:cxnSp>
-            <p:nvCxnSpPr>
-              <p:cNvPr id="36" name="Straight Connector 84">
-                <a:extLst>
-                  <a:ext uri="{FF2B5EF4-FFF2-40B4-BE49-F238E27FC236}">
-                    <a16:creationId xmlns:a16="http://schemas.microsoft.com/office/drawing/2014/main" id="{16438727-F1E6-4C52-B628-58F4785A9DCA}"/>
-                  </a:ext>
-                </a:extLst>
-              </p:cNvPr>
-              <p:cNvCxnSpPr/>
-              <p:nvPr/>
-            </p:nvCxnSpPr>
-            <p:spPr>
-              <a:xfrm>
-                <a:off x="3600912" y="1933575"/>
-                <a:ext cx="0" cy="1876425"/>
-              </a:xfrm>
-              <a:prstGeom prst="line">
-                <a:avLst/>
-              </a:prstGeom>
-              <a:ln w="3175">
-                <a:solidFill>
-                  <a:schemeClr val="bg1">
-                    <a:lumMod val="75000"/>
-                  </a:schemeClr>
-                </a:solidFill>
-              </a:ln>
-            </p:spPr>
-            <p:style>
-              <a:lnRef idx="1">
-                <a:schemeClr val="accent1"/>
-              </a:lnRef>
-              <a:fillRef idx="0">
-                <a:schemeClr val="accent1"/>
-              </a:fillRef>
-              <a:effectRef idx="0">
-                <a:schemeClr val="accent1"/>
-              </a:effectRef>
-              <a:fontRef idx="minor">
-                <a:schemeClr val="tx1"/>
-              </a:fontRef>
-            </p:style>
-          </p:cxnSp>
-        </p:grpSp>
-        <p:sp>
-          <p:nvSpPr>
-            <p:cNvPr id="33" name="Rounded Rectangle 81">
-              <a:extLst>
-                <a:ext uri="{FF2B5EF4-FFF2-40B4-BE49-F238E27FC236}">
-                  <a16:creationId xmlns:a16="http://schemas.microsoft.com/office/drawing/2014/main" id="{9D489221-35B8-4E3C-A13D-4EFEA84E8B65}"/>
-                </a:ext>
-              </a:extLst>
-            </p:cNvPr>
-            <p:cNvSpPr/>
-            <p:nvPr/>
-          </p:nvSpPr>
-          <p:spPr>
-            <a:xfrm>
-              <a:off x="6022247" y="1219200"/>
-              <a:ext cx="349978" cy="247650"/>
-            </a:xfrm>
-            <a:prstGeom prst="roundRect">
-              <a:avLst>
-                <a:gd name="adj" fmla="val 0"/>
-              </a:avLst>
-            </a:prstGeom>
-            <a:solidFill>
-              <a:schemeClr val="tx1">
-                <a:lumMod val="50000"/>
-                <a:lumOff val="50000"/>
-              </a:schemeClr>
-            </a:solidFill>
-            <a:ln>
-              <a:noFill/>
-            </a:ln>
-          </p:spPr>
-          <p:style>
-            <a:lnRef idx="2">
-              <a:schemeClr val="accent1">
-                <a:shade val="50000"/>
-              </a:schemeClr>
-            </a:lnRef>
-            <a:fillRef idx="1">
-              <a:schemeClr val="accent1"/>
-            </a:fillRef>
-            <a:effectRef idx="0">
-              <a:schemeClr val="accent1"/>
-            </a:effectRef>
-            <a:fontRef idx="minor">
-              <a:schemeClr val="lt1"/>
-            </a:fontRef>
-          </p:style>
-          <p:txBody>
-            <a:bodyPr rtlCol="0" anchor="ctr"/>
-            <a:lstStyle/>
-            <a:p>
-              <a:pPr algn="ctr"/>
-              <a:endParaRPr lang="ko-KR" altLang="en-US"/>
-            </a:p>
-          </p:txBody>
-        </p:sp>
-      </p:grpSp>
-      <p:sp>
-        <p:nvSpPr>
-          <p:cNvPr id="40" name="Rectangle 87">
-            <a:extLst>
-              <a:ext uri="{FF2B5EF4-FFF2-40B4-BE49-F238E27FC236}">
-                <a16:creationId xmlns:a16="http://schemas.microsoft.com/office/drawing/2014/main" id="{3D97A660-178C-487E-B7AC-D29B1FE24093}"/>
-              </a:ext>
-            </a:extLst>
-          </p:cNvPr>
-          <p:cNvSpPr/>
-          <p:nvPr/>
-        </p:nvSpPr>
-        <p:spPr>
-          <a:xfrm>
-            <a:off x="2558447" y="2844225"/>
-            <a:ext cx="4321468" cy="584775"/>
-          </a:xfrm>
-          <a:prstGeom prst="rect">
-            <a:avLst/>
-          </a:prstGeom>
-          <a:noFill/>
-        </p:spPr>
-        <p:txBody>
-          <a:bodyPr wrap="square">
-            <a:spAutoFit/>
-          </a:bodyPr>
-          <a:lstStyle/>
-          <a:p>
-            <a:pPr algn="ctr"/>
-            <a:r>
-              <a:rPr lang="ko-KR" altLang="en-US" sz="3200" dirty="0">
-                <a:latin typeface="나눔고딕 ExtraBold" panose="020D0904000000000000" pitchFamily="50" charset="-127"/>
-                <a:ea typeface="나눔고딕 ExtraBold" panose="020D0904000000000000" pitchFamily="50" charset="-127"/>
-              </a:rPr>
-              <a:t>기능</a:t>
-            </a:r>
-          </a:p>
-        </p:txBody>
-      </p:sp>
-      <p:grpSp>
-        <p:nvGrpSpPr>
           <p:cNvPr id="41" name="Group 79">
             <a:extLst>
               <a:ext uri="{FF2B5EF4-FFF2-40B4-BE49-F238E27FC236}">
@@ -2404,7 +1969,7 @@
         </p:nvGrpSpPr>
         <p:grpSpPr>
           <a:xfrm rot="19800000">
-            <a:off x="3534802" y="3795418"/>
+            <a:off x="3387621" y="2772304"/>
             <a:ext cx="106557" cy="675294"/>
             <a:chOff x="6022247" y="1219200"/>
             <a:chExt cx="349978" cy="2867022"/>
@@ -2793,7 +2358,7 @@
         </p:nvSpPr>
         <p:spPr>
           <a:xfrm>
-            <a:off x="2558447" y="3867340"/>
+            <a:off x="2411266" y="2801921"/>
             <a:ext cx="4321468" cy="584775"/>
           </a:xfrm>
           <a:prstGeom prst="rect">
@@ -2813,7 +2378,7 @@
                 <a:latin typeface="나눔고딕 ExtraBold" panose="020D0904000000000000" pitchFamily="50" charset="-127"/>
                 <a:ea typeface="나눔고딕 ExtraBold" panose="020D0904000000000000" pitchFamily="50" charset="-127"/>
               </a:rPr>
-              <a:t>역할 분담</a:t>
+              <a:t>개발 계획</a:t>
             </a:r>
           </a:p>
         </p:txBody>
@@ -2832,7 +2397,7 @@
         </p:nvGrpSpPr>
         <p:grpSpPr>
           <a:xfrm rot="19800000">
-            <a:off x="3540592" y="4786771"/>
+            <a:off x="3393411" y="3763657"/>
             <a:ext cx="106557" cy="675294"/>
             <a:chOff x="6022247" y="1219200"/>
             <a:chExt cx="349978" cy="2867022"/>
@@ -3209,10 +2774,10 @@
       </p:grpSp>
       <p:sp>
         <p:nvSpPr>
-          <p:cNvPr id="60" name="Rectangle 87">
+          <p:cNvPr id="93" name="Rectangle 87">
             <a:extLst>
               <a:ext uri="{FF2B5EF4-FFF2-40B4-BE49-F238E27FC236}">
-                <a16:creationId xmlns:a16="http://schemas.microsoft.com/office/drawing/2014/main" id="{672839EC-B91F-4AEE-B4DF-F7B49FC61091}"/>
+                <a16:creationId xmlns:a16="http://schemas.microsoft.com/office/drawing/2014/main" id="{F0498D3F-9DE7-4B5E-A92D-26EFB4721EC5}"/>
               </a:ext>
             </a:extLst>
           </p:cNvPr>
@@ -3221,7 +2786,7 @@
         </p:nvSpPr>
         <p:spPr>
           <a:xfrm>
-            <a:off x="2558447" y="4977147"/>
+            <a:off x="2470533" y="3869721"/>
             <a:ext cx="4321468" cy="584775"/>
           </a:xfrm>
           <a:prstGeom prst="rect">
@@ -3241,7 +2806,7 @@
                 <a:latin typeface="나눔고딕 ExtraBold" panose="020D0904000000000000" pitchFamily="50" charset="-127"/>
                 <a:ea typeface="나눔고딕 ExtraBold" panose="020D0904000000000000" pitchFamily="50" charset="-127"/>
               </a:rPr>
-              <a:t>개발 계획</a:t>
+              <a:t>데모 시연</a:t>
             </a:r>
           </a:p>
         </p:txBody>
@@ -3460,7 +3025,7 @@
                                           </p:stCondLst>
                                         </p:cTn>
                                         <p:tgtEl>
-                                          <p:spTgt spid="31"/>
+                                          <p:spTgt spid="41"/>
                                         </p:tgtEl>
                                         <p:attrNameLst>
                                           <p:attrName>style.visibility</p:attrName>
@@ -3474,7 +3039,7 @@
                                       <p:cBhvr>
                                         <p:cTn id="22" dur="500"/>
                                         <p:tgtEl>
-                                          <p:spTgt spid="31"/>
+                                          <p:spTgt spid="41"/>
                                         </p:tgtEl>
                                       </p:cBhvr>
                                     </p:animEffect>
@@ -3504,7 +3069,7 @@
                                           </p:stCondLst>
                                         </p:cTn>
                                         <p:tgtEl>
-                                          <p:spTgt spid="40"/>
+                                          <p:spTgt spid="50"/>
                                         </p:tgtEl>
                                         <p:attrNameLst>
                                           <p:attrName>style.visibility</p:attrName>
@@ -3518,7 +3083,7 @@
                                       <p:cBhvr>
                                         <p:cTn id="26" dur="750"/>
                                         <p:tgtEl>
-                                          <p:spTgt spid="40"/>
+                                          <p:spTgt spid="50"/>
                                         </p:tgtEl>
                                       </p:cBhvr>
                                     </p:animEffect>
@@ -3548,7 +3113,7 @@
                                           </p:stCondLst>
                                         </p:cTn>
                                         <p:tgtEl>
-                                          <p:spTgt spid="41"/>
+                                          <p:spTgt spid="51"/>
                                         </p:tgtEl>
                                         <p:attrNameLst>
                                           <p:attrName>style.visibility</p:attrName>
@@ -3562,7 +3127,7 @@
                                       <p:cBhvr>
                                         <p:cTn id="30" dur="500"/>
                                         <p:tgtEl>
-                                          <p:spTgt spid="41"/>
+                                          <p:spTgt spid="51"/>
                                         </p:tgtEl>
                                       </p:cBhvr>
                                     </p:animEffect>
@@ -3592,7 +3157,7 @@
                                           </p:stCondLst>
                                         </p:cTn>
                                         <p:tgtEl>
-                                          <p:spTgt spid="50"/>
+                                          <p:spTgt spid="93"/>
                                         </p:tgtEl>
                                         <p:attrNameLst>
                                           <p:attrName>style.visibility</p:attrName>
@@ -3606,95 +3171,7 @@
                                       <p:cBhvr>
                                         <p:cTn id="34" dur="750"/>
                                         <p:tgtEl>
-                                          <p:spTgt spid="50"/>
-                                        </p:tgtEl>
-                                      </p:cBhvr>
-                                    </p:animEffect>
-                                  </p:childTnLst>
-                                </p:cTn>
-                              </p:par>
-                            </p:childTnLst>
-                          </p:cTn>
-                        </p:par>
-                        <p:par>
-                          <p:cTn id="35" fill="hold">
-                            <p:stCondLst>
-                              <p:cond delay="4250"/>
-                            </p:stCondLst>
-                            <p:childTnLst>
-                              <p:par>
-                                <p:cTn id="36" presetID="10" presetClass="entr" presetSubtype="0" fill="hold" nodeType="afterEffect">
-                                  <p:stCondLst>
-                                    <p:cond delay="0"/>
-                                  </p:stCondLst>
-                                  <p:childTnLst>
-                                    <p:set>
-                                      <p:cBhvr>
-                                        <p:cTn id="37" dur="1" fill="hold">
-                                          <p:stCondLst>
-                                            <p:cond delay="0"/>
-                                          </p:stCondLst>
-                                        </p:cTn>
-                                        <p:tgtEl>
-                                          <p:spTgt spid="51"/>
-                                        </p:tgtEl>
-                                        <p:attrNameLst>
-                                          <p:attrName>style.visibility</p:attrName>
-                                        </p:attrNameLst>
-                                      </p:cBhvr>
-                                      <p:to>
-                                        <p:strVal val="visible"/>
-                                      </p:to>
-                                    </p:set>
-                                    <p:animEffect transition="in" filter="fade">
-                                      <p:cBhvr>
-                                        <p:cTn id="38" dur="500"/>
-                                        <p:tgtEl>
-                                          <p:spTgt spid="51"/>
-                                        </p:tgtEl>
-                                      </p:cBhvr>
-                                    </p:animEffect>
-                                  </p:childTnLst>
-                                </p:cTn>
-                              </p:par>
-                            </p:childTnLst>
-                          </p:cTn>
-                        </p:par>
-                        <p:par>
-                          <p:cTn id="39" fill="hold">
-                            <p:stCondLst>
-                              <p:cond delay="4750"/>
-                            </p:stCondLst>
-                            <p:childTnLst>
-                              <p:par>
-                                <p:cTn id="40" presetID="22" presetClass="entr" presetSubtype="8" fill="hold" grpId="0" nodeType="afterEffect">
-                                  <p:stCondLst>
-                                    <p:cond delay="0"/>
-                                  </p:stCondLst>
-                                  <p:childTnLst>
-                                    <p:set>
-                                      <p:cBhvr>
-                                        <p:cTn id="41" dur="1" fill="hold">
-                                          <p:stCondLst>
-                                            <p:cond delay="0"/>
-                                          </p:stCondLst>
-                                        </p:cTn>
-                                        <p:tgtEl>
-                                          <p:spTgt spid="60"/>
-                                        </p:tgtEl>
-                                        <p:attrNameLst>
-                                          <p:attrName>style.visibility</p:attrName>
-                                        </p:attrNameLst>
-                                      </p:cBhvr>
-                                      <p:to>
-                                        <p:strVal val="visible"/>
-                                      </p:to>
-                                    </p:set>
-                                    <p:animEffect transition="in" filter="wipe(left)">
-                                      <p:cBhvr>
-                                        <p:cTn id="42" dur="750"/>
-                                        <p:tgtEl>
-                                          <p:spTgt spid="60"/>
+                                          <p:spTgt spid="93"/>
                                         </p:tgtEl>
                                       </p:cBhvr>
                                     </p:animEffect>
@@ -3731,9 +3208,8 @@
     <p:bldLst>
       <p:bldP spid="88" grpId="0"/>
       <p:bldP spid="30" grpId="0"/>
-      <p:bldP spid="40" grpId="0"/>
       <p:bldP spid="50" grpId="0"/>
-      <p:bldP spid="60" grpId="0"/>
+      <p:bldP spid="93" grpId="0"/>
     </p:bldLst>
   </p:timing>
 </p:sld>
@@ -3756,315 +3232,348 @@
           <a:chExt cx="0" cy="0"/>
         </a:xfrm>
       </p:grpSpPr>
-      <p:grpSp>
-        <p:nvGrpSpPr>
-          <p:cNvPr id="13" name="Group 12"/>
-          <p:cNvGrpSpPr/>
+      <p:sp>
+        <p:nvSpPr>
+          <p:cNvPr id="15" name="Rectangle 394">
+            <a:extLst>
+              <a:ext uri="{FF2B5EF4-FFF2-40B4-BE49-F238E27FC236}">
+                <a16:creationId xmlns:a16="http://schemas.microsoft.com/office/drawing/2014/main" id="{4B599121-6D8E-415F-B4FC-AA87068125CA}"/>
+              </a:ext>
+            </a:extLst>
+          </p:cNvPr>
+          <p:cNvSpPr/>
           <p:nvPr/>
-        </p:nvGrpSpPr>
-        <p:grpSpPr>
-          <a:xfrm rot="5400000">
-            <a:off x="6298182" y="3970867"/>
-            <a:ext cx="373331" cy="4979638"/>
-            <a:chOff x="6022247" y="1219200"/>
-            <a:chExt cx="349978" cy="2867022"/>
+        </p:nvSpPr>
+        <p:spPr>
+          <a:xfrm>
+            <a:off x="1056748" y="2208520"/>
+            <a:ext cx="2753252" cy="3539430"/>
           </a:xfrm>
-        </p:grpSpPr>
-        <p:grpSp>
-          <p:nvGrpSpPr>
-            <p:cNvPr id="11" name="Group 10"/>
-            <p:cNvGrpSpPr/>
-            <p:nvPr/>
-          </p:nvGrpSpPr>
-          <p:grpSpPr>
-            <a:xfrm>
-              <a:off x="6022248" y="1364877"/>
-              <a:ext cx="349977" cy="2721345"/>
-              <a:chOff x="3383823" y="1726827"/>
-              <a:chExt cx="349977" cy="2721345"/>
-            </a:xfrm>
-          </p:grpSpPr>
-          <p:grpSp>
-            <p:nvGrpSpPr>
-              <p:cNvPr id="7" name="Group 6"/>
-              <p:cNvGrpSpPr/>
-              <p:nvPr/>
-            </p:nvGrpSpPr>
-            <p:grpSpPr>
-              <a:xfrm>
-                <a:off x="3383823" y="1726827"/>
-                <a:ext cx="349977" cy="2721345"/>
-                <a:chOff x="6003198" y="-4681060"/>
-                <a:chExt cx="2344150" cy="10110307"/>
-              </a:xfrm>
-            </p:grpSpPr>
-            <p:sp>
-              <p:nvSpPr>
-                <p:cNvPr id="27" name="Freeform 26"/>
-                <p:cNvSpPr/>
-                <p:nvPr/>
-              </p:nvSpPr>
-              <p:spPr>
-                <a:xfrm rot="10800000">
-                  <a:off x="6003198" y="-4681060"/>
-                  <a:ext cx="2344150" cy="10110307"/>
-                </a:xfrm>
-                <a:custGeom>
-                  <a:avLst/>
-                  <a:gdLst>
-                    <a:gd name="connsiteX0" fmla="*/ 2344149 w 2344150"/>
-                    <a:gd name="connsiteY0" fmla="*/ 10110307 h 10110307"/>
-                    <a:gd name="connsiteX1" fmla="*/ 0 w 2344150"/>
-                    <a:gd name="connsiteY1" fmla="*/ 10110307 h 10110307"/>
-                    <a:gd name="connsiteX2" fmla="*/ 0 w 2344150"/>
-                    <a:gd name="connsiteY2" fmla="*/ 2020817 h 10110307"/>
-                    <a:gd name="connsiteX3" fmla="*/ 2 w 2344150"/>
-                    <a:gd name="connsiteY3" fmla="*/ 2020817 h 10110307"/>
-                    <a:gd name="connsiteX4" fmla="*/ 1172076 w 2344150"/>
-                    <a:gd name="connsiteY4" fmla="*/ 0 h 10110307"/>
-                    <a:gd name="connsiteX5" fmla="*/ 2344150 w 2344150"/>
-                    <a:gd name="connsiteY5" fmla="*/ 2020818 h 10110307"/>
-                    <a:gd name="connsiteX6" fmla="*/ 2344149 w 2344150"/>
-                    <a:gd name="connsiteY6" fmla="*/ 2020818 h 10110307"/>
-                  </a:gdLst>
-                  <a:ahLst/>
-                  <a:cxnLst>
-                    <a:cxn ang="0">
-                      <a:pos x="connsiteX0" y="connsiteY0"/>
-                    </a:cxn>
-                    <a:cxn ang="0">
-                      <a:pos x="connsiteX1" y="connsiteY1"/>
-                    </a:cxn>
-                    <a:cxn ang="0">
-                      <a:pos x="connsiteX2" y="connsiteY2"/>
-                    </a:cxn>
-                    <a:cxn ang="0">
-                      <a:pos x="connsiteX3" y="connsiteY3"/>
-                    </a:cxn>
-                    <a:cxn ang="0">
-                      <a:pos x="connsiteX4" y="connsiteY4"/>
-                    </a:cxn>
-                    <a:cxn ang="0">
-                      <a:pos x="connsiteX5" y="connsiteY5"/>
-                    </a:cxn>
-                    <a:cxn ang="0">
-                      <a:pos x="connsiteX6" y="connsiteY6"/>
-                    </a:cxn>
-                  </a:cxnLst>
-                  <a:rect l="l" t="t" r="r" b="b"/>
-                  <a:pathLst>
-                    <a:path w="2344150" h="10110307">
-                      <a:moveTo>
-                        <a:pt x="2344149" y="10110307"/>
-                      </a:moveTo>
-                      <a:lnTo>
-                        <a:pt x="0" y="10110307"/>
-                      </a:lnTo>
-                      <a:lnTo>
-                        <a:pt x="0" y="2020817"/>
-                      </a:lnTo>
-                      <a:lnTo>
-                        <a:pt x="2" y="2020817"/>
-                      </a:lnTo>
-                      <a:lnTo>
-                        <a:pt x="1172076" y="0"/>
-                      </a:lnTo>
-                      <a:lnTo>
-                        <a:pt x="2344150" y="2020818"/>
-                      </a:lnTo>
-                      <a:lnTo>
-                        <a:pt x="2344149" y="2020818"/>
-                      </a:lnTo>
-                      <a:close/>
-                    </a:path>
-                  </a:pathLst>
-                </a:custGeom>
-                <a:solidFill>
-                  <a:schemeClr val="bg1"/>
-                </a:solidFill>
-                <a:ln w="3175">
-                  <a:solidFill>
-                    <a:schemeClr val="bg1">
-                      <a:lumMod val="75000"/>
-                    </a:schemeClr>
-                  </a:solidFill>
-                </a:ln>
-              </p:spPr>
-              <p:style>
-                <a:lnRef idx="2">
-                  <a:schemeClr val="accent1">
-                    <a:shade val="50000"/>
-                  </a:schemeClr>
-                </a:lnRef>
-                <a:fillRef idx="1">
-                  <a:schemeClr val="accent1"/>
-                </a:fillRef>
-                <a:effectRef idx="0">
-                  <a:schemeClr val="accent1"/>
-                </a:effectRef>
-                <a:fontRef idx="minor">
-                  <a:schemeClr val="lt1"/>
-                </a:fontRef>
-              </p:style>
-              <p:txBody>
-                <a:bodyPr rtlCol="0" anchor="ctr"/>
-                <a:lstStyle/>
-                <a:p>
-                  <a:pPr algn="ctr"/>
-                  <a:endParaRPr lang="ko-KR" altLang="en-US"/>
-                </a:p>
-              </p:txBody>
-            </p:sp>
-            <p:sp>
-              <p:nvSpPr>
-                <p:cNvPr id="28" name="Isosceles Triangle 27"/>
-                <p:cNvSpPr/>
-                <p:nvPr/>
-              </p:nvSpPr>
-              <p:spPr>
-                <a:xfrm rot="10800000">
-                  <a:off x="6893287" y="4943065"/>
-                  <a:ext cx="563972" cy="486182"/>
-                </a:xfrm>
-                <a:prstGeom prst="triangle">
-                  <a:avLst/>
-                </a:prstGeom>
+          <a:prstGeom prst="rect">
+            <a:avLst/>
+          </a:prstGeom>
+        </p:spPr>
+        <p:txBody>
+          <a:bodyPr wrap="square">
+            <a:spAutoFit/>
+          </a:bodyPr>
+          <a:lstStyle/>
+          <a:p>
+            <a:pPr marL="457200" lvl="0" indent="-457200" eaLnBrk="0" fontAlgn="t" latinLnBrk="0" hangingPunct="0">
+              <a:spcBef>
+                <a:spcPct val="0"/>
+              </a:spcBef>
+              <a:spcAft>
+                <a:spcPct val="0"/>
+              </a:spcAft>
+              <a:buFontTx/>
+              <a:buChar char="-"/>
+            </a:pPr>
+            <a:endParaRPr lang="en-US" altLang="ko-KR" sz="2800" dirty="0">
+              <a:latin typeface="나눔바른고딕 UltraLight" panose="020B0603020101020101" pitchFamily="50" charset="-127"/>
+              <a:ea typeface="나눔바른고딕 UltraLight" panose="020B0603020101020101" pitchFamily="50" charset="-127"/>
+            </a:endParaRPr>
+          </a:p>
+          <a:p>
+            <a:pPr marL="457200" lvl="0" indent="-457200" eaLnBrk="0" fontAlgn="t" latinLnBrk="0" hangingPunct="0">
+              <a:spcBef>
+                <a:spcPct val="0"/>
+              </a:spcBef>
+              <a:spcAft>
+                <a:spcPct val="0"/>
+              </a:spcAft>
+              <a:buFontTx/>
+              <a:buChar char="-"/>
+            </a:pPr>
+            <a:r>
+              <a:rPr lang="ko-KR" altLang="en-US" sz="2800" dirty="0">
+                <a:latin typeface="나눔바른고딕 UltraLight" panose="020B0603020101020101" pitchFamily="50" charset="-127"/>
+                <a:ea typeface="나눔바른고딕 UltraLight" panose="020B0603020101020101" pitchFamily="50" charset="-127"/>
+              </a:rPr>
+              <a:t>파싱</a:t>
+            </a:r>
+            <a:endParaRPr lang="en-US" altLang="ko-KR" sz="2800" dirty="0">
+              <a:latin typeface="나눔바른고딕 UltraLight" panose="020B0603020101020101" pitchFamily="50" charset="-127"/>
+              <a:ea typeface="나눔바른고딕 UltraLight" panose="020B0603020101020101" pitchFamily="50" charset="-127"/>
+            </a:endParaRPr>
+          </a:p>
+          <a:p>
+            <a:pPr marL="457200" lvl="0" indent="-457200" eaLnBrk="0" fontAlgn="t" latinLnBrk="0" hangingPunct="0">
+              <a:spcBef>
+                <a:spcPct val="0"/>
+              </a:spcBef>
+              <a:spcAft>
+                <a:spcPct val="0"/>
+              </a:spcAft>
+              <a:buFontTx/>
+              <a:buChar char="-"/>
+            </a:pPr>
+            <a:endParaRPr lang="en-US" altLang="ko-KR" sz="2800" dirty="0">
+              <a:latin typeface="나눔바른고딕 UltraLight" panose="020B0603020101020101" pitchFamily="50" charset="-127"/>
+              <a:ea typeface="나눔바른고딕 UltraLight" panose="020B0603020101020101" pitchFamily="50" charset="-127"/>
+            </a:endParaRPr>
+          </a:p>
+          <a:p>
+            <a:pPr marL="457200" lvl="0" indent="-457200" eaLnBrk="0" fontAlgn="t" latinLnBrk="0" hangingPunct="0">
+              <a:spcBef>
+                <a:spcPct val="0"/>
+              </a:spcBef>
+              <a:spcAft>
+                <a:spcPct val="0"/>
+              </a:spcAft>
+              <a:buFontTx/>
+              <a:buChar char="-"/>
+            </a:pPr>
+            <a:r>
+              <a:rPr lang="ko-KR" altLang="en-US" sz="2800" dirty="0">
+                <a:latin typeface="나눔바른고딕 UltraLight" panose="020B0603020101020101" pitchFamily="50" charset="-127"/>
+                <a:ea typeface="나눔바른고딕 UltraLight" panose="020B0603020101020101" pitchFamily="50" charset="-127"/>
+              </a:rPr>
+              <a:t>시도별 검색</a:t>
+            </a:r>
+            <a:endParaRPr lang="en-US" altLang="ko-KR" sz="2800" dirty="0">
+              <a:latin typeface="나눔바른고딕 UltraLight" panose="020B0603020101020101" pitchFamily="50" charset="-127"/>
+              <a:ea typeface="나눔바른고딕 UltraLight" panose="020B0603020101020101" pitchFamily="50" charset="-127"/>
+            </a:endParaRPr>
+          </a:p>
+          <a:p>
+            <a:pPr marL="457200" lvl="0" indent="-457200" eaLnBrk="0" fontAlgn="t" latinLnBrk="0" hangingPunct="0">
+              <a:spcBef>
+                <a:spcPct val="0"/>
+              </a:spcBef>
+              <a:spcAft>
+                <a:spcPct val="0"/>
+              </a:spcAft>
+              <a:buFontTx/>
+              <a:buChar char="-"/>
+            </a:pPr>
+            <a:endParaRPr lang="en-US" altLang="ko-KR" sz="2800" dirty="0">
+              <a:latin typeface="나눔바른고딕 UltraLight" panose="020B0603020101020101" pitchFamily="50" charset="-127"/>
+              <a:ea typeface="나눔바른고딕 UltraLight" panose="020B0603020101020101" pitchFamily="50" charset="-127"/>
+            </a:endParaRPr>
+          </a:p>
+          <a:p>
+            <a:pPr marL="457200" lvl="0" indent="-457200" eaLnBrk="0" fontAlgn="t" latinLnBrk="0" hangingPunct="0">
+              <a:spcBef>
+                <a:spcPct val="0"/>
+              </a:spcBef>
+              <a:spcAft>
+                <a:spcPct val="0"/>
+              </a:spcAft>
+              <a:buFontTx/>
+              <a:buChar char="-"/>
+            </a:pPr>
+            <a:r>
+              <a:rPr lang="ko-KR" altLang="en-US" sz="2800" dirty="0" err="1">
+                <a:latin typeface="나눔바른고딕 UltraLight" panose="020B0603020101020101" pitchFamily="50" charset="-127"/>
+                <a:ea typeface="나눔바른고딕 UltraLight" panose="020B0603020101020101" pitchFamily="50" charset="-127"/>
+              </a:rPr>
+              <a:t>동단위</a:t>
+            </a:r>
+            <a:r>
+              <a:rPr lang="ko-KR" altLang="en-US" sz="2800" dirty="0">
+                <a:latin typeface="나눔바른고딕 UltraLight" panose="020B0603020101020101" pitchFamily="50" charset="-127"/>
+                <a:ea typeface="나눔바른고딕 UltraLight" panose="020B0603020101020101" pitchFamily="50" charset="-127"/>
+              </a:rPr>
+              <a:t> 세부검색</a:t>
+            </a:r>
+            <a:endParaRPr lang="en-US" altLang="ko-KR" sz="2800" dirty="0">
+              <a:latin typeface="나눔바른고딕 UltraLight" panose="020B0603020101020101" pitchFamily="50" charset="-127"/>
+              <a:ea typeface="나눔바른고딕 UltraLight" panose="020B0603020101020101" pitchFamily="50" charset="-127"/>
+            </a:endParaRPr>
+          </a:p>
+          <a:p>
+            <a:pPr marL="457200" lvl="0" indent="-457200" eaLnBrk="0" fontAlgn="t" latinLnBrk="0" hangingPunct="0">
+              <a:spcBef>
+                <a:spcPct val="0"/>
+              </a:spcBef>
+              <a:spcAft>
+                <a:spcPct val="0"/>
+              </a:spcAft>
+              <a:buFontTx/>
+              <a:buChar char="-"/>
+            </a:pPr>
+            <a:endParaRPr lang="en-US" altLang="ko-KR" sz="2800" dirty="0">
+              <a:latin typeface="나눔바른고딕 UltraLight" panose="020B0603020101020101" pitchFamily="50" charset="-127"/>
+              <a:ea typeface="나눔바른고딕 UltraLight" panose="020B0603020101020101" pitchFamily="50" charset="-127"/>
+            </a:endParaRPr>
+          </a:p>
+        </p:txBody>
+      </p:sp>
+      <p:sp>
+        <p:nvSpPr>
+          <p:cNvPr id="16" name="Rectangle 395">
+            <a:extLst>
+              <a:ext uri="{FF2B5EF4-FFF2-40B4-BE49-F238E27FC236}">
+                <a16:creationId xmlns:a16="http://schemas.microsoft.com/office/drawing/2014/main" id="{4F134392-1B15-4969-AD29-B4C1E4F32006}"/>
+              </a:ext>
+            </a:extLst>
+          </p:cNvPr>
+          <p:cNvSpPr/>
+          <p:nvPr/>
+        </p:nvSpPr>
+        <p:spPr>
+          <a:xfrm>
+            <a:off x="921281" y="1415287"/>
+            <a:ext cx="2207656" cy="461665"/>
+          </a:xfrm>
+          <a:prstGeom prst="rect">
+            <a:avLst/>
+          </a:prstGeom>
+        </p:spPr>
+        <p:txBody>
+          <a:bodyPr wrap="none">
+            <a:spAutoFit/>
+          </a:bodyPr>
+          <a:lstStyle/>
+          <a:p>
+            <a:r>
+              <a:rPr lang="ko-KR" altLang="en-US" sz="2400" dirty="0">
                 <a:solidFill>
                   <a:schemeClr val="tx1">
                     <a:lumMod val="75000"/>
                     <a:lumOff val="25000"/>
                   </a:schemeClr>
                 </a:solidFill>
-                <a:ln w="3175">
-                  <a:solidFill>
-                    <a:schemeClr val="tx1">
-                      <a:lumMod val="75000"/>
-                      <a:lumOff val="25000"/>
-                    </a:schemeClr>
-                  </a:solidFill>
-                </a:ln>
-              </p:spPr>
-              <p:style>
-                <a:lnRef idx="2">
-                  <a:schemeClr val="accent1">
-                    <a:shade val="50000"/>
-                  </a:schemeClr>
-                </a:lnRef>
-                <a:fillRef idx="1">
-                  <a:schemeClr val="accent1"/>
-                </a:fillRef>
-                <a:effectRef idx="0">
-                  <a:schemeClr val="accent1"/>
-                </a:effectRef>
-                <a:fontRef idx="minor">
-                  <a:schemeClr val="lt1"/>
-                </a:fontRef>
-              </p:style>
-              <p:txBody>
-                <a:bodyPr rtlCol="0" anchor="ctr"/>
-                <a:lstStyle/>
-                <a:p>
-                  <a:pPr algn="ctr"/>
-                  <a:endParaRPr lang="ko-KR" altLang="en-US" sz="1600"/>
-                </a:p>
-              </p:txBody>
-            </p:sp>
-          </p:grpSp>
-          <p:cxnSp>
-            <p:nvCxnSpPr>
-              <p:cNvPr id="10" name="Straight Connector 9"/>
-              <p:cNvCxnSpPr/>
-              <p:nvPr/>
-            </p:nvCxnSpPr>
-            <p:spPr>
-              <a:xfrm>
-                <a:off x="3516711" y="1828800"/>
-                <a:ext cx="0" cy="1876425"/>
-              </a:xfrm>
-              <a:prstGeom prst="line">
-                <a:avLst/>
-              </a:prstGeom>
-              <a:ln w="3175">
+                <a:latin typeface="나눔고딕 ExtraBold" panose="020D0904000000000000" pitchFamily="50" charset="-127"/>
+                <a:ea typeface="나눔고딕 ExtraBold" panose="020D0904000000000000" pitchFamily="50" charset="-127"/>
+                <a:cs typeface="Arial" panose="020B0604020202020204" pitchFamily="34" charset="0"/>
+              </a:rPr>
+              <a:t>파싱</a:t>
+            </a:r>
+            <a:r>
+              <a:rPr lang="en-US" altLang="ko-KR" sz="2400" dirty="0">
                 <a:solidFill>
-                  <a:schemeClr val="bg1">
+                  <a:schemeClr val="tx1">
                     <a:lumMod val="75000"/>
+                    <a:lumOff val="25000"/>
                   </a:schemeClr>
                 </a:solidFill>
-              </a:ln>
-            </p:spPr>
-            <p:style>
-              <a:lnRef idx="1">
-                <a:schemeClr val="accent1"/>
-              </a:lnRef>
-              <a:fillRef idx="0">
-                <a:schemeClr val="accent1"/>
-              </a:fillRef>
-              <a:effectRef idx="0">
-                <a:schemeClr val="accent1"/>
-              </a:effectRef>
-              <a:fontRef idx="minor">
-                <a:schemeClr val="tx1"/>
-              </a:fontRef>
-            </p:style>
-          </p:cxnSp>
-          <p:cxnSp>
-            <p:nvCxnSpPr>
-              <p:cNvPr id="36" name="Straight Connector 35"/>
-              <p:cNvCxnSpPr/>
-              <p:nvPr/>
-            </p:nvCxnSpPr>
-            <p:spPr>
-              <a:xfrm>
-                <a:off x="3600912" y="1933575"/>
-                <a:ext cx="0" cy="1876425"/>
-              </a:xfrm>
-              <a:prstGeom prst="line">
-                <a:avLst/>
-              </a:prstGeom>
-              <a:ln w="3175">
+                <a:latin typeface="나눔고딕 ExtraBold" panose="020D0904000000000000" pitchFamily="50" charset="-127"/>
+                <a:ea typeface="나눔고딕 ExtraBold" panose="020D0904000000000000" pitchFamily="50" charset="-127"/>
+                <a:cs typeface="Arial" panose="020B0604020202020204" pitchFamily="34" charset="0"/>
+              </a:rPr>
+              <a:t>, </a:t>
+            </a:r>
+            <a:r>
+              <a:rPr lang="ko-KR" altLang="en-US" sz="2400" dirty="0">
                 <a:solidFill>
-                  <a:schemeClr val="bg1">
+                  <a:schemeClr val="tx1">
                     <a:lumMod val="75000"/>
+                    <a:lumOff val="25000"/>
                   </a:schemeClr>
                 </a:solidFill>
-              </a:ln>
-            </p:spPr>
-            <p:style>
-              <a:lnRef idx="1">
-                <a:schemeClr val="accent1"/>
-              </a:lnRef>
-              <a:fillRef idx="0">
-                <a:schemeClr val="accent1"/>
-              </a:fillRef>
-              <a:effectRef idx="0">
-                <a:schemeClr val="accent1"/>
-              </a:effectRef>
-              <a:fontRef idx="minor">
-                <a:schemeClr val="tx1"/>
-              </a:fontRef>
-            </p:style>
-          </p:cxnSp>
-        </p:grpSp>
+                <a:latin typeface="나눔고딕 ExtraBold" panose="020D0904000000000000" pitchFamily="50" charset="-127"/>
+                <a:ea typeface="나눔고딕 ExtraBold" panose="020D0904000000000000" pitchFamily="50" charset="-127"/>
+                <a:cs typeface="Arial" panose="020B0604020202020204" pitchFamily="34" charset="0"/>
+              </a:rPr>
+              <a:t>검색기능</a:t>
+            </a:r>
+            <a:endParaRPr lang="ko-KR" altLang="en-US" sz="2400" dirty="0">
+              <a:latin typeface="나눔고딕 ExtraBold" panose="020D0904000000000000" pitchFamily="50" charset="-127"/>
+              <a:ea typeface="나눔고딕 ExtraBold" panose="020D0904000000000000" pitchFamily="50" charset="-127"/>
+            </a:endParaRPr>
+          </a:p>
+        </p:txBody>
+      </p:sp>
+      <p:grpSp>
+        <p:nvGrpSpPr>
+          <p:cNvPr id="19" name="Group 1">
+            <a:extLst>
+              <a:ext uri="{FF2B5EF4-FFF2-40B4-BE49-F238E27FC236}">
+                <a16:creationId xmlns:a16="http://schemas.microsoft.com/office/drawing/2014/main" id="{D145396B-230D-4862-B476-6D3B7B90591E}"/>
+              </a:ext>
+            </a:extLst>
+          </p:cNvPr>
+          <p:cNvGrpSpPr/>
+          <p:nvPr/>
+        </p:nvGrpSpPr>
+        <p:grpSpPr>
+          <a:xfrm>
+            <a:off x="642486" y="1533703"/>
+            <a:ext cx="231349" cy="226884"/>
+            <a:chOff x="1057353" y="1533706"/>
+            <a:chExt cx="231349" cy="226884"/>
+          </a:xfrm>
+        </p:grpSpPr>
         <p:sp>
           <p:nvSpPr>
-            <p:cNvPr id="12" name="Rounded Rectangle 11"/>
+            <p:cNvPr id="20" name="Isosceles Triangle 391">
+              <a:extLst>
+                <a:ext uri="{FF2B5EF4-FFF2-40B4-BE49-F238E27FC236}">
+                  <a16:creationId xmlns:a16="http://schemas.microsoft.com/office/drawing/2014/main" id="{95A0848E-27B2-4C25-B05D-E11D999F697F}"/>
+                </a:ext>
+              </a:extLst>
+            </p:cNvPr>
             <p:cNvSpPr/>
             <p:nvPr/>
           </p:nvSpPr>
           <p:spPr>
-            <a:xfrm>
-              <a:off x="6022247" y="1219200"/>
-              <a:ext cx="349978" cy="247650"/>
+            <a:xfrm rot="5400000">
+              <a:off x="1077465" y="1549353"/>
+              <a:ext cx="226884" cy="195590"/>
             </a:xfrm>
-            <a:prstGeom prst="roundRect">
-              <a:avLst>
-                <a:gd name="adj" fmla="val 0"/>
-              </a:avLst>
+            <a:prstGeom prst="triangle">
+              <a:avLst/>
             </a:prstGeom>
             <a:solidFill>
               <a:schemeClr val="tx1">
-                <a:lumMod val="50000"/>
-                <a:lumOff val="50000"/>
+                <a:lumMod val="75000"/>
+                <a:lumOff val="25000"/>
+              </a:schemeClr>
+            </a:solidFill>
+            <a:ln>
+              <a:noFill/>
+            </a:ln>
+          </p:spPr>
+          <p:style>
+            <a:lnRef idx="2">
+              <a:schemeClr val="accent1">
+                <a:shade val="50000"/>
+              </a:schemeClr>
+            </a:lnRef>
+            <a:fillRef idx="1">
+              <a:schemeClr val="accent1"/>
+            </a:fillRef>
+            <a:effectRef idx="0">
+              <a:schemeClr val="accent1"/>
+            </a:effectRef>
+            <a:fontRef idx="minor">
+              <a:schemeClr val="lt1"/>
+            </a:fontRef>
+          </p:style>
+          <p:txBody>
+            <a:bodyPr rtlCol="0" anchor="ctr"/>
+            <a:lstStyle/>
+            <a:p>
+              <a:pPr algn="ctr"/>
+              <a:endParaRPr lang="ko-KR" altLang="en-US"/>
+            </a:p>
+          </p:txBody>
+        </p:sp>
+        <p:sp>
+          <p:nvSpPr>
+            <p:cNvPr id="24" name="Isosceles Triangle 392">
+              <a:extLst>
+                <a:ext uri="{FF2B5EF4-FFF2-40B4-BE49-F238E27FC236}">
+                  <a16:creationId xmlns:a16="http://schemas.microsoft.com/office/drawing/2014/main" id="{499888B4-0947-4ABF-9D99-409DF6E58AF9}"/>
+                </a:ext>
+              </a:extLst>
+            </p:cNvPr>
+            <p:cNvSpPr/>
+            <p:nvPr/>
+          </p:nvSpPr>
+          <p:spPr>
+            <a:xfrm rot="5400000">
+              <a:off x="1041706" y="1549353"/>
+              <a:ext cx="226884" cy="195590"/>
+            </a:xfrm>
+            <a:prstGeom prst="triangle">
+              <a:avLst/>
+            </a:prstGeom>
+            <a:solidFill>
+              <a:schemeClr val="bg1">
+                <a:lumMod val="75000"/>
               </a:schemeClr>
             </a:solidFill>
             <a:ln>
@@ -4099,10 +3608,471 @@
       </p:grpSp>
       <p:grpSp>
         <p:nvGrpSpPr>
-          <p:cNvPr id="17" name="Group 25">
+          <p:cNvPr id="25" name="Group 411">
             <a:extLst>
               <a:ext uri="{FF2B5EF4-FFF2-40B4-BE49-F238E27FC236}">
-                <a16:creationId xmlns:a16="http://schemas.microsoft.com/office/drawing/2014/main" id="{8A0469C5-00DD-4B1D-8DFC-FBDA80CA355E}"/>
+                <a16:creationId xmlns:a16="http://schemas.microsoft.com/office/drawing/2014/main" id="{16006859-C6C7-4A58-9A71-E8BF388AFBD4}"/>
+              </a:ext>
+            </a:extLst>
+          </p:cNvPr>
+          <p:cNvGrpSpPr/>
+          <p:nvPr/>
+        </p:nvGrpSpPr>
+        <p:grpSpPr>
+          <a:xfrm>
+            <a:off x="5162588" y="1533703"/>
+            <a:ext cx="231349" cy="226884"/>
+            <a:chOff x="1855214" y="1333680"/>
+            <a:chExt cx="306961" cy="301037"/>
+          </a:xfrm>
+        </p:grpSpPr>
+        <p:sp>
+          <p:nvSpPr>
+            <p:cNvPr id="26" name="Isosceles Triangle 412">
+              <a:extLst>
+                <a:ext uri="{FF2B5EF4-FFF2-40B4-BE49-F238E27FC236}">
+                  <a16:creationId xmlns:a16="http://schemas.microsoft.com/office/drawing/2014/main" id="{118E0A65-3077-4B02-89F4-37E1B82BF90B}"/>
+                </a:ext>
+              </a:extLst>
+            </p:cNvPr>
+            <p:cNvSpPr/>
+            <p:nvPr/>
+          </p:nvSpPr>
+          <p:spPr>
+            <a:xfrm rot="5400000">
+              <a:off x="1834453" y="1354441"/>
+              <a:ext cx="301037" cy="259515"/>
+            </a:xfrm>
+            <a:prstGeom prst="triangle">
+              <a:avLst/>
+            </a:prstGeom>
+            <a:solidFill>
+              <a:schemeClr val="bg1">
+                <a:lumMod val="75000"/>
+              </a:schemeClr>
+            </a:solidFill>
+            <a:ln>
+              <a:noFill/>
+            </a:ln>
+          </p:spPr>
+          <p:style>
+            <a:lnRef idx="2">
+              <a:schemeClr val="accent1">
+                <a:shade val="50000"/>
+              </a:schemeClr>
+            </a:lnRef>
+            <a:fillRef idx="1">
+              <a:schemeClr val="accent1"/>
+            </a:fillRef>
+            <a:effectRef idx="0">
+              <a:schemeClr val="accent1"/>
+            </a:effectRef>
+            <a:fontRef idx="minor">
+              <a:schemeClr val="lt1"/>
+            </a:fontRef>
+          </p:style>
+          <p:txBody>
+            <a:bodyPr rtlCol="0" anchor="ctr"/>
+            <a:lstStyle/>
+            <a:p>
+              <a:pPr algn="ctr"/>
+              <a:endParaRPr lang="ko-KR" altLang="en-US"/>
+            </a:p>
+          </p:txBody>
+        </p:sp>
+        <p:sp>
+          <p:nvSpPr>
+            <p:cNvPr id="29" name="Isosceles Triangle 413">
+              <a:extLst>
+                <a:ext uri="{FF2B5EF4-FFF2-40B4-BE49-F238E27FC236}">
+                  <a16:creationId xmlns:a16="http://schemas.microsoft.com/office/drawing/2014/main" id="{64EE6A62-F294-4649-B636-CA44420841C4}"/>
+                </a:ext>
+              </a:extLst>
+            </p:cNvPr>
+            <p:cNvSpPr/>
+            <p:nvPr/>
+          </p:nvSpPr>
+          <p:spPr>
+            <a:xfrm rot="5400000">
+              <a:off x="1881899" y="1354441"/>
+              <a:ext cx="301037" cy="259515"/>
+            </a:xfrm>
+            <a:prstGeom prst="triangle">
+              <a:avLst/>
+            </a:prstGeom>
+            <a:solidFill>
+              <a:schemeClr val="tx1">
+                <a:lumMod val="75000"/>
+                <a:lumOff val="25000"/>
+              </a:schemeClr>
+            </a:solidFill>
+            <a:ln>
+              <a:noFill/>
+            </a:ln>
+          </p:spPr>
+          <p:style>
+            <a:lnRef idx="2">
+              <a:schemeClr val="accent1">
+                <a:shade val="50000"/>
+              </a:schemeClr>
+            </a:lnRef>
+            <a:fillRef idx="1">
+              <a:schemeClr val="accent1"/>
+            </a:fillRef>
+            <a:effectRef idx="0">
+              <a:schemeClr val="accent1"/>
+            </a:effectRef>
+            <a:fontRef idx="minor">
+              <a:schemeClr val="lt1"/>
+            </a:fontRef>
+          </p:style>
+          <p:txBody>
+            <a:bodyPr rtlCol="0" anchor="ctr"/>
+            <a:lstStyle/>
+            <a:p>
+              <a:pPr algn="ctr"/>
+              <a:endParaRPr lang="ko-KR" altLang="en-US"/>
+            </a:p>
+          </p:txBody>
+        </p:sp>
+      </p:grpSp>
+      <p:sp>
+        <p:nvSpPr>
+          <p:cNvPr id="30" name="Rectangle 414">
+            <a:extLst>
+              <a:ext uri="{FF2B5EF4-FFF2-40B4-BE49-F238E27FC236}">
+                <a16:creationId xmlns:a16="http://schemas.microsoft.com/office/drawing/2014/main" id="{CB6E6F1E-51C5-47C9-A7D8-B73B9C4DC5E3}"/>
+              </a:ext>
+            </a:extLst>
+          </p:cNvPr>
+          <p:cNvSpPr/>
+          <p:nvPr/>
+        </p:nvSpPr>
+        <p:spPr>
+          <a:xfrm>
+            <a:off x="5544645" y="2521058"/>
+            <a:ext cx="3152283" cy="1384995"/>
+          </a:xfrm>
+          <a:prstGeom prst="rect">
+            <a:avLst/>
+          </a:prstGeom>
+        </p:spPr>
+        <p:txBody>
+          <a:bodyPr wrap="square">
+            <a:spAutoFit/>
+          </a:bodyPr>
+          <a:lstStyle/>
+          <a:p>
+            <a:pPr marL="171450" indent="-171450" eaLnBrk="0" fontAlgn="t" latinLnBrk="0" hangingPunct="0">
+              <a:spcBef>
+                <a:spcPct val="0"/>
+              </a:spcBef>
+              <a:spcAft>
+                <a:spcPct val="0"/>
+              </a:spcAft>
+              <a:buFontTx/>
+              <a:buChar char="-"/>
+            </a:pPr>
+            <a:r>
+              <a:rPr lang="ko-KR" altLang="en-US" sz="2800" dirty="0">
+                <a:latin typeface="나눔바른고딕 UltraLight" panose="020B0603020101020101" pitchFamily="50" charset="-127"/>
+                <a:ea typeface="나눔바른고딕 UltraLight" panose="020B0603020101020101" pitchFamily="50" charset="-127"/>
+              </a:rPr>
+              <a:t>지역 검색</a:t>
+            </a:r>
+            <a:endParaRPr lang="en-US" altLang="ko-KR" sz="2800" dirty="0">
+              <a:latin typeface="나눔바른고딕 UltraLight" panose="020B0603020101020101" pitchFamily="50" charset="-127"/>
+              <a:ea typeface="나눔바른고딕 UltraLight" panose="020B0603020101020101" pitchFamily="50" charset="-127"/>
+            </a:endParaRPr>
+          </a:p>
+          <a:p>
+            <a:pPr marL="171450" indent="-171450" eaLnBrk="0" fontAlgn="t" latinLnBrk="0" hangingPunct="0">
+              <a:spcBef>
+                <a:spcPct val="0"/>
+              </a:spcBef>
+              <a:spcAft>
+                <a:spcPct val="0"/>
+              </a:spcAft>
+              <a:buFontTx/>
+              <a:buChar char="-"/>
+            </a:pPr>
+            <a:endParaRPr lang="en-US" altLang="ko-KR" sz="2800" dirty="0">
+              <a:latin typeface="나눔바른고딕 UltraLight" panose="020B0603020101020101" pitchFamily="50" charset="-127"/>
+              <a:ea typeface="나눔바른고딕 UltraLight" panose="020B0603020101020101" pitchFamily="50" charset="-127"/>
+            </a:endParaRPr>
+          </a:p>
+          <a:p>
+            <a:pPr marL="171450" indent="-171450" eaLnBrk="0" fontAlgn="t" latinLnBrk="0" hangingPunct="0">
+              <a:spcBef>
+                <a:spcPct val="0"/>
+              </a:spcBef>
+              <a:spcAft>
+                <a:spcPct val="0"/>
+              </a:spcAft>
+              <a:buFontTx/>
+              <a:buChar char="-"/>
+            </a:pPr>
+            <a:endParaRPr lang="en-US" altLang="ko-KR" sz="2800" dirty="0">
+              <a:latin typeface="나눔바른고딕 UltraLight" panose="020B0603020101020101" pitchFamily="50" charset="-127"/>
+              <a:ea typeface="나눔바른고딕 UltraLight" panose="020B0603020101020101" pitchFamily="50" charset="-127"/>
+            </a:endParaRPr>
+          </a:p>
+        </p:txBody>
+      </p:sp>
+      <p:sp>
+        <p:nvSpPr>
+          <p:cNvPr id="31" name="Rectangle 415">
+            <a:extLst>
+              <a:ext uri="{FF2B5EF4-FFF2-40B4-BE49-F238E27FC236}">
+                <a16:creationId xmlns:a16="http://schemas.microsoft.com/office/drawing/2014/main" id="{5996E3D6-C8E5-415C-9112-8480216AF4A9}"/>
+              </a:ext>
+            </a:extLst>
+          </p:cNvPr>
+          <p:cNvSpPr/>
+          <p:nvPr/>
+        </p:nvSpPr>
+        <p:spPr>
+          <a:xfrm>
+            <a:off x="5441383" y="1415287"/>
+            <a:ext cx="1759456" cy="461665"/>
+          </a:xfrm>
+          <a:prstGeom prst="rect">
+            <a:avLst/>
+          </a:prstGeom>
+        </p:spPr>
+        <p:txBody>
+          <a:bodyPr wrap="none">
+            <a:spAutoFit/>
+          </a:bodyPr>
+          <a:lstStyle/>
+          <a:p>
+            <a:r>
+              <a:rPr lang="en-US" altLang="ko-KR" sz="2400" dirty="0" err="1">
+                <a:latin typeface="나눔고딕 ExtraBold" panose="020D0904000000000000" pitchFamily="50" charset="-127"/>
+                <a:ea typeface="나눔고딕 ExtraBold" panose="020D0904000000000000" pitchFamily="50" charset="-127"/>
+              </a:rPr>
+              <a:t>Tkinter</a:t>
+            </a:r>
+            <a:r>
+              <a:rPr lang="en-US" altLang="ko-KR" sz="2400" dirty="0">
+                <a:latin typeface="나눔고딕 ExtraBold" panose="020D0904000000000000" pitchFamily="50" charset="-127"/>
+                <a:ea typeface="나눔고딕 ExtraBold" panose="020D0904000000000000" pitchFamily="50" charset="-127"/>
+              </a:rPr>
+              <a:t> GUI</a:t>
+            </a:r>
+            <a:endParaRPr lang="ko-KR" altLang="en-US" sz="2400" dirty="0">
+              <a:latin typeface="나눔고딕 ExtraBold" panose="020D0904000000000000" pitchFamily="50" charset="-127"/>
+              <a:ea typeface="나눔고딕 ExtraBold" panose="020D0904000000000000" pitchFamily="50" charset="-127"/>
+            </a:endParaRPr>
+          </a:p>
+        </p:txBody>
+      </p:sp>
+      <p:grpSp>
+        <p:nvGrpSpPr>
+          <p:cNvPr id="32" name="Group 4">
+            <a:extLst>
+              <a:ext uri="{FF2B5EF4-FFF2-40B4-BE49-F238E27FC236}">
+                <a16:creationId xmlns:a16="http://schemas.microsoft.com/office/drawing/2014/main" id="{0834C3E8-9C1F-4BBE-80BF-8AA7FE1C9196}"/>
+              </a:ext>
+            </a:extLst>
+          </p:cNvPr>
+          <p:cNvGrpSpPr/>
+          <p:nvPr/>
+        </p:nvGrpSpPr>
+        <p:grpSpPr>
+          <a:xfrm>
+            <a:off x="4449931" y="-34109"/>
+            <a:ext cx="269252" cy="6926217"/>
+            <a:chOff x="4449931" y="-34109"/>
+            <a:chExt cx="269252" cy="6926217"/>
+          </a:xfrm>
+        </p:grpSpPr>
+        <p:sp>
+          <p:nvSpPr>
+            <p:cNvPr id="33" name="Freeform 427">
+              <a:extLst>
+                <a:ext uri="{FF2B5EF4-FFF2-40B4-BE49-F238E27FC236}">
+                  <a16:creationId xmlns:a16="http://schemas.microsoft.com/office/drawing/2014/main" id="{16751045-758F-4DC8-84C4-A83453EF7CA3}"/>
+                </a:ext>
+              </a:extLst>
+            </p:cNvPr>
+            <p:cNvSpPr/>
+            <p:nvPr/>
+          </p:nvSpPr>
+          <p:spPr>
+            <a:xfrm rot="359612">
+              <a:off x="4468981" y="-34109"/>
+              <a:ext cx="250202" cy="6926217"/>
+            </a:xfrm>
+            <a:custGeom>
+              <a:avLst/>
+              <a:gdLst>
+                <a:gd name="connsiteX0" fmla="*/ 125339 w 250202"/>
+                <a:gd name="connsiteY0" fmla="*/ 0 h 6926217"/>
+                <a:gd name="connsiteX1" fmla="*/ 250202 w 250202"/>
+                <a:gd name="connsiteY1" fmla="*/ 6899948 h 6926217"/>
+                <a:gd name="connsiteX2" fmla="*/ 0 w 250202"/>
+                <a:gd name="connsiteY2" fmla="*/ 6926217 h 6926217"/>
+              </a:gdLst>
+              <a:ahLst/>
+              <a:cxnLst>
+                <a:cxn ang="0">
+                  <a:pos x="connsiteX0" y="connsiteY0"/>
+                </a:cxn>
+                <a:cxn ang="0">
+                  <a:pos x="connsiteX1" y="connsiteY1"/>
+                </a:cxn>
+                <a:cxn ang="0">
+                  <a:pos x="connsiteX2" y="connsiteY2"/>
+                </a:cxn>
+              </a:cxnLst>
+              <a:rect l="l" t="t" r="r" b="b"/>
+              <a:pathLst>
+                <a:path w="250202" h="6926217">
+                  <a:moveTo>
+                    <a:pt x="125339" y="0"/>
+                  </a:moveTo>
+                  <a:lnTo>
+                    <a:pt x="250202" y="6899948"/>
+                  </a:lnTo>
+                  <a:lnTo>
+                    <a:pt x="0" y="6926217"/>
+                  </a:lnTo>
+                  <a:close/>
+                </a:path>
+              </a:pathLst>
+            </a:custGeom>
+            <a:solidFill>
+              <a:schemeClr val="tx1">
+                <a:lumMod val="75000"/>
+                <a:lumOff val="25000"/>
+              </a:schemeClr>
+            </a:solidFill>
+            <a:ln>
+              <a:noFill/>
+            </a:ln>
+          </p:spPr>
+          <p:style>
+            <a:lnRef idx="2">
+              <a:schemeClr val="accent1">
+                <a:shade val="50000"/>
+              </a:schemeClr>
+            </a:lnRef>
+            <a:fillRef idx="1">
+              <a:schemeClr val="accent1"/>
+            </a:fillRef>
+            <a:effectRef idx="0">
+              <a:schemeClr val="accent1"/>
+            </a:effectRef>
+            <a:fontRef idx="minor">
+              <a:schemeClr val="lt1"/>
+            </a:fontRef>
+          </p:style>
+          <p:txBody>
+            <a:bodyPr rtlCol="0" anchor="ctr"/>
+            <a:lstStyle/>
+            <a:p>
+              <a:pPr algn="ctr"/>
+              <a:endParaRPr lang="ko-KR" altLang="en-US"/>
+            </a:p>
+          </p:txBody>
+        </p:sp>
+        <p:sp>
+          <p:nvSpPr>
+            <p:cNvPr id="34" name="Freeform 428">
+              <a:extLst>
+                <a:ext uri="{FF2B5EF4-FFF2-40B4-BE49-F238E27FC236}">
+                  <a16:creationId xmlns:a16="http://schemas.microsoft.com/office/drawing/2014/main" id="{5C728E77-B2DF-4493-AC10-21EA4157901E}"/>
+                </a:ext>
+              </a:extLst>
+            </p:cNvPr>
+            <p:cNvSpPr/>
+            <p:nvPr/>
+          </p:nvSpPr>
+          <p:spPr>
+            <a:xfrm rot="359612">
+              <a:off x="4449931" y="-34109"/>
+              <a:ext cx="250202" cy="6926217"/>
+            </a:xfrm>
+            <a:custGeom>
+              <a:avLst/>
+              <a:gdLst>
+                <a:gd name="connsiteX0" fmla="*/ 125339 w 250202"/>
+                <a:gd name="connsiteY0" fmla="*/ 0 h 6926217"/>
+                <a:gd name="connsiteX1" fmla="*/ 250202 w 250202"/>
+                <a:gd name="connsiteY1" fmla="*/ 6899948 h 6926217"/>
+                <a:gd name="connsiteX2" fmla="*/ 0 w 250202"/>
+                <a:gd name="connsiteY2" fmla="*/ 6926217 h 6926217"/>
+              </a:gdLst>
+              <a:ahLst/>
+              <a:cxnLst>
+                <a:cxn ang="0">
+                  <a:pos x="connsiteX0" y="connsiteY0"/>
+                </a:cxn>
+                <a:cxn ang="0">
+                  <a:pos x="connsiteX1" y="connsiteY1"/>
+                </a:cxn>
+                <a:cxn ang="0">
+                  <a:pos x="connsiteX2" y="connsiteY2"/>
+                </a:cxn>
+              </a:cxnLst>
+              <a:rect l="l" t="t" r="r" b="b"/>
+              <a:pathLst>
+                <a:path w="250202" h="6926217">
+                  <a:moveTo>
+                    <a:pt x="125339" y="0"/>
+                  </a:moveTo>
+                  <a:lnTo>
+                    <a:pt x="250202" y="6899948"/>
+                  </a:lnTo>
+                  <a:lnTo>
+                    <a:pt x="0" y="6926217"/>
+                  </a:lnTo>
+                  <a:close/>
+                </a:path>
+              </a:pathLst>
+            </a:custGeom>
+            <a:solidFill>
+              <a:schemeClr val="bg1">
+                <a:lumMod val="85000"/>
+              </a:schemeClr>
+            </a:solidFill>
+            <a:ln>
+              <a:noFill/>
+            </a:ln>
+          </p:spPr>
+          <p:style>
+            <a:lnRef idx="2">
+              <a:schemeClr val="accent1">
+                <a:shade val="50000"/>
+              </a:schemeClr>
+            </a:lnRef>
+            <a:fillRef idx="1">
+              <a:schemeClr val="accent1"/>
+            </a:fillRef>
+            <a:effectRef idx="0">
+              <a:schemeClr val="accent1"/>
+            </a:effectRef>
+            <a:fontRef idx="minor">
+              <a:schemeClr val="lt1"/>
+            </a:fontRef>
+          </p:style>
+          <p:txBody>
+            <a:bodyPr rtlCol="0" anchor="ctr"/>
+            <a:lstStyle/>
+            <a:p>
+              <a:pPr algn="ctr"/>
+              <a:endParaRPr lang="ko-KR" altLang="en-US"/>
+            </a:p>
+          </p:txBody>
+        </p:sp>
+      </p:grpSp>
+      <p:grpSp>
+        <p:nvGrpSpPr>
+          <p:cNvPr id="35" name="Group 25">
+            <a:extLst>
+              <a:ext uri="{FF2B5EF4-FFF2-40B4-BE49-F238E27FC236}">
+                <a16:creationId xmlns:a16="http://schemas.microsoft.com/office/drawing/2014/main" id="{F5473403-777F-40FA-A57E-54FD97021BD0}"/>
               </a:ext>
             </a:extLst>
           </p:cNvPr>
@@ -4119,10 +4089,143 @@
         </p:grpSpPr>
         <p:sp>
           <p:nvSpPr>
-            <p:cNvPr id="18" name="Rectangle 26">
+            <p:cNvPr id="37" name="Rectangle 26">
               <a:extLst>
                 <a:ext uri="{FF2B5EF4-FFF2-40B4-BE49-F238E27FC236}">
-                  <a16:creationId xmlns:a16="http://schemas.microsoft.com/office/drawing/2014/main" id="{328B95D1-F714-48B6-85AC-C1E6418720B0}"/>
+                  <a16:creationId xmlns:a16="http://schemas.microsoft.com/office/drawing/2014/main" id="{CDBB29CA-216F-4CCC-9E5B-4AD11FF8D414}"/>
+                </a:ext>
+              </a:extLst>
+            </p:cNvPr>
+            <p:cNvSpPr/>
+            <p:nvPr/>
+          </p:nvSpPr>
+          <p:spPr>
+            <a:xfrm>
+              <a:off x="0" y="-1"/>
+              <a:ext cx="1466850" cy="409339"/>
+            </a:xfrm>
+            <a:prstGeom prst="rect">
+              <a:avLst/>
+            </a:prstGeom>
+            <a:solidFill>
+              <a:schemeClr val="tx1">
+                <a:lumMod val="75000"/>
+                <a:lumOff val="25000"/>
+              </a:schemeClr>
+            </a:solidFill>
+            <a:ln>
+              <a:noFill/>
+            </a:ln>
+          </p:spPr>
+          <p:style>
+            <a:lnRef idx="2">
+              <a:schemeClr val="accent1">
+                <a:shade val="50000"/>
+              </a:schemeClr>
+            </a:lnRef>
+            <a:fillRef idx="1">
+              <a:schemeClr val="accent1"/>
+            </a:fillRef>
+            <a:effectRef idx="0">
+              <a:schemeClr val="accent1"/>
+            </a:effectRef>
+            <a:fontRef idx="minor">
+              <a:schemeClr val="lt1"/>
+            </a:fontRef>
+          </p:style>
+          <p:txBody>
+            <a:bodyPr rtlCol="0" anchor="ctr"/>
+            <a:lstStyle/>
+            <a:p>
+              <a:pPr algn="ctr"/>
+              <a:endParaRPr lang="ko-KR" altLang="en-US" dirty="0"/>
+            </a:p>
+          </p:txBody>
+        </p:sp>
+        <p:sp>
+          <p:nvSpPr>
+            <p:cNvPr id="38" name="Isosceles Triangle 27">
+              <a:extLst>
+                <a:ext uri="{FF2B5EF4-FFF2-40B4-BE49-F238E27FC236}">
+                  <a16:creationId xmlns:a16="http://schemas.microsoft.com/office/drawing/2014/main" id="{DF378B9B-FE47-439A-A482-C4A7DDEAB67E}"/>
+                </a:ext>
+              </a:extLst>
+            </p:cNvPr>
+            <p:cNvSpPr/>
+            <p:nvPr/>
+          </p:nvSpPr>
+          <p:spPr>
+            <a:xfrm rot="5400000">
+              <a:off x="1456363" y="10486"/>
+              <a:ext cx="409338" cy="388363"/>
+            </a:xfrm>
+            <a:prstGeom prst="triangle">
+              <a:avLst>
+                <a:gd name="adj" fmla="val 0"/>
+              </a:avLst>
+            </a:prstGeom>
+            <a:solidFill>
+              <a:schemeClr val="tx1">
+                <a:lumMod val="75000"/>
+                <a:lumOff val="25000"/>
+              </a:schemeClr>
+            </a:solidFill>
+            <a:ln>
+              <a:noFill/>
+            </a:ln>
+          </p:spPr>
+          <p:style>
+            <a:lnRef idx="2">
+              <a:schemeClr val="accent1">
+                <a:shade val="50000"/>
+              </a:schemeClr>
+            </a:lnRef>
+            <a:fillRef idx="1">
+              <a:schemeClr val="accent1"/>
+            </a:fillRef>
+            <a:effectRef idx="0">
+              <a:schemeClr val="accent1"/>
+            </a:effectRef>
+            <a:fontRef idx="minor">
+              <a:schemeClr val="lt1"/>
+            </a:fontRef>
+          </p:style>
+          <p:txBody>
+            <a:bodyPr rtlCol="0" anchor="ctr"/>
+            <a:lstStyle/>
+            <a:p>
+              <a:pPr algn="ctr"/>
+              <a:endParaRPr lang="ko-KR" altLang="en-US"/>
+            </a:p>
+          </p:txBody>
+        </p:sp>
+      </p:grpSp>
+      <p:grpSp>
+        <p:nvGrpSpPr>
+          <p:cNvPr id="39" name="Group 25">
+            <a:extLst>
+              <a:ext uri="{FF2B5EF4-FFF2-40B4-BE49-F238E27FC236}">
+                <a16:creationId xmlns:a16="http://schemas.microsoft.com/office/drawing/2014/main" id="{096339CE-2E90-4D07-9108-5485A8D6FF88}"/>
+              </a:ext>
+            </a:extLst>
+          </p:cNvPr>
+          <p:cNvGrpSpPr/>
+          <p:nvPr/>
+        </p:nvGrpSpPr>
+        <p:grpSpPr>
+          <a:xfrm>
+            <a:off x="0" y="0"/>
+            <a:ext cx="2142067" cy="888992"/>
+            <a:chOff x="0" y="-1"/>
+            <a:chExt cx="1855213" cy="409339"/>
+          </a:xfrm>
+        </p:grpSpPr>
+        <p:sp>
+          <p:nvSpPr>
+            <p:cNvPr id="40" name="Rectangle 26">
+              <a:extLst>
+                <a:ext uri="{FF2B5EF4-FFF2-40B4-BE49-F238E27FC236}">
+                  <a16:creationId xmlns:a16="http://schemas.microsoft.com/office/drawing/2014/main" id="{E466FD64-E5E2-4C9A-B8ED-41B0A14CF6F7}"/>
                 </a:ext>
               </a:extLst>
             </p:cNvPr>
@@ -4174,10 +4277,10 @@
         </p:sp>
         <p:sp>
           <p:nvSpPr>
-            <p:cNvPr id="21" name="Isosceles Triangle 27">
+            <p:cNvPr id="41" name="Isosceles Triangle 27">
               <a:extLst>
                 <a:ext uri="{FF2B5EF4-FFF2-40B4-BE49-F238E27FC236}">
-                  <a16:creationId xmlns:a16="http://schemas.microsoft.com/office/drawing/2014/main" id="{5C01978A-7E97-412F-9CA1-8EB3A11E192A}"/>
+                  <a16:creationId xmlns:a16="http://schemas.microsoft.com/office/drawing/2014/main" id="{6FBA4F12-B420-4553-941C-DBD868FEB07A}"/>
                 </a:ext>
               </a:extLst>
             </p:cNvPr>
@@ -4232,10 +4335,10 @@
       </p:grpSp>
       <p:sp>
         <p:nvSpPr>
-          <p:cNvPr id="22" name="TextBox 21">
+          <p:cNvPr id="42" name="TextBox 41">
             <a:extLst>
               <a:ext uri="{FF2B5EF4-FFF2-40B4-BE49-F238E27FC236}">
-                <a16:creationId xmlns:a16="http://schemas.microsoft.com/office/drawing/2014/main" id="{E153F12C-C580-4CE6-8AD9-DBDF390FEEBE}"/>
+                <a16:creationId xmlns:a16="http://schemas.microsoft.com/office/drawing/2014/main" id="{494FDF75-38EE-4A0E-B5BE-86B2BED0A88B}"/>
               </a:ext>
             </a:extLst>
           </p:cNvPr>
@@ -4244,8 +4347,8 @@
         </p:nvSpPr>
         <p:spPr>
           <a:xfrm>
-            <a:off x="0" y="205412"/>
-            <a:ext cx="2029097" cy="400110"/>
+            <a:off x="-97039" y="169147"/>
+            <a:ext cx="2029097" cy="461665"/>
           </a:xfrm>
           <a:prstGeom prst="rect">
             <a:avLst/>
@@ -4262,64 +4365,18 @@
           <a:lstStyle/>
           <a:p>
             <a:r>
-              <a:rPr lang="en-US" altLang="ko-KR" sz="2000" dirty="0">
+              <a:rPr lang="ko-KR" altLang="en-US" sz="2400" dirty="0">
                 <a:solidFill>
                   <a:schemeClr val="bg1"/>
                 </a:solidFill>
                 <a:latin typeface="나눔고딕 ExtraBold" panose="020D0904000000000000" pitchFamily="50" charset="-127"/>
                 <a:ea typeface="나눔고딕 ExtraBold" panose="020D0904000000000000" pitchFamily="50" charset="-127"/>
               </a:rPr>
-              <a:t>Open API </a:t>
-            </a:r>
-            <a:r>
-              <a:rPr lang="ko-KR" altLang="en-US" sz="2000" dirty="0">
-                <a:solidFill>
-                  <a:schemeClr val="bg1"/>
-                </a:solidFill>
-                <a:latin typeface="나눔고딕 ExtraBold" panose="020D0904000000000000" pitchFamily="50" charset="-127"/>
-                <a:ea typeface="나눔고딕 ExtraBold" panose="020D0904000000000000" pitchFamily="50" charset="-127"/>
-              </a:rPr>
-              <a:t>정보</a:t>
+              <a:t>구현한 기능</a:t>
             </a:r>
           </a:p>
         </p:txBody>
       </p:sp>
-      <p:pic>
-        <p:nvPicPr>
-          <p:cNvPr id="23" name="그림 22">
-            <a:extLst>
-              <a:ext uri="{FF2B5EF4-FFF2-40B4-BE49-F238E27FC236}">
-                <a16:creationId xmlns:a16="http://schemas.microsoft.com/office/drawing/2014/main" id="{3B2FAD2E-E5B0-4B76-B91F-F94959286B8A}"/>
-              </a:ext>
-            </a:extLst>
-          </p:cNvPr>
-          <p:cNvPicPr>
-            <a:picLocks noChangeAspect="1"/>
-          </p:cNvPicPr>
-          <p:nvPr/>
-        </p:nvPicPr>
-        <p:blipFill>
-          <a:blip r:embed="rId2">
-            <a:extLst>
-              <a:ext uri="{28A0092B-C50C-407E-A947-70E740481C1C}">
-                <a14:useLocalDpi xmlns:a14="http://schemas.microsoft.com/office/drawing/2010/main" val="0"/>
-              </a:ext>
-            </a:extLst>
-          </a:blip>
-          <a:stretch>
-            <a:fillRect/>
-          </a:stretch>
-        </p:blipFill>
-        <p:spPr>
-          <a:xfrm>
-            <a:off x="484264" y="888989"/>
-            <a:ext cx="8229600" cy="5207319"/>
-          </a:xfrm>
-          <a:prstGeom prst="rect">
-            <a:avLst/>
-          </a:prstGeom>
-        </p:spPr>
-      </p:pic>
     </p:spTree>
     <p:extLst>
       <p:ext uri="{BB962C8B-B14F-4D97-AF65-F5344CB8AC3E}">
@@ -4354,7 +4411,7 @@
                             </p:stCondLst>
                             <p:childTnLst>
                               <p:par>
-                                <p:cTn id="5" presetID="22" presetClass="entr" presetSubtype="2" fill="hold" nodeType="afterEffect">
+                                <p:cTn id="5" presetID="22" presetClass="entr" presetSubtype="4" fill="hold" nodeType="afterEffect">
                                   <p:stCondLst>
                                     <p:cond delay="0"/>
                                   </p:stCondLst>
@@ -4367,7 +4424,7 @@
                                           </p:stCondLst>
                                         </p:cTn>
                                         <p:tgtEl>
-                                          <p:spTgt spid="13"/>
+                                          <p:spTgt spid="32"/>
                                         </p:tgtEl>
                                         <p:attrNameLst>
                                           <p:attrName>style.visibility</p:attrName>
@@ -4377,32 +4434,41 @@
                                         <p:strVal val="visible"/>
                                       </p:to>
                                     </p:set>
-                                    <p:animEffect transition="in" filter="wipe(right)">
+                                    <p:animEffect transition="in" filter="wipe(down)">
                                       <p:cBhvr>
-                                        <p:cTn id="7" dur="500"/>
+                                        <p:cTn id="7" dur="1000"/>
                                         <p:tgtEl>
-                                          <p:spTgt spid="13"/>
+                                          <p:spTgt spid="32"/>
                                         </p:tgtEl>
                                       </p:cBhvr>
                                     </p:animEffect>
                                   </p:childTnLst>
                                 </p:cTn>
                               </p:par>
+                            </p:childTnLst>
+                          </p:cTn>
+                        </p:par>
+                        <p:par>
+                          <p:cTn id="8" fill="hold">
+                            <p:stCondLst>
+                              <p:cond delay="1000"/>
+                            </p:stCondLst>
+                            <p:childTnLst>
                               <p:par>
-                                <p:cTn id="8" presetID="22" presetClass="entr" presetSubtype="8" fill="hold" nodeType="withEffect">
+                                <p:cTn id="9" presetID="22" presetClass="entr" presetSubtype="8" fill="hold" nodeType="afterEffect">
                                   <p:stCondLst>
                                     <p:cond delay="0"/>
                                   </p:stCondLst>
                                   <p:childTnLst>
                                     <p:set>
                                       <p:cBhvr>
-                                        <p:cTn id="9" dur="1" fill="hold">
+                                        <p:cTn id="10" dur="1" fill="hold">
                                           <p:stCondLst>
                                             <p:cond delay="0"/>
                                           </p:stCondLst>
                                         </p:cTn>
                                         <p:tgtEl>
-                                          <p:spTgt spid="17"/>
+                                          <p:spTgt spid="19"/>
                                         </p:tgtEl>
                                         <p:attrNameLst>
                                           <p:attrName>style.visibility</p:attrName>
@@ -4414,9 +4480,9 @@
                                     </p:set>
                                     <p:animEffect transition="in" filter="wipe(left)">
                                       <p:cBhvr>
-                                        <p:cTn id="10" dur="500"/>
+                                        <p:cTn id="11" dur="500"/>
                                         <p:tgtEl>
-                                          <p:spTgt spid="17"/>
+                                          <p:spTgt spid="19"/>
                                         </p:tgtEl>
                                       </p:cBhvr>
                                     </p:animEffect>
@@ -4424,20 +4490,55 @@
                                 </p:cTn>
                               </p:par>
                               <p:par>
-                                <p:cTn id="11" presetID="10" presetClass="entr" presetSubtype="0" fill="hold" grpId="0" nodeType="withEffect">
+                                <p:cTn id="12" presetID="22" presetClass="entr" presetSubtype="1" fill="hold" grpId="0" nodeType="withEffect">
                                   <p:stCondLst>
                                     <p:cond delay="0"/>
                                   </p:stCondLst>
                                   <p:childTnLst>
                                     <p:set>
                                       <p:cBhvr>
-                                        <p:cTn id="12" dur="1" fill="hold">
+                                        <p:cTn id="13" dur="1" fill="hold">
                                           <p:stCondLst>
                                             <p:cond delay="0"/>
                                           </p:stCondLst>
                                         </p:cTn>
                                         <p:tgtEl>
-                                          <p:spTgt spid="22"/>
+                                          <p:spTgt spid="16"/>
+                                        </p:tgtEl>
+                                        <p:attrNameLst>
+                                          <p:attrName>style.visibility</p:attrName>
+                                        </p:attrNameLst>
+                                      </p:cBhvr>
+                                      <p:to>
+                                        <p:strVal val="visible"/>
+                                      </p:to>
+                                    </p:set>
+                                    <p:animEffect transition="in" filter="wipe(up)">
+                                      <p:cBhvr>
+                                        <p:cTn id="14" dur="750"/>
+                                        <p:tgtEl>
+                                          <p:spTgt spid="16"/>
+                                        </p:tgtEl>
+                                      </p:cBhvr>
+                                    </p:animEffect>
+                                  </p:childTnLst>
+                                </p:cTn>
+                              </p:par>
+                              <p:par>
+                                <p:cTn id="15" presetID="10" presetClass="entr" presetSubtype="0" fill="hold" grpId="0" nodeType="withEffect">
+                                  <p:stCondLst>
+                                    <p:cond delay="0"/>
+                                  </p:stCondLst>
+                                  <p:childTnLst>
+                                    <p:set>
+                                      <p:cBhvr>
+                                        <p:cTn id="16" dur="1" fill="hold">
+                                          <p:stCondLst>
+                                            <p:cond delay="0"/>
+                                          </p:stCondLst>
+                                        </p:cTn>
+                                        <p:tgtEl>
+                                          <p:spTgt spid="15"/>
                                         </p:tgtEl>
                                         <p:attrNameLst>
                                           <p:attrName>style.visibility</p:attrName>
@@ -4449,9 +4550,228 @@
                                     </p:set>
                                     <p:animEffect transition="in" filter="fade">
                                       <p:cBhvr>
-                                        <p:cTn id="13" dur="500"/>
+                                        <p:cTn id="17" dur="1000"/>
                                         <p:tgtEl>
-                                          <p:spTgt spid="22"/>
+                                          <p:spTgt spid="15"/>
+                                        </p:tgtEl>
+                                      </p:cBhvr>
+                                    </p:animEffect>
+                                  </p:childTnLst>
+                                </p:cTn>
+                              </p:par>
+                            </p:childTnLst>
+                          </p:cTn>
+                        </p:par>
+                        <p:par>
+                          <p:cTn id="18" fill="hold">
+                            <p:stCondLst>
+                              <p:cond delay="2000"/>
+                            </p:stCondLst>
+                            <p:childTnLst>
+                              <p:par>
+                                <p:cTn id="19" presetID="22" presetClass="entr" presetSubtype="8" fill="hold" nodeType="afterEffect">
+                                  <p:stCondLst>
+                                    <p:cond delay="0"/>
+                                  </p:stCondLst>
+                                  <p:childTnLst>
+                                    <p:set>
+                                      <p:cBhvr>
+                                        <p:cTn id="20" dur="1" fill="hold">
+                                          <p:stCondLst>
+                                            <p:cond delay="0"/>
+                                          </p:stCondLst>
+                                        </p:cTn>
+                                        <p:tgtEl>
+                                          <p:spTgt spid="25"/>
+                                        </p:tgtEl>
+                                        <p:attrNameLst>
+                                          <p:attrName>style.visibility</p:attrName>
+                                        </p:attrNameLst>
+                                      </p:cBhvr>
+                                      <p:to>
+                                        <p:strVal val="visible"/>
+                                      </p:to>
+                                    </p:set>
+                                    <p:animEffect transition="in" filter="wipe(left)">
+                                      <p:cBhvr>
+                                        <p:cTn id="21" dur="500"/>
+                                        <p:tgtEl>
+                                          <p:spTgt spid="25"/>
+                                        </p:tgtEl>
+                                      </p:cBhvr>
+                                    </p:animEffect>
+                                  </p:childTnLst>
+                                </p:cTn>
+                              </p:par>
+                              <p:par>
+                                <p:cTn id="22" presetID="22" presetClass="entr" presetSubtype="1" fill="hold" grpId="0" nodeType="withEffect">
+                                  <p:stCondLst>
+                                    <p:cond delay="0"/>
+                                  </p:stCondLst>
+                                  <p:childTnLst>
+                                    <p:set>
+                                      <p:cBhvr>
+                                        <p:cTn id="23" dur="1" fill="hold">
+                                          <p:stCondLst>
+                                            <p:cond delay="0"/>
+                                          </p:stCondLst>
+                                        </p:cTn>
+                                        <p:tgtEl>
+                                          <p:spTgt spid="31"/>
+                                        </p:tgtEl>
+                                        <p:attrNameLst>
+                                          <p:attrName>style.visibility</p:attrName>
+                                        </p:attrNameLst>
+                                      </p:cBhvr>
+                                      <p:to>
+                                        <p:strVal val="visible"/>
+                                      </p:to>
+                                    </p:set>
+                                    <p:animEffect transition="in" filter="wipe(up)">
+                                      <p:cBhvr>
+                                        <p:cTn id="24" dur="750"/>
+                                        <p:tgtEl>
+                                          <p:spTgt spid="31"/>
+                                        </p:tgtEl>
+                                      </p:cBhvr>
+                                    </p:animEffect>
+                                  </p:childTnLst>
+                                </p:cTn>
+                              </p:par>
+                              <p:par>
+                                <p:cTn id="25" presetID="10" presetClass="entr" presetSubtype="0" fill="hold" grpId="0" nodeType="withEffect">
+                                  <p:stCondLst>
+                                    <p:cond delay="0"/>
+                                  </p:stCondLst>
+                                  <p:childTnLst>
+                                    <p:set>
+                                      <p:cBhvr>
+                                        <p:cTn id="26" dur="1" fill="hold">
+                                          <p:stCondLst>
+                                            <p:cond delay="0"/>
+                                          </p:stCondLst>
+                                        </p:cTn>
+                                        <p:tgtEl>
+                                          <p:spTgt spid="30"/>
+                                        </p:tgtEl>
+                                        <p:attrNameLst>
+                                          <p:attrName>style.visibility</p:attrName>
+                                        </p:attrNameLst>
+                                      </p:cBhvr>
+                                      <p:to>
+                                        <p:strVal val="visible"/>
+                                      </p:to>
+                                    </p:set>
+                                    <p:animEffect transition="in" filter="fade">
+                                      <p:cBhvr>
+                                        <p:cTn id="27" dur="1000"/>
+                                        <p:tgtEl>
+                                          <p:spTgt spid="30"/>
+                                        </p:tgtEl>
+                                      </p:cBhvr>
+                                    </p:animEffect>
+                                  </p:childTnLst>
+                                </p:cTn>
+                              </p:par>
+                              <p:par>
+                                <p:cTn id="28" presetID="22" presetClass="entr" presetSubtype="8" fill="hold" nodeType="withEffect">
+                                  <p:stCondLst>
+                                    <p:cond delay="0"/>
+                                  </p:stCondLst>
+                                  <p:childTnLst>
+                                    <p:set>
+                                      <p:cBhvr>
+                                        <p:cTn id="29" dur="1" fill="hold">
+                                          <p:stCondLst>
+                                            <p:cond delay="0"/>
+                                          </p:stCondLst>
+                                        </p:cTn>
+                                        <p:tgtEl>
+                                          <p:spTgt spid="35"/>
+                                        </p:tgtEl>
+                                        <p:attrNameLst>
+                                          <p:attrName>style.visibility</p:attrName>
+                                        </p:attrNameLst>
+                                      </p:cBhvr>
+                                      <p:to>
+                                        <p:strVal val="visible"/>
+                                      </p:to>
+                                    </p:set>
+                                    <p:animEffect transition="in" filter="wipe(left)">
+                                      <p:cBhvr>
+                                        <p:cTn id="30" dur="500"/>
+                                        <p:tgtEl>
+                                          <p:spTgt spid="35"/>
+                                        </p:tgtEl>
+                                      </p:cBhvr>
+                                    </p:animEffect>
+                                  </p:childTnLst>
+                                </p:cTn>
+                              </p:par>
+                              <p:par>
+                                <p:cTn id="31" presetID="22" presetClass="entr" presetSubtype="8" fill="hold" nodeType="withEffect">
+                                  <p:stCondLst>
+                                    <p:cond delay="0"/>
+                                  </p:stCondLst>
+                                  <p:childTnLst>
+                                    <p:set>
+                                      <p:cBhvr>
+                                        <p:cTn id="32" dur="1" fill="hold">
+                                          <p:stCondLst>
+                                            <p:cond delay="0"/>
+                                          </p:stCondLst>
+                                        </p:cTn>
+                                        <p:tgtEl>
+                                          <p:spTgt spid="39"/>
+                                        </p:tgtEl>
+                                        <p:attrNameLst>
+                                          <p:attrName>style.visibility</p:attrName>
+                                        </p:attrNameLst>
+                                      </p:cBhvr>
+                                      <p:to>
+                                        <p:strVal val="visible"/>
+                                      </p:to>
+                                    </p:set>
+                                    <p:animEffect transition="in" filter="wipe(left)">
+                                      <p:cBhvr>
+                                        <p:cTn id="33" dur="500"/>
+                                        <p:tgtEl>
+                                          <p:spTgt spid="39"/>
+                                        </p:tgtEl>
+                                      </p:cBhvr>
+                                    </p:animEffect>
+                                  </p:childTnLst>
+                                </p:cTn>
+                              </p:par>
+                              <p:par>
+                                <p:cTn id="34" presetID="10" presetClass="entr" presetSubtype="0" fill="hold" grpId="0" nodeType="withEffect">
+                                  <p:stCondLst>
+                                    <p:cond delay="0"/>
+                                  </p:stCondLst>
+                                  <p:childTnLst>
+                                    <p:set>
+                                      <p:cBhvr>
+                                        <p:cTn id="35" dur="1" fill="hold">
+                                          <p:stCondLst>
+                                            <p:cond delay="0"/>
+                                          </p:stCondLst>
+                                        </p:cTn>
+                                        <p:tgtEl>
+                                          <p:spTgt spid="42"/>
+                                        </p:tgtEl>
+                                        <p:attrNameLst>
+                                          <p:attrName>style.visibility</p:attrName>
+                                        </p:attrNameLst>
+                                      </p:cBhvr>
+                                      <p:to>
+                                        <p:strVal val="visible"/>
+                                      </p:to>
+                                    </p:set>
+                                    <p:animEffect transition="in" filter="fade">
+                                      <p:cBhvr>
+                                        <p:cTn id="36" dur="500"/>
+                                        <p:tgtEl>
+                                          <p:spTgt spid="42"/>
                                         </p:tgtEl>
                                       </p:cBhvr>
                                     </p:animEffect>
@@ -4486,7 +4806,11 @@
       </p:par>
     </p:tnLst>
     <p:bldLst>
-      <p:bldP spid="22" grpId="0"/>
+      <p:bldP spid="15" grpId="0"/>
+      <p:bldP spid="16" grpId="0"/>
+      <p:bldP spid="30" grpId="0"/>
+      <p:bldP spid="31" grpId="0"/>
+      <p:bldP spid="42" grpId="0"/>
     </p:bldLst>
   </p:timing>
 </p:sld>
@@ -9568,7 +9892,7 @@
           <p:nvPr>
             <p:extLst>
               <p:ext uri="{D42A27DB-BD31-4B8C-83A1-F6EECF244321}">
-                <p14:modId xmlns:p14="http://schemas.microsoft.com/office/powerpoint/2010/main" val="3897701360"/>
+                <p14:modId xmlns:p14="http://schemas.microsoft.com/office/powerpoint/2010/main" val="61040605"/>
               </p:ext>
             </p:extLst>
           </p:nvPr>
@@ -10073,6 +10397,10 @@
                     <a:lstStyle/>
                     <a:p>
                       <a:pPr algn="ctr" latinLnBrk="1"/>
+                      <a:r>
+                        <a:rPr lang="en-US" altLang="ko-KR" sz="1600" dirty="0"/>
+                        <a:t>O</a:t>
+                      </a:r>
                       <a:endParaRPr lang="ko-KR" altLang="en-US" sz="1600" dirty="0"/>
                     </a:p>
                   </a:txBody>
@@ -10146,6 +10474,10 @@
                     <a:lstStyle/>
                     <a:p>
                       <a:pPr algn="ctr" latinLnBrk="1"/>
+                      <a:r>
+                        <a:rPr lang="en-US" altLang="ko-KR" sz="1600" dirty="0"/>
+                        <a:t>O</a:t>
+                      </a:r>
                       <a:endParaRPr lang="ko-KR" altLang="en-US" sz="1600" dirty="0"/>
                     </a:p>
                   </a:txBody>
@@ -10264,7 +10596,18 @@
                     <a:lstStyle/>
                     <a:p>
                       <a:pPr algn="ctr" latinLnBrk="1"/>
-                      <a:endParaRPr lang="ko-KR" altLang="en-US" sz="1600" dirty="0"/>
+                      <a:r>
+                        <a:rPr lang="en-US" altLang="ko-KR" sz="1600" dirty="0" err="1"/>
+                        <a:t>Tkinter</a:t>
+                      </a:r>
+                      <a:endParaRPr lang="en-US" altLang="ko-KR" sz="1600" dirty="0"/>
+                    </a:p>
+                    <a:p>
+                      <a:pPr algn="ctr" latinLnBrk="1"/>
+                      <a:r>
+                        <a:rPr lang="ko-KR" altLang="en-US" sz="1600" dirty="0"/>
+                        <a:t>구현</a:t>
+                      </a:r>
                     </a:p>
                   </a:txBody>
                   <a:tcPr anchor="ctr"/>
@@ -11093,20 +11436,7 @@
                 <a:latin typeface="나눔고딕 ExtraBold" panose="020D0904000000000000" pitchFamily="50" charset="-127"/>
                 <a:ea typeface="나눔고딕 ExtraBold" panose="020D0904000000000000" pitchFamily="50" charset="-127"/>
               </a:rPr>
-              <a:t>감사합니다</a:t>
-            </a:r>
-            <a:r>
-              <a:rPr lang="en-US" altLang="ko-KR" sz="2200" dirty="0">
-                <a:solidFill>
-                  <a:schemeClr val="tx1">
-                    <a:lumMod val="75000"/>
-                    <a:lumOff val="25000"/>
-                  </a:schemeClr>
-                </a:solidFill>
-                <a:latin typeface="나눔고딕 ExtraBold" panose="020D0904000000000000" pitchFamily="50" charset="-127"/>
-                <a:ea typeface="나눔고딕 ExtraBold" panose="020D0904000000000000" pitchFamily="50" charset="-127"/>
-              </a:rPr>
-              <a:t>.</a:t>
+              <a:t>데모 시연</a:t>
             </a:r>
             <a:endParaRPr lang="ko-KR" altLang="en-US" sz="2200" dirty="0">
               <a:solidFill>

--- a/스크립트 기획발표.pptx
+++ b/스크립트 기획발표.pptx
@@ -8,11 +8,9 @@
     <p:sldId id="268" r:id="rId2"/>
     <p:sldId id="276" r:id="rId3"/>
     <p:sldId id="274" r:id="rId4"/>
-    <p:sldId id="305" r:id="rId5"/>
-    <p:sldId id="275" r:id="rId6"/>
-    <p:sldId id="282" r:id="rId7"/>
-    <p:sldId id="292" r:id="rId8"/>
-    <p:sldId id="304" r:id="rId9"/>
+    <p:sldId id="292" r:id="rId5"/>
+    <p:sldId id="305" r:id="rId6"/>
+    <p:sldId id="304" r:id="rId7"/>
   </p:sldIdLst>
   <p:sldSz cx="9144000" cy="6858000" type="screen4x3"/>
   <p:notesSz cx="6858000" cy="9144000"/>
@@ -343,7 +341,7 @@
           <a:p>
             <a:fld id="{46D9477F-549A-4D7B-8D12-FF30B9203374}" type="datetimeFigureOut">
               <a:rPr lang="ko-KR" altLang="en-US" smtClean="0"/>
-              <a:t>2018-05-30</a:t>
+              <a:t>2018-05-31</a:t>
             </a:fld>
             <a:endParaRPr lang="ko-KR" altLang="en-US"/>
           </a:p>
@@ -1006,7 +1004,20 @@
                 <a:latin typeface="나눔바른고딕" panose="020B0603020101020101" pitchFamily="50" charset="-127"/>
                 <a:ea typeface="나눔바른고딕 UltraLight" panose="020B0603020101020101" pitchFamily="50" charset="-127"/>
               </a:rPr>
-              <a:t>텀프로젝트</a:t>
+              <a:t>텀</a:t>
+            </a:r>
+            <a:r>
+              <a:rPr lang="ko-KR" altLang="en-US" sz="3200" dirty="0">
+                <a:solidFill>
+                  <a:schemeClr val="tx1">
+                    <a:lumMod val="75000"/>
+                    <a:lumOff val="25000"/>
+                  </a:schemeClr>
+                </a:solidFill>
+                <a:latin typeface="나눔바른고딕" panose="020B0603020101020101" pitchFamily="50" charset="-127"/>
+                <a:ea typeface="나눔바른고딕 UltraLight" panose="020B0603020101020101" pitchFamily="50" charset="-127"/>
+              </a:rPr>
+              <a:t> 프로젝트</a:t>
             </a:r>
             <a:endParaRPr lang="en-US" altLang="ko-KR" sz="3200" dirty="0">
               <a:solidFill>
@@ -3246,8 +3257,8 @@
         </p:nvSpPr>
         <p:spPr>
           <a:xfrm>
-            <a:off x="1056748" y="2208520"/>
-            <a:ext cx="2753252" cy="3539430"/>
+            <a:off x="895050" y="2474891"/>
+            <a:ext cx="3304518" cy="1908215"/>
           </a:xfrm>
           <a:prstGeom prst="rect">
             <a:avLst/>
@@ -3259,128 +3270,49 @@
           </a:bodyPr>
           <a:lstStyle/>
           <a:p>
-            <a:pPr marL="457200" lvl="0" indent="-457200" eaLnBrk="0" fontAlgn="t" latinLnBrk="0" hangingPunct="0">
+            <a:pPr lvl="0" eaLnBrk="0" fontAlgn="t" latinLnBrk="0" hangingPunct="0">
               <a:spcBef>
                 <a:spcPct val="0"/>
               </a:spcBef>
               <a:spcAft>
                 <a:spcPct val="0"/>
               </a:spcAft>
-              <a:buFontTx/>
-              <a:buChar char="-"/>
-            </a:pPr>
-            <a:endParaRPr lang="en-US" altLang="ko-KR" sz="2800" dirty="0">
-              <a:latin typeface="나눔바른고딕 UltraLight" panose="020B0603020101020101" pitchFamily="50" charset="-127"/>
-              <a:ea typeface="나눔바른고딕 UltraLight" panose="020B0603020101020101" pitchFamily="50" charset="-127"/>
-            </a:endParaRPr>
-          </a:p>
-          <a:p>
-            <a:pPr marL="457200" lvl="0" indent="-457200" eaLnBrk="0" fontAlgn="t" latinLnBrk="0" hangingPunct="0">
-              <a:spcBef>
-                <a:spcPct val="0"/>
-              </a:spcBef>
-              <a:spcAft>
-                <a:spcPct val="0"/>
-              </a:spcAft>
-              <a:buFontTx/>
-              <a:buChar char="-"/>
             </a:pPr>
             <a:r>
-              <a:rPr lang="ko-KR" altLang="en-US" sz="2800" dirty="0">
+              <a:rPr lang="ko-KR" altLang="en-US" dirty="0">
                 <a:latin typeface="나눔바른고딕 UltraLight" panose="020B0603020101020101" pitchFamily="50" charset="-127"/>
                 <a:ea typeface="나눔바른고딕 UltraLight" panose="020B0603020101020101" pitchFamily="50" charset="-127"/>
               </a:rPr>
-              <a:t>파싱</a:t>
+              <a:t>공공 데이터 포털에서 받아온 </a:t>
             </a:r>
-            <a:endParaRPr lang="en-US" altLang="ko-KR" sz="2800" dirty="0">
-              <a:latin typeface="나눔바른고딕 UltraLight" panose="020B0603020101020101" pitchFamily="50" charset="-127"/>
-              <a:ea typeface="나눔바른고딕 UltraLight" panose="020B0603020101020101" pitchFamily="50" charset="-127"/>
-            </a:endParaRPr>
-          </a:p>
-          <a:p>
-            <a:pPr marL="457200" lvl="0" indent="-457200" eaLnBrk="0" fontAlgn="t" latinLnBrk="0" hangingPunct="0">
-              <a:spcBef>
-                <a:spcPct val="0"/>
-              </a:spcBef>
-              <a:spcAft>
-                <a:spcPct val="0"/>
-              </a:spcAft>
-              <a:buFontTx/>
-              <a:buChar char="-"/>
-            </a:pPr>
-            <a:endParaRPr lang="en-US" altLang="ko-KR" sz="2800" dirty="0">
-              <a:latin typeface="나눔바른고딕 UltraLight" panose="020B0603020101020101" pitchFamily="50" charset="-127"/>
-              <a:ea typeface="나눔바른고딕 UltraLight" panose="020B0603020101020101" pitchFamily="50" charset="-127"/>
-            </a:endParaRPr>
-          </a:p>
-          <a:p>
-            <a:pPr marL="457200" lvl="0" indent="-457200" eaLnBrk="0" fontAlgn="t" latinLnBrk="0" hangingPunct="0">
-              <a:spcBef>
-                <a:spcPct val="0"/>
-              </a:spcBef>
-              <a:spcAft>
-                <a:spcPct val="0"/>
-              </a:spcAft>
-              <a:buFontTx/>
-              <a:buChar char="-"/>
-            </a:pPr>
             <a:r>
-              <a:rPr lang="ko-KR" altLang="en-US" sz="2800" dirty="0">
+              <a:rPr lang="en-US" altLang="ko-KR" dirty="0" err="1">
                 <a:latin typeface="나눔바른고딕 UltraLight" panose="020B0603020101020101" pitchFamily="50" charset="-127"/>
                 <a:ea typeface="나눔바른고딕 UltraLight" panose="020B0603020101020101" pitchFamily="50" charset="-127"/>
               </a:rPr>
-              <a:t>시도별 검색</a:t>
+              <a:t>OpenAPI</a:t>
             </a:r>
-            <a:endParaRPr lang="en-US" altLang="ko-KR" sz="2800" dirty="0">
-              <a:latin typeface="나눔바른고딕 UltraLight" panose="020B0603020101020101" pitchFamily="50" charset="-127"/>
-              <a:ea typeface="나눔바른고딕 UltraLight" panose="020B0603020101020101" pitchFamily="50" charset="-127"/>
-            </a:endParaRPr>
-          </a:p>
-          <a:p>
-            <a:pPr marL="457200" lvl="0" indent="-457200" eaLnBrk="0" fontAlgn="t" latinLnBrk="0" hangingPunct="0">
-              <a:spcBef>
-                <a:spcPct val="0"/>
-              </a:spcBef>
-              <a:spcAft>
-                <a:spcPct val="0"/>
-              </a:spcAft>
-              <a:buFontTx/>
-              <a:buChar char="-"/>
-            </a:pPr>
-            <a:endParaRPr lang="en-US" altLang="ko-KR" sz="2800" dirty="0">
-              <a:latin typeface="나눔바른고딕 UltraLight" panose="020B0603020101020101" pitchFamily="50" charset="-127"/>
-              <a:ea typeface="나눔바른고딕 UltraLight" panose="020B0603020101020101" pitchFamily="50" charset="-127"/>
-            </a:endParaRPr>
-          </a:p>
-          <a:p>
-            <a:pPr marL="457200" lvl="0" indent="-457200" eaLnBrk="0" fontAlgn="t" latinLnBrk="0" hangingPunct="0">
-              <a:spcBef>
-                <a:spcPct val="0"/>
-              </a:spcBef>
-              <a:spcAft>
-                <a:spcPct val="0"/>
-              </a:spcAft>
-              <a:buFontTx/>
-              <a:buChar char="-"/>
-            </a:pPr>
             <a:r>
-              <a:rPr lang="ko-KR" altLang="en-US" sz="2800" dirty="0" err="1">
+              <a:rPr lang="en-US" altLang="ko-KR" dirty="0">
                 <a:latin typeface="나눔바른고딕 UltraLight" panose="020B0603020101020101" pitchFamily="50" charset="-127"/>
                 <a:ea typeface="나눔바른고딕 UltraLight" panose="020B0603020101020101" pitchFamily="50" charset="-127"/>
               </a:rPr>
-              <a:t>동단위</a:t>
+              <a:t> </a:t>
             </a:r>
             <a:r>
-              <a:rPr lang="ko-KR" altLang="en-US" sz="2800" dirty="0">
+              <a:rPr lang="ko-KR" altLang="en-US" dirty="0">
                 <a:latin typeface="나눔바른고딕 UltraLight" panose="020B0603020101020101" pitchFamily="50" charset="-127"/>
                 <a:ea typeface="나눔바른고딕 UltraLight" panose="020B0603020101020101" pitchFamily="50" charset="-127"/>
               </a:rPr>
-              <a:t> 세부검색</a:t>
+              <a:t>정보로 도시 이름을 입력하면 해당 도시의 구나 동 별로 대기상태를 출력할 수 있습니다</a:t>
             </a:r>
-            <a:endParaRPr lang="en-US" altLang="ko-KR" sz="2800" dirty="0">
-              <a:latin typeface="나눔바른고딕 UltraLight" panose="020B0603020101020101" pitchFamily="50" charset="-127"/>
-              <a:ea typeface="나눔바른고딕 UltraLight" panose="020B0603020101020101" pitchFamily="50" charset="-127"/>
-            </a:endParaRPr>
+            <a:r>
+              <a:rPr lang="en-US" altLang="ko-KR" dirty="0">
+                <a:latin typeface="나눔바른고딕 UltraLight" panose="020B0603020101020101" pitchFamily="50" charset="-127"/>
+                <a:ea typeface="나눔바른고딕 UltraLight" panose="020B0603020101020101" pitchFamily="50" charset="-127"/>
+              </a:rPr>
+              <a:t>.</a:t>
+            </a:r>
           </a:p>
           <a:p>
             <a:pPr marL="457200" lvl="0" indent="-457200" eaLnBrk="0" fontAlgn="t" latinLnBrk="0" hangingPunct="0">
@@ -3414,7 +3346,7 @@
         </p:nvSpPr>
         <p:spPr>
           <a:xfrm>
-            <a:off x="921281" y="1415287"/>
+            <a:off x="1038240" y="1539522"/>
             <a:ext cx="2207656" cy="461665"/>
           </a:xfrm>
           <a:prstGeom prst="rect">
@@ -3490,7 +3422,7 @@
         </p:nvGrpSpPr>
         <p:grpSpPr>
           <a:xfrm>
-            <a:off x="642486" y="1533703"/>
+            <a:off x="759445" y="1657938"/>
             <a:ext cx="231349" cy="226884"/>
             <a:chOff x="1057353" y="1533706"/>
             <a:chExt cx="231349" cy="226884"/>
@@ -3620,7 +3552,7 @@
         </p:nvGrpSpPr>
         <p:grpSpPr>
           <a:xfrm>
-            <a:off x="5162588" y="1533703"/>
+            <a:off x="5544645" y="1620827"/>
             <a:ext cx="231349" cy="226884"/>
             <a:chOff x="1855214" y="1333680"/>
             <a:chExt cx="306961" cy="301037"/>
@@ -3751,7 +3683,7 @@
         <p:spPr>
           <a:xfrm>
             <a:off x="5544645" y="2521058"/>
-            <a:ext cx="3152283" cy="1384995"/>
+            <a:ext cx="3152283" cy="2308324"/>
           </a:xfrm>
           <a:prstGeom prst="rect">
             <a:avLst/>
@@ -3774,12 +3706,74 @@
               <a:buChar char="-"/>
             </a:pPr>
             <a:r>
-              <a:rPr lang="ko-KR" altLang="en-US" sz="2800" dirty="0">
+              <a:rPr lang="ko-KR" altLang="en-US" sz="2000" dirty="0">
                 <a:latin typeface="나눔바른고딕 UltraLight" panose="020B0603020101020101" pitchFamily="50" charset="-127"/>
                 <a:ea typeface="나눔바른고딕 UltraLight" panose="020B0603020101020101" pitchFamily="50" charset="-127"/>
               </a:rPr>
-              <a:t>지역 검색</a:t>
+              <a:t>지역 선택</a:t>
             </a:r>
+            <a:endParaRPr lang="en-US" altLang="ko-KR" sz="2000" dirty="0">
+              <a:latin typeface="나눔바른고딕 UltraLight" panose="020B0603020101020101" pitchFamily="50" charset="-127"/>
+              <a:ea typeface="나눔바른고딕 UltraLight" panose="020B0603020101020101" pitchFamily="50" charset="-127"/>
+            </a:endParaRPr>
+          </a:p>
+          <a:p>
+            <a:pPr marL="171450" indent="-171450" eaLnBrk="0" fontAlgn="t" latinLnBrk="0" hangingPunct="0">
+              <a:spcBef>
+                <a:spcPct val="0"/>
+              </a:spcBef>
+              <a:spcAft>
+                <a:spcPct val="0"/>
+              </a:spcAft>
+              <a:buFontTx/>
+              <a:buChar char="-"/>
+            </a:pPr>
+            <a:endParaRPr lang="en-US" altLang="ko-KR" sz="2000" dirty="0">
+              <a:latin typeface="나눔바른고딕 UltraLight" panose="020B0603020101020101" pitchFamily="50" charset="-127"/>
+              <a:ea typeface="나눔바른고딕 UltraLight" panose="020B0603020101020101" pitchFamily="50" charset="-127"/>
+            </a:endParaRPr>
+          </a:p>
+          <a:p>
+            <a:pPr marL="171450" indent="-171450" eaLnBrk="0" fontAlgn="t" latinLnBrk="0" hangingPunct="0">
+              <a:spcBef>
+                <a:spcPct val="0"/>
+              </a:spcBef>
+              <a:spcAft>
+                <a:spcPct val="0"/>
+              </a:spcAft>
+              <a:buFontTx/>
+              <a:buChar char="-"/>
+            </a:pPr>
+            <a:r>
+              <a:rPr lang="ko-KR" altLang="en-US" sz="2000" dirty="0" err="1">
+                <a:latin typeface="나눔바른고딕 UltraLight" panose="020B0603020101020101" pitchFamily="50" charset="-127"/>
+                <a:ea typeface="나눔바른고딕 UltraLight" panose="020B0603020101020101" pitchFamily="50" charset="-127"/>
+              </a:rPr>
+              <a:t>동단위</a:t>
+            </a:r>
+            <a:r>
+              <a:rPr lang="ko-KR" altLang="en-US" sz="2000" dirty="0">
+                <a:latin typeface="나눔바른고딕 UltraLight" panose="020B0603020101020101" pitchFamily="50" charset="-127"/>
+                <a:ea typeface="나눔바른고딕 UltraLight" panose="020B0603020101020101" pitchFamily="50" charset="-127"/>
+              </a:rPr>
+              <a:t> 세부검색</a:t>
+            </a:r>
+            <a:endParaRPr lang="en-US" altLang="ko-KR" sz="2000" dirty="0">
+              <a:latin typeface="나눔바른고딕 UltraLight" panose="020B0603020101020101" pitchFamily="50" charset="-127"/>
+              <a:ea typeface="나눔바른고딕 UltraLight" panose="020B0603020101020101" pitchFamily="50" charset="-127"/>
+            </a:endParaRPr>
+          </a:p>
+          <a:p>
+            <a:pPr marL="171450" indent="-171450" eaLnBrk="0" fontAlgn="t" latinLnBrk="0" hangingPunct="0">
+              <a:spcBef>
+                <a:spcPct val="0"/>
+              </a:spcBef>
+              <a:spcAft>
+                <a:spcPct val="0"/>
+              </a:spcAft>
+              <a:buFontTx/>
+              <a:buChar char="-"/>
+            </a:pPr>
             <a:endParaRPr lang="en-US" altLang="ko-KR" sz="2800" dirty="0">
               <a:latin typeface="나눔바른고딕 UltraLight" panose="020B0603020101020101" pitchFamily="50" charset="-127"/>
               <a:ea typeface="나눔바른고딕 UltraLight" panose="020B0603020101020101" pitchFamily="50" charset="-127"/>
@@ -3833,8 +3827,8 @@
         </p:nvSpPr>
         <p:spPr>
           <a:xfrm>
-            <a:off x="5441383" y="1415287"/>
-            <a:ext cx="1759456" cy="461665"/>
+            <a:off x="5823440" y="1502411"/>
+            <a:ext cx="1701748" cy="461665"/>
           </a:xfrm>
           <a:prstGeom prst="rect">
             <a:avLst/>
@@ -3851,7 +3845,7 @@
                 <a:latin typeface="나눔고딕 ExtraBold" panose="020D0904000000000000" pitchFamily="50" charset="-127"/>
                 <a:ea typeface="나눔고딕 ExtraBold" panose="020D0904000000000000" pitchFamily="50" charset="-127"/>
               </a:rPr>
-              <a:t>Tkinter</a:t>
+              <a:t>tkinter</a:t>
             </a:r>
             <a:r>
               <a:rPr lang="en-US" altLang="ko-KR" sz="2400" dirty="0">
@@ -4833,6 +4827,1838 @@
           <a:chExt cx="0" cy="0"/>
         </a:xfrm>
       </p:grpSpPr>
+      <p:sp>
+        <p:nvSpPr>
+          <p:cNvPr id="39" name="Isosceles Triangle 38"/>
+          <p:cNvSpPr/>
+          <p:nvPr/>
+        </p:nvSpPr>
+        <p:spPr>
+          <a:xfrm rot="10800000">
+            <a:off x="4766182" y="-2"/>
+            <a:ext cx="4377818" cy="6858001"/>
+          </a:xfrm>
+          <a:prstGeom prst="triangle">
+            <a:avLst>
+              <a:gd name="adj" fmla="val 0"/>
+            </a:avLst>
+          </a:prstGeom>
+          <a:solidFill>
+            <a:schemeClr val="bg1">
+              <a:lumMod val="85000"/>
+            </a:schemeClr>
+          </a:solidFill>
+          <a:ln>
+            <a:noFill/>
+          </a:ln>
+        </p:spPr>
+        <p:style>
+          <a:lnRef idx="2">
+            <a:schemeClr val="accent1">
+              <a:shade val="50000"/>
+            </a:schemeClr>
+          </a:lnRef>
+          <a:fillRef idx="1">
+            <a:schemeClr val="accent1"/>
+          </a:fillRef>
+          <a:effectRef idx="0">
+            <a:schemeClr val="accent1"/>
+          </a:effectRef>
+          <a:fontRef idx="minor">
+            <a:schemeClr val="lt1"/>
+          </a:fontRef>
+        </p:style>
+        <p:txBody>
+          <a:bodyPr rtlCol="0" anchor="ctr"/>
+          <a:lstStyle/>
+          <a:p>
+            <a:pPr algn="ctr"/>
+            <a:endParaRPr lang="ko-KR" altLang="en-US"/>
+          </a:p>
+        </p:txBody>
+      </p:sp>
+      <p:sp>
+        <p:nvSpPr>
+          <p:cNvPr id="6" name="Isosceles Triangle 5"/>
+          <p:cNvSpPr/>
+          <p:nvPr/>
+        </p:nvSpPr>
+        <p:spPr>
+          <a:xfrm>
+            <a:off x="0" y="-3"/>
+            <a:ext cx="4377818" cy="6858003"/>
+          </a:xfrm>
+          <a:prstGeom prst="triangle">
+            <a:avLst>
+              <a:gd name="adj" fmla="val 0"/>
+            </a:avLst>
+          </a:prstGeom>
+          <a:solidFill>
+            <a:schemeClr val="bg1">
+              <a:lumMod val="85000"/>
+            </a:schemeClr>
+          </a:solidFill>
+          <a:ln>
+            <a:noFill/>
+          </a:ln>
+        </p:spPr>
+        <p:style>
+          <a:lnRef idx="2">
+            <a:schemeClr val="accent1">
+              <a:shade val="50000"/>
+            </a:schemeClr>
+          </a:lnRef>
+          <a:fillRef idx="1">
+            <a:schemeClr val="accent1"/>
+          </a:fillRef>
+          <a:effectRef idx="0">
+            <a:schemeClr val="accent1"/>
+          </a:effectRef>
+          <a:fontRef idx="minor">
+            <a:schemeClr val="lt1"/>
+          </a:fontRef>
+        </p:style>
+        <p:txBody>
+          <a:bodyPr rtlCol="0" anchor="ctr"/>
+          <a:lstStyle/>
+          <a:p>
+            <a:pPr algn="ctr"/>
+            <a:endParaRPr lang="ko-KR" altLang="en-US"/>
+          </a:p>
+        </p:txBody>
+      </p:sp>
+      <p:grpSp>
+        <p:nvGrpSpPr>
+          <p:cNvPr id="367" name="Group 366"/>
+          <p:cNvGrpSpPr/>
+          <p:nvPr/>
+        </p:nvGrpSpPr>
+        <p:grpSpPr>
+          <a:xfrm>
+            <a:off x="0" y="-1"/>
+            <a:ext cx="1855213" cy="409339"/>
+            <a:chOff x="0" y="-1"/>
+            <a:chExt cx="1855213" cy="409339"/>
+          </a:xfrm>
+        </p:grpSpPr>
+        <p:sp>
+          <p:nvSpPr>
+            <p:cNvPr id="368" name="Rectangle 367"/>
+            <p:cNvSpPr/>
+            <p:nvPr/>
+          </p:nvSpPr>
+          <p:spPr>
+            <a:xfrm>
+              <a:off x="0" y="-1"/>
+              <a:ext cx="1466850" cy="409339"/>
+            </a:xfrm>
+            <a:prstGeom prst="rect">
+              <a:avLst/>
+            </a:prstGeom>
+            <a:solidFill>
+              <a:schemeClr val="tx1">
+                <a:lumMod val="75000"/>
+                <a:lumOff val="25000"/>
+              </a:schemeClr>
+            </a:solidFill>
+            <a:ln>
+              <a:noFill/>
+            </a:ln>
+          </p:spPr>
+          <p:style>
+            <a:lnRef idx="2">
+              <a:schemeClr val="accent1">
+                <a:shade val="50000"/>
+              </a:schemeClr>
+            </a:lnRef>
+            <a:fillRef idx="1">
+              <a:schemeClr val="accent1"/>
+            </a:fillRef>
+            <a:effectRef idx="0">
+              <a:schemeClr val="accent1"/>
+            </a:effectRef>
+            <a:fontRef idx="minor">
+              <a:schemeClr val="lt1"/>
+            </a:fontRef>
+          </p:style>
+          <p:txBody>
+            <a:bodyPr rtlCol="0" anchor="ctr"/>
+            <a:lstStyle/>
+            <a:p>
+              <a:pPr algn="ctr"/>
+              <a:endParaRPr lang="ko-KR" altLang="en-US"/>
+            </a:p>
+          </p:txBody>
+        </p:sp>
+        <p:sp>
+          <p:nvSpPr>
+            <p:cNvPr id="369" name="Isosceles Triangle 368"/>
+            <p:cNvSpPr/>
+            <p:nvPr/>
+          </p:nvSpPr>
+          <p:spPr>
+            <a:xfrm rot="5400000">
+              <a:off x="1456363" y="10486"/>
+              <a:ext cx="409338" cy="388363"/>
+            </a:xfrm>
+            <a:prstGeom prst="triangle">
+              <a:avLst>
+                <a:gd name="adj" fmla="val 0"/>
+              </a:avLst>
+            </a:prstGeom>
+            <a:solidFill>
+              <a:schemeClr val="tx1">
+                <a:lumMod val="75000"/>
+                <a:lumOff val="25000"/>
+              </a:schemeClr>
+            </a:solidFill>
+            <a:ln>
+              <a:noFill/>
+            </a:ln>
+          </p:spPr>
+          <p:style>
+            <a:lnRef idx="2">
+              <a:schemeClr val="accent1">
+                <a:shade val="50000"/>
+              </a:schemeClr>
+            </a:lnRef>
+            <a:fillRef idx="1">
+              <a:schemeClr val="accent1"/>
+            </a:fillRef>
+            <a:effectRef idx="0">
+              <a:schemeClr val="accent1"/>
+            </a:effectRef>
+            <a:fontRef idx="minor">
+              <a:schemeClr val="lt1"/>
+            </a:fontRef>
+          </p:style>
+          <p:txBody>
+            <a:bodyPr rtlCol="0" anchor="ctr"/>
+            <a:lstStyle/>
+            <a:p>
+              <a:pPr algn="ctr"/>
+              <a:endParaRPr lang="ko-KR" altLang="en-US"/>
+            </a:p>
+          </p:txBody>
+        </p:sp>
+      </p:grpSp>
+      <p:sp>
+        <p:nvSpPr>
+          <p:cNvPr id="370" name="TextBox 369"/>
+          <p:cNvSpPr txBox="1"/>
+          <p:nvPr/>
+        </p:nvSpPr>
+        <p:spPr>
+          <a:xfrm>
+            <a:off x="57151" y="23812"/>
+            <a:ext cx="342899" cy="369332"/>
+          </a:xfrm>
+          <a:prstGeom prst="rect">
+            <a:avLst/>
+          </a:prstGeom>
+          <a:noFill/>
+          <a:ln w="3175">
+            <a:noFill/>
+          </a:ln>
+        </p:spPr>
+        <p:txBody>
+          <a:bodyPr wrap="square" rtlCol="0">
+            <a:spAutoFit/>
+          </a:bodyPr>
+          <a:lstStyle/>
+          <a:p>
+            <a:r>
+              <a:rPr lang="en-US" altLang="ko-KR">
+                <a:solidFill>
+                  <a:schemeClr val="bg1"/>
+                </a:solidFill>
+                <a:latin typeface="나눔고딕 ExtraBold" panose="020D0904000000000000" pitchFamily="50" charset="-127"/>
+                <a:ea typeface="나눔고딕 ExtraBold" panose="020D0904000000000000" pitchFamily="50" charset="-127"/>
+              </a:rPr>
+              <a:t>1</a:t>
+            </a:r>
+            <a:endParaRPr lang="ko-KR" altLang="en-US">
+              <a:solidFill>
+                <a:schemeClr val="bg1"/>
+              </a:solidFill>
+              <a:latin typeface="나눔고딕 ExtraBold" panose="020D0904000000000000" pitchFamily="50" charset="-127"/>
+              <a:ea typeface="나눔고딕 ExtraBold" panose="020D0904000000000000" pitchFamily="50" charset="-127"/>
+            </a:endParaRPr>
+          </a:p>
+        </p:txBody>
+      </p:sp>
+      <p:sp>
+        <p:nvSpPr>
+          <p:cNvPr id="371" name="TextBox 370"/>
+          <p:cNvSpPr txBox="1"/>
+          <p:nvPr/>
+        </p:nvSpPr>
+        <p:spPr>
+          <a:xfrm>
+            <a:off x="400051" y="64114"/>
+            <a:ext cx="1123949" cy="276999"/>
+          </a:xfrm>
+          <a:prstGeom prst="rect">
+            <a:avLst/>
+          </a:prstGeom>
+          <a:noFill/>
+          <a:ln w="3175">
+            <a:noFill/>
+          </a:ln>
+        </p:spPr>
+        <p:txBody>
+          <a:bodyPr wrap="square" rtlCol="0">
+            <a:spAutoFit/>
+          </a:bodyPr>
+          <a:lstStyle/>
+          <a:p>
+            <a:r>
+              <a:rPr lang="en-US" altLang="ko-KR" sz="1200">
+                <a:solidFill>
+                  <a:schemeClr val="bg1"/>
+                </a:solidFill>
+                <a:latin typeface="나눔고딕 ExtraBold" panose="020D0904000000000000" pitchFamily="50" charset="-127"/>
+                <a:ea typeface="나눔고딕 ExtraBold" panose="020D0904000000000000" pitchFamily="50" charset="-127"/>
+              </a:rPr>
+              <a:t>TITLE</a:t>
+            </a:r>
+            <a:endParaRPr lang="ko-KR" altLang="en-US" sz="1200">
+              <a:solidFill>
+                <a:schemeClr val="bg1"/>
+              </a:solidFill>
+              <a:latin typeface="나눔고딕 ExtraBold" panose="020D0904000000000000" pitchFamily="50" charset="-127"/>
+              <a:ea typeface="나눔고딕 ExtraBold" panose="020D0904000000000000" pitchFamily="50" charset="-127"/>
+            </a:endParaRPr>
+          </a:p>
+        </p:txBody>
+      </p:sp>
+      <p:grpSp>
+        <p:nvGrpSpPr>
+          <p:cNvPr id="35" name="Group 25">
+            <a:extLst>
+              <a:ext uri="{FF2B5EF4-FFF2-40B4-BE49-F238E27FC236}">
+                <a16:creationId xmlns:a16="http://schemas.microsoft.com/office/drawing/2014/main" id="{70BB339E-D64C-4522-A186-A71DBAF201AD}"/>
+              </a:ext>
+            </a:extLst>
+          </p:cNvPr>
+          <p:cNvGrpSpPr/>
+          <p:nvPr/>
+        </p:nvGrpSpPr>
+        <p:grpSpPr>
+          <a:xfrm>
+            <a:off x="0" y="0"/>
+            <a:ext cx="2142067" cy="888992"/>
+            <a:chOff x="0" y="-1"/>
+            <a:chExt cx="1855213" cy="409339"/>
+          </a:xfrm>
+        </p:grpSpPr>
+        <p:sp>
+          <p:nvSpPr>
+            <p:cNvPr id="36" name="Rectangle 26">
+              <a:extLst>
+                <a:ext uri="{FF2B5EF4-FFF2-40B4-BE49-F238E27FC236}">
+                  <a16:creationId xmlns:a16="http://schemas.microsoft.com/office/drawing/2014/main" id="{C93531C8-1C6E-4923-8F45-497D9987A8E3}"/>
+                </a:ext>
+              </a:extLst>
+            </p:cNvPr>
+            <p:cNvSpPr/>
+            <p:nvPr/>
+          </p:nvSpPr>
+          <p:spPr>
+            <a:xfrm>
+              <a:off x="0" y="-1"/>
+              <a:ext cx="1466850" cy="409339"/>
+            </a:xfrm>
+            <a:prstGeom prst="rect">
+              <a:avLst/>
+            </a:prstGeom>
+            <a:solidFill>
+              <a:schemeClr val="tx1">
+                <a:lumMod val="75000"/>
+                <a:lumOff val="25000"/>
+              </a:schemeClr>
+            </a:solidFill>
+            <a:ln>
+              <a:noFill/>
+            </a:ln>
+          </p:spPr>
+          <p:style>
+            <a:lnRef idx="2">
+              <a:schemeClr val="accent1">
+                <a:shade val="50000"/>
+              </a:schemeClr>
+            </a:lnRef>
+            <a:fillRef idx="1">
+              <a:schemeClr val="accent1"/>
+            </a:fillRef>
+            <a:effectRef idx="0">
+              <a:schemeClr val="accent1"/>
+            </a:effectRef>
+            <a:fontRef idx="minor">
+              <a:schemeClr val="lt1"/>
+            </a:fontRef>
+          </p:style>
+          <p:txBody>
+            <a:bodyPr rtlCol="0" anchor="ctr"/>
+            <a:lstStyle/>
+            <a:p>
+              <a:pPr algn="ctr"/>
+              <a:endParaRPr lang="ko-KR" altLang="en-US"/>
+            </a:p>
+          </p:txBody>
+        </p:sp>
+        <p:sp>
+          <p:nvSpPr>
+            <p:cNvPr id="37" name="Isosceles Triangle 27">
+              <a:extLst>
+                <a:ext uri="{FF2B5EF4-FFF2-40B4-BE49-F238E27FC236}">
+                  <a16:creationId xmlns:a16="http://schemas.microsoft.com/office/drawing/2014/main" id="{5F207E59-4897-429C-AE3B-62E13A72800E}"/>
+                </a:ext>
+              </a:extLst>
+            </p:cNvPr>
+            <p:cNvSpPr/>
+            <p:nvPr/>
+          </p:nvSpPr>
+          <p:spPr>
+            <a:xfrm rot="5400000">
+              <a:off x="1456363" y="10486"/>
+              <a:ext cx="409338" cy="388363"/>
+            </a:xfrm>
+            <a:prstGeom prst="triangle">
+              <a:avLst>
+                <a:gd name="adj" fmla="val 0"/>
+              </a:avLst>
+            </a:prstGeom>
+            <a:solidFill>
+              <a:schemeClr val="tx1">
+                <a:lumMod val="75000"/>
+                <a:lumOff val="25000"/>
+              </a:schemeClr>
+            </a:solidFill>
+            <a:ln>
+              <a:noFill/>
+            </a:ln>
+          </p:spPr>
+          <p:style>
+            <a:lnRef idx="2">
+              <a:schemeClr val="accent1">
+                <a:shade val="50000"/>
+              </a:schemeClr>
+            </a:lnRef>
+            <a:fillRef idx="1">
+              <a:schemeClr val="accent1"/>
+            </a:fillRef>
+            <a:effectRef idx="0">
+              <a:schemeClr val="accent1"/>
+            </a:effectRef>
+            <a:fontRef idx="minor">
+              <a:schemeClr val="lt1"/>
+            </a:fontRef>
+          </p:style>
+          <p:txBody>
+            <a:bodyPr rtlCol="0" anchor="ctr"/>
+            <a:lstStyle/>
+            <a:p>
+              <a:pPr algn="ctr"/>
+              <a:endParaRPr lang="ko-KR" altLang="en-US"/>
+            </a:p>
+          </p:txBody>
+        </p:sp>
+      </p:grpSp>
+      <p:sp>
+        <p:nvSpPr>
+          <p:cNvPr id="38" name="TextBox 37">
+            <a:extLst>
+              <a:ext uri="{FF2B5EF4-FFF2-40B4-BE49-F238E27FC236}">
+                <a16:creationId xmlns:a16="http://schemas.microsoft.com/office/drawing/2014/main" id="{E8EA0FA5-0E1A-4514-AA75-0C6F27F5DD37}"/>
+              </a:ext>
+            </a:extLst>
+          </p:cNvPr>
+          <p:cNvSpPr txBox="1"/>
+          <p:nvPr/>
+        </p:nvSpPr>
+        <p:spPr>
+          <a:xfrm>
+            <a:off x="6351" y="119505"/>
+            <a:ext cx="2029097" cy="707886"/>
+          </a:xfrm>
+          <a:prstGeom prst="rect">
+            <a:avLst/>
+          </a:prstGeom>
+          <a:noFill/>
+          <a:ln w="3175">
+            <a:noFill/>
+          </a:ln>
+        </p:spPr>
+        <p:txBody>
+          <a:bodyPr wrap="square" rtlCol="0">
+            <a:spAutoFit/>
+          </a:bodyPr>
+          <a:lstStyle/>
+          <a:p>
+            <a:r>
+              <a:rPr lang="ko-KR" altLang="en-US" sz="2000" dirty="0">
+                <a:solidFill>
+                  <a:schemeClr val="bg1"/>
+                </a:solidFill>
+                <a:latin typeface="나눔고딕 ExtraBold" panose="020D0904000000000000" pitchFamily="50" charset="-127"/>
+                <a:ea typeface="나눔고딕 ExtraBold" panose="020D0904000000000000" pitchFamily="50" charset="-127"/>
+              </a:rPr>
+              <a:t>개발 계획 및 </a:t>
+            </a:r>
+            <a:endParaRPr lang="en-US" altLang="ko-KR" sz="2000" dirty="0">
+              <a:solidFill>
+                <a:schemeClr val="bg1"/>
+              </a:solidFill>
+              <a:latin typeface="나눔고딕 ExtraBold" panose="020D0904000000000000" pitchFamily="50" charset="-127"/>
+              <a:ea typeface="나눔고딕 ExtraBold" panose="020D0904000000000000" pitchFamily="50" charset="-127"/>
+            </a:endParaRPr>
+          </a:p>
+          <a:p>
+            <a:r>
+              <a:rPr lang="ko-KR" altLang="en-US" sz="2000" dirty="0">
+                <a:solidFill>
+                  <a:schemeClr val="bg1"/>
+                </a:solidFill>
+                <a:latin typeface="나눔고딕 ExtraBold" panose="020D0904000000000000" pitchFamily="50" charset="-127"/>
+                <a:ea typeface="나눔고딕 ExtraBold" panose="020D0904000000000000" pitchFamily="50" charset="-127"/>
+              </a:rPr>
+              <a:t> 진행 상황</a:t>
+            </a:r>
+          </a:p>
+        </p:txBody>
+      </p:sp>
+      <p:graphicFrame>
+        <p:nvGraphicFramePr>
+          <p:cNvPr id="7" name="표 6">
+            <a:extLst>
+              <a:ext uri="{FF2B5EF4-FFF2-40B4-BE49-F238E27FC236}">
+                <a16:creationId xmlns:a16="http://schemas.microsoft.com/office/drawing/2014/main" id="{D7E552D5-A162-4D4D-81FE-CEBDE725E781}"/>
+              </a:ext>
+            </a:extLst>
+          </p:cNvPr>
+          <p:cNvGraphicFramePr>
+            <a:graphicFrameLocks noGrp="1"/>
+          </p:cNvGraphicFramePr>
+          <p:nvPr>
+            <p:extLst>
+              <p:ext uri="{D42A27DB-BD31-4B8C-83A1-F6EECF244321}">
+                <p14:modId xmlns:p14="http://schemas.microsoft.com/office/powerpoint/2010/main" val="3286253384"/>
+              </p:ext>
+            </p:extLst>
+          </p:nvPr>
+        </p:nvGraphicFramePr>
+        <p:xfrm>
+          <a:off x="400050" y="953103"/>
+          <a:ext cx="8423108" cy="5901322"/>
+        </p:xfrm>
+        <a:graphic>
+          <a:graphicData uri="http://schemas.openxmlformats.org/drawingml/2006/table">
+            <a:tbl>
+              <a:tblPr firstRow="1" bandRow="1">
+                <a:tableStyleId>{073A0DAA-6AF3-43AB-8588-CEC1D06C72B9}</a:tableStyleId>
+              </a:tblPr>
+              <a:tblGrid>
+                <a:gridCol w="1892623">
+                  <a:extLst>
+                    <a:ext uri="{9D8B030D-6E8A-4147-A177-3AD203B41FA5}">
+                      <a16:colId xmlns:a16="http://schemas.microsoft.com/office/drawing/2014/main" val="3163852287"/>
+                    </a:ext>
+                  </a:extLst>
+                </a:gridCol>
+                <a:gridCol w="2440194">
+                  <a:extLst>
+                    <a:ext uri="{9D8B030D-6E8A-4147-A177-3AD203B41FA5}">
+                      <a16:colId xmlns:a16="http://schemas.microsoft.com/office/drawing/2014/main" val="419882718"/>
+                    </a:ext>
+                  </a:extLst>
+                </a:gridCol>
+                <a:gridCol w="3293533">
+                  <a:extLst>
+                    <a:ext uri="{9D8B030D-6E8A-4147-A177-3AD203B41FA5}">
+                      <a16:colId xmlns:a16="http://schemas.microsoft.com/office/drawing/2014/main" val="2385735483"/>
+                    </a:ext>
+                  </a:extLst>
+                </a:gridCol>
+                <a:gridCol w="796758">
+                  <a:extLst>
+                    <a:ext uri="{9D8B030D-6E8A-4147-A177-3AD203B41FA5}">
+                      <a16:colId xmlns:a16="http://schemas.microsoft.com/office/drawing/2014/main" val="1356977836"/>
+                    </a:ext>
+                  </a:extLst>
+                </a:gridCol>
+              </a:tblGrid>
+              <a:tr h="379758">
+                <a:tc>
+                  <a:txBody>
+                    <a:bodyPr/>
+                    <a:lstStyle/>
+                    <a:p>
+                      <a:pPr algn="ctr" latinLnBrk="1"/>
+                      <a:r>
+                        <a:rPr lang="ko-KR" altLang="en-US" sz="1600" dirty="0"/>
+                        <a:t>주차</a:t>
+                      </a:r>
+                    </a:p>
+                  </a:txBody>
+                  <a:tcPr/>
+                </a:tc>
+                <a:tc>
+                  <a:txBody>
+                    <a:bodyPr/>
+                    <a:lstStyle/>
+                    <a:p>
+                      <a:pPr algn="ctr" latinLnBrk="1"/>
+                      <a:r>
+                        <a:rPr lang="ko-KR" altLang="en-US" sz="1600" dirty="0"/>
+                        <a:t>계획</a:t>
+                      </a:r>
+                    </a:p>
+                  </a:txBody>
+                  <a:tcPr/>
+                </a:tc>
+                <a:tc>
+                  <a:txBody>
+                    <a:bodyPr/>
+                    <a:lstStyle/>
+                    <a:p>
+                      <a:pPr algn="ctr" latinLnBrk="1"/>
+                      <a:r>
+                        <a:rPr lang="ko-KR" altLang="en-US" sz="1600" dirty="0"/>
+                        <a:t>세부 계획</a:t>
+                      </a:r>
+                    </a:p>
+                  </a:txBody>
+                  <a:tcPr/>
+                </a:tc>
+                <a:tc>
+                  <a:txBody>
+                    <a:bodyPr/>
+                    <a:lstStyle/>
+                    <a:p>
+                      <a:pPr algn="ctr" latinLnBrk="1"/>
+                      <a:r>
+                        <a:rPr lang="ko-KR" altLang="en-US" sz="1600" dirty="0"/>
+                        <a:t>시행</a:t>
+                      </a:r>
+                    </a:p>
+                  </a:txBody>
+                  <a:tcPr/>
+                </a:tc>
+                <a:extLst>
+                  <a:ext uri="{0D108BD9-81ED-4DB2-BD59-A6C34878D82A}">
+                    <a16:rowId xmlns:a16="http://schemas.microsoft.com/office/drawing/2014/main" val="2888939091"/>
+                  </a:ext>
+                </a:extLst>
+              </a:tr>
+              <a:tr h="664578">
+                <a:tc>
+                  <a:txBody>
+                    <a:bodyPr/>
+                    <a:lstStyle/>
+                    <a:p>
+                      <a:pPr latinLnBrk="1"/>
+                      <a:r>
+                        <a:rPr lang="en-US" altLang="ko-KR" sz="1600" dirty="0"/>
+                        <a:t>1</a:t>
+                      </a:r>
+                      <a:r>
+                        <a:rPr lang="ko-KR" altLang="en-US" sz="1600" dirty="0"/>
+                        <a:t>주</a:t>
+                      </a:r>
+                      <a:r>
+                        <a:rPr lang="en-US" altLang="ko-KR" sz="1600" dirty="0"/>
+                        <a:t>(4/27 ~ 5/3)</a:t>
+                      </a:r>
+                    </a:p>
+                  </a:txBody>
+                  <a:tcPr anchor="ctr"/>
+                </a:tc>
+                <a:tc>
+                  <a:txBody>
+                    <a:bodyPr/>
+                    <a:lstStyle/>
+                    <a:p>
+                      <a:pPr algn="ctr" latinLnBrk="1"/>
+                      <a:r>
+                        <a:rPr lang="en-US" altLang="ko-KR" sz="1600" dirty="0" err="1"/>
+                        <a:t>OpenAPI</a:t>
+                      </a:r>
+                      <a:r>
+                        <a:rPr lang="en-US" altLang="ko-KR" sz="1600" dirty="0"/>
+                        <a:t> </a:t>
+                      </a:r>
+                      <a:r>
+                        <a:rPr lang="ko-KR" altLang="en-US" sz="1600" dirty="0"/>
+                        <a:t>조사</a:t>
+                      </a:r>
+                      <a:endParaRPr lang="en-US" altLang="ko-KR" sz="1600" dirty="0"/>
+                    </a:p>
+                    <a:p>
+                      <a:pPr algn="ctr" latinLnBrk="1"/>
+                      <a:r>
+                        <a:rPr lang="ko-KR" altLang="en-US" sz="1600" dirty="0"/>
+                        <a:t>주제 결정</a:t>
+                      </a:r>
+                    </a:p>
+                  </a:txBody>
+                  <a:tcPr anchor="ctr"/>
+                </a:tc>
+                <a:tc>
+                  <a:txBody>
+                    <a:bodyPr/>
+                    <a:lstStyle/>
+                    <a:p>
+                      <a:pPr latinLnBrk="1"/>
+                      <a:r>
+                        <a:rPr lang="ko-KR" altLang="en-US" sz="1600" dirty="0"/>
+                        <a:t>공공데이터 활용 신청</a:t>
+                      </a:r>
+                      <a:endParaRPr lang="en-US" altLang="ko-KR" sz="1600" dirty="0"/>
+                    </a:p>
+                  </a:txBody>
+                  <a:tcPr anchor="ctr"/>
+                </a:tc>
+                <a:tc>
+                  <a:txBody>
+                    <a:bodyPr/>
+                    <a:lstStyle/>
+                    <a:p>
+                      <a:pPr algn="ctr" latinLnBrk="1"/>
+                      <a:r>
+                        <a:rPr lang="en-US" altLang="ko-KR" sz="1600" dirty="0"/>
+                        <a:t>O</a:t>
+                      </a:r>
+                      <a:endParaRPr lang="ko-KR" altLang="en-US" sz="1600" dirty="0"/>
+                    </a:p>
+                  </a:txBody>
+                  <a:tcPr anchor="ctr"/>
+                </a:tc>
+                <a:extLst>
+                  <a:ext uri="{0D108BD9-81ED-4DB2-BD59-A6C34878D82A}">
+                    <a16:rowId xmlns:a16="http://schemas.microsoft.com/office/drawing/2014/main" val="2605564336"/>
+                  </a:ext>
+                </a:extLst>
+              </a:tr>
+              <a:tr h="664578">
+                <a:tc>
+                  <a:txBody>
+                    <a:bodyPr/>
+                    <a:lstStyle/>
+                    <a:p>
+                      <a:pPr latinLnBrk="1"/>
+                      <a:r>
+                        <a:rPr lang="en-US" altLang="ko-KR" sz="1600" dirty="0"/>
+                        <a:t>2</a:t>
+                      </a:r>
+                      <a:r>
+                        <a:rPr lang="ko-KR" altLang="en-US" sz="1600" dirty="0"/>
+                        <a:t>주</a:t>
+                      </a:r>
+                      <a:r>
+                        <a:rPr lang="en-US" altLang="ko-KR" sz="1600" dirty="0"/>
+                        <a:t>(5/4 ~ 5/10)</a:t>
+                      </a:r>
+                      <a:endParaRPr lang="ko-KR" altLang="en-US" sz="1600" dirty="0"/>
+                    </a:p>
+                  </a:txBody>
+                  <a:tcPr anchor="ctr"/>
+                </a:tc>
+                <a:tc>
+                  <a:txBody>
+                    <a:bodyPr/>
+                    <a:lstStyle/>
+                    <a:p>
+                      <a:pPr algn="ctr" latinLnBrk="1"/>
+                      <a:r>
+                        <a:rPr lang="ko-KR" altLang="en-US" sz="1600" dirty="0"/>
+                        <a:t>역할 분담</a:t>
+                      </a:r>
+                      <a:endParaRPr lang="en-US" altLang="ko-KR" sz="1600" dirty="0"/>
+                    </a:p>
+                    <a:p>
+                      <a:pPr algn="ctr" latinLnBrk="1"/>
+                      <a:r>
+                        <a:rPr lang="ko-KR" altLang="en-US" sz="1600" dirty="0"/>
+                        <a:t>기획발표 준비</a:t>
+                      </a:r>
+                    </a:p>
+                  </a:txBody>
+                  <a:tcPr anchor="ctr"/>
+                </a:tc>
+                <a:tc>
+                  <a:txBody>
+                    <a:bodyPr/>
+                    <a:lstStyle/>
+                    <a:p>
+                      <a:pPr marL="0" marR="0" lvl="0" indent="0" algn="l" defTabSz="914400" rtl="0" eaLnBrk="1" fontAlgn="auto" latinLnBrk="1" hangingPunct="1">
+                        <a:lnSpc>
+                          <a:spcPct val="100000"/>
+                        </a:lnSpc>
+                        <a:spcBef>
+                          <a:spcPts val="0"/>
+                        </a:spcBef>
+                        <a:spcAft>
+                          <a:spcPts val="0"/>
+                        </a:spcAft>
+                        <a:buClrTx/>
+                        <a:buSzTx/>
+                        <a:buFontTx/>
+                        <a:buNone/>
+                        <a:tabLst/>
+                        <a:defRPr/>
+                      </a:pPr>
+                      <a:r>
+                        <a:rPr lang="ko-KR" altLang="en-US" sz="1600" dirty="0"/>
+                        <a:t>기획 발표 </a:t>
+                      </a:r>
+                      <a:r>
+                        <a:rPr lang="en-US" altLang="ko-KR" sz="1600" dirty="0"/>
+                        <a:t>ppt</a:t>
+                      </a:r>
+                      <a:r>
+                        <a:rPr lang="ko-KR" altLang="en-US" sz="1600" dirty="0"/>
+                        <a:t>작성</a:t>
+                      </a:r>
+                    </a:p>
+                  </a:txBody>
+                  <a:tcPr anchor="ctr"/>
+                </a:tc>
+                <a:tc>
+                  <a:txBody>
+                    <a:bodyPr/>
+                    <a:lstStyle/>
+                    <a:p>
+                      <a:pPr algn="ctr" latinLnBrk="1"/>
+                      <a:r>
+                        <a:rPr lang="en-US" altLang="ko-KR" sz="1600" dirty="0"/>
+                        <a:t>O</a:t>
+                      </a:r>
+                      <a:endParaRPr lang="ko-KR" altLang="en-US" sz="1600" dirty="0"/>
+                    </a:p>
+                  </a:txBody>
+                  <a:tcPr anchor="ctr"/>
+                </a:tc>
+                <a:extLst>
+                  <a:ext uri="{0D108BD9-81ED-4DB2-BD59-A6C34878D82A}">
+                    <a16:rowId xmlns:a16="http://schemas.microsoft.com/office/drawing/2014/main" val="780891523"/>
+                  </a:ext>
+                </a:extLst>
+              </a:tr>
+              <a:tr h="413547">
+                <a:tc>
+                  <a:txBody>
+                    <a:bodyPr/>
+                    <a:lstStyle/>
+                    <a:p>
+                      <a:pPr latinLnBrk="1"/>
+                      <a:r>
+                        <a:rPr lang="en-US" altLang="ko-KR" sz="1600" dirty="0"/>
+                        <a:t>3</a:t>
+                      </a:r>
+                      <a:r>
+                        <a:rPr lang="ko-KR" altLang="en-US" sz="1600" dirty="0"/>
+                        <a:t>주</a:t>
+                      </a:r>
+                      <a:r>
+                        <a:rPr lang="en-US" altLang="ko-KR" sz="1600" dirty="0"/>
+                        <a:t>(5/11 ~ 5/17)</a:t>
+                      </a:r>
+                      <a:endParaRPr lang="ko-KR" altLang="en-US" sz="1600" dirty="0"/>
+                    </a:p>
+                  </a:txBody>
+                  <a:tcPr anchor="ctr"/>
+                </a:tc>
+                <a:tc>
+                  <a:txBody>
+                    <a:bodyPr/>
+                    <a:lstStyle/>
+                    <a:p>
+                      <a:pPr algn="ctr" latinLnBrk="1"/>
+                      <a:r>
+                        <a:rPr lang="ko-KR" altLang="en-US" sz="1600" dirty="0"/>
+                        <a:t>기획 발표</a:t>
+                      </a:r>
+                      <a:endParaRPr lang="en-US" altLang="ko-KR" sz="1600" dirty="0"/>
+                    </a:p>
+                    <a:p>
+                      <a:pPr algn="ctr" latinLnBrk="1"/>
+                      <a:r>
+                        <a:rPr lang="ko-KR" altLang="en-US" sz="1600" dirty="0"/>
+                        <a:t>파싱</a:t>
+                      </a:r>
+                    </a:p>
+                  </a:txBody>
+                  <a:tcPr anchor="ctr"/>
+                </a:tc>
+                <a:tc>
+                  <a:txBody>
+                    <a:bodyPr/>
+                    <a:lstStyle/>
+                    <a:p>
+                      <a:pPr latinLnBrk="1"/>
+                      <a:r>
+                        <a:rPr lang="en-US" altLang="ko-KR" sz="1600" dirty="0" err="1"/>
+                        <a:t>Youtube</a:t>
+                      </a:r>
+                      <a:r>
+                        <a:rPr lang="ko-KR" altLang="en-US" sz="1600" dirty="0"/>
+                        <a:t>기획 발표</a:t>
+                      </a:r>
+                      <a:r>
+                        <a:rPr lang="en-US" altLang="ko-KR" sz="1600" dirty="0"/>
+                        <a:t>, xml</a:t>
+                      </a:r>
+                      <a:r>
+                        <a:rPr lang="ko-KR" altLang="en-US" sz="1600" dirty="0"/>
+                        <a:t>파일 파싱</a:t>
+                      </a:r>
+                    </a:p>
+                  </a:txBody>
+                  <a:tcPr anchor="ctr"/>
+                </a:tc>
+                <a:tc>
+                  <a:txBody>
+                    <a:bodyPr/>
+                    <a:lstStyle/>
+                    <a:p>
+                      <a:pPr algn="ctr" latinLnBrk="1"/>
+                      <a:r>
+                        <a:rPr lang="en-US" altLang="ko-KR" sz="1600" dirty="0"/>
+                        <a:t>O</a:t>
+                      </a:r>
+                      <a:endParaRPr lang="ko-KR" altLang="en-US" sz="1600" dirty="0"/>
+                    </a:p>
+                  </a:txBody>
+                  <a:tcPr anchor="ctr"/>
+                </a:tc>
+                <a:extLst>
+                  <a:ext uri="{0D108BD9-81ED-4DB2-BD59-A6C34878D82A}">
+                    <a16:rowId xmlns:a16="http://schemas.microsoft.com/office/drawing/2014/main" val="76010417"/>
+                  </a:ext>
+                </a:extLst>
+              </a:tr>
+              <a:tr h="621253">
+                <a:tc>
+                  <a:txBody>
+                    <a:bodyPr/>
+                    <a:lstStyle/>
+                    <a:p>
+                      <a:pPr latinLnBrk="1"/>
+                      <a:r>
+                        <a:rPr lang="en-US" altLang="ko-KR" sz="1600" dirty="0"/>
+                        <a:t>4</a:t>
+                      </a:r>
+                      <a:r>
+                        <a:rPr lang="ko-KR" altLang="en-US" sz="1600" dirty="0"/>
+                        <a:t>주</a:t>
+                      </a:r>
+                      <a:r>
+                        <a:rPr lang="en-US" altLang="ko-KR" sz="1600" dirty="0"/>
+                        <a:t>(5/18 ~ 5/24)</a:t>
+                      </a:r>
+                      <a:endParaRPr lang="ko-KR" altLang="en-US" sz="1600" dirty="0"/>
+                    </a:p>
+                  </a:txBody>
+                  <a:tcPr anchor="ctr"/>
+                </a:tc>
+                <a:tc>
+                  <a:txBody>
+                    <a:bodyPr/>
+                    <a:lstStyle/>
+                    <a:p>
+                      <a:pPr algn="ctr" latinLnBrk="1"/>
+                      <a:r>
+                        <a:rPr lang="en-US" altLang="ko-KR" sz="1600" dirty="0"/>
+                        <a:t> </a:t>
+                      </a:r>
+                      <a:r>
+                        <a:rPr lang="ko-KR" altLang="en-US" sz="1600" dirty="0"/>
+                        <a:t>검색기능 구현</a:t>
+                      </a:r>
+                      <a:endParaRPr lang="en-US" altLang="ko-KR" sz="1600" dirty="0"/>
+                    </a:p>
+                    <a:p>
+                      <a:pPr algn="ctr" latinLnBrk="1"/>
+                      <a:r>
+                        <a:rPr lang="ko-KR" altLang="en-US" sz="1600" dirty="0"/>
+                        <a:t>파싱</a:t>
+                      </a:r>
+                    </a:p>
+                  </a:txBody>
+                  <a:tcPr anchor="ctr"/>
+                </a:tc>
+                <a:tc>
+                  <a:txBody>
+                    <a:bodyPr/>
+                    <a:lstStyle/>
+                    <a:p>
+                      <a:pPr latinLnBrk="1"/>
+                      <a:r>
+                        <a:rPr lang="ko-KR" altLang="en-US" sz="1600" dirty="0"/>
+                        <a:t>지역검색</a:t>
+                      </a:r>
+                      <a:r>
+                        <a:rPr lang="en-US" altLang="ko-KR" sz="1600" dirty="0"/>
+                        <a:t>(</a:t>
+                      </a:r>
+                      <a:r>
+                        <a:rPr lang="ko-KR" altLang="en-US" sz="1600" dirty="0"/>
+                        <a:t>시</a:t>
+                      </a:r>
+                      <a:r>
+                        <a:rPr lang="en-US" altLang="ko-KR" sz="1600" dirty="0"/>
+                        <a:t>,</a:t>
+                      </a:r>
+                      <a:r>
+                        <a:rPr lang="ko-KR" altLang="en-US" sz="1600" dirty="0"/>
+                        <a:t>도 </a:t>
+                      </a:r>
+                      <a:r>
+                        <a:rPr lang="en-US" altLang="ko-KR" sz="1600" dirty="0"/>
+                        <a:t>-&gt;</a:t>
+                      </a:r>
+                      <a:r>
+                        <a:rPr lang="ko-KR" altLang="en-US" sz="1600" dirty="0"/>
+                        <a:t>동</a:t>
+                      </a:r>
+                      <a:r>
+                        <a:rPr lang="en-US" altLang="ko-KR" sz="1600" dirty="0"/>
+                        <a:t>) </a:t>
+                      </a:r>
+                      <a:r>
+                        <a:rPr lang="ko-KR" altLang="en-US" sz="1600" dirty="0"/>
+                        <a:t>오염도 정보 제공</a:t>
+                      </a:r>
+                      <a:r>
+                        <a:rPr lang="en-US" altLang="ko-KR" sz="1600" dirty="0"/>
+                        <a:t>, xml</a:t>
+                      </a:r>
+                      <a:r>
+                        <a:rPr lang="ko-KR" altLang="en-US" sz="1600" dirty="0"/>
+                        <a:t>파일 파싱</a:t>
+                      </a:r>
+                    </a:p>
+                  </a:txBody>
+                  <a:tcPr anchor="ctr"/>
+                </a:tc>
+                <a:tc>
+                  <a:txBody>
+                    <a:bodyPr/>
+                    <a:lstStyle/>
+                    <a:p>
+                      <a:pPr algn="ctr" latinLnBrk="1"/>
+                      <a:r>
+                        <a:rPr lang="en-US" altLang="ko-KR" sz="1600" dirty="0"/>
+                        <a:t>O</a:t>
+                      </a:r>
+                      <a:endParaRPr lang="ko-KR" altLang="en-US" sz="1600" dirty="0"/>
+                    </a:p>
+                  </a:txBody>
+                  <a:tcPr anchor="ctr"/>
+                </a:tc>
+                <a:extLst>
+                  <a:ext uri="{0D108BD9-81ED-4DB2-BD59-A6C34878D82A}">
+                    <a16:rowId xmlns:a16="http://schemas.microsoft.com/office/drawing/2014/main" val="1495688993"/>
+                  </a:ext>
+                </a:extLst>
+              </a:tr>
+              <a:tr h="428663">
+                <a:tc>
+                  <a:txBody>
+                    <a:bodyPr/>
+                    <a:lstStyle/>
+                    <a:p>
+                      <a:pPr latinLnBrk="1"/>
+                      <a:r>
+                        <a:rPr lang="en-US" altLang="ko-KR" sz="1600" dirty="0"/>
+                        <a:t>5</a:t>
+                      </a:r>
+                      <a:r>
+                        <a:rPr lang="ko-KR" altLang="en-US" sz="1600" dirty="0"/>
+                        <a:t>주</a:t>
+                      </a:r>
+                      <a:r>
+                        <a:rPr lang="en-US" altLang="ko-KR" sz="1600" dirty="0"/>
+                        <a:t>(5/25 ~ 5/31)</a:t>
+                      </a:r>
+                      <a:endParaRPr lang="ko-KR" altLang="en-US" sz="1600" dirty="0"/>
+                    </a:p>
+                  </a:txBody>
+                  <a:tcPr anchor="ctr"/>
+                </a:tc>
+                <a:tc>
+                  <a:txBody>
+                    <a:bodyPr/>
+                    <a:lstStyle/>
+                    <a:p>
+                      <a:pPr algn="ctr" latinLnBrk="1"/>
+                      <a:r>
+                        <a:rPr lang="ko-KR" altLang="en-US" sz="1600" dirty="0"/>
+                        <a:t>중간 시연 발표</a:t>
+                      </a:r>
+                    </a:p>
+                  </a:txBody>
+                  <a:tcPr anchor="ctr"/>
+                </a:tc>
+                <a:tc>
+                  <a:txBody>
+                    <a:bodyPr/>
+                    <a:lstStyle/>
+                    <a:p>
+                      <a:pPr latinLnBrk="1"/>
+                      <a:r>
+                        <a:rPr lang="en-US" altLang="ko-KR" sz="1600" dirty="0" err="1"/>
+                        <a:t>Youtube</a:t>
+                      </a:r>
+                      <a:r>
+                        <a:rPr lang="ko-KR" altLang="en-US" sz="1600" dirty="0"/>
+                        <a:t>중간 시연 발표</a:t>
+                      </a:r>
+                    </a:p>
+                  </a:txBody>
+                  <a:tcPr anchor="ctr"/>
+                </a:tc>
+                <a:tc>
+                  <a:txBody>
+                    <a:bodyPr/>
+                    <a:lstStyle/>
+                    <a:p>
+                      <a:pPr algn="ctr" latinLnBrk="1"/>
+                      <a:r>
+                        <a:rPr lang="en-US" altLang="ko-KR" sz="1600" dirty="0"/>
+                        <a:t>O</a:t>
+                      </a:r>
+                      <a:endParaRPr lang="ko-KR" altLang="en-US" sz="1600" dirty="0"/>
+                    </a:p>
+                  </a:txBody>
+                  <a:tcPr anchor="ctr"/>
+                </a:tc>
+                <a:extLst>
+                  <a:ext uri="{0D108BD9-81ED-4DB2-BD59-A6C34878D82A}">
+                    <a16:rowId xmlns:a16="http://schemas.microsoft.com/office/drawing/2014/main" val="2677483965"/>
+                  </a:ext>
+                </a:extLst>
+              </a:tr>
+              <a:tr h="949397">
+                <a:tc>
+                  <a:txBody>
+                    <a:bodyPr/>
+                    <a:lstStyle/>
+                    <a:p>
+                      <a:pPr latinLnBrk="1"/>
+                      <a:r>
+                        <a:rPr lang="en-US" altLang="ko-KR" sz="1600" dirty="0"/>
+                        <a:t>6</a:t>
+                      </a:r>
+                      <a:r>
+                        <a:rPr lang="ko-KR" altLang="en-US" sz="1600" dirty="0"/>
+                        <a:t>주</a:t>
+                      </a:r>
+                      <a:r>
+                        <a:rPr lang="en-US" altLang="ko-KR" sz="1600" dirty="0"/>
+                        <a:t>(6/1 ~ 6/7)</a:t>
+                      </a:r>
+                      <a:endParaRPr lang="ko-KR" altLang="en-US" sz="1600" dirty="0"/>
+                    </a:p>
+                  </a:txBody>
+                  <a:tcPr anchor="ctr"/>
+                </a:tc>
+                <a:tc>
+                  <a:txBody>
+                    <a:bodyPr/>
+                    <a:lstStyle/>
+                    <a:p>
+                      <a:pPr algn="ctr" latinLnBrk="1"/>
+                      <a:r>
+                        <a:rPr lang="en-US" altLang="ko-KR" sz="1600" dirty="0" err="1"/>
+                        <a:t>tkinter</a:t>
+                      </a:r>
+                      <a:r>
+                        <a:rPr lang="en-US" altLang="ko-KR" sz="1600" dirty="0"/>
+                        <a:t> GUI</a:t>
+                      </a:r>
+                      <a:r>
+                        <a:rPr lang="ko-KR" altLang="en-US" sz="1600" dirty="0"/>
+                        <a:t>구현</a:t>
+                      </a:r>
+                      <a:endParaRPr lang="en-US" altLang="ko-KR" sz="1600" dirty="0"/>
+                    </a:p>
+                    <a:p>
+                      <a:pPr algn="ctr" latinLnBrk="1"/>
+                      <a:r>
+                        <a:rPr lang="ko-KR" altLang="en-US" sz="1600" dirty="0"/>
+                        <a:t>오염도 증감표시</a:t>
+                      </a:r>
+                      <a:r>
+                        <a:rPr lang="en-US" altLang="ko-KR" sz="1600" dirty="0"/>
+                        <a:t>(</a:t>
+                      </a:r>
+                      <a:r>
+                        <a:rPr lang="ko-KR" altLang="en-US" sz="1600" dirty="0"/>
+                        <a:t>보류</a:t>
+                      </a:r>
+                      <a:r>
+                        <a:rPr lang="en-US" altLang="ko-KR" sz="1600" dirty="0"/>
+                        <a:t>)</a:t>
+                      </a:r>
+                      <a:endParaRPr lang="ko-KR" altLang="en-US" sz="1600" dirty="0"/>
+                    </a:p>
+                  </a:txBody>
+                  <a:tcPr anchor="ctr"/>
+                </a:tc>
+                <a:tc>
+                  <a:txBody>
+                    <a:bodyPr/>
+                    <a:lstStyle/>
+                    <a:p>
+                      <a:pPr marL="0" marR="0" lvl="0" indent="0" algn="l" defTabSz="914400" rtl="0" eaLnBrk="1" fontAlgn="auto" latinLnBrk="1" hangingPunct="1">
+                        <a:lnSpc>
+                          <a:spcPct val="100000"/>
+                        </a:lnSpc>
+                        <a:spcBef>
+                          <a:spcPts val="0"/>
+                        </a:spcBef>
+                        <a:spcAft>
+                          <a:spcPts val="0"/>
+                        </a:spcAft>
+                        <a:buClrTx/>
+                        <a:buSzTx/>
+                        <a:buFontTx/>
+                        <a:buNone/>
+                        <a:tabLst/>
+                        <a:defRPr/>
+                      </a:pPr>
+                      <a:r>
+                        <a:rPr lang="en-US" altLang="ko-KR" sz="1600" dirty="0" err="1"/>
+                        <a:t>tkinter</a:t>
+                      </a:r>
+                      <a:r>
+                        <a:rPr lang="en-US" altLang="ko-KR" sz="1600" dirty="0"/>
+                        <a:t> GUI</a:t>
+                      </a:r>
+                      <a:r>
+                        <a:rPr lang="ko-KR" altLang="en-US" sz="1600" dirty="0"/>
+                        <a:t>를 이용해 인터페이스를 구현</a:t>
+                      </a:r>
+                      <a:r>
+                        <a:rPr lang="en-US" altLang="ko-KR" sz="1600" dirty="0"/>
+                        <a:t> </a:t>
+                      </a:r>
+                      <a:r>
+                        <a:rPr lang="ko-KR" altLang="en-US" sz="1600" dirty="0"/>
+                        <a:t>및 오염도 증감 정보 표시</a:t>
+                      </a:r>
+                      <a:endParaRPr lang="en-US" altLang="ko-KR" sz="1600" dirty="0"/>
+                    </a:p>
+                  </a:txBody>
+                  <a:tcPr anchor="ctr"/>
+                </a:tc>
+                <a:tc>
+                  <a:txBody>
+                    <a:bodyPr/>
+                    <a:lstStyle/>
+                    <a:p>
+                      <a:pPr algn="ctr" latinLnBrk="1"/>
+                      <a:r>
+                        <a:rPr lang="en-US" altLang="ko-KR" sz="1600" dirty="0" err="1"/>
+                        <a:t>Tkinter</a:t>
+                      </a:r>
+                      <a:endParaRPr lang="en-US" altLang="ko-KR" sz="1600" dirty="0"/>
+                    </a:p>
+                    <a:p>
+                      <a:pPr algn="ctr" latinLnBrk="1"/>
+                      <a:r>
+                        <a:rPr lang="ko-KR" altLang="en-US" sz="1600" dirty="0"/>
+                        <a:t>구현</a:t>
+                      </a:r>
+                    </a:p>
+                  </a:txBody>
+                  <a:tcPr anchor="ctr"/>
+                </a:tc>
+                <a:extLst>
+                  <a:ext uri="{0D108BD9-81ED-4DB2-BD59-A6C34878D82A}">
+                    <a16:rowId xmlns:a16="http://schemas.microsoft.com/office/drawing/2014/main" val="2776503358"/>
+                  </a:ext>
+                </a:extLst>
+              </a:tr>
+              <a:tr h="949397">
+                <a:tc>
+                  <a:txBody>
+                    <a:bodyPr/>
+                    <a:lstStyle/>
+                    <a:p>
+                      <a:pPr latinLnBrk="1"/>
+                      <a:r>
+                        <a:rPr lang="en-US" altLang="ko-KR" sz="1600" dirty="0"/>
+                        <a:t>7</a:t>
+                      </a:r>
+                      <a:r>
+                        <a:rPr lang="ko-KR" altLang="en-US" sz="1600" dirty="0"/>
+                        <a:t>주</a:t>
+                      </a:r>
+                      <a:r>
+                        <a:rPr lang="en-US" altLang="ko-KR" sz="1600" dirty="0"/>
+                        <a:t>(6/8 ~ 6/14)</a:t>
+                      </a:r>
+                      <a:endParaRPr lang="ko-KR" altLang="en-US" sz="1600" dirty="0"/>
+                    </a:p>
+                  </a:txBody>
+                  <a:tcPr anchor="ctr"/>
+                </a:tc>
+                <a:tc>
+                  <a:txBody>
+                    <a:bodyPr/>
+                    <a:lstStyle/>
+                    <a:p>
+                      <a:pPr algn="ctr" latinLnBrk="1"/>
+                      <a:r>
+                        <a:rPr lang="ko-KR" altLang="en-US" sz="1600" dirty="0"/>
+                        <a:t>지도연동</a:t>
+                      </a:r>
+                      <a:endParaRPr lang="en-US" altLang="ko-KR" sz="1600" dirty="0"/>
+                    </a:p>
+                    <a:p>
+                      <a:pPr algn="ctr" latinLnBrk="1"/>
+                      <a:r>
+                        <a:rPr lang="ko-KR" altLang="en-US" sz="1600" dirty="0"/>
+                        <a:t>이메일 전송</a:t>
+                      </a:r>
+                    </a:p>
+                  </a:txBody>
+                  <a:tcPr anchor="ctr"/>
+                </a:tc>
+                <a:tc>
+                  <a:txBody>
+                    <a:bodyPr/>
+                    <a:lstStyle/>
+                    <a:p>
+                      <a:pPr latinLnBrk="1"/>
+                      <a:r>
+                        <a:rPr lang="ko-KR" altLang="en-US" sz="1600" dirty="0"/>
+                        <a:t>지도에 지역별 오염도 표시</a:t>
+                      </a:r>
+                      <a:r>
+                        <a:rPr lang="en-US" altLang="ko-KR" sz="1600" dirty="0"/>
+                        <a:t>,</a:t>
+                      </a:r>
+                    </a:p>
+                    <a:p>
+                      <a:pPr latinLnBrk="1"/>
+                      <a:r>
+                        <a:rPr lang="ko-KR" altLang="en-US" sz="1600" dirty="0"/>
+                        <a:t>시간 별 대기 오염 정보를 이메일로 전송</a:t>
+                      </a:r>
+                      <a:endParaRPr lang="en-US" altLang="ko-KR" sz="1600" dirty="0"/>
+                    </a:p>
+                  </a:txBody>
+                  <a:tcPr anchor="ctr"/>
+                </a:tc>
+                <a:tc>
+                  <a:txBody>
+                    <a:bodyPr/>
+                    <a:lstStyle/>
+                    <a:p>
+                      <a:pPr algn="ctr" latinLnBrk="1"/>
+                      <a:endParaRPr lang="ko-KR" altLang="en-US" sz="1600" dirty="0"/>
+                    </a:p>
+                  </a:txBody>
+                  <a:tcPr anchor="ctr"/>
+                </a:tc>
+                <a:extLst>
+                  <a:ext uri="{0D108BD9-81ED-4DB2-BD59-A6C34878D82A}">
+                    <a16:rowId xmlns:a16="http://schemas.microsoft.com/office/drawing/2014/main" val="398540782"/>
+                  </a:ext>
+                </a:extLst>
+              </a:tr>
+              <a:tr h="664578">
+                <a:tc>
+                  <a:txBody>
+                    <a:bodyPr/>
+                    <a:lstStyle/>
+                    <a:p>
+                      <a:pPr latinLnBrk="1"/>
+                      <a:r>
+                        <a:rPr lang="en-US" altLang="ko-KR" sz="1600" dirty="0"/>
+                        <a:t>8</a:t>
+                      </a:r>
+                      <a:r>
+                        <a:rPr lang="ko-KR" altLang="en-US" sz="1600" dirty="0"/>
+                        <a:t>주</a:t>
+                      </a:r>
+                      <a:r>
+                        <a:rPr lang="en-US" altLang="ko-KR" sz="1600" dirty="0"/>
+                        <a:t>(6/15 ~ 6/21)</a:t>
+                      </a:r>
+                      <a:endParaRPr lang="ko-KR" altLang="en-US" sz="1600" dirty="0"/>
+                    </a:p>
+                  </a:txBody>
+                  <a:tcPr anchor="ctr"/>
+                </a:tc>
+                <a:tc>
+                  <a:txBody>
+                    <a:bodyPr/>
+                    <a:lstStyle/>
+                    <a:p>
+                      <a:pPr marL="0" marR="0" lvl="0" indent="0" algn="ctr" defTabSz="914400" rtl="0" eaLnBrk="1" fontAlgn="auto" latinLnBrk="1" hangingPunct="1">
+                        <a:lnSpc>
+                          <a:spcPct val="100000"/>
+                        </a:lnSpc>
+                        <a:spcBef>
+                          <a:spcPts val="0"/>
+                        </a:spcBef>
+                        <a:spcAft>
+                          <a:spcPts val="0"/>
+                        </a:spcAft>
+                        <a:buClrTx/>
+                        <a:buSzTx/>
+                        <a:buFontTx/>
+                        <a:buNone/>
+                        <a:tabLst/>
+                        <a:defRPr/>
+                      </a:pPr>
+                      <a:r>
+                        <a:rPr lang="en-US" altLang="ko-KR" sz="1600" dirty="0"/>
+                        <a:t>C/C++</a:t>
+                      </a:r>
+                      <a:r>
+                        <a:rPr lang="ko-KR" altLang="en-US" sz="1600" dirty="0"/>
+                        <a:t> 연동</a:t>
+                      </a:r>
+                      <a:endParaRPr lang="en-US" altLang="ko-KR" sz="1600" dirty="0"/>
+                    </a:p>
+                    <a:p>
+                      <a:pPr marL="0" marR="0" lvl="0" indent="0" algn="ctr" defTabSz="914400" rtl="0" eaLnBrk="1" fontAlgn="auto" latinLnBrk="1" hangingPunct="1">
+                        <a:lnSpc>
+                          <a:spcPct val="100000"/>
+                        </a:lnSpc>
+                        <a:spcBef>
+                          <a:spcPts val="0"/>
+                        </a:spcBef>
+                        <a:spcAft>
+                          <a:spcPts val="0"/>
+                        </a:spcAft>
+                        <a:buClrTx/>
+                        <a:buSzTx/>
+                        <a:buFontTx/>
+                        <a:buNone/>
+                        <a:tabLst/>
+                        <a:defRPr/>
+                      </a:pPr>
+                      <a:r>
+                        <a:rPr lang="ko-KR" altLang="en-US" sz="1600" dirty="0"/>
+                        <a:t>최종 발표 </a:t>
+                      </a:r>
+                    </a:p>
+                  </a:txBody>
+                  <a:tcPr anchor="ctr"/>
+                </a:tc>
+                <a:tc>
+                  <a:txBody>
+                    <a:bodyPr/>
+                    <a:lstStyle/>
+                    <a:p>
+                      <a:pPr marL="0" marR="0" lvl="0" indent="0" algn="l" defTabSz="914400" rtl="0" eaLnBrk="1" fontAlgn="auto" latinLnBrk="1" hangingPunct="1">
+                        <a:lnSpc>
+                          <a:spcPct val="100000"/>
+                        </a:lnSpc>
+                        <a:spcBef>
+                          <a:spcPts val="0"/>
+                        </a:spcBef>
+                        <a:spcAft>
+                          <a:spcPts val="0"/>
+                        </a:spcAft>
+                        <a:buClrTx/>
+                        <a:buSzTx/>
+                        <a:buFontTx/>
+                        <a:buNone/>
+                        <a:tabLst/>
+                        <a:defRPr/>
+                      </a:pPr>
+                      <a:r>
+                        <a:rPr lang="en-US" altLang="ko-KR" sz="1600" dirty="0"/>
+                        <a:t>C/C++</a:t>
+                      </a:r>
+                      <a:r>
+                        <a:rPr lang="ko-KR" altLang="en-US" sz="1600" dirty="0"/>
+                        <a:t> 연동 및 배포 파일 작성 및 최종 발표</a:t>
+                      </a:r>
+                    </a:p>
+                  </a:txBody>
+                  <a:tcPr anchor="ctr"/>
+                </a:tc>
+                <a:tc>
+                  <a:txBody>
+                    <a:bodyPr/>
+                    <a:lstStyle/>
+                    <a:p>
+                      <a:pPr algn="ctr" latinLnBrk="1"/>
+                      <a:endParaRPr lang="ko-KR" altLang="en-US" sz="1600" dirty="0"/>
+                    </a:p>
+                  </a:txBody>
+                  <a:tcPr anchor="ctr"/>
+                </a:tc>
+                <a:extLst>
+                  <a:ext uri="{0D108BD9-81ED-4DB2-BD59-A6C34878D82A}">
+                    <a16:rowId xmlns:a16="http://schemas.microsoft.com/office/drawing/2014/main" val="3782899496"/>
+                  </a:ext>
+                </a:extLst>
+              </a:tr>
+            </a:tbl>
+          </a:graphicData>
+        </a:graphic>
+      </p:graphicFrame>
+    </p:spTree>
+    <p:extLst>
+      <p:ext uri="{BB962C8B-B14F-4D97-AF65-F5344CB8AC3E}">
+        <p14:creationId xmlns:p14="http://schemas.microsoft.com/office/powerpoint/2010/main" val="3388957407"/>
+      </p:ext>
+    </p:extLst>
+  </p:cSld>
+  <p:clrMapOvr>
+    <a:masterClrMapping/>
+  </p:clrMapOvr>
+  <p:timing>
+    <p:tnLst>
+      <p:par>
+        <p:cTn id="1" dur="indefinite" restart="never" nodeType="tmRoot">
+          <p:childTnLst>
+            <p:seq concurrent="1" nextAc="seek">
+              <p:cTn id="2" dur="indefinite" nodeType="mainSeq">
+                <p:childTnLst>
+                  <p:par>
+                    <p:cTn id="3" fill="hold">
+                      <p:stCondLst>
+                        <p:cond delay="indefinite"/>
+                        <p:cond evt="onBegin" delay="0">
+                          <p:tn val="2"/>
+                        </p:cond>
+                      </p:stCondLst>
+                      <p:childTnLst>
+                        <p:par>
+                          <p:cTn id="4" fill="hold">
+                            <p:stCondLst>
+                              <p:cond delay="0"/>
+                            </p:stCondLst>
+                            <p:childTnLst>
+                              <p:par>
+                                <p:cTn id="5" presetID="22" presetClass="entr" presetSubtype="8" fill="hold" nodeType="withEffect">
+                                  <p:stCondLst>
+                                    <p:cond delay="0"/>
+                                  </p:stCondLst>
+                                  <p:childTnLst>
+                                    <p:set>
+                                      <p:cBhvr>
+                                        <p:cTn id="6" dur="1" fill="hold">
+                                          <p:stCondLst>
+                                            <p:cond delay="0"/>
+                                          </p:stCondLst>
+                                        </p:cTn>
+                                        <p:tgtEl>
+                                          <p:spTgt spid="367"/>
+                                        </p:tgtEl>
+                                        <p:attrNameLst>
+                                          <p:attrName>style.visibility</p:attrName>
+                                        </p:attrNameLst>
+                                      </p:cBhvr>
+                                      <p:to>
+                                        <p:strVal val="visible"/>
+                                      </p:to>
+                                    </p:set>
+                                    <p:animEffect transition="in" filter="wipe(left)">
+                                      <p:cBhvr>
+                                        <p:cTn id="7" dur="500"/>
+                                        <p:tgtEl>
+                                          <p:spTgt spid="367"/>
+                                        </p:tgtEl>
+                                      </p:cBhvr>
+                                    </p:animEffect>
+                                  </p:childTnLst>
+                                </p:cTn>
+                              </p:par>
+                            </p:childTnLst>
+                          </p:cTn>
+                        </p:par>
+                        <p:par>
+                          <p:cTn id="8" fill="hold">
+                            <p:stCondLst>
+                              <p:cond delay="500"/>
+                            </p:stCondLst>
+                            <p:childTnLst>
+                              <p:par>
+                                <p:cTn id="9" presetID="10" presetClass="entr" presetSubtype="0" fill="hold" grpId="0" nodeType="afterEffect">
+                                  <p:stCondLst>
+                                    <p:cond delay="0"/>
+                                  </p:stCondLst>
+                                  <p:childTnLst>
+                                    <p:set>
+                                      <p:cBhvr>
+                                        <p:cTn id="10" dur="1" fill="hold">
+                                          <p:stCondLst>
+                                            <p:cond delay="0"/>
+                                          </p:stCondLst>
+                                        </p:cTn>
+                                        <p:tgtEl>
+                                          <p:spTgt spid="370"/>
+                                        </p:tgtEl>
+                                        <p:attrNameLst>
+                                          <p:attrName>style.visibility</p:attrName>
+                                        </p:attrNameLst>
+                                      </p:cBhvr>
+                                      <p:to>
+                                        <p:strVal val="visible"/>
+                                      </p:to>
+                                    </p:set>
+                                    <p:animEffect transition="in" filter="fade">
+                                      <p:cBhvr>
+                                        <p:cTn id="11" dur="500"/>
+                                        <p:tgtEl>
+                                          <p:spTgt spid="370"/>
+                                        </p:tgtEl>
+                                      </p:cBhvr>
+                                    </p:animEffect>
+                                  </p:childTnLst>
+                                </p:cTn>
+                              </p:par>
+                              <p:par>
+                                <p:cTn id="12" presetID="10" presetClass="entr" presetSubtype="0" fill="hold" grpId="0" nodeType="withEffect">
+                                  <p:stCondLst>
+                                    <p:cond delay="0"/>
+                                  </p:stCondLst>
+                                  <p:childTnLst>
+                                    <p:set>
+                                      <p:cBhvr>
+                                        <p:cTn id="13" dur="1" fill="hold">
+                                          <p:stCondLst>
+                                            <p:cond delay="0"/>
+                                          </p:stCondLst>
+                                        </p:cTn>
+                                        <p:tgtEl>
+                                          <p:spTgt spid="371"/>
+                                        </p:tgtEl>
+                                        <p:attrNameLst>
+                                          <p:attrName>style.visibility</p:attrName>
+                                        </p:attrNameLst>
+                                      </p:cBhvr>
+                                      <p:to>
+                                        <p:strVal val="visible"/>
+                                      </p:to>
+                                    </p:set>
+                                    <p:animEffect transition="in" filter="fade">
+                                      <p:cBhvr>
+                                        <p:cTn id="14" dur="500"/>
+                                        <p:tgtEl>
+                                          <p:spTgt spid="371"/>
+                                        </p:tgtEl>
+                                      </p:cBhvr>
+                                    </p:animEffect>
+                                  </p:childTnLst>
+                                </p:cTn>
+                              </p:par>
+                            </p:childTnLst>
+                          </p:cTn>
+                        </p:par>
+                        <p:par>
+                          <p:cTn id="15" fill="hold">
+                            <p:stCondLst>
+                              <p:cond delay="1000"/>
+                            </p:stCondLst>
+                            <p:childTnLst>
+                              <p:par>
+                                <p:cTn id="16" presetID="22" presetClass="entr" presetSubtype="1" fill="hold" grpId="0" nodeType="afterEffect">
+                                  <p:stCondLst>
+                                    <p:cond delay="0"/>
+                                  </p:stCondLst>
+                                  <p:childTnLst>
+                                    <p:set>
+                                      <p:cBhvr>
+                                        <p:cTn id="17" dur="1" fill="hold">
+                                          <p:stCondLst>
+                                            <p:cond delay="0"/>
+                                          </p:stCondLst>
+                                        </p:cTn>
+                                        <p:tgtEl>
+                                          <p:spTgt spid="6"/>
+                                        </p:tgtEl>
+                                        <p:attrNameLst>
+                                          <p:attrName>style.visibility</p:attrName>
+                                        </p:attrNameLst>
+                                      </p:cBhvr>
+                                      <p:to>
+                                        <p:strVal val="visible"/>
+                                      </p:to>
+                                    </p:set>
+                                    <p:animEffect transition="in" filter="wipe(up)">
+                                      <p:cBhvr>
+                                        <p:cTn id="18" dur="500"/>
+                                        <p:tgtEl>
+                                          <p:spTgt spid="6"/>
+                                        </p:tgtEl>
+                                      </p:cBhvr>
+                                    </p:animEffect>
+                                  </p:childTnLst>
+                                </p:cTn>
+                              </p:par>
+                              <p:par>
+                                <p:cTn id="19" presetID="22" presetClass="entr" presetSubtype="4" fill="hold" grpId="0" nodeType="withEffect">
+                                  <p:stCondLst>
+                                    <p:cond delay="0"/>
+                                  </p:stCondLst>
+                                  <p:childTnLst>
+                                    <p:set>
+                                      <p:cBhvr>
+                                        <p:cTn id="20" dur="1" fill="hold">
+                                          <p:stCondLst>
+                                            <p:cond delay="0"/>
+                                          </p:stCondLst>
+                                        </p:cTn>
+                                        <p:tgtEl>
+                                          <p:spTgt spid="39"/>
+                                        </p:tgtEl>
+                                        <p:attrNameLst>
+                                          <p:attrName>style.visibility</p:attrName>
+                                        </p:attrNameLst>
+                                      </p:cBhvr>
+                                      <p:to>
+                                        <p:strVal val="visible"/>
+                                      </p:to>
+                                    </p:set>
+                                    <p:animEffect transition="in" filter="wipe(down)">
+                                      <p:cBhvr>
+                                        <p:cTn id="21" dur="500"/>
+                                        <p:tgtEl>
+                                          <p:spTgt spid="39"/>
+                                        </p:tgtEl>
+                                      </p:cBhvr>
+                                    </p:animEffect>
+                                  </p:childTnLst>
+                                </p:cTn>
+                              </p:par>
+                              <p:par>
+                                <p:cTn id="22" presetID="22" presetClass="entr" presetSubtype="8" fill="hold" nodeType="withEffect">
+                                  <p:stCondLst>
+                                    <p:cond delay="0"/>
+                                  </p:stCondLst>
+                                  <p:childTnLst>
+                                    <p:set>
+                                      <p:cBhvr>
+                                        <p:cTn id="23" dur="1" fill="hold">
+                                          <p:stCondLst>
+                                            <p:cond delay="0"/>
+                                          </p:stCondLst>
+                                        </p:cTn>
+                                        <p:tgtEl>
+                                          <p:spTgt spid="35"/>
+                                        </p:tgtEl>
+                                        <p:attrNameLst>
+                                          <p:attrName>style.visibility</p:attrName>
+                                        </p:attrNameLst>
+                                      </p:cBhvr>
+                                      <p:to>
+                                        <p:strVal val="visible"/>
+                                      </p:to>
+                                    </p:set>
+                                    <p:animEffect transition="in" filter="wipe(left)">
+                                      <p:cBhvr>
+                                        <p:cTn id="24" dur="500"/>
+                                        <p:tgtEl>
+                                          <p:spTgt spid="35"/>
+                                        </p:tgtEl>
+                                      </p:cBhvr>
+                                    </p:animEffect>
+                                  </p:childTnLst>
+                                </p:cTn>
+                              </p:par>
+                              <p:par>
+                                <p:cTn id="25" presetID="10" presetClass="entr" presetSubtype="0" fill="hold" grpId="0" nodeType="withEffect">
+                                  <p:stCondLst>
+                                    <p:cond delay="0"/>
+                                  </p:stCondLst>
+                                  <p:childTnLst>
+                                    <p:set>
+                                      <p:cBhvr>
+                                        <p:cTn id="26" dur="1" fill="hold">
+                                          <p:stCondLst>
+                                            <p:cond delay="0"/>
+                                          </p:stCondLst>
+                                        </p:cTn>
+                                        <p:tgtEl>
+                                          <p:spTgt spid="38"/>
+                                        </p:tgtEl>
+                                        <p:attrNameLst>
+                                          <p:attrName>style.visibility</p:attrName>
+                                        </p:attrNameLst>
+                                      </p:cBhvr>
+                                      <p:to>
+                                        <p:strVal val="visible"/>
+                                      </p:to>
+                                    </p:set>
+                                    <p:animEffect transition="in" filter="fade">
+                                      <p:cBhvr>
+                                        <p:cTn id="27" dur="500"/>
+                                        <p:tgtEl>
+                                          <p:spTgt spid="38"/>
+                                        </p:tgtEl>
+                                      </p:cBhvr>
+                                    </p:animEffect>
+                                  </p:childTnLst>
+                                </p:cTn>
+                              </p:par>
+                            </p:childTnLst>
+                          </p:cTn>
+                        </p:par>
+                      </p:childTnLst>
+                    </p:cTn>
+                  </p:par>
+                </p:childTnLst>
+              </p:cTn>
+              <p:prevCondLst>
+                <p:cond evt="onPrev" delay="0">
+                  <p:tgtEl>
+                    <p:sldTgt/>
+                  </p:tgtEl>
+                </p:cond>
+              </p:prevCondLst>
+              <p:nextCondLst>
+                <p:cond evt="onNext" delay="0">
+                  <p:tgtEl>
+                    <p:sldTgt/>
+                  </p:tgtEl>
+                </p:cond>
+              </p:nextCondLst>
+            </p:seq>
+          </p:childTnLst>
+        </p:cTn>
+      </p:par>
+    </p:tnLst>
+    <p:bldLst>
+      <p:bldP spid="39" grpId="0" animBg="1"/>
+      <p:bldP spid="6" grpId="0" animBg="1"/>
+      <p:bldP spid="370" grpId="0"/>
+      <p:bldP spid="371" grpId="0"/>
+      <p:bldP spid="38" grpId="0"/>
+    </p:bldLst>
+  </p:timing>
+</p:sld>
+</file>
+
+<file path=ppt/slides/slide5.xml><?xml version="1.0" encoding="utf-8"?>
+<p:sld xmlns:a="http://schemas.openxmlformats.org/drawingml/2006/main" xmlns:r="http://schemas.openxmlformats.org/officeDocument/2006/relationships" xmlns:p="http://schemas.openxmlformats.org/presentationml/2006/main">
+  <p:cSld>
+    <p:spTree>
+      <p:nvGrpSpPr>
+        <p:cNvPr id="1" name=""/>
+        <p:cNvGrpSpPr/>
+        <p:nvPr/>
+      </p:nvGrpSpPr>
+      <p:grpSpPr>
+        <a:xfrm>
+          <a:off x="0" y="0"/>
+          <a:ext cx="0" cy="0"/>
+          <a:chOff x="0" y="0"/>
+          <a:chExt cx="0" cy="0"/>
+        </a:xfrm>
+      </p:grpSpPr>
       <p:grpSp>
         <p:nvGrpSpPr>
           <p:cNvPr id="13" name="Group 12"/>
@@ -5346,27 +7172,34 @@
                 <a:latin typeface="나눔고딕 ExtraBold" panose="020D0904000000000000" pitchFamily="50" charset="-127"/>
                 <a:ea typeface="나눔고딕 ExtraBold" panose="020D0904000000000000" pitchFamily="50" charset="-127"/>
               </a:rPr>
-              <a:t>Open API </a:t>
+              <a:t>GIT-HUB </a:t>
             </a:r>
             <a:r>
-              <a:rPr lang="ko-KR" altLang="en-US" sz="2000" dirty="0">
+              <a:rPr lang="ko-KR" altLang="en-US" sz="2000" dirty="0" err="1">
                 <a:solidFill>
                   <a:schemeClr val="bg1"/>
                 </a:solidFill>
                 <a:latin typeface="나눔고딕 ExtraBold" panose="020D0904000000000000" pitchFamily="50" charset="-127"/>
                 <a:ea typeface="나눔고딕 ExtraBold" panose="020D0904000000000000" pitchFamily="50" charset="-127"/>
               </a:rPr>
-              <a:t>정보</a:t>
+              <a:t>커밋</a:t>
             </a:r>
+            <a:endParaRPr lang="ko-KR" altLang="en-US" sz="2000" dirty="0">
+              <a:solidFill>
+                <a:schemeClr val="bg1"/>
+              </a:solidFill>
+              <a:latin typeface="나눔고딕 ExtraBold" panose="020D0904000000000000" pitchFamily="50" charset="-127"/>
+              <a:ea typeface="나눔고딕 ExtraBold" panose="020D0904000000000000" pitchFamily="50" charset="-127"/>
+            </a:endParaRPr>
           </a:p>
         </p:txBody>
       </p:sp>
       <p:pic>
         <p:nvPicPr>
-          <p:cNvPr id="15" name="내용 개체 틀 4">
+          <p:cNvPr id="3" name="그림 2">
             <a:extLst>
               <a:ext uri="{FF2B5EF4-FFF2-40B4-BE49-F238E27FC236}">
-                <a16:creationId xmlns:a16="http://schemas.microsoft.com/office/drawing/2014/main" id="{57221767-400E-4002-9F93-60820BECFB7E}"/>
+                <a16:creationId xmlns:a16="http://schemas.microsoft.com/office/drawing/2014/main" id="{DF35E072-9925-4087-9BD1-535B32A6EFCE}"/>
               </a:ext>
             </a:extLst>
           </p:cNvPr>
@@ -5389,8 +7222,8 @@
         </p:blipFill>
         <p:spPr>
           <a:xfrm>
-            <a:off x="235358" y="978808"/>
-            <a:ext cx="8486287" cy="4614313"/>
+            <a:off x="940755" y="1744834"/>
+            <a:ext cx="7262489" cy="3368332"/>
           </a:xfrm>
           <a:prstGeom prst="rect">
             <a:avLst/>
@@ -5569,5616 +7402,7 @@
 </p:sld>
 </file>
 
-<file path=ppt/slides/slide5.xml><?xml version="1.0" encoding="utf-8"?>
-<p:sld xmlns:a="http://schemas.openxmlformats.org/drawingml/2006/main" xmlns:r="http://schemas.openxmlformats.org/officeDocument/2006/relationships" xmlns:p="http://schemas.openxmlformats.org/presentationml/2006/main">
-  <p:cSld>
-    <p:spTree>
-      <p:nvGrpSpPr>
-        <p:cNvPr id="1" name=""/>
-        <p:cNvGrpSpPr/>
-        <p:nvPr/>
-      </p:nvGrpSpPr>
-      <p:grpSpPr>
-        <a:xfrm>
-          <a:off x="0" y="0"/>
-          <a:ext cx="0" cy="0"/>
-          <a:chOff x="0" y="0"/>
-          <a:chExt cx="0" cy="0"/>
-        </a:xfrm>
-      </p:grpSpPr>
-      <p:grpSp>
-        <p:nvGrpSpPr>
-          <p:cNvPr id="37" name="Group 36"/>
-          <p:cNvGrpSpPr/>
-          <p:nvPr/>
-        </p:nvGrpSpPr>
-        <p:grpSpPr>
-          <a:xfrm rot="16200000">
-            <a:off x="1739307" y="-356475"/>
-            <a:ext cx="541218" cy="4019833"/>
-            <a:chOff x="3383823" y="1726827"/>
-            <a:chExt cx="349977" cy="2721345"/>
-          </a:xfrm>
-        </p:grpSpPr>
-        <p:grpSp>
-          <p:nvGrpSpPr>
-            <p:cNvPr id="39" name="Group 38"/>
-            <p:cNvGrpSpPr/>
-            <p:nvPr/>
-          </p:nvGrpSpPr>
-          <p:grpSpPr>
-            <a:xfrm>
-              <a:off x="3383823" y="1726827"/>
-              <a:ext cx="349977" cy="2721345"/>
-              <a:chOff x="6003198" y="-4681060"/>
-              <a:chExt cx="2344150" cy="10110307"/>
-            </a:xfrm>
-          </p:grpSpPr>
-          <p:sp>
-            <p:nvSpPr>
-              <p:cNvPr id="44" name="Freeform 43"/>
-              <p:cNvSpPr/>
-              <p:nvPr/>
-            </p:nvSpPr>
-            <p:spPr>
-              <a:xfrm rot="10800000">
-                <a:off x="6003198" y="-4681060"/>
-                <a:ext cx="2344150" cy="10110307"/>
-              </a:xfrm>
-              <a:custGeom>
-                <a:avLst/>
-                <a:gdLst>
-                  <a:gd name="connsiteX0" fmla="*/ 2344149 w 2344150"/>
-                  <a:gd name="connsiteY0" fmla="*/ 10110307 h 10110307"/>
-                  <a:gd name="connsiteX1" fmla="*/ 0 w 2344150"/>
-                  <a:gd name="connsiteY1" fmla="*/ 10110307 h 10110307"/>
-                  <a:gd name="connsiteX2" fmla="*/ 0 w 2344150"/>
-                  <a:gd name="connsiteY2" fmla="*/ 2020817 h 10110307"/>
-                  <a:gd name="connsiteX3" fmla="*/ 2 w 2344150"/>
-                  <a:gd name="connsiteY3" fmla="*/ 2020817 h 10110307"/>
-                  <a:gd name="connsiteX4" fmla="*/ 1172076 w 2344150"/>
-                  <a:gd name="connsiteY4" fmla="*/ 0 h 10110307"/>
-                  <a:gd name="connsiteX5" fmla="*/ 2344150 w 2344150"/>
-                  <a:gd name="connsiteY5" fmla="*/ 2020818 h 10110307"/>
-                  <a:gd name="connsiteX6" fmla="*/ 2344149 w 2344150"/>
-                  <a:gd name="connsiteY6" fmla="*/ 2020818 h 10110307"/>
-                </a:gdLst>
-                <a:ahLst/>
-                <a:cxnLst>
-                  <a:cxn ang="0">
-                    <a:pos x="connsiteX0" y="connsiteY0"/>
-                  </a:cxn>
-                  <a:cxn ang="0">
-                    <a:pos x="connsiteX1" y="connsiteY1"/>
-                  </a:cxn>
-                  <a:cxn ang="0">
-                    <a:pos x="connsiteX2" y="connsiteY2"/>
-                  </a:cxn>
-                  <a:cxn ang="0">
-                    <a:pos x="connsiteX3" y="connsiteY3"/>
-                  </a:cxn>
-                  <a:cxn ang="0">
-                    <a:pos x="connsiteX4" y="connsiteY4"/>
-                  </a:cxn>
-                  <a:cxn ang="0">
-                    <a:pos x="connsiteX5" y="connsiteY5"/>
-                  </a:cxn>
-                  <a:cxn ang="0">
-                    <a:pos x="connsiteX6" y="connsiteY6"/>
-                  </a:cxn>
-                </a:cxnLst>
-                <a:rect l="l" t="t" r="r" b="b"/>
-                <a:pathLst>
-                  <a:path w="2344150" h="10110307">
-                    <a:moveTo>
-                      <a:pt x="2344149" y="10110307"/>
-                    </a:moveTo>
-                    <a:lnTo>
-                      <a:pt x="0" y="10110307"/>
-                    </a:lnTo>
-                    <a:lnTo>
-                      <a:pt x="0" y="2020817"/>
-                    </a:lnTo>
-                    <a:lnTo>
-                      <a:pt x="2" y="2020817"/>
-                    </a:lnTo>
-                    <a:lnTo>
-                      <a:pt x="1172076" y="0"/>
-                    </a:lnTo>
-                    <a:lnTo>
-                      <a:pt x="2344150" y="2020818"/>
-                    </a:lnTo>
-                    <a:lnTo>
-                      <a:pt x="2344149" y="2020818"/>
-                    </a:lnTo>
-                    <a:close/>
-                  </a:path>
-                </a:pathLst>
-              </a:custGeom>
-              <a:solidFill>
-                <a:schemeClr val="bg1"/>
-              </a:solidFill>
-              <a:ln w="3175">
-                <a:solidFill>
-                  <a:schemeClr val="bg1">
-                    <a:lumMod val="85000"/>
-                  </a:schemeClr>
-                </a:solidFill>
-              </a:ln>
-            </p:spPr>
-            <p:style>
-              <a:lnRef idx="2">
-                <a:schemeClr val="accent1">
-                  <a:shade val="50000"/>
-                </a:schemeClr>
-              </a:lnRef>
-              <a:fillRef idx="1">
-                <a:schemeClr val="accent1"/>
-              </a:fillRef>
-              <a:effectRef idx="0">
-                <a:schemeClr val="accent1"/>
-              </a:effectRef>
-              <a:fontRef idx="minor">
-                <a:schemeClr val="lt1"/>
-              </a:fontRef>
-            </p:style>
-            <p:txBody>
-              <a:bodyPr rtlCol="0" anchor="ctr"/>
-              <a:lstStyle/>
-              <a:p>
-                <a:pPr algn="ctr"/>
-                <a:endParaRPr lang="ko-KR" altLang="en-US"/>
-              </a:p>
-            </p:txBody>
-          </p:sp>
-          <p:sp>
-            <p:nvSpPr>
-              <p:cNvPr id="45" name="Isosceles Triangle 44"/>
-              <p:cNvSpPr/>
-              <p:nvPr/>
-            </p:nvSpPr>
-            <p:spPr>
-              <a:xfrm rot="10800000">
-                <a:off x="6893287" y="4943065"/>
-                <a:ext cx="563972" cy="486182"/>
-              </a:xfrm>
-              <a:prstGeom prst="triangle">
-                <a:avLst/>
-              </a:prstGeom>
-              <a:solidFill>
-                <a:schemeClr val="tx1">
-                  <a:lumMod val="75000"/>
-                  <a:lumOff val="25000"/>
-                </a:schemeClr>
-              </a:solidFill>
-              <a:ln w="3175">
-                <a:solidFill>
-                  <a:schemeClr val="tx1">
-                    <a:lumMod val="75000"/>
-                    <a:lumOff val="25000"/>
-                  </a:schemeClr>
-                </a:solidFill>
-              </a:ln>
-            </p:spPr>
-            <p:style>
-              <a:lnRef idx="2">
-                <a:schemeClr val="accent1">
-                  <a:shade val="50000"/>
-                </a:schemeClr>
-              </a:lnRef>
-              <a:fillRef idx="1">
-                <a:schemeClr val="accent1"/>
-              </a:fillRef>
-              <a:effectRef idx="0">
-                <a:schemeClr val="accent1"/>
-              </a:effectRef>
-              <a:fontRef idx="minor">
-                <a:schemeClr val="lt1"/>
-              </a:fontRef>
-            </p:style>
-            <p:txBody>
-              <a:bodyPr rtlCol="0" anchor="ctr"/>
-              <a:lstStyle/>
-              <a:p>
-                <a:pPr algn="ctr"/>
-                <a:endParaRPr lang="ko-KR" altLang="en-US" sz="1600"/>
-              </a:p>
-            </p:txBody>
-          </p:sp>
-        </p:grpSp>
-        <p:cxnSp>
-          <p:nvCxnSpPr>
-            <p:cNvPr id="40" name="Straight Connector 39"/>
-            <p:cNvCxnSpPr/>
-            <p:nvPr/>
-          </p:nvCxnSpPr>
-          <p:spPr>
-            <a:xfrm>
-              <a:off x="3516711" y="1828800"/>
-              <a:ext cx="0" cy="1876425"/>
-            </a:xfrm>
-            <a:prstGeom prst="line">
-              <a:avLst/>
-            </a:prstGeom>
-            <a:ln w="3175">
-              <a:solidFill>
-                <a:schemeClr val="bg1">
-                  <a:lumMod val="85000"/>
-                </a:schemeClr>
-              </a:solidFill>
-            </a:ln>
-          </p:spPr>
-          <p:style>
-            <a:lnRef idx="1">
-              <a:schemeClr val="accent1"/>
-            </a:lnRef>
-            <a:fillRef idx="0">
-              <a:schemeClr val="accent1"/>
-            </a:fillRef>
-            <a:effectRef idx="0">
-              <a:schemeClr val="accent1"/>
-            </a:effectRef>
-            <a:fontRef idx="minor">
-              <a:schemeClr val="tx1"/>
-            </a:fontRef>
-          </p:style>
-        </p:cxnSp>
-        <p:cxnSp>
-          <p:nvCxnSpPr>
-            <p:cNvPr id="41" name="Straight Connector 40"/>
-            <p:cNvCxnSpPr/>
-            <p:nvPr/>
-          </p:nvCxnSpPr>
-          <p:spPr>
-            <a:xfrm>
-              <a:off x="3600912" y="1933575"/>
-              <a:ext cx="0" cy="1876425"/>
-            </a:xfrm>
-            <a:prstGeom prst="line">
-              <a:avLst/>
-            </a:prstGeom>
-            <a:ln w="3175">
-              <a:solidFill>
-                <a:schemeClr val="bg1">
-                  <a:lumMod val="85000"/>
-                </a:schemeClr>
-              </a:solidFill>
-            </a:ln>
-          </p:spPr>
-          <p:style>
-            <a:lnRef idx="1">
-              <a:schemeClr val="accent1"/>
-            </a:lnRef>
-            <a:fillRef idx="0">
-              <a:schemeClr val="accent1"/>
-            </a:fillRef>
-            <a:effectRef idx="0">
-              <a:schemeClr val="accent1"/>
-            </a:effectRef>
-            <a:fontRef idx="minor">
-              <a:schemeClr val="tx1"/>
-            </a:fontRef>
-          </p:style>
-        </p:cxnSp>
-      </p:grpSp>
-      <p:sp>
-        <p:nvSpPr>
-          <p:cNvPr id="47" name="Rectangle 46"/>
-          <p:cNvSpPr/>
-          <p:nvPr/>
-        </p:nvSpPr>
-        <p:spPr>
-          <a:xfrm>
-            <a:off x="684645" y="1485368"/>
-            <a:ext cx="1277505" cy="338554"/>
-          </a:xfrm>
-          <a:prstGeom prst="rect">
-            <a:avLst/>
-          </a:prstGeom>
-          <a:solidFill>
-            <a:schemeClr val="bg1"/>
-          </a:solidFill>
-        </p:spPr>
-        <p:txBody>
-          <a:bodyPr wrap="square">
-            <a:spAutoFit/>
-          </a:bodyPr>
-          <a:lstStyle/>
-          <a:p>
-            <a:pPr algn="ctr"/>
-            <a:r>
-              <a:rPr lang="ko-KR" altLang="en-US" sz="1600" dirty="0">
-                <a:solidFill>
-                  <a:srgbClr val="000000"/>
-                </a:solidFill>
-                <a:latin typeface="나눔고딕 ExtraBold" panose="020D0904000000000000" pitchFamily="50" charset="-127"/>
-                <a:ea typeface="나눔고딕 ExtraBold" panose="020D0904000000000000" pitchFamily="50" charset="-127"/>
-              </a:rPr>
-              <a:t>지역 검색</a:t>
-            </a:r>
-            <a:endParaRPr lang="ko-KR" altLang="en-US" sz="1600" dirty="0">
-              <a:latin typeface="나눔고딕 ExtraBold" panose="020D0904000000000000" pitchFamily="50" charset="-127"/>
-              <a:ea typeface="나눔고딕 ExtraBold" panose="020D0904000000000000" pitchFamily="50" charset="-127"/>
-            </a:endParaRPr>
-          </a:p>
-        </p:txBody>
-      </p:sp>
-      <p:grpSp>
-        <p:nvGrpSpPr>
-          <p:cNvPr id="48" name="Group 47"/>
-          <p:cNvGrpSpPr/>
-          <p:nvPr/>
-        </p:nvGrpSpPr>
-        <p:grpSpPr>
-          <a:xfrm rot="5400000">
-            <a:off x="6663777" y="539259"/>
-            <a:ext cx="541218" cy="4142874"/>
-            <a:chOff x="3383823" y="1726827"/>
-            <a:chExt cx="349977" cy="2721345"/>
-          </a:xfrm>
-        </p:grpSpPr>
-        <p:grpSp>
-          <p:nvGrpSpPr>
-            <p:cNvPr id="49" name="Group 48"/>
-            <p:cNvGrpSpPr/>
-            <p:nvPr/>
-          </p:nvGrpSpPr>
-          <p:grpSpPr>
-            <a:xfrm>
-              <a:off x="3383823" y="1726827"/>
-              <a:ext cx="349977" cy="2721345"/>
-              <a:chOff x="6003198" y="-4681060"/>
-              <a:chExt cx="2344150" cy="10110307"/>
-            </a:xfrm>
-          </p:grpSpPr>
-          <p:sp>
-            <p:nvSpPr>
-              <p:cNvPr id="52" name="Freeform 51"/>
-              <p:cNvSpPr/>
-              <p:nvPr/>
-            </p:nvSpPr>
-            <p:spPr>
-              <a:xfrm rot="10800000">
-                <a:off x="6003198" y="-4681060"/>
-                <a:ext cx="2344150" cy="10110307"/>
-              </a:xfrm>
-              <a:custGeom>
-                <a:avLst/>
-                <a:gdLst>
-                  <a:gd name="connsiteX0" fmla="*/ 2344149 w 2344150"/>
-                  <a:gd name="connsiteY0" fmla="*/ 10110307 h 10110307"/>
-                  <a:gd name="connsiteX1" fmla="*/ 0 w 2344150"/>
-                  <a:gd name="connsiteY1" fmla="*/ 10110307 h 10110307"/>
-                  <a:gd name="connsiteX2" fmla="*/ 0 w 2344150"/>
-                  <a:gd name="connsiteY2" fmla="*/ 2020817 h 10110307"/>
-                  <a:gd name="connsiteX3" fmla="*/ 2 w 2344150"/>
-                  <a:gd name="connsiteY3" fmla="*/ 2020817 h 10110307"/>
-                  <a:gd name="connsiteX4" fmla="*/ 1172076 w 2344150"/>
-                  <a:gd name="connsiteY4" fmla="*/ 0 h 10110307"/>
-                  <a:gd name="connsiteX5" fmla="*/ 2344150 w 2344150"/>
-                  <a:gd name="connsiteY5" fmla="*/ 2020818 h 10110307"/>
-                  <a:gd name="connsiteX6" fmla="*/ 2344149 w 2344150"/>
-                  <a:gd name="connsiteY6" fmla="*/ 2020818 h 10110307"/>
-                </a:gdLst>
-                <a:ahLst/>
-                <a:cxnLst>
-                  <a:cxn ang="0">
-                    <a:pos x="connsiteX0" y="connsiteY0"/>
-                  </a:cxn>
-                  <a:cxn ang="0">
-                    <a:pos x="connsiteX1" y="connsiteY1"/>
-                  </a:cxn>
-                  <a:cxn ang="0">
-                    <a:pos x="connsiteX2" y="connsiteY2"/>
-                  </a:cxn>
-                  <a:cxn ang="0">
-                    <a:pos x="connsiteX3" y="connsiteY3"/>
-                  </a:cxn>
-                  <a:cxn ang="0">
-                    <a:pos x="connsiteX4" y="connsiteY4"/>
-                  </a:cxn>
-                  <a:cxn ang="0">
-                    <a:pos x="connsiteX5" y="connsiteY5"/>
-                  </a:cxn>
-                  <a:cxn ang="0">
-                    <a:pos x="connsiteX6" y="connsiteY6"/>
-                  </a:cxn>
-                </a:cxnLst>
-                <a:rect l="l" t="t" r="r" b="b"/>
-                <a:pathLst>
-                  <a:path w="2344150" h="10110307">
-                    <a:moveTo>
-                      <a:pt x="2344149" y="10110307"/>
-                    </a:moveTo>
-                    <a:lnTo>
-                      <a:pt x="0" y="10110307"/>
-                    </a:lnTo>
-                    <a:lnTo>
-                      <a:pt x="0" y="2020817"/>
-                    </a:lnTo>
-                    <a:lnTo>
-                      <a:pt x="2" y="2020817"/>
-                    </a:lnTo>
-                    <a:lnTo>
-                      <a:pt x="1172076" y="0"/>
-                    </a:lnTo>
-                    <a:lnTo>
-                      <a:pt x="2344150" y="2020818"/>
-                    </a:lnTo>
-                    <a:lnTo>
-                      <a:pt x="2344149" y="2020818"/>
-                    </a:lnTo>
-                    <a:close/>
-                  </a:path>
-                </a:pathLst>
-              </a:custGeom>
-              <a:solidFill>
-                <a:schemeClr val="bg1"/>
-              </a:solidFill>
-              <a:ln w="3175">
-                <a:solidFill>
-                  <a:schemeClr val="bg1">
-                    <a:lumMod val="85000"/>
-                  </a:schemeClr>
-                </a:solidFill>
-              </a:ln>
-            </p:spPr>
-            <p:style>
-              <a:lnRef idx="2">
-                <a:schemeClr val="accent1">
-                  <a:shade val="50000"/>
-                </a:schemeClr>
-              </a:lnRef>
-              <a:fillRef idx="1">
-                <a:schemeClr val="accent1"/>
-              </a:fillRef>
-              <a:effectRef idx="0">
-                <a:schemeClr val="accent1"/>
-              </a:effectRef>
-              <a:fontRef idx="minor">
-                <a:schemeClr val="lt1"/>
-              </a:fontRef>
-            </p:style>
-            <p:txBody>
-              <a:bodyPr rtlCol="0" anchor="ctr"/>
-              <a:lstStyle/>
-              <a:p>
-                <a:pPr algn="ctr"/>
-                <a:endParaRPr lang="ko-KR" altLang="en-US"/>
-              </a:p>
-            </p:txBody>
-          </p:sp>
-          <p:sp>
-            <p:nvSpPr>
-              <p:cNvPr id="53" name="Isosceles Triangle 52"/>
-              <p:cNvSpPr/>
-              <p:nvPr/>
-            </p:nvSpPr>
-            <p:spPr>
-              <a:xfrm rot="10800000">
-                <a:off x="6893287" y="4943065"/>
-                <a:ext cx="563972" cy="486182"/>
-              </a:xfrm>
-              <a:prstGeom prst="triangle">
-                <a:avLst/>
-              </a:prstGeom>
-              <a:solidFill>
-                <a:schemeClr val="tx1">
-                  <a:lumMod val="75000"/>
-                  <a:lumOff val="25000"/>
-                </a:schemeClr>
-              </a:solidFill>
-              <a:ln w="3175">
-                <a:solidFill>
-                  <a:schemeClr val="tx1">
-                    <a:lumMod val="75000"/>
-                    <a:lumOff val="25000"/>
-                  </a:schemeClr>
-                </a:solidFill>
-              </a:ln>
-            </p:spPr>
-            <p:style>
-              <a:lnRef idx="2">
-                <a:schemeClr val="accent1">
-                  <a:shade val="50000"/>
-                </a:schemeClr>
-              </a:lnRef>
-              <a:fillRef idx="1">
-                <a:schemeClr val="accent1"/>
-              </a:fillRef>
-              <a:effectRef idx="0">
-                <a:schemeClr val="accent1"/>
-              </a:effectRef>
-              <a:fontRef idx="minor">
-                <a:schemeClr val="lt1"/>
-              </a:fontRef>
-            </p:style>
-            <p:txBody>
-              <a:bodyPr rtlCol="0" anchor="ctr"/>
-              <a:lstStyle/>
-              <a:p>
-                <a:pPr algn="ctr"/>
-                <a:endParaRPr lang="ko-KR" altLang="en-US" sz="1600"/>
-              </a:p>
-            </p:txBody>
-          </p:sp>
-        </p:grpSp>
-        <p:cxnSp>
-          <p:nvCxnSpPr>
-            <p:cNvPr id="50" name="Straight Connector 49"/>
-            <p:cNvCxnSpPr/>
-            <p:nvPr/>
-          </p:nvCxnSpPr>
-          <p:spPr>
-            <a:xfrm>
-              <a:off x="3516711" y="1828800"/>
-              <a:ext cx="0" cy="1876425"/>
-            </a:xfrm>
-            <a:prstGeom prst="line">
-              <a:avLst/>
-            </a:prstGeom>
-            <a:ln w="3175">
-              <a:solidFill>
-                <a:schemeClr val="bg1">
-                  <a:lumMod val="85000"/>
-                </a:schemeClr>
-              </a:solidFill>
-            </a:ln>
-          </p:spPr>
-          <p:style>
-            <a:lnRef idx="1">
-              <a:schemeClr val="accent1"/>
-            </a:lnRef>
-            <a:fillRef idx="0">
-              <a:schemeClr val="accent1"/>
-            </a:fillRef>
-            <a:effectRef idx="0">
-              <a:schemeClr val="accent1"/>
-            </a:effectRef>
-            <a:fontRef idx="minor">
-              <a:schemeClr val="tx1"/>
-            </a:fontRef>
-          </p:style>
-        </p:cxnSp>
-        <p:cxnSp>
-          <p:nvCxnSpPr>
-            <p:cNvPr id="51" name="Straight Connector 50"/>
-            <p:cNvCxnSpPr/>
-            <p:nvPr/>
-          </p:nvCxnSpPr>
-          <p:spPr>
-            <a:xfrm>
-              <a:off x="3600912" y="1933575"/>
-              <a:ext cx="0" cy="1876425"/>
-            </a:xfrm>
-            <a:prstGeom prst="line">
-              <a:avLst/>
-            </a:prstGeom>
-            <a:ln w="3175">
-              <a:solidFill>
-                <a:schemeClr val="bg1">
-                  <a:lumMod val="85000"/>
-                </a:schemeClr>
-              </a:solidFill>
-            </a:ln>
-          </p:spPr>
-          <p:style>
-            <a:lnRef idx="1">
-              <a:schemeClr val="accent1"/>
-            </a:lnRef>
-            <a:fillRef idx="0">
-              <a:schemeClr val="accent1"/>
-            </a:fillRef>
-            <a:effectRef idx="0">
-              <a:schemeClr val="accent1"/>
-            </a:effectRef>
-            <a:fontRef idx="minor">
-              <a:schemeClr val="tx1"/>
-            </a:fontRef>
-          </p:style>
-        </p:cxnSp>
-      </p:grpSp>
-      <p:sp>
-        <p:nvSpPr>
-          <p:cNvPr id="55" name="Rectangle 54"/>
-          <p:cNvSpPr/>
-          <p:nvPr/>
-        </p:nvSpPr>
-        <p:spPr>
-          <a:xfrm>
-            <a:off x="5606309" y="2441418"/>
-            <a:ext cx="1277505" cy="338554"/>
-          </a:xfrm>
-          <a:prstGeom prst="rect">
-            <a:avLst/>
-          </a:prstGeom>
-          <a:solidFill>
-            <a:schemeClr val="bg1"/>
-          </a:solidFill>
-        </p:spPr>
-        <p:txBody>
-          <a:bodyPr wrap="square">
-            <a:spAutoFit/>
-          </a:bodyPr>
-          <a:lstStyle/>
-          <a:p>
-            <a:pPr algn="ctr"/>
-            <a:r>
-              <a:rPr lang="ko-KR" altLang="en-US" sz="1600" dirty="0">
-                <a:solidFill>
-                  <a:srgbClr val="000000"/>
-                </a:solidFill>
-                <a:latin typeface="나눔고딕 ExtraBold" panose="020D0904000000000000" pitchFamily="50" charset="-127"/>
-                <a:ea typeface="나눔고딕 ExtraBold" panose="020D0904000000000000" pitchFamily="50" charset="-127"/>
-              </a:rPr>
-              <a:t>지도 연동</a:t>
-            </a:r>
-            <a:endParaRPr lang="ko-KR" altLang="en-US" sz="1600" dirty="0">
-              <a:latin typeface="나눔고딕 ExtraBold" panose="020D0904000000000000" pitchFamily="50" charset="-127"/>
-              <a:ea typeface="나눔고딕 ExtraBold" panose="020D0904000000000000" pitchFamily="50" charset="-127"/>
-            </a:endParaRPr>
-          </a:p>
-        </p:txBody>
-      </p:sp>
-      <p:grpSp>
-        <p:nvGrpSpPr>
-          <p:cNvPr id="56" name="Group 55"/>
-          <p:cNvGrpSpPr/>
-          <p:nvPr/>
-        </p:nvGrpSpPr>
-        <p:grpSpPr>
-          <a:xfrm rot="16200000">
-            <a:off x="1734545" y="1661677"/>
-            <a:ext cx="541218" cy="4010309"/>
-            <a:chOff x="3383823" y="1726827"/>
-            <a:chExt cx="349977" cy="2721345"/>
-          </a:xfrm>
-        </p:grpSpPr>
-        <p:grpSp>
-          <p:nvGrpSpPr>
-            <p:cNvPr id="57" name="Group 56"/>
-            <p:cNvGrpSpPr/>
-            <p:nvPr/>
-          </p:nvGrpSpPr>
-          <p:grpSpPr>
-            <a:xfrm>
-              <a:off x="3383823" y="1726827"/>
-              <a:ext cx="349977" cy="2721345"/>
-              <a:chOff x="6003198" y="-4681060"/>
-              <a:chExt cx="2344150" cy="10110307"/>
-            </a:xfrm>
-          </p:grpSpPr>
-          <p:sp>
-            <p:nvSpPr>
-              <p:cNvPr id="60" name="Freeform 59"/>
-              <p:cNvSpPr/>
-              <p:nvPr/>
-            </p:nvSpPr>
-            <p:spPr>
-              <a:xfrm rot="10800000">
-                <a:off x="6003198" y="-4681060"/>
-                <a:ext cx="2344150" cy="10110307"/>
-              </a:xfrm>
-              <a:custGeom>
-                <a:avLst/>
-                <a:gdLst>
-                  <a:gd name="connsiteX0" fmla="*/ 2344149 w 2344150"/>
-                  <a:gd name="connsiteY0" fmla="*/ 10110307 h 10110307"/>
-                  <a:gd name="connsiteX1" fmla="*/ 0 w 2344150"/>
-                  <a:gd name="connsiteY1" fmla="*/ 10110307 h 10110307"/>
-                  <a:gd name="connsiteX2" fmla="*/ 0 w 2344150"/>
-                  <a:gd name="connsiteY2" fmla="*/ 2020817 h 10110307"/>
-                  <a:gd name="connsiteX3" fmla="*/ 2 w 2344150"/>
-                  <a:gd name="connsiteY3" fmla="*/ 2020817 h 10110307"/>
-                  <a:gd name="connsiteX4" fmla="*/ 1172076 w 2344150"/>
-                  <a:gd name="connsiteY4" fmla="*/ 0 h 10110307"/>
-                  <a:gd name="connsiteX5" fmla="*/ 2344150 w 2344150"/>
-                  <a:gd name="connsiteY5" fmla="*/ 2020818 h 10110307"/>
-                  <a:gd name="connsiteX6" fmla="*/ 2344149 w 2344150"/>
-                  <a:gd name="connsiteY6" fmla="*/ 2020818 h 10110307"/>
-                </a:gdLst>
-                <a:ahLst/>
-                <a:cxnLst>
-                  <a:cxn ang="0">
-                    <a:pos x="connsiteX0" y="connsiteY0"/>
-                  </a:cxn>
-                  <a:cxn ang="0">
-                    <a:pos x="connsiteX1" y="connsiteY1"/>
-                  </a:cxn>
-                  <a:cxn ang="0">
-                    <a:pos x="connsiteX2" y="connsiteY2"/>
-                  </a:cxn>
-                  <a:cxn ang="0">
-                    <a:pos x="connsiteX3" y="connsiteY3"/>
-                  </a:cxn>
-                  <a:cxn ang="0">
-                    <a:pos x="connsiteX4" y="connsiteY4"/>
-                  </a:cxn>
-                  <a:cxn ang="0">
-                    <a:pos x="connsiteX5" y="connsiteY5"/>
-                  </a:cxn>
-                  <a:cxn ang="0">
-                    <a:pos x="connsiteX6" y="connsiteY6"/>
-                  </a:cxn>
-                </a:cxnLst>
-                <a:rect l="l" t="t" r="r" b="b"/>
-                <a:pathLst>
-                  <a:path w="2344150" h="10110307">
-                    <a:moveTo>
-                      <a:pt x="2344149" y="10110307"/>
-                    </a:moveTo>
-                    <a:lnTo>
-                      <a:pt x="0" y="10110307"/>
-                    </a:lnTo>
-                    <a:lnTo>
-                      <a:pt x="0" y="2020817"/>
-                    </a:lnTo>
-                    <a:lnTo>
-                      <a:pt x="2" y="2020817"/>
-                    </a:lnTo>
-                    <a:lnTo>
-                      <a:pt x="1172076" y="0"/>
-                    </a:lnTo>
-                    <a:lnTo>
-                      <a:pt x="2344150" y="2020818"/>
-                    </a:lnTo>
-                    <a:lnTo>
-                      <a:pt x="2344149" y="2020818"/>
-                    </a:lnTo>
-                    <a:close/>
-                  </a:path>
-                </a:pathLst>
-              </a:custGeom>
-              <a:solidFill>
-                <a:schemeClr val="bg1"/>
-              </a:solidFill>
-              <a:ln w="3175">
-                <a:solidFill>
-                  <a:schemeClr val="bg1">
-                    <a:lumMod val="85000"/>
-                  </a:schemeClr>
-                </a:solidFill>
-              </a:ln>
-            </p:spPr>
-            <p:style>
-              <a:lnRef idx="2">
-                <a:schemeClr val="accent1">
-                  <a:shade val="50000"/>
-                </a:schemeClr>
-              </a:lnRef>
-              <a:fillRef idx="1">
-                <a:schemeClr val="accent1"/>
-              </a:fillRef>
-              <a:effectRef idx="0">
-                <a:schemeClr val="accent1"/>
-              </a:effectRef>
-              <a:fontRef idx="minor">
-                <a:schemeClr val="lt1"/>
-              </a:fontRef>
-            </p:style>
-            <p:txBody>
-              <a:bodyPr rtlCol="0" anchor="ctr"/>
-              <a:lstStyle/>
-              <a:p>
-                <a:pPr algn="ctr"/>
-                <a:endParaRPr lang="ko-KR" altLang="en-US"/>
-              </a:p>
-            </p:txBody>
-          </p:sp>
-          <p:sp>
-            <p:nvSpPr>
-              <p:cNvPr id="61" name="Isosceles Triangle 60"/>
-              <p:cNvSpPr/>
-              <p:nvPr/>
-            </p:nvSpPr>
-            <p:spPr>
-              <a:xfrm rot="10800000">
-                <a:off x="6893287" y="4943065"/>
-                <a:ext cx="563972" cy="486182"/>
-              </a:xfrm>
-              <a:prstGeom prst="triangle">
-                <a:avLst/>
-              </a:prstGeom>
-              <a:solidFill>
-                <a:schemeClr val="tx1">
-                  <a:lumMod val="75000"/>
-                  <a:lumOff val="25000"/>
-                </a:schemeClr>
-              </a:solidFill>
-              <a:ln w="3175">
-                <a:solidFill>
-                  <a:schemeClr val="tx1">
-                    <a:lumMod val="75000"/>
-                    <a:lumOff val="25000"/>
-                  </a:schemeClr>
-                </a:solidFill>
-              </a:ln>
-            </p:spPr>
-            <p:style>
-              <a:lnRef idx="2">
-                <a:schemeClr val="accent1">
-                  <a:shade val="50000"/>
-                </a:schemeClr>
-              </a:lnRef>
-              <a:fillRef idx="1">
-                <a:schemeClr val="accent1"/>
-              </a:fillRef>
-              <a:effectRef idx="0">
-                <a:schemeClr val="accent1"/>
-              </a:effectRef>
-              <a:fontRef idx="minor">
-                <a:schemeClr val="lt1"/>
-              </a:fontRef>
-            </p:style>
-            <p:txBody>
-              <a:bodyPr rtlCol="0" anchor="ctr"/>
-              <a:lstStyle/>
-              <a:p>
-                <a:pPr algn="ctr"/>
-                <a:endParaRPr lang="ko-KR" altLang="en-US" sz="1600"/>
-              </a:p>
-            </p:txBody>
-          </p:sp>
-        </p:grpSp>
-        <p:cxnSp>
-          <p:nvCxnSpPr>
-            <p:cNvPr id="58" name="Straight Connector 57"/>
-            <p:cNvCxnSpPr/>
-            <p:nvPr/>
-          </p:nvCxnSpPr>
-          <p:spPr>
-            <a:xfrm>
-              <a:off x="3516711" y="1828800"/>
-              <a:ext cx="0" cy="1876425"/>
-            </a:xfrm>
-            <a:prstGeom prst="line">
-              <a:avLst/>
-            </a:prstGeom>
-            <a:ln w="3175">
-              <a:solidFill>
-                <a:schemeClr val="bg1">
-                  <a:lumMod val="85000"/>
-                </a:schemeClr>
-              </a:solidFill>
-            </a:ln>
-          </p:spPr>
-          <p:style>
-            <a:lnRef idx="1">
-              <a:schemeClr val="accent1"/>
-            </a:lnRef>
-            <a:fillRef idx="0">
-              <a:schemeClr val="accent1"/>
-            </a:fillRef>
-            <a:effectRef idx="0">
-              <a:schemeClr val="accent1"/>
-            </a:effectRef>
-            <a:fontRef idx="minor">
-              <a:schemeClr val="tx1"/>
-            </a:fontRef>
-          </p:style>
-        </p:cxnSp>
-        <p:cxnSp>
-          <p:nvCxnSpPr>
-            <p:cNvPr id="59" name="Straight Connector 58"/>
-            <p:cNvCxnSpPr/>
-            <p:nvPr/>
-          </p:nvCxnSpPr>
-          <p:spPr>
-            <a:xfrm>
-              <a:off x="3600912" y="1933575"/>
-              <a:ext cx="0" cy="1876425"/>
-            </a:xfrm>
-            <a:prstGeom prst="line">
-              <a:avLst/>
-            </a:prstGeom>
-            <a:ln w="3175">
-              <a:solidFill>
-                <a:schemeClr val="bg1">
-                  <a:lumMod val="85000"/>
-                </a:schemeClr>
-              </a:solidFill>
-            </a:ln>
-          </p:spPr>
-          <p:style>
-            <a:lnRef idx="1">
-              <a:schemeClr val="accent1"/>
-            </a:lnRef>
-            <a:fillRef idx="0">
-              <a:schemeClr val="accent1"/>
-            </a:fillRef>
-            <a:effectRef idx="0">
-              <a:schemeClr val="accent1"/>
-            </a:effectRef>
-            <a:fontRef idx="minor">
-              <a:schemeClr val="tx1"/>
-            </a:fontRef>
-          </p:style>
-        </p:cxnSp>
-      </p:grpSp>
-      <p:sp>
-        <p:nvSpPr>
-          <p:cNvPr id="63" name="Rectangle 62"/>
-          <p:cNvSpPr/>
-          <p:nvPr/>
-        </p:nvSpPr>
-        <p:spPr>
-          <a:xfrm>
-            <a:off x="591369" y="3497554"/>
-            <a:ext cx="2331020" cy="338554"/>
-          </a:xfrm>
-          <a:prstGeom prst="rect">
-            <a:avLst/>
-          </a:prstGeom>
-          <a:solidFill>
-            <a:schemeClr val="bg1"/>
-          </a:solidFill>
-        </p:spPr>
-        <p:txBody>
-          <a:bodyPr wrap="square">
-            <a:spAutoFit/>
-          </a:bodyPr>
-          <a:lstStyle/>
-          <a:p>
-            <a:pPr algn="ctr"/>
-            <a:r>
-              <a:rPr lang="ko-KR" altLang="en-US" sz="1600" dirty="0">
-                <a:solidFill>
-                  <a:srgbClr val="000000"/>
-                </a:solidFill>
-                <a:latin typeface="나눔고딕 ExtraBold" panose="020D0904000000000000" pitchFamily="50" charset="-127"/>
-                <a:ea typeface="나눔고딕 ExtraBold" panose="020D0904000000000000" pitchFamily="50" charset="-127"/>
-              </a:rPr>
-              <a:t>오염도 증감 표시</a:t>
-            </a:r>
-            <a:r>
-              <a:rPr lang="en-US" altLang="ko-KR" sz="1600" dirty="0">
-                <a:solidFill>
-                  <a:srgbClr val="000000"/>
-                </a:solidFill>
-                <a:latin typeface="나눔고딕 ExtraBold" panose="020D0904000000000000" pitchFamily="50" charset="-127"/>
-                <a:ea typeface="나눔고딕 ExtraBold" panose="020D0904000000000000" pitchFamily="50" charset="-127"/>
-              </a:rPr>
-              <a:t>(</a:t>
-            </a:r>
-            <a:r>
-              <a:rPr lang="ko-KR" altLang="en-US" sz="1600" dirty="0">
-                <a:solidFill>
-                  <a:srgbClr val="000000"/>
-                </a:solidFill>
-                <a:latin typeface="나눔고딕 ExtraBold" panose="020D0904000000000000" pitchFamily="50" charset="-127"/>
-                <a:ea typeface="나눔고딕 ExtraBold" panose="020D0904000000000000" pitchFamily="50" charset="-127"/>
-              </a:rPr>
-              <a:t>보류</a:t>
-            </a:r>
-            <a:r>
-              <a:rPr lang="en-US" altLang="ko-KR" sz="1600" dirty="0">
-                <a:solidFill>
-                  <a:srgbClr val="000000"/>
-                </a:solidFill>
-                <a:latin typeface="나눔고딕 ExtraBold" panose="020D0904000000000000" pitchFamily="50" charset="-127"/>
-                <a:ea typeface="나눔고딕 ExtraBold" panose="020D0904000000000000" pitchFamily="50" charset="-127"/>
-              </a:rPr>
-              <a:t>)</a:t>
-            </a:r>
-            <a:endParaRPr lang="ko-KR" altLang="en-US" sz="1600" dirty="0">
-              <a:latin typeface="나눔고딕 ExtraBold" panose="020D0904000000000000" pitchFamily="50" charset="-127"/>
-              <a:ea typeface="나눔고딕 ExtraBold" panose="020D0904000000000000" pitchFamily="50" charset="-127"/>
-            </a:endParaRPr>
-          </a:p>
-        </p:txBody>
-      </p:sp>
-      <p:grpSp>
-        <p:nvGrpSpPr>
-          <p:cNvPr id="64" name="Group 63"/>
-          <p:cNvGrpSpPr/>
-          <p:nvPr/>
-        </p:nvGrpSpPr>
-        <p:grpSpPr>
-          <a:xfrm rot="5400000">
-            <a:off x="6613204" y="2525417"/>
-            <a:ext cx="541218" cy="4152399"/>
-            <a:chOff x="3383823" y="1726827"/>
-            <a:chExt cx="349977" cy="2721345"/>
-          </a:xfrm>
-        </p:grpSpPr>
-        <p:grpSp>
-          <p:nvGrpSpPr>
-            <p:cNvPr id="65" name="Group 64"/>
-            <p:cNvGrpSpPr/>
-            <p:nvPr/>
-          </p:nvGrpSpPr>
-          <p:grpSpPr>
-            <a:xfrm>
-              <a:off x="3383823" y="1726827"/>
-              <a:ext cx="349977" cy="2721345"/>
-              <a:chOff x="6003198" y="-4681060"/>
-              <a:chExt cx="2344150" cy="10110307"/>
-            </a:xfrm>
-          </p:grpSpPr>
-          <p:sp>
-            <p:nvSpPr>
-              <p:cNvPr id="68" name="Freeform 67"/>
-              <p:cNvSpPr/>
-              <p:nvPr/>
-            </p:nvSpPr>
-            <p:spPr>
-              <a:xfrm rot="10800000">
-                <a:off x="6003198" y="-4681060"/>
-                <a:ext cx="2344150" cy="10110307"/>
-              </a:xfrm>
-              <a:custGeom>
-                <a:avLst/>
-                <a:gdLst>
-                  <a:gd name="connsiteX0" fmla="*/ 2344149 w 2344150"/>
-                  <a:gd name="connsiteY0" fmla="*/ 10110307 h 10110307"/>
-                  <a:gd name="connsiteX1" fmla="*/ 0 w 2344150"/>
-                  <a:gd name="connsiteY1" fmla="*/ 10110307 h 10110307"/>
-                  <a:gd name="connsiteX2" fmla="*/ 0 w 2344150"/>
-                  <a:gd name="connsiteY2" fmla="*/ 2020817 h 10110307"/>
-                  <a:gd name="connsiteX3" fmla="*/ 2 w 2344150"/>
-                  <a:gd name="connsiteY3" fmla="*/ 2020817 h 10110307"/>
-                  <a:gd name="connsiteX4" fmla="*/ 1172076 w 2344150"/>
-                  <a:gd name="connsiteY4" fmla="*/ 0 h 10110307"/>
-                  <a:gd name="connsiteX5" fmla="*/ 2344150 w 2344150"/>
-                  <a:gd name="connsiteY5" fmla="*/ 2020818 h 10110307"/>
-                  <a:gd name="connsiteX6" fmla="*/ 2344149 w 2344150"/>
-                  <a:gd name="connsiteY6" fmla="*/ 2020818 h 10110307"/>
-                </a:gdLst>
-                <a:ahLst/>
-                <a:cxnLst>
-                  <a:cxn ang="0">
-                    <a:pos x="connsiteX0" y="connsiteY0"/>
-                  </a:cxn>
-                  <a:cxn ang="0">
-                    <a:pos x="connsiteX1" y="connsiteY1"/>
-                  </a:cxn>
-                  <a:cxn ang="0">
-                    <a:pos x="connsiteX2" y="connsiteY2"/>
-                  </a:cxn>
-                  <a:cxn ang="0">
-                    <a:pos x="connsiteX3" y="connsiteY3"/>
-                  </a:cxn>
-                  <a:cxn ang="0">
-                    <a:pos x="connsiteX4" y="connsiteY4"/>
-                  </a:cxn>
-                  <a:cxn ang="0">
-                    <a:pos x="connsiteX5" y="connsiteY5"/>
-                  </a:cxn>
-                  <a:cxn ang="0">
-                    <a:pos x="connsiteX6" y="connsiteY6"/>
-                  </a:cxn>
-                </a:cxnLst>
-                <a:rect l="l" t="t" r="r" b="b"/>
-                <a:pathLst>
-                  <a:path w="2344150" h="10110307">
-                    <a:moveTo>
-                      <a:pt x="2344149" y="10110307"/>
-                    </a:moveTo>
-                    <a:lnTo>
-                      <a:pt x="0" y="10110307"/>
-                    </a:lnTo>
-                    <a:lnTo>
-                      <a:pt x="0" y="2020817"/>
-                    </a:lnTo>
-                    <a:lnTo>
-                      <a:pt x="2" y="2020817"/>
-                    </a:lnTo>
-                    <a:lnTo>
-                      <a:pt x="1172076" y="0"/>
-                    </a:lnTo>
-                    <a:lnTo>
-                      <a:pt x="2344150" y="2020818"/>
-                    </a:lnTo>
-                    <a:lnTo>
-                      <a:pt x="2344149" y="2020818"/>
-                    </a:lnTo>
-                    <a:close/>
-                  </a:path>
-                </a:pathLst>
-              </a:custGeom>
-              <a:solidFill>
-                <a:schemeClr val="bg1"/>
-              </a:solidFill>
-              <a:ln w="3175">
-                <a:solidFill>
-                  <a:schemeClr val="bg1">
-                    <a:lumMod val="85000"/>
-                  </a:schemeClr>
-                </a:solidFill>
-              </a:ln>
-            </p:spPr>
-            <p:style>
-              <a:lnRef idx="2">
-                <a:schemeClr val="accent1">
-                  <a:shade val="50000"/>
-                </a:schemeClr>
-              </a:lnRef>
-              <a:fillRef idx="1">
-                <a:schemeClr val="accent1"/>
-              </a:fillRef>
-              <a:effectRef idx="0">
-                <a:schemeClr val="accent1"/>
-              </a:effectRef>
-              <a:fontRef idx="minor">
-                <a:schemeClr val="lt1"/>
-              </a:fontRef>
-            </p:style>
-            <p:txBody>
-              <a:bodyPr rtlCol="0" anchor="ctr"/>
-              <a:lstStyle/>
-              <a:p>
-                <a:pPr algn="ctr"/>
-                <a:endParaRPr lang="ko-KR" altLang="en-US"/>
-              </a:p>
-            </p:txBody>
-          </p:sp>
-          <p:sp>
-            <p:nvSpPr>
-              <p:cNvPr id="69" name="Isosceles Triangle 68"/>
-              <p:cNvSpPr/>
-              <p:nvPr/>
-            </p:nvSpPr>
-            <p:spPr>
-              <a:xfrm rot="10800000">
-                <a:off x="6893287" y="4943065"/>
-                <a:ext cx="563972" cy="486182"/>
-              </a:xfrm>
-              <a:prstGeom prst="triangle">
-                <a:avLst/>
-              </a:prstGeom>
-              <a:solidFill>
-                <a:schemeClr val="tx1">
-                  <a:lumMod val="75000"/>
-                  <a:lumOff val="25000"/>
-                </a:schemeClr>
-              </a:solidFill>
-              <a:ln w="3175">
-                <a:solidFill>
-                  <a:schemeClr val="tx1">
-                    <a:lumMod val="75000"/>
-                    <a:lumOff val="25000"/>
-                  </a:schemeClr>
-                </a:solidFill>
-              </a:ln>
-            </p:spPr>
-            <p:style>
-              <a:lnRef idx="2">
-                <a:schemeClr val="accent1">
-                  <a:shade val="50000"/>
-                </a:schemeClr>
-              </a:lnRef>
-              <a:fillRef idx="1">
-                <a:schemeClr val="accent1"/>
-              </a:fillRef>
-              <a:effectRef idx="0">
-                <a:schemeClr val="accent1"/>
-              </a:effectRef>
-              <a:fontRef idx="minor">
-                <a:schemeClr val="lt1"/>
-              </a:fontRef>
-            </p:style>
-            <p:txBody>
-              <a:bodyPr rtlCol="0" anchor="ctr"/>
-              <a:lstStyle/>
-              <a:p>
-                <a:pPr algn="ctr"/>
-                <a:endParaRPr lang="ko-KR" altLang="en-US" sz="1600"/>
-              </a:p>
-            </p:txBody>
-          </p:sp>
-        </p:grpSp>
-        <p:cxnSp>
-          <p:nvCxnSpPr>
-            <p:cNvPr id="66" name="Straight Connector 65"/>
-            <p:cNvCxnSpPr/>
-            <p:nvPr/>
-          </p:nvCxnSpPr>
-          <p:spPr>
-            <a:xfrm>
-              <a:off x="3516711" y="1828800"/>
-              <a:ext cx="0" cy="1876425"/>
-            </a:xfrm>
-            <a:prstGeom prst="line">
-              <a:avLst/>
-            </a:prstGeom>
-            <a:ln w="3175">
-              <a:solidFill>
-                <a:schemeClr val="bg1">
-                  <a:lumMod val="85000"/>
-                </a:schemeClr>
-              </a:solidFill>
-            </a:ln>
-          </p:spPr>
-          <p:style>
-            <a:lnRef idx="1">
-              <a:schemeClr val="accent1"/>
-            </a:lnRef>
-            <a:fillRef idx="0">
-              <a:schemeClr val="accent1"/>
-            </a:fillRef>
-            <a:effectRef idx="0">
-              <a:schemeClr val="accent1"/>
-            </a:effectRef>
-            <a:fontRef idx="minor">
-              <a:schemeClr val="tx1"/>
-            </a:fontRef>
-          </p:style>
-        </p:cxnSp>
-        <p:cxnSp>
-          <p:nvCxnSpPr>
-            <p:cNvPr id="67" name="Straight Connector 66"/>
-            <p:cNvCxnSpPr/>
-            <p:nvPr/>
-          </p:nvCxnSpPr>
-          <p:spPr>
-            <a:xfrm>
-              <a:off x="3600912" y="1933575"/>
-              <a:ext cx="0" cy="1876425"/>
-            </a:xfrm>
-            <a:prstGeom prst="line">
-              <a:avLst/>
-            </a:prstGeom>
-            <a:ln w="3175">
-              <a:solidFill>
-                <a:schemeClr val="bg1">
-                  <a:lumMod val="85000"/>
-                </a:schemeClr>
-              </a:solidFill>
-            </a:ln>
-          </p:spPr>
-          <p:style>
-            <a:lnRef idx="1">
-              <a:schemeClr val="accent1"/>
-            </a:lnRef>
-            <a:fillRef idx="0">
-              <a:schemeClr val="accent1"/>
-            </a:fillRef>
-            <a:effectRef idx="0">
-              <a:schemeClr val="accent1"/>
-            </a:effectRef>
-            <a:fontRef idx="minor">
-              <a:schemeClr val="tx1"/>
-            </a:fontRef>
-          </p:style>
-        </p:cxnSp>
-      </p:grpSp>
-      <p:grpSp>
-        <p:nvGrpSpPr>
-          <p:cNvPr id="73" name="Group 25">
-            <a:extLst>
-              <a:ext uri="{FF2B5EF4-FFF2-40B4-BE49-F238E27FC236}">
-                <a16:creationId xmlns:a16="http://schemas.microsoft.com/office/drawing/2014/main" id="{F837EC24-F994-40EC-A84E-7D80B1776076}"/>
-              </a:ext>
-            </a:extLst>
-          </p:cNvPr>
-          <p:cNvGrpSpPr/>
-          <p:nvPr/>
-        </p:nvGrpSpPr>
-        <p:grpSpPr>
-          <a:xfrm>
-            <a:off x="0" y="0"/>
-            <a:ext cx="2142067" cy="888992"/>
-            <a:chOff x="0" y="-1"/>
-            <a:chExt cx="1855213" cy="409339"/>
-          </a:xfrm>
-        </p:grpSpPr>
-        <p:sp>
-          <p:nvSpPr>
-            <p:cNvPr id="74" name="Rectangle 26">
-              <a:extLst>
-                <a:ext uri="{FF2B5EF4-FFF2-40B4-BE49-F238E27FC236}">
-                  <a16:creationId xmlns:a16="http://schemas.microsoft.com/office/drawing/2014/main" id="{EC0923C3-5872-4A9C-9CE4-890EAB3A8911}"/>
-                </a:ext>
-              </a:extLst>
-            </p:cNvPr>
-            <p:cNvSpPr/>
-            <p:nvPr/>
-          </p:nvSpPr>
-          <p:spPr>
-            <a:xfrm>
-              <a:off x="0" y="-1"/>
-              <a:ext cx="1466850" cy="409339"/>
-            </a:xfrm>
-            <a:prstGeom prst="rect">
-              <a:avLst/>
-            </a:prstGeom>
-            <a:solidFill>
-              <a:schemeClr val="tx1">
-                <a:lumMod val="75000"/>
-                <a:lumOff val="25000"/>
-              </a:schemeClr>
-            </a:solidFill>
-            <a:ln>
-              <a:noFill/>
-            </a:ln>
-          </p:spPr>
-          <p:style>
-            <a:lnRef idx="2">
-              <a:schemeClr val="accent1">
-                <a:shade val="50000"/>
-              </a:schemeClr>
-            </a:lnRef>
-            <a:fillRef idx="1">
-              <a:schemeClr val="accent1"/>
-            </a:fillRef>
-            <a:effectRef idx="0">
-              <a:schemeClr val="accent1"/>
-            </a:effectRef>
-            <a:fontRef idx="minor">
-              <a:schemeClr val="lt1"/>
-            </a:fontRef>
-          </p:style>
-          <p:txBody>
-            <a:bodyPr rtlCol="0" anchor="ctr"/>
-            <a:lstStyle/>
-            <a:p>
-              <a:pPr algn="ctr"/>
-              <a:endParaRPr lang="ko-KR" altLang="en-US"/>
-            </a:p>
-          </p:txBody>
-        </p:sp>
-        <p:sp>
-          <p:nvSpPr>
-            <p:cNvPr id="75" name="Isosceles Triangle 27">
-              <a:extLst>
-                <a:ext uri="{FF2B5EF4-FFF2-40B4-BE49-F238E27FC236}">
-                  <a16:creationId xmlns:a16="http://schemas.microsoft.com/office/drawing/2014/main" id="{16BA40E8-7293-48A0-91B0-E09ECA3A5BE3}"/>
-                </a:ext>
-              </a:extLst>
-            </p:cNvPr>
-            <p:cNvSpPr/>
-            <p:nvPr/>
-          </p:nvSpPr>
-          <p:spPr>
-            <a:xfrm rot="5400000">
-              <a:off x="1456363" y="10486"/>
-              <a:ext cx="409338" cy="388363"/>
-            </a:xfrm>
-            <a:prstGeom prst="triangle">
-              <a:avLst>
-                <a:gd name="adj" fmla="val 0"/>
-              </a:avLst>
-            </a:prstGeom>
-            <a:solidFill>
-              <a:schemeClr val="tx1">
-                <a:lumMod val="75000"/>
-                <a:lumOff val="25000"/>
-              </a:schemeClr>
-            </a:solidFill>
-            <a:ln>
-              <a:noFill/>
-            </a:ln>
-          </p:spPr>
-          <p:style>
-            <a:lnRef idx="2">
-              <a:schemeClr val="accent1">
-                <a:shade val="50000"/>
-              </a:schemeClr>
-            </a:lnRef>
-            <a:fillRef idx="1">
-              <a:schemeClr val="accent1"/>
-            </a:fillRef>
-            <a:effectRef idx="0">
-              <a:schemeClr val="accent1"/>
-            </a:effectRef>
-            <a:fontRef idx="minor">
-              <a:schemeClr val="lt1"/>
-            </a:fontRef>
-          </p:style>
-          <p:txBody>
-            <a:bodyPr rtlCol="0" anchor="ctr"/>
-            <a:lstStyle/>
-            <a:p>
-              <a:pPr algn="ctr"/>
-              <a:endParaRPr lang="ko-KR" altLang="en-US"/>
-            </a:p>
-          </p:txBody>
-        </p:sp>
-      </p:grpSp>
-      <p:sp>
-        <p:nvSpPr>
-          <p:cNvPr id="76" name="TextBox 75">
-            <a:extLst>
-              <a:ext uri="{FF2B5EF4-FFF2-40B4-BE49-F238E27FC236}">
-                <a16:creationId xmlns:a16="http://schemas.microsoft.com/office/drawing/2014/main" id="{EEDDEEB9-EA3D-4056-A42A-C942220B7FDF}"/>
-              </a:ext>
-            </a:extLst>
-          </p:cNvPr>
-          <p:cNvSpPr txBox="1"/>
-          <p:nvPr/>
-        </p:nvSpPr>
-        <p:spPr>
-          <a:xfrm>
-            <a:off x="431800" y="180835"/>
-            <a:ext cx="2029097" cy="584775"/>
-          </a:xfrm>
-          <a:prstGeom prst="rect">
-            <a:avLst/>
-          </a:prstGeom>
-          <a:noFill/>
-          <a:ln w="3175">
-            <a:noFill/>
-          </a:ln>
-        </p:spPr>
-        <p:txBody>
-          <a:bodyPr wrap="square" rtlCol="0">
-            <a:spAutoFit/>
-          </a:bodyPr>
-          <a:lstStyle/>
-          <a:p>
-            <a:r>
-              <a:rPr lang="ko-KR" altLang="en-US" sz="3200" dirty="0">
-                <a:solidFill>
-                  <a:schemeClr val="bg1"/>
-                </a:solidFill>
-                <a:latin typeface="나눔고딕 ExtraBold" panose="020D0904000000000000" pitchFamily="50" charset="-127"/>
-                <a:ea typeface="나눔고딕 ExtraBold" panose="020D0904000000000000" pitchFamily="50" charset="-127"/>
-              </a:rPr>
-              <a:t>기능</a:t>
-            </a:r>
-          </a:p>
-        </p:txBody>
-      </p:sp>
-      <p:grpSp>
-        <p:nvGrpSpPr>
-          <p:cNvPr id="77" name="Group 55">
-            <a:extLst>
-              <a:ext uri="{FF2B5EF4-FFF2-40B4-BE49-F238E27FC236}">
-                <a16:creationId xmlns:a16="http://schemas.microsoft.com/office/drawing/2014/main" id="{280E59D2-77A3-4BEA-AA87-5062FC6B0EC3}"/>
-              </a:ext>
-            </a:extLst>
-          </p:cNvPr>
-          <p:cNvGrpSpPr/>
-          <p:nvPr/>
-        </p:nvGrpSpPr>
-        <p:grpSpPr>
-          <a:xfrm rot="16200000">
-            <a:off x="1744069" y="3470013"/>
-            <a:ext cx="541218" cy="4010309"/>
-            <a:chOff x="3383823" y="1726827"/>
-            <a:chExt cx="349977" cy="2721345"/>
-          </a:xfrm>
-        </p:grpSpPr>
-        <p:grpSp>
-          <p:nvGrpSpPr>
-            <p:cNvPr id="78" name="Group 56">
-              <a:extLst>
-                <a:ext uri="{FF2B5EF4-FFF2-40B4-BE49-F238E27FC236}">
-                  <a16:creationId xmlns:a16="http://schemas.microsoft.com/office/drawing/2014/main" id="{B1D69A12-168E-47B5-B306-EBC89451D19A}"/>
-                </a:ext>
-              </a:extLst>
-            </p:cNvPr>
-            <p:cNvGrpSpPr/>
-            <p:nvPr/>
-          </p:nvGrpSpPr>
-          <p:grpSpPr>
-            <a:xfrm>
-              <a:off x="3383823" y="1726827"/>
-              <a:ext cx="349977" cy="2721345"/>
-              <a:chOff x="6003198" y="-4681060"/>
-              <a:chExt cx="2344150" cy="10110307"/>
-            </a:xfrm>
-          </p:grpSpPr>
-          <p:sp>
-            <p:nvSpPr>
-              <p:cNvPr id="81" name="Freeform 59">
-                <a:extLst>
-                  <a:ext uri="{FF2B5EF4-FFF2-40B4-BE49-F238E27FC236}">
-                    <a16:creationId xmlns:a16="http://schemas.microsoft.com/office/drawing/2014/main" id="{B840217F-DCFD-4B4B-A507-8DB4A8988B22}"/>
-                  </a:ext>
-                </a:extLst>
-              </p:cNvPr>
-              <p:cNvSpPr/>
-              <p:nvPr/>
-            </p:nvSpPr>
-            <p:spPr>
-              <a:xfrm rot="10800000">
-                <a:off x="6003198" y="-4681060"/>
-                <a:ext cx="2344150" cy="10110307"/>
-              </a:xfrm>
-              <a:custGeom>
-                <a:avLst/>
-                <a:gdLst>
-                  <a:gd name="connsiteX0" fmla="*/ 2344149 w 2344150"/>
-                  <a:gd name="connsiteY0" fmla="*/ 10110307 h 10110307"/>
-                  <a:gd name="connsiteX1" fmla="*/ 0 w 2344150"/>
-                  <a:gd name="connsiteY1" fmla="*/ 10110307 h 10110307"/>
-                  <a:gd name="connsiteX2" fmla="*/ 0 w 2344150"/>
-                  <a:gd name="connsiteY2" fmla="*/ 2020817 h 10110307"/>
-                  <a:gd name="connsiteX3" fmla="*/ 2 w 2344150"/>
-                  <a:gd name="connsiteY3" fmla="*/ 2020817 h 10110307"/>
-                  <a:gd name="connsiteX4" fmla="*/ 1172076 w 2344150"/>
-                  <a:gd name="connsiteY4" fmla="*/ 0 h 10110307"/>
-                  <a:gd name="connsiteX5" fmla="*/ 2344150 w 2344150"/>
-                  <a:gd name="connsiteY5" fmla="*/ 2020818 h 10110307"/>
-                  <a:gd name="connsiteX6" fmla="*/ 2344149 w 2344150"/>
-                  <a:gd name="connsiteY6" fmla="*/ 2020818 h 10110307"/>
-                </a:gdLst>
-                <a:ahLst/>
-                <a:cxnLst>
-                  <a:cxn ang="0">
-                    <a:pos x="connsiteX0" y="connsiteY0"/>
-                  </a:cxn>
-                  <a:cxn ang="0">
-                    <a:pos x="connsiteX1" y="connsiteY1"/>
-                  </a:cxn>
-                  <a:cxn ang="0">
-                    <a:pos x="connsiteX2" y="connsiteY2"/>
-                  </a:cxn>
-                  <a:cxn ang="0">
-                    <a:pos x="connsiteX3" y="connsiteY3"/>
-                  </a:cxn>
-                  <a:cxn ang="0">
-                    <a:pos x="connsiteX4" y="connsiteY4"/>
-                  </a:cxn>
-                  <a:cxn ang="0">
-                    <a:pos x="connsiteX5" y="connsiteY5"/>
-                  </a:cxn>
-                  <a:cxn ang="0">
-                    <a:pos x="connsiteX6" y="connsiteY6"/>
-                  </a:cxn>
-                </a:cxnLst>
-                <a:rect l="l" t="t" r="r" b="b"/>
-                <a:pathLst>
-                  <a:path w="2344150" h="10110307">
-                    <a:moveTo>
-                      <a:pt x="2344149" y="10110307"/>
-                    </a:moveTo>
-                    <a:lnTo>
-                      <a:pt x="0" y="10110307"/>
-                    </a:lnTo>
-                    <a:lnTo>
-                      <a:pt x="0" y="2020817"/>
-                    </a:lnTo>
-                    <a:lnTo>
-                      <a:pt x="2" y="2020817"/>
-                    </a:lnTo>
-                    <a:lnTo>
-                      <a:pt x="1172076" y="0"/>
-                    </a:lnTo>
-                    <a:lnTo>
-                      <a:pt x="2344150" y="2020818"/>
-                    </a:lnTo>
-                    <a:lnTo>
-                      <a:pt x="2344149" y="2020818"/>
-                    </a:lnTo>
-                    <a:close/>
-                  </a:path>
-                </a:pathLst>
-              </a:custGeom>
-              <a:solidFill>
-                <a:schemeClr val="bg1"/>
-              </a:solidFill>
-              <a:ln w="3175">
-                <a:solidFill>
-                  <a:schemeClr val="bg1">
-                    <a:lumMod val="85000"/>
-                  </a:schemeClr>
-                </a:solidFill>
-              </a:ln>
-            </p:spPr>
-            <p:style>
-              <a:lnRef idx="2">
-                <a:schemeClr val="accent1">
-                  <a:shade val="50000"/>
-                </a:schemeClr>
-              </a:lnRef>
-              <a:fillRef idx="1">
-                <a:schemeClr val="accent1"/>
-              </a:fillRef>
-              <a:effectRef idx="0">
-                <a:schemeClr val="accent1"/>
-              </a:effectRef>
-              <a:fontRef idx="minor">
-                <a:schemeClr val="lt1"/>
-              </a:fontRef>
-            </p:style>
-            <p:txBody>
-              <a:bodyPr rtlCol="0" anchor="ctr"/>
-              <a:lstStyle/>
-              <a:p>
-                <a:pPr algn="ctr"/>
-                <a:endParaRPr lang="ko-KR" altLang="en-US"/>
-              </a:p>
-            </p:txBody>
-          </p:sp>
-          <p:sp>
-            <p:nvSpPr>
-              <p:cNvPr id="82" name="Isosceles Triangle 60">
-                <a:extLst>
-                  <a:ext uri="{FF2B5EF4-FFF2-40B4-BE49-F238E27FC236}">
-                    <a16:creationId xmlns:a16="http://schemas.microsoft.com/office/drawing/2014/main" id="{DF4895ED-D630-4C83-A9D9-6A7C2F3C8EB0}"/>
-                  </a:ext>
-                </a:extLst>
-              </p:cNvPr>
-              <p:cNvSpPr/>
-              <p:nvPr/>
-            </p:nvSpPr>
-            <p:spPr>
-              <a:xfrm rot="10800000">
-                <a:off x="6893287" y="4943065"/>
-                <a:ext cx="563972" cy="486182"/>
-              </a:xfrm>
-              <a:prstGeom prst="triangle">
-                <a:avLst/>
-              </a:prstGeom>
-              <a:solidFill>
-                <a:schemeClr val="tx1">
-                  <a:lumMod val="75000"/>
-                  <a:lumOff val="25000"/>
-                </a:schemeClr>
-              </a:solidFill>
-              <a:ln w="3175">
-                <a:solidFill>
-                  <a:schemeClr val="tx1">
-                    <a:lumMod val="75000"/>
-                    <a:lumOff val="25000"/>
-                  </a:schemeClr>
-                </a:solidFill>
-              </a:ln>
-            </p:spPr>
-            <p:style>
-              <a:lnRef idx="2">
-                <a:schemeClr val="accent1">
-                  <a:shade val="50000"/>
-                </a:schemeClr>
-              </a:lnRef>
-              <a:fillRef idx="1">
-                <a:schemeClr val="accent1"/>
-              </a:fillRef>
-              <a:effectRef idx="0">
-                <a:schemeClr val="accent1"/>
-              </a:effectRef>
-              <a:fontRef idx="minor">
-                <a:schemeClr val="lt1"/>
-              </a:fontRef>
-            </p:style>
-            <p:txBody>
-              <a:bodyPr rtlCol="0" anchor="ctr"/>
-              <a:lstStyle/>
-              <a:p>
-                <a:pPr algn="ctr"/>
-                <a:endParaRPr lang="ko-KR" altLang="en-US" sz="1600"/>
-              </a:p>
-            </p:txBody>
-          </p:sp>
-        </p:grpSp>
-        <p:cxnSp>
-          <p:nvCxnSpPr>
-            <p:cNvPr id="79" name="Straight Connector 57">
-              <a:extLst>
-                <a:ext uri="{FF2B5EF4-FFF2-40B4-BE49-F238E27FC236}">
-                  <a16:creationId xmlns:a16="http://schemas.microsoft.com/office/drawing/2014/main" id="{390FF85E-0DC8-49CA-A3D8-695520BD1145}"/>
-                </a:ext>
-              </a:extLst>
-            </p:cNvPr>
-            <p:cNvCxnSpPr/>
-            <p:nvPr/>
-          </p:nvCxnSpPr>
-          <p:spPr>
-            <a:xfrm>
-              <a:off x="3516711" y="1828800"/>
-              <a:ext cx="0" cy="1876425"/>
-            </a:xfrm>
-            <a:prstGeom prst="line">
-              <a:avLst/>
-            </a:prstGeom>
-            <a:ln w="3175">
-              <a:solidFill>
-                <a:schemeClr val="bg1">
-                  <a:lumMod val="85000"/>
-                </a:schemeClr>
-              </a:solidFill>
-            </a:ln>
-          </p:spPr>
-          <p:style>
-            <a:lnRef idx="1">
-              <a:schemeClr val="accent1"/>
-            </a:lnRef>
-            <a:fillRef idx="0">
-              <a:schemeClr val="accent1"/>
-            </a:fillRef>
-            <a:effectRef idx="0">
-              <a:schemeClr val="accent1"/>
-            </a:effectRef>
-            <a:fontRef idx="minor">
-              <a:schemeClr val="tx1"/>
-            </a:fontRef>
-          </p:style>
-        </p:cxnSp>
-        <p:cxnSp>
-          <p:nvCxnSpPr>
-            <p:cNvPr id="80" name="Straight Connector 58">
-              <a:extLst>
-                <a:ext uri="{FF2B5EF4-FFF2-40B4-BE49-F238E27FC236}">
-                  <a16:creationId xmlns:a16="http://schemas.microsoft.com/office/drawing/2014/main" id="{BDC6A4A9-8F2F-4FEF-ACAF-28B5DD8BEF2D}"/>
-                </a:ext>
-              </a:extLst>
-            </p:cNvPr>
-            <p:cNvCxnSpPr/>
-            <p:nvPr/>
-          </p:nvCxnSpPr>
-          <p:spPr>
-            <a:xfrm>
-              <a:off x="3600912" y="1933575"/>
-              <a:ext cx="0" cy="1876425"/>
-            </a:xfrm>
-            <a:prstGeom prst="line">
-              <a:avLst/>
-            </a:prstGeom>
-            <a:ln w="3175">
-              <a:solidFill>
-                <a:schemeClr val="bg1">
-                  <a:lumMod val="85000"/>
-                </a:schemeClr>
-              </a:solidFill>
-            </a:ln>
-          </p:spPr>
-          <p:style>
-            <a:lnRef idx="1">
-              <a:schemeClr val="accent1"/>
-            </a:lnRef>
-            <a:fillRef idx="0">
-              <a:schemeClr val="accent1"/>
-            </a:fillRef>
-            <a:effectRef idx="0">
-              <a:schemeClr val="accent1"/>
-            </a:effectRef>
-            <a:fontRef idx="minor">
-              <a:schemeClr val="tx1"/>
-            </a:fontRef>
-          </p:style>
-        </p:cxnSp>
-      </p:grpSp>
-      <p:sp>
-        <p:nvSpPr>
-          <p:cNvPr id="83" name="Rectangle 62">
-            <a:extLst>
-              <a:ext uri="{FF2B5EF4-FFF2-40B4-BE49-F238E27FC236}">
-                <a16:creationId xmlns:a16="http://schemas.microsoft.com/office/drawing/2014/main" id="{87A0429A-3629-48F1-89EA-0FFAA72AE71B}"/>
-              </a:ext>
-            </a:extLst>
-          </p:cNvPr>
-          <p:cNvSpPr/>
-          <p:nvPr/>
-        </p:nvSpPr>
-        <p:spPr>
-          <a:xfrm>
-            <a:off x="5252935" y="4435177"/>
-            <a:ext cx="2017280" cy="338554"/>
-          </a:xfrm>
-          <a:prstGeom prst="rect">
-            <a:avLst/>
-          </a:prstGeom>
-          <a:solidFill>
-            <a:schemeClr val="bg1"/>
-          </a:solidFill>
-        </p:spPr>
-        <p:txBody>
-          <a:bodyPr wrap="square">
-            <a:spAutoFit/>
-          </a:bodyPr>
-          <a:lstStyle/>
-          <a:p>
-            <a:pPr algn="ctr"/>
-            <a:r>
-              <a:rPr lang="ko-KR" altLang="en-US" sz="1600" dirty="0">
-                <a:solidFill>
-                  <a:srgbClr val="000000"/>
-                </a:solidFill>
-                <a:latin typeface="나눔고딕 ExtraBold" panose="020D0904000000000000" pitchFamily="50" charset="-127"/>
-                <a:ea typeface="나눔고딕 ExtraBold" panose="020D0904000000000000" pitchFamily="50" charset="-127"/>
-              </a:rPr>
-              <a:t>이메일 전송</a:t>
-            </a:r>
-            <a:endParaRPr lang="ko-KR" altLang="en-US" sz="1600" dirty="0">
-              <a:latin typeface="나눔고딕 ExtraBold" panose="020D0904000000000000" pitchFamily="50" charset="-127"/>
-              <a:ea typeface="나눔고딕 ExtraBold" panose="020D0904000000000000" pitchFamily="50" charset="-127"/>
-            </a:endParaRPr>
-          </a:p>
-        </p:txBody>
-      </p:sp>
-      <p:sp>
-        <p:nvSpPr>
-          <p:cNvPr id="71" name="Rectangle 70"/>
-          <p:cNvSpPr/>
-          <p:nvPr/>
-        </p:nvSpPr>
-        <p:spPr>
-          <a:xfrm>
-            <a:off x="710124" y="5297496"/>
-            <a:ext cx="1444772" cy="338554"/>
-          </a:xfrm>
-          <a:prstGeom prst="rect">
-            <a:avLst/>
-          </a:prstGeom>
-          <a:solidFill>
-            <a:schemeClr val="bg1"/>
-          </a:solidFill>
-        </p:spPr>
-        <p:txBody>
-          <a:bodyPr wrap="square">
-            <a:spAutoFit/>
-          </a:bodyPr>
-          <a:lstStyle/>
-          <a:p>
-            <a:pPr algn="ctr"/>
-            <a:r>
-              <a:rPr lang="en-US" altLang="ko-KR" sz="1600" dirty="0">
-                <a:latin typeface="나눔고딕 ExtraBold" panose="020D0904000000000000" pitchFamily="50" charset="-127"/>
-                <a:ea typeface="나눔고딕 ExtraBold" panose="020D0904000000000000" pitchFamily="50" charset="-127"/>
-              </a:rPr>
-              <a:t>C/C++ </a:t>
-            </a:r>
-            <a:r>
-              <a:rPr lang="ko-KR" altLang="en-US" sz="1600" dirty="0">
-                <a:latin typeface="나눔고딕 ExtraBold" panose="020D0904000000000000" pitchFamily="50" charset="-127"/>
-                <a:ea typeface="나눔고딕 ExtraBold" panose="020D0904000000000000" pitchFamily="50" charset="-127"/>
-              </a:rPr>
-              <a:t>연동</a:t>
-            </a:r>
-          </a:p>
-        </p:txBody>
-      </p:sp>
-    </p:spTree>
-    <p:extLst>
-      <p:ext uri="{BB962C8B-B14F-4D97-AF65-F5344CB8AC3E}">
-        <p14:creationId xmlns:p14="http://schemas.microsoft.com/office/powerpoint/2010/main" val="2606604373"/>
-      </p:ext>
-    </p:extLst>
-  </p:cSld>
-  <p:clrMapOvr>
-    <a:masterClrMapping/>
-  </p:clrMapOvr>
-  <p:timing>
-    <p:tnLst>
-      <p:par>
-        <p:cTn id="1" dur="indefinite" restart="never" nodeType="tmRoot">
-          <p:childTnLst>
-            <p:seq concurrent="1" nextAc="seek">
-              <p:cTn id="2" dur="indefinite" nodeType="mainSeq">
-                <p:childTnLst>
-                  <p:par>
-                    <p:cTn id="3" fill="hold">
-                      <p:stCondLst>
-                        <p:cond delay="indefinite"/>
-                        <p:cond evt="onBegin" delay="0">
-                          <p:tn val="2"/>
-                        </p:cond>
-                      </p:stCondLst>
-                      <p:childTnLst>
-                        <p:par>
-                          <p:cTn id="4" fill="hold">
-                            <p:stCondLst>
-                              <p:cond delay="0"/>
-                            </p:stCondLst>
-                            <p:childTnLst>
-                              <p:par>
-                                <p:cTn id="5" presetID="22" presetClass="entr" presetSubtype="8" fill="hold" nodeType="afterEffect">
-                                  <p:stCondLst>
-                                    <p:cond delay="0"/>
-                                  </p:stCondLst>
-                                  <p:childTnLst>
-                                    <p:set>
-                                      <p:cBhvr>
-                                        <p:cTn id="6" dur="1" fill="hold">
-                                          <p:stCondLst>
-                                            <p:cond delay="0"/>
-                                          </p:stCondLst>
-                                        </p:cTn>
-                                        <p:tgtEl>
-                                          <p:spTgt spid="37"/>
-                                        </p:tgtEl>
-                                        <p:attrNameLst>
-                                          <p:attrName>style.visibility</p:attrName>
-                                        </p:attrNameLst>
-                                      </p:cBhvr>
-                                      <p:to>
-                                        <p:strVal val="visible"/>
-                                      </p:to>
-                                    </p:set>
-                                    <p:animEffect transition="in" filter="wipe(left)">
-                                      <p:cBhvr>
-                                        <p:cTn id="7" dur="500"/>
-                                        <p:tgtEl>
-                                          <p:spTgt spid="37"/>
-                                        </p:tgtEl>
-                                      </p:cBhvr>
-                                    </p:animEffect>
-                                  </p:childTnLst>
-                                </p:cTn>
-                              </p:par>
-                            </p:childTnLst>
-                          </p:cTn>
-                        </p:par>
-                        <p:par>
-                          <p:cTn id="8" fill="hold">
-                            <p:stCondLst>
-                              <p:cond delay="500"/>
-                            </p:stCondLst>
-                            <p:childTnLst>
-                              <p:par>
-                                <p:cTn id="9" presetID="10" presetClass="entr" presetSubtype="0" fill="hold" grpId="0" nodeType="afterEffect">
-                                  <p:stCondLst>
-                                    <p:cond delay="0"/>
-                                  </p:stCondLst>
-                                  <p:childTnLst>
-                                    <p:set>
-                                      <p:cBhvr>
-                                        <p:cTn id="10" dur="1" fill="hold">
-                                          <p:stCondLst>
-                                            <p:cond delay="0"/>
-                                          </p:stCondLst>
-                                        </p:cTn>
-                                        <p:tgtEl>
-                                          <p:spTgt spid="47"/>
-                                        </p:tgtEl>
-                                        <p:attrNameLst>
-                                          <p:attrName>style.visibility</p:attrName>
-                                        </p:attrNameLst>
-                                      </p:cBhvr>
-                                      <p:to>
-                                        <p:strVal val="visible"/>
-                                      </p:to>
-                                    </p:set>
-                                    <p:animEffect transition="in" filter="fade">
-                                      <p:cBhvr>
-                                        <p:cTn id="11" dur="750"/>
-                                        <p:tgtEl>
-                                          <p:spTgt spid="47"/>
-                                        </p:tgtEl>
-                                      </p:cBhvr>
-                                    </p:animEffect>
-                                  </p:childTnLst>
-                                </p:cTn>
-                              </p:par>
-                            </p:childTnLst>
-                          </p:cTn>
-                        </p:par>
-                        <p:par>
-                          <p:cTn id="12" fill="hold">
-                            <p:stCondLst>
-                              <p:cond delay="1250"/>
-                            </p:stCondLst>
-                            <p:childTnLst>
-                              <p:par>
-                                <p:cTn id="13" presetID="22" presetClass="entr" presetSubtype="2" fill="hold" nodeType="afterEffect">
-                                  <p:stCondLst>
-                                    <p:cond delay="0"/>
-                                  </p:stCondLst>
-                                  <p:childTnLst>
-                                    <p:set>
-                                      <p:cBhvr>
-                                        <p:cTn id="14" dur="1" fill="hold">
-                                          <p:stCondLst>
-                                            <p:cond delay="0"/>
-                                          </p:stCondLst>
-                                        </p:cTn>
-                                        <p:tgtEl>
-                                          <p:spTgt spid="48"/>
-                                        </p:tgtEl>
-                                        <p:attrNameLst>
-                                          <p:attrName>style.visibility</p:attrName>
-                                        </p:attrNameLst>
-                                      </p:cBhvr>
-                                      <p:to>
-                                        <p:strVal val="visible"/>
-                                      </p:to>
-                                    </p:set>
-                                    <p:animEffect transition="in" filter="wipe(right)">
-                                      <p:cBhvr>
-                                        <p:cTn id="15" dur="500"/>
-                                        <p:tgtEl>
-                                          <p:spTgt spid="48"/>
-                                        </p:tgtEl>
-                                      </p:cBhvr>
-                                    </p:animEffect>
-                                  </p:childTnLst>
-                                </p:cTn>
-                              </p:par>
-                            </p:childTnLst>
-                          </p:cTn>
-                        </p:par>
-                        <p:par>
-                          <p:cTn id="16" fill="hold">
-                            <p:stCondLst>
-                              <p:cond delay="1750"/>
-                            </p:stCondLst>
-                            <p:childTnLst>
-                              <p:par>
-                                <p:cTn id="17" presetID="10" presetClass="entr" presetSubtype="0" fill="hold" grpId="0" nodeType="afterEffect">
-                                  <p:stCondLst>
-                                    <p:cond delay="0"/>
-                                  </p:stCondLst>
-                                  <p:childTnLst>
-                                    <p:set>
-                                      <p:cBhvr>
-                                        <p:cTn id="18" dur="1" fill="hold">
-                                          <p:stCondLst>
-                                            <p:cond delay="0"/>
-                                          </p:stCondLst>
-                                        </p:cTn>
-                                        <p:tgtEl>
-                                          <p:spTgt spid="55"/>
-                                        </p:tgtEl>
-                                        <p:attrNameLst>
-                                          <p:attrName>style.visibility</p:attrName>
-                                        </p:attrNameLst>
-                                      </p:cBhvr>
-                                      <p:to>
-                                        <p:strVal val="visible"/>
-                                      </p:to>
-                                    </p:set>
-                                    <p:animEffect transition="in" filter="fade">
-                                      <p:cBhvr>
-                                        <p:cTn id="19" dur="750"/>
-                                        <p:tgtEl>
-                                          <p:spTgt spid="55"/>
-                                        </p:tgtEl>
-                                      </p:cBhvr>
-                                    </p:animEffect>
-                                  </p:childTnLst>
-                                </p:cTn>
-                              </p:par>
-                            </p:childTnLst>
-                          </p:cTn>
-                        </p:par>
-                        <p:par>
-                          <p:cTn id="20" fill="hold">
-                            <p:stCondLst>
-                              <p:cond delay="2500"/>
-                            </p:stCondLst>
-                            <p:childTnLst>
-                              <p:par>
-                                <p:cTn id="21" presetID="22" presetClass="entr" presetSubtype="8" fill="hold" nodeType="afterEffect">
-                                  <p:stCondLst>
-                                    <p:cond delay="0"/>
-                                  </p:stCondLst>
-                                  <p:childTnLst>
-                                    <p:set>
-                                      <p:cBhvr>
-                                        <p:cTn id="22" dur="1" fill="hold">
-                                          <p:stCondLst>
-                                            <p:cond delay="0"/>
-                                          </p:stCondLst>
-                                        </p:cTn>
-                                        <p:tgtEl>
-                                          <p:spTgt spid="56"/>
-                                        </p:tgtEl>
-                                        <p:attrNameLst>
-                                          <p:attrName>style.visibility</p:attrName>
-                                        </p:attrNameLst>
-                                      </p:cBhvr>
-                                      <p:to>
-                                        <p:strVal val="visible"/>
-                                      </p:to>
-                                    </p:set>
-                                    <p:animEffect transition="in" filter="wipe(left)">
-                                      <p:cBhvr>
-                                        <p:cTn id="23" dur="500"/>
-                                        <p:tgtEl>
-                                          <p:spTgt spid="56"/>
-                                        </p:tgtEl>
-                                      </p:cBhvr>
-                                    </p:animEffect>
-                                  </p:childTnLst>
-                                </p:cTn>
-                              </p:par>
-                            </p:childTnLst>
-                          </p:cTn>
-                        </p:par>
-                        <p:par>
-                          <p:cTn id="24" fill="hold">
-                            <p:stCondLst>
-                              <p:cond delay="3000"/>
-                            </p:stCondLst>
-                            <p:childTnLst>
-                              <p:par>
-                                <p:cTn id="25" presetID="10" presetClass="entr" presetSubtype="0" fill="hold" grpId="0" nodeType="afterEffect">
-                                  <p:stCondLst>
-                                    <p:cond delay="0"/>
-                                  </p:stCondLst>
-                                  <p:childTnLst>
-                                    <p:set>
-                                      <p:cBhvr>
-                                        <p:cTn id="26" dur="1" fill="hold">
-                                          <p:stCondLst>
-                                            <p:cond delay="0"/>
-                                          </p:stCondLst>
-                                        </p:cTn>
-                                        <p:tgtEl>
-                                          <p:spTgt spid="63"/>
-                                        </p:tgtEl>
-                                        <p:attrNameLst>
-                                          <p:attrName>style.visibility</p:attrName>
-                                        </p:attrNameLst>
-                                      </p:cBhvr>
-                                      <p:to>
-                                        <p:strVal val="visible"/>
-                                      </p:to>
-                                    </p:set>
-                                    <p:animEffect transition="in" filter="fade">
-                                      <p:cBhvr>
-                                        <p:cTn id="27" dur="750"/>
-                                        <p:tgtEl>
-                                          <p:spTgt spid="63"/>
-                                        </p:tgtEl>
-                                      </p:cBhvr>
-                                    </p:animEffect>
-                                  </p:childTnLst>
-                                </p:cTn>
-                              </p:par>
-                            </p:childTnLst>
-                          </p:cTn>
-                        </p:par>
-                        <p:par>
-                          <p:cTn id="28" fill="hold">
-                            <p:stCondLst>
-                              <p:cond delay="3750"/>
-                            </p:stCondLst>
-                            <p:childTnLst>
-                              <p:par>
-                                <p:cTn id="29" presetID="22" presetClass="entr" presetSubtype="2" fill="hold" nodeType="afterEffect">
-                                  <p:stCondLst>
-                                    <p:cond delay="0"/>
-                                  </p:stCondLst>
-                                  <p:childTnLst>
-                                    <p:set>
-                                      <p:cBhvr>
-                                        <p:cTn id="30" dur="1" fill="hold">
-                                          <p:stCondLst>
-                                            <p:cond delay="0"/>
-                                          </p:stCondLst>
-                                        </p:cTn>
-                                        <p:tgtEl>
-                                          <p:spTgt spid="64"/>
-                                        </p:tgtEl>
-                                        <p:attrNameLst>
-                                          <p:attrName>style.visibility</p:attrName>
-                                        </p:attrNameLst>
-                                      </p:cBhvr>
-                                      <p:to>
-                                        <p:strVal val="visible"/>
-                                      </p:to>
-                                    </p:set>
-                                    <p:animEffect transition="in" filter="wipe(right)">
-                                      <p:cBhvr>
-                                        <p:cTn id="31" dur="500"/>
-                                        <p:tgtEl>
-                                          <p:spTgt spid="64"/>
-                                        </p:tgtEl>
-                                      </p:cBhvr>
-                                    </p:animEffect>
-                                  </p:childTnLst>
-                                </p:cTn>
-                              </p:par>
-                            </p:childTnLst>
-                          </p:cTn>
-                        </p:par>
-                        <p:par>
-                          <p:cTn id="32" fill="hold">
-                            <p:stCondLst>
-                              <p:cond delay="4250"/>
-                            </p:stCondLst>
-                            <p:childTnLst>
-                              <p:par>
-                                <p:cTn id="33" presetID="10" presetClass="entr" presetSubtype="0" fill="hold" grpId="0" nodeType="afterEffect">
-                                  <p:stCondLst>
-                                    <p:cond delay="0"/>
-                                  </p:stCondLst>
-                                  <p:childTnLst>
-                                    <p:set>
-                                      <p:cBhvr>
-                                        <p:cTn id="34" dur="1" fill="hold">
-                                          <p:stCondLst>
-                                            <p:cond delay="0"/>
-                                          </p:stCondLst>
-                                        </p:cTn>
-                                        <p:tgtEl>
-                                          <p:spTgt spid="71"/>
-                                        </p:tgtEl>
-                                        <p:attrNameLst>
-                                          <p:attrName>style.visibility</p:attrName>
-                                        </p:attrNameLst>
-                                      </p:cBhvr>
-                                      <p:to>
-                                        <p:strVal val="visible"/>
-                                      </p:to>
-                                    </p:set>
-                                    <p:animEffect transition="in" filter="fade">
-                                      <p:cBhvr>
-                                        <p:cTn id="35" dur="750"/>
-                                        <p:tgtEl>
-                                          <p:spTgt spid="71"/>
-                                        </p:tgtEl>
-                                      </p:cBhvr>
-                                    </p:animEffect>
-                                  </p:childTnLst>
-                                </p:cTn>
-                              </p:par>
-                              <p:par>
-                                <p:cTn id="36" presetID="22" presetClass="entr" presetSubtype="8" fill="hold" nodeType="withEffect">
-                                  <p:stCondLst>
-                                    <p:cond delay="0"/>
-                                  </p:stCondLst>
-                                  <p:childTnLst>
-                                    <p:set>
-                                      <p:cBhvr>
-                                        <p:cTn id="37" dur="1" fill="hold">
-                                          <p:stCondLst>
-                                            <p:cond delay="0"/>
-                                          </p:stCondLst>
-                                        </p:cTn>
-                                        <p:tgtEl>
-                                          <p:spTgt spid="73"/>
-                                        </p:tgtEl>
-                                        <p:attrNameLst>
-                                          <p:attrName>style.visibility</p:attrName>
-                                        </p:attrNameLst>
-                                      </p:cBhvr>
-                                      <p:to>
-                                        <p:strVal val="visible"/>
-                                      </p:to>
-                                    </p:set>
-                                    <p:animEffect transition="in" filter="wipe(left)">
-                                      <p:cBhvr>
-                                        <p:cTn id="38" dur="500"/>
-                                        <p:tgtEl>
-                                          <p:spTgt spid="73"/>
-                                        </p:tgtEl>
-                                      </p:cBhvr>
-                                    </p:animEffect>
-                                  </p:childTnLst>
-                                </p:cTn>
-                              </p:par>
-                              <p:par>
-                                <p:cTn id="39" presetID="10" presetClass="entr" presetSubtype="0" fill="hold" grpId="0" nodeType="withEffect">
-                                  <p:stCondLst>
-                                    <p:cond delay="0"/>
-                                  </p:stCondLst>
-                                  <p:childTnLst>
-                                    <p:set>
-                                      <p:cBhvr>
-                                        <p:cTn id="40" dur="1" fill="hold">
-                                          <p:stCondLst>
-                                            <p:cond delay="0"/>
-                                          </p:stCondLst>
-                                        </p:cTn>
-                                        <p:tgtEl>
-                                          <p:spTgt spid="76"/>
-                                        </p:tgtEl>
-                                        <p:attrNameLst>
-                                          <p:attrName>style.visibility</p:attrName>
-                                        </p:attrNameLst>
-                                      </p:cBhvr>
-                                      <p:to>
-                                        <p:strVal val="visible"/>
-                                      </p:to>
-                                    </p:set>
-                                    <p:animEffect transition="in" filter="fade">
-                                      <p:cBhvr>
-                                        <p:cTn id="41" dur="500"/>
-                                        <p:tgtEl>
-                                          <p:spTgt spid="76"/>
-                                        </p:tgtEl>
-                                      </p:cBhvr>
-                                    </p:animEffect>
-                                  </p:childTnLst>
-                                </p:cTn>
-                              </p:par>
-                            </p:childTnLst>
-                          </p:cTn>
-                        </p:par>
-                        <p:par>
-                          <p:cTn id="42" fill="hold">
-                            <p:stCondLst>
-                              <p:cond delay="5000"/>
-                            </p:stCondLst>
-                            <p:childTnLst>
-                              <p:par>
-                                <p:cTn id="43" presetID="22" presetClass="entr" presetSubtype="8" fill="hold" nodeType="afterEffect">
-                                  <p:stCondLst>
-                                    <p:cond delay="0"/>
-                                  </p:stCondLst>
-                                  <p:childTnLst>
-                                    <p:set>
-                                      <p:cBhvr>
-                                        <p:cTn id="44" dur="1" fill="hold">
-                                          <p:stCondLst>
-                                            <p:cond delay="0"/>
-                                          </p:stCondLst>
-                                        </p:cTn>
-                                        <p:tgtEl>
-                                          <p:spTgt spid="77"/>
-                                        </p:tgtEl>
-                                        <p:attrNameLst>
-                                          <p:attrName>style.visibility</p:attrName>
-                                        </p:attrNameLst>
-                                      </p:cBhvr>
-                                      <p:to>
-                                        <p:strVal val="visible"/>
-                                      </p:to>
-                                    </p:set>
-                                    <p:animEffect transition="in" filter="wipe(left)">
-                                      <p:cBhvr>
-                                        <p:cTn id="45" dur="500"/>
-                                        <p:tgtEl>
-                                          <p:spTgt spid="77"/>
-                                        </p:tgtEl>
-                                      </p:cBhvr>
-                                    </p:animEffect>
-                                  </p:childTnLst>
-                                </p:cTn>
-                              </p:par>
-                            </p:childTnLst>
-                          </p:cTn>
-                        </p:par>
-                        <p:par>
-                          <p:cTn id="46" fill="hold">
-                            <p:stCondLst>
-                              <p:cond delay="5500"/>
-                            </p:stCondLst>
-                            <p:childTnLst>
-                              <p:par>
-                                <p:cTn id="47" presetID="10" presetClass="entr" presetSubtype="0" fill="hold" grpId="0" nodeType="afterEffect">
-                                  <p:stCondLst>
-                                    <p:cond delay="0"/>
-                                  </p:stCondLst>
-                                  <p:childTnLst>
-                                    <p:set>
-                                      <p:cBhvr>
-                                        <p:cTn id="48" dur="1" fill="hold">
-                                          <p:stCondLst>
-                                            <p:cond delay="0"/>
-                                          </p:stCondLst>
-                                        </p:cTn>
-                                        <p:tgtEl>
-                                          <p:spTgt spid="83"/>
-                                        </p:tgtEl>
-                                        <p:attrNameLst>
-                                          <p:attrName>style.visibility</p:attrName>
-                                        </p:attrNameLst>
-                                      </p:cBhvr>
-                                      <p:to>
-                                        <p:strVal val="visible"/>
-                                      </p:to>
-                                    </p:set>
-                                    <p:animEffect transition="in" filter="fade">
-                                      <p:cBhvr>
-                                        <p:cTn id="49" dur="750"/>
-                                        <p:tgtEl>
-                                          <p:spTgt spid="83"/>
-                                        </p:tgtEl>
-                                      </p:cBhvr>
-                                    </p:animEffect>
-                                  </p:childTnLst>
-                                </p:cTn>
-                              </p:par>
-                            </p:childTnLst>
-                          </p:cTn>
-                        </p:par>
-                      </p:childTnLst>
-                    </p:cTn>
-                  </p:par>
-                </p:childTnLst>
-              </p:cTn>
-              <p:prevCondLst>
-                <p:cond evt="onPrev" delay="0">
-                  <p:tgtEl>
-                    <p:sldTgt/>
-                  </p:tgtEl>
-                </p:cond>
-              </p:prevCondLst>
-              <p:nextCondLst>
-                <p:cond evt="onNext" delay="0">
-                  <p:tgtEl>
-                    <p:sldTgt/>
-                  </p:tgtEl>
-                </p:cond>
-              </p:nextCondLst>
-            </p:seq>
-          </p:childTnLst>
-        </p:cTn>
-      </p:par>
-    </p:tnLst>
-    <p:bldLst>
-      <p:bldP spid="47" grpId="0" animBg="1"/>
-      <p:bldP spid="55" grpId="0" animBg="1"/>
-      <p:bldP spid="63" grpId="0" animBg="1"/>
-      <p:bldP spid="76" grpId="0"/>
-      <p:bldP spid="83" grpId="0" animBg="1"/>
-      <p:bldP spid="71" grpId="0" animBg="1"/>
-    </p:bldLst>
-  </p:timing>
-</p:sld>
-</file>
-
 <file path=ppt/slides/slide6.xml><?xml version="1.0" encoding="utf-8"?>
-<p:sld xmlns:a="http://schemas.openxmlformats.org/drawingml/2006/main" xmlns:r="http://schemas.openxmlformats.org/officeDocument/2006/relationships" xmlns:p="http://schemas.openxmlformats.org/presentationml/2006/main">
-  <p:cSld>
-    <p:spTree>
-      <p:nvGrpSpPr>
-        <p:cNvPr id="1" name=""/>
-        <p:cNvGrpSpPr/>
-        <p:nvPr/>
-      </p:nvGrpSpPr>
-      <p:grpSpPr>
-        <a:xfrm>
-          <a:off x="0" y="0"/>
-          <a:ext cx="0" cy="0"/>
-          <a:chOff x="0" y="0"/>
-          <a:chExt cx="0" cy="0"/>
-        </a:xfrm>
-      </p:grpSpPr>
-      <p:sp>
-        <p:nvSpPr>
-          <p:cNvPr id="395" name="Rectangle 394"/>
-          <p:cNvSpPr/>
-          <p:nvPr/>
-        </p:nvSpPr>
-        <p:spPr>
-          <a:xfrm>
-            <a:off x="1056748" y="2208520"/>
-            <a:ext cx="2753252" cy="3108543"/>
-          </a:xfrm>
-          <a:prstGeom prst="rect">
-            <a:avLst/>
-          </a:prstGeom>
-        </p:spPr>
-        <p:txBody>
-          <a:bodyPr wrap="square">
-            <a:spAutoFit/>
-          </a:bodyPr>
-          <a:lstStyle/>
-          <a:p>
-            <a:pPr marL="457200" lvl="0" indent="-457200" eaLnBrk="0" fontAlgn="t" latinLnBrk="0" hangingPunct="0">
-              <a:spcBef>
-                <a:spcPct val="0"/>
-              </a:spcBef>
-              <a:spcAft>
-                <a:spcPct val="0"/>
-              </a:spcAft>
-              <a:buFontTx/>
-              <a:buChar char="-"/>
-            </a:pPr>
-            <a:endParaRPr lang="en-US" altLang="ko-KR" sz="2800" dirty="0">
-              <a:latin typeface="나눔바른고딕 UltraLight" panose="020B0603020101020101" pitchFamily="50" charset="-127"/>
-              <a:ea typeface="나눔바른고딕 UltraLight" panose="020B0603020101020101" pitchFamily="50" charset="-127"/>
-            </a:endParaRPr>
-          </a:p>
-          <a:p>
-            <a:pPr marL="457200" lvl="0" indent="-457200" eaLnBrk="0" fontAlgn="t" latinLnBrk="0" hangingPunct="0">
-              <a:spcBef>
-                <a:spcPct val="0"/>
-              </a:spcBef>
-              <a:spcAft>
-                <a:spcPct val="0"/>
-              </a:spcAft>
-              <a:buFontTx/>
-              <a:buChar char="-"/>
-            </a:pPr>
-            <a:r>
-              <a:rPr lang="ko-KR" altLang="en-US" sz="2800" dirty="0">
-                <a:latin typeface="나눔바른고딕 UltraLight" panose="020B0603020101020101" pitchFamily="50" charset="-127"/>
-                <a:ea typeface="나눔바른고딕 UltraLight" panose="020B0603020101020101" pitchFamily="50" charset="-127"/>
-              </a:rPr>
-              <a:t>지도 연동</a:t>
-            </a:r>
-            <a:endParaRPr lang="en-US" altLang="ko-KR" sz="2800" dirty="0">
-              <a:latin typeface="나눔바른고딕 UltraLight" panose="020B0603020101020101" pitchFamily="50" charset="-127"/>
-              <a:ea typeface="나눔바른고딕 UltraLight" panose="020B0603020101020101" pitchFamily="50" charset="-127"/>
-            </a:endParaRPr>
-          </a:p>
-          <a:p>
-            <a:pPr marL="457200" lvl="0" indent="-457200" eaLnBrk="0" fontAlgn="t" latinLnBrk="0" hangingPunct="0">
-              <a:spcBef>
-                <a:spcPct val="0"/>
-              </a:spcBef>
-              <a:spcAft>
-                <a:spcPct val="0"/>
-              </a:spcAft>
-              <a:buFontTx/>
-              <a:buChar char="-"/>
-            </a:pPr>
-            <a:endParaRPr lang="en-US" altLang="ko-KR" sz="2800" dirty="0">
-              <a:latin typeface="나눔바른고딕 UltraLight" panose="020B0603020101020101" pitchFamily="50" charset="-127"/>
-              <a:ea typeface="나눔바른고딕 UltraLight" panose="020B0603020101020101" pitchFamily="50" charset="-127"/>
-            </a:endParaRPr>
-          </a:p>
-          <a:p>
-            <a:pPr marL="457200" lvl="0" indent="-457200" eaLnBrk="0" fontAlgn="t" latinLnBrk="0" hangingPunct="0">
-              <a:spcBef>
-                <a:spcPct val="0"/>
-              </a:spcBef>
-              <a:spcAft>
-                <a:spcPct val="0"/>
-              </a:spcAft>
-              <a:buFontTx/>
-              <a:buChar char="-"/>
-            </a:pPr>
-            <a:r>
-              <a:rPr lang="ko-KR" altLang="en-US" sz="2800" dirty="0">
-                <a:latin typeface="나눔바른고딕 UltraLight" panose="020B0603020101020101" pitchFamily="50" charset="-127"/>
-                <a:ea typeface="나눔바른고딕 UltraLight" panose="020B0603020101020101" pitchFamily="50" charset="-127"/>
-              </a:rPr>
-              <a:t>이메일 전송</a:t>
-            </a:r>
-            <a:endParaRPr lang="en-US" altLang="ko-KR" sz="2800" dirty="0">
-              <a:latin typeface="나눔바른고딕 UltraLight" panose="020B0603020101020101" pitchFamily="50" charset="-127"/>
-              <a:ea typeface="나눔바른고딕 UltraLight" panose="020B0603020101020101" pitchFamily="50" charset="-127"/>
-            </a:endParaRPr>
-          </a:p>
-          <a:p>
-            <a:pPr marL="457200" lvl="0" indent="-457200" eaLnBrk="0" fontAlgn="t" latinLnBrk="0" hangingPunct="0">
-              <a:spcBef>
-                <a:spcPct val="0"/>
-              </a:spcBef>
-              <a:spcAft>
-                <a:spcPct val="0"/>
-              </a:spcAft>
-              <a:buFontTx/>
-              <a:buChar char="-"/>
-            </a:pPr>
-            <a:endParaRPr lang="en-US" altLang="ko-KR" sz="2800" dirty="0">
-              <a:latin typeface="나눔바른고딕 UltraLight" panose="020B0603020101020101" pitchFamily="50" charset="-127"/>
-              <a:ea typeface="나눔바른고딕 UltraLight" panose="020B0603020101020101" pitchFamily="50" charset="-127"/>
-            </a:endParaRPr>
-          </a:p>
-          <a:p>
-            <a:pPr marL="457200" indent="-457200" eaLnBrk="0" fontAlgn="t" latinLnBrk="0" hangingPunct="0">
-              <a:spcBef>
-                <a:spcPct val="0"/>
-              </a:spcBef>
-              <a:spcAft>
-                <a:spcPct val="0"/>
-              </a:spcAft>
-              <a:buFontTx/>
-              <a:buChar char="-"/>
-            </a:pPr>
-            <a:r>
-              <a:rPr lang="en-US" altLang="ko-KR" sz="2800" dirty="0">
-                <a:latin typeface="나눔바른고딕 UltraLight" panose="020B0603020101020101" pitchFamily="50" charset="-127"/>
-                <a:ea typeface="나눔바른고딕 UltraLight" panose="020B0603020101020101" pitchFamily="50" charset="-127"/>
-              </a:rPr>
-              <a:t>C/C++ </a:t>
-            </a:r>
-            <a:r>
-              <a:rPr lang="ko-KR" altLang="en-US" sz="2800" dirty="0">
-                <a:latin typeface="나눔바른고딕 UltraLight" panose="020B0603020101020101" pitchFamily="50" charset="-127"/>
-                <a:ea typeface="나눔바른고딕 UltraLight" panose="020B0603020101020101" pitchFamily="50" charset="-127"/>
-              </a:rPr>
-              <a:t>연동</a:t>
-            </a:r>
-            <a:endParaRPr lang="ko-KR" altLang="ko-KR" sz="2800" dirty="0">
-              <a:latin typeface="나눔바른고딕 UltraLight" panose="020B0603020101020101" pitchFamily="50" charset="-127"/>
-              <a:ea typeface="나눔바른고딕 UltraLight" panose="020B0603020101020101" pitchFamily="50" charset="-127"/>
-            </a:endParaRPr>
-          </a:p>
-          <a:p>
-            <a:pPr marL="457200" lvl="0" indent="-457200" eaLnBrk="0" fontAlgn="t" latinLnBrk="0" hangingPunct="0">
-              <a:spcBef>
-                <a:spcPct val="0"/>
-              </a:spcBef>
-              <a:spcAft>
-                <a:spcPct val="0"/>
-              </a:spcAft>
-              <a:buFontTx/>
-              <a:buChar char="-"/>
-            </a:pPr>
-            <a:endParaRPr lang="en-US" altLang="ko-KR" sz="2800" dirty="0">
-              <a:latin typeface="나눔바른고딕 UltraLight" panose="020B0603020101020101" pitchFamily="50" charset="-127"/>
-              <a:ea typeface="나눔바른고딕 UltraLight" panose="020B0603020101020101" pitchFamily="50" charset="-127"/>
-            </a:endParaRPr>
-          </a:p>
-        </p:txBody>
-      </p:sp>
-      <p:sp>
-        <p:nvSpPr>
-          <p:cNvPr id="396" name="Rectangle 395"/>
-          <p:cNvSpPr/>
-          <p:nvPr/>
-        </p:nvSpPr>
-        <p:spPr>
-          <a:xfrm>
-            <a:off x="921281" y="1415287"/>
-            <a:ext cx="1107996" cy="461665"/>
-          </a:xfrm>
-          <a:prstGeom prst="rect">
-            <a:avLst/>
-          </a:prstGeom>
-        </p:spPr>
-        <p:txBody>
-          <a:bodyPr wrap="none">
-            <a:spAutoFit/>
-          </a:bodyPr>
-          <a:lstStyle/>
-          <a:p>
-            <a:r>
-              <a:rPr lang="ko-KR" altLang="en-US" sz="2400" dirty="0" err="1">
-                <a:solidFill>
-                  <a:schemeClr val="tx1">
-                    <a:lumMod val="75000"/>
-                    <a:lumOff val="25000"/>
-                  </a:schemeClr>
-                </a:solidFill>
-                <a:latin typeface="나눔고딕 ExtraBold" panose="020D0904000000000000" pitchFamily="50" charset="-127"/>
-                <a:ea typeface="나눔고딕 ExtraBold" panose="020D0904000000000000" pitchFamily="50" charset="-127"/>
-                <a:cs typeface="Arial" panose="020B0604020202020204" pitchFamily="34" charset="0"/>
-              </a:rPr>
-              <a:t>원주연</a:t>
-            </a:r>
-            <a:endParaRPr lang="ko-KR" altLang="en-US" sz="2400" dirty="0">
-              <a:latin typeface="나눔고딕 ExtraBold" panose="020D0904000000000000" pitchFamily="50" charset="-127"/>
-              <a:ea typeface="나눔고딕 ExtraBold" panose="020D0904000000000000" pitchFamily="50" charset="-127"/>
-            </a:endParaRPr>
-          </a:p>
-        </p:txBody>
-      </p:sp>
-      <p:grpSp>
-        <p:nvGrpSpPr>
-          <p:cNvPr id="2" name="Group 1"/>
-          <p:cNvGrpSpPr/>
-          <p:nvPr/>
-        </p:nvGrpSpPr>
-        <p:grpSpPr>
-          <a:xfrm>
-            <a:off x="642486" y="1533703"/>
-            <a:ext cx="231349" cy="226884"/>
-            <a:chOff x="1057353" y="1533706"/>
-            <a:chExt cx="231349" cy="226884"/>
-          </a:xfrm>
-        </p:grpSpPr>
-        <p:sp>
-          <p:nvSpPr>
-            <p:cNvPr id="392" name="Isosceles Triangle 391"/>
-            <p:cNvSpPr/>
-            <p:nvPr/>
-          </p:nvSpPr>
-          <p:spPr>
-            <a:xfrm rot="5400000">
-              <a:off x="1077465" y="1549353"/>
-              <a:ext cx="226884" cy="195590"/>
-            </a:xfrm>
-            <a:prstGeom prst="triangle">
-              <a:avLst/>
-            </a:prstGeom>
-            <a:solidFill>
-              <a:schemeClr val="tx1">
-                <a:lumMod val="75000"/>
-                <a:lumOff val="25000"/>
-              </a:schemeClr>
-            </a:solidFill>
-            <a:ln>
-              <a:noFill/>
-            </a:ln>
-          </p:spPr>
-          <p:style>
-            <a:lnRef idx="2">
-              <a:schemeClr val="accent1">
-                <a:shade val="50000"/>
-              </a:schemeClr>
-            </a:lnRef>
-            <a:fillRef idx="1">
-              <a:schemeClr val="accent1"/>
-            </a:fillRef>
-            <a:effectRef idx="0">
-              <a:schemeClr val="accent1"/>
-            </a:effectRef>
-            <a:fontRef idx="minor">
-              <a:schemeClr val="lt1"/>
-            </a:fontRef>
-          </p:style>
-          <p:txBody>
-            <a:bodyPr rtlCol="0" anchor="ctr"/>
-            <a:lstStyle/>
-            <a:p>
-              <a:pPr algn="ctr"/>
-              <a:endParaRPr lang="ko-KR" altLang="en-US"/>
-            </a:p>
-          </p:txBody>
-        </p:sp>
-        <p:sp>
-          <p:nvSpPr>
-            <p:cNvPr id="393" name="Isosceles Triangle 392"/>
-            <p:cNvSpPr/>
-            <p:nvPr/>
-          </p:nvSpPr>
-          <p:spPr>
-            <a:xfrm rot="5400000">
-              <a:off x="1041706" y="1549353"/>
-              <a:ext cx="226884" cy="195590"/>
-            </a:xfrm>
-            <a:prstGeom prst="triangle">
-              <a:avLst/>
-            </a:prstGeom>
-            <a:solidFill>
-              <a:schemeClr val="bg1">
-                <a:lumMod val="75000"/>
-              </a:schemeClr>
-            </a:solidFill>
-            <a:ln>
-              <a:noFill/>
-            </a:ln>
-          </p:spPr>
-          <p:style>
-            <a:lnRef idx="2">
-              <a:schemeClr val="accent1">
-                <a:shade val="50000"/>
-              </a:schemeClr>
-            </a:lnRef>
-            <a:fillRef idx="1">
-              <a:schemeClr val="accent1"/>
-            </a:fillRef>
-            <a:effectRef idx="0">
-              <a:schemeClr val="accent1"/>
-            </a:effectRef>
-            <a:fontRef idx="minor">
-              <a:schemeClr val="lt1"/>
-            </a:fontRef>
-          </p:style>
-          <p:txBody>
-            <a:bodyPr rtlCol="0" anchor="ctr"/>
-            <a:lstStyle/>
-            <a:p>
-              <a:pPr algn="ctr"/>
-              <a:endParaRPr lang="ko-KR" altLang="en-US"/>
-            </a:p>
-          </p:txBody>
-        </p:sp>
-      </p:grpSp>
-      <p:grpSp>
-        <p:nvGrpSpPr>
-          <p:cNvPr id="412" name="Group 411"/>
-          <p:cNvGrpSpPr/>
-          <p:nvPr/>
-        </p:nvGrpSpPr>
-        <p:grpSpPr>
-          <a:xfrm>
-            <a:off x="5162588" y="1533703"/>
-            <a:ext cx="231349" cy="226884"/>
-            <a:chOff x="1855214" y="1333680"/>
-            <a:chExt cx="306961" cy="301037"/>
-          </a:xfrm>
-        </p:grpSpPr>
-        <p:sp>
-          <p:nvSpPr>
-            <p:cNvPr id="413" name="Isosceles Triangle 412"/>
-            <p:cNvSpPr/>
-            <p:nvPr/>
-          </p:nvSpPr>
-          <p:spPr>
-            <a:xfrm rot="5400000">
-              <a:off x="1834453" y="1354441"/>
-              <a:ext cx="301037" cy="259515"/>
-            </a:xfrm>
-            <a:prstGeom prst="triangle">
-              <a:avLst/>
-            </a:prstGeom>
-            <a:solidFill>
-              <a:schemeClr val="bg1">
-                <a:lumMod val="75000"/>
-              </a:schemeClr>
-            </a:solidFill>
-            <a:ln>
-              <a:noFill/>
-            </a:ln>
-          </p:spPr>
-          <p:style>
-            <a:lnRef idx="2">
-              <a:schemeClr val="accent1">
-                <a:shade val="50000"/>
-              </a:schemeClr>
-            </a:lnRef>
-            <a:fillRef idx="1">
-              <a:schemeClr val="accent1"/>
-            </a:fillRef>
-            <a:effectRef idx="0">
-              <a:schemeClr val="accent1"/>
-            </a:effectRef>
-            <a:fontRef idx="minor">
-              <a:schemeClr val="lt1"/>
-            </a:fontRef>
-          </p:style>
-          <p:txBody>
-            <a:bodyPr rtlCol="0" anchor="ctr"/>
-            <a:lstStyle/>
-            <a:p>
-              <a:pPr algn="ctr"/>
-              <a:endParaRPr lang="ko-KR" altLang="en-US"/>
-            </a:p>
-          </p:txBody>
-        </p:sp>
-        <p:sp>
-          <p:nvSpPr>
-            <p:cNvPr id="414" name="Isosceles Triangle 413"/>
-            <p:cNvSpPr/>
-            <p:nvPr/>
-          </p:nvSpPr>
-          <p:spPr>
-            <a:xfrm rot="5400000">
-              <a:off x="1881899" y="1354441"/>
-              <a:ext cx="301037" cy="259515"/>
-            </a:xfrm>
-            <a:prstGeom prst="triangle">
-              <a:avLst/>
-            </a:prstGeom>
-            <a:solidFill>
-              <a:schemeClr val="tx1">
-                <a:lumMod val="75000"/>
-                <a:lumOff val="25000"/>
-              </a:schemeClr>
-            </a:solidFill>
-            <a:ln>
-              <a:noFill/>
-            </a:ln>
-          </p:spPr>
-          <p:style>
-            <a:lnRef idx="2">
-              <a:schemeClr val="accent1">
-                <a:shade val="50000"/>
-              </a:schemeClr>
-            </a:lnRef>
-            <a:fillRef idx="1">
-              <a:schemeClr val="accent1"/>
-            </a:fillRef>
-            <a:effectRef idx="0">
-              <a:schemeClr val="accent1"/>
-            </a:effectRef>
-            <a:fontRef idx="minor">
-              <a:schemeClr val="lt1"/>
-            </a:fontRef>
-          </p:style>
-          <p:txBody>
-            <a:bodyPr rtlCol="0" anchor="ctr"/>
-            <a:lstStyle/>
-            <a:p>
-              <a:pPr algn="ctr"/>
-              <a:endParaRPr lang="ko-KR" altLang="en-US"/>
-            </a:p>
-          </p:txBody>
-        </p:sp>
-      </p:grpSp>
-      <p:sp>
-        <p:nvSpPr>
-          <p:cNvPr id="415" name="Rectangle 414"/>
-          <p:cNvSpPr/>
-          <p:nvPr/>
-        </p:nvSpPr>
-        <p:spPr>
-          <a:xfrm>
-            <a:off x="5544645" y="2521058"/>
-            <a:ext cx="3152283" cy="2246769"/>
-          </a:xfrm>
-          <a:prstGeom prst="rect">
-            <a:avLst/>
-          </a:prstGeom>
-        </p:spPr>
-        <p:txBody>
-          <a:bodyPr wrap="square">
-            <a:spAutoFit/>
-          </a:bodyPr>
-          <a:lstStyle/>
-          <a:p>
-            <a:pPr marL="171450" indent="-171450" eaLnBrk="0" fontAlgn="t" latinLnBrk="0" hangingPunct="0">
-              <a:spcBef>
-                <a:spcPct val="0"/>
-              </a:spcBef>
-              <a:spcAft>
-                <a:spcPct val="0"/>
-              </a:spcAft>
-              <a:buFontTx/>
-              <a:buChar char="-"/>
-            </a:pPr>
-            <a:r>
-              <a:rPr lang="ko-KR" altLang="en-US" sz="2800" dirty="0">
-                <a:latin typeface="나눔바른고딕 UltraLight" panose="020B0603020101020101" pitchFamily="50" charset="-127"/>
-                <a:ea typeface="나눔바른고딕 UltraLight" panose="020B0603020101020101" pitchFamily="50" charset="-127"/>
-              </a:rPr>
-              <a:t>지역 검색</a:t>
-            </a:r>
-            <a:endParaRPr lang="en-US" altLang="ko-KR" sz="2800" dirty="0">
-              <a:latin typeface="나눔바른고딕 UltraLight" panose="020B0603020101020101" pitchFamily="50" charset="-127"/>
-              <a:ea typeface="나눔바른고딕 UltraLight" panose="020B0603020101020101" pitchFamily="50" charset="-127"/>
-            </a:endParaRPr>
-          </a:p>
-          <a:p>
-            <a:pPr marL="171450" indent="-171450" eaLnBrk="0" fontAlgn="t" latinLnBrk="0" hangingPunct="0">
-              <a:spcBef>
-                <a:spcPct val="0"/>
-              </a:spcBef>
-              <a:spcAft>
-                <a:spcPct val="0"/>
-              </a:spcAft>
-              <a:buFontTx/>
-              <a:buChar char="-"/>
-            </a:pPr>
-            <a:endParaRPr lang="en-US" altLang="ko-KR" sz="2800" dirty="0">
-              <a:latin typeface="나눔바른고딕 UltraLight" panose="020B0603020101020101" pitchFamily="50" charset="-127"/>
-              <a:ea typeface="나눔바른고딕 UltraLight" panose="020B0603020101020101" pitchFamily="50" charset="-127"/>
-            </a:endParaRPr>
-          </a:p>
-          <a:p>
-            <a:pPr marL="171450" indent="-171450" eaLnBrk="0" fontAlgn="t" latinLnBrk="0" hangingPunct="0">
-              <a:spcBef>
-                <a:spcPct val="0"/>
-              </a:spcBef>
-              <a:spcAft>
-                <a:spcPct val="0"/>
-              </a:spcAft>
-              <a:buFontTx/>
-              <a:buChar char="-"/>
-            </a:pPr>
-            <a:r>
-              <a:rPr lang="ko-KR" altLang="en-US" sz="2800" dirty="0">
-                <a:latin typeface="나눔바른고딕 UltraLight" panose="020B0603020101020101" pitchFamily="50" charset="-127"/>
-                <a:ea typeface="나눔바른고딕 UltraLight" panose="020B0603020101020101" pitchFamily="50" charset="-127"/>
-              </a:rPr>
-              <a:t>파싱</a:t>
-            </a:r>
-            <a:endParaRPr lang="en-US" altLang="ko-KR" sz="2800" dirty="0">
-              <a:latin typeface="나눔바른고딕 UltraLight" panose="020B0603020101020101" pitchFamily="50" charset="-127"/>
-              <a:ea typeface="나눔바른고딕 UltraLight" panose="020B0603020101020101" pitchFamily="50" charset="-127"/>
-            </a:endParaRPr>
-          </a:p>
-          <a:p>
-            <a:pPr lvl="0" eaLnBrk="0" fontAlgn="t" latinLnBrk="0" hangingPunct="0">
-              <a:spcBef>
-                <a:spcPct val="0"/>
-              </a:spcBef>
-              <a:spcAft>
-                <a:spcPct val="0"/>
-              </a:spcAft>
-            </a:pPr>
-            <a:endParaRPr lang="en-US" altLang="ko-KR" sz="2800" dirty="0">
-              <a:latin typeface="나눔바른고딕 UltraLight" panose="020B0603020101020101" pitchFamily="50" charset="-127"/>
-              <a:ea typeface="나눔바른고딕 UltraLight" panose="020B0603020101020101" pitchFamily="50" charset="-127"/>
-            </a:endParaRPr>
-          </a:p>
-          <a:p>
-            <a:pPr marL="171450" lvl="0" indent="-171450" eaLnBrk="0" fontAlgn="t" latinLnBrk="0" hangingPunct="0">
-              <a:spcBef>
-                <a:spcPct val="0"/>
-              </a:spcBef>
-              <a:spcAft>
-                <a:spcPct val="0"/>
-              </a:spcAft>
-              <a:buFontTx/>
-              <a:buChar char="-"/>
-            </a:pPr>
-            <a:r>
-              <a:rPr lang="en-US" altLang="ko-KR" sz="2800" dirty="0">
-                <a:latin typeface="나눔바른고딕 UltraLight" panose="020B0603020101020101" pitchFamily="50" charset="-127"/>
-                <a:ea typeface="나눔바른고딕 UltraLight" panose="020B0603020101020101" pitchFamily="50" charset="-127"/>
-              </a:rPr>
-              <a:t>C/C++ </a:t>
-            </a:r>
-            <a:r>
-              <a:rPr lang="ko-KR" altLang="en-US" sz="2800" dirty="0">
-                <a:latin typeface="나눔바른고딕 UltraLight" panose="020B0603020101020101" pitchFamily="50" charset="-127"/>
-                <a:ea typeface="나눔바른고딕 UltraLight" panose="020B0603020101020101" pitchFamily="50" charset="-127"/>
-              </a:rPr>
-              <a:t>연동</a:t>
-            </a:r>
-            <a:endParaRPr lang="ko-KR" altLang="ko-KR" sz="2800" dirty="0">
-              <a:latin typeface="나눔바른고딕 UltraLight" panose="020B0603020101020101" pitchFamily="50" charset="-127"/>
-              <a:ea typeface="나눔바른고딕 UltraLight" panose="020B0603020101020101" pitchFamily="50" charset="-127"/>
-            </a:endParaRPr>
-          </a:p>
-        </p:txBody>
-      </p:sp>
-      <p:sp>
-        <p:nvSpPr>
-          <p:cNvPr id="416" name="Rectangle 415"/>
-          <p:cNvSpPr/>
-          <p:nvPr/>
-        </p:nvSpPr>
-        <p:spPr>
-          <a:xfrm>
-            <a:off x="5441383" y="1415287"/>
-            <a:ext cx="1107996" cy="461665"/>
-          </a:xfrm>
-          <a:prstGeom prst="rect">
-            <a:avLst/>
-          </a:prstGeom>
-        </p:spPr>
-        <p:txBody>
-          <a:bodyPr wrap="none">
-            <a:spAutoFit/>
-          </a:bodyPr>
-          <a:lstStyle/>
-          <a:p>
-            <a:r>
-              <a:rPr lang="ko-KR" altLang="en-US" sz="2400" dirty="0">
-                <a:solidFill>
-                  <a:schemeClr val="tx1">
-                    <a:lumMod val="75000"/>
-                    <a:lumOff val="25000"/>
-                  </a:schemeClr>
-                </a:solidFill>
-                <a:latin typeface="나눔고딕 ExtraBold" panose="020D0904000000000000" pitchFamily="50" charset="-127"/>
-                <a:ea typeface="나눔고딕 ExtraBold" panose="020D0904000000000000" pitchFamily="50" charset="-127"/>
-                <a:cs typeface="Arial" panose="020B0604020202020204" pitchFamily="34" charset="0"/>
-              </a:rPr>
-              <a:t>유진명</a:t>
-            </a:r>
-            <a:endParaRPr lang="ko-KR" altLang="en-US" sz="2400" dirty="0">
-              <a:latin typeface="나눔고딕 ExtraBold" panose="020D0904000000000000" pitchFamily="50" charset="-127"/>
-              <a:ea typeface="나눔고딕 ExtraBold" panose="020D0904000000000000" pitchFamily="50" charset="-127"/>
-            </a:endParaRPr>
-          </a:p>
-        </p:txBody>
-      </p:sp>
-      <p:grpSp>
-        <p:nvGrpSpPr>
-          <p:cNvPr id="5" name="Group 4"/>
-          <p:cNvGrpSpPr/>
-          <p:nvPr/>
-        </p:nvGrpSpPr>
-        <p:grpSpPr>
-          <a:xfrm>
-            <a:off x="4449931" y="-34109"/>
-            <a:ext cx="269252" cy="6926217"/>
-            <a:chOff x="4449931" y="-34109"/>
-            <a:chExt cx="269252" cy="6926217"/>
-          </a:xfrm>
-        </p:grpSpPr>
-        <p:sp>
-          <p:nvSpPr>
-            <p:cNvPr id="428" name="Freeform 427"/>
-            <p:cNvSpPr/>
-            <p:nvPr/>
-          </p:nvSpPr>
-          <p:spPr>
-            <a:xfrm rot="359612">
-              <a:off x="4468981" y="-34109"/>
-              <a:ext cx="250202" cy="6926217"/>
-            </a:xfrm>
-            <a:custGeom>
-              <a:avLst/>
-              <a:gdLst>
-                <a:gd name="connsiteX0" fmla="*/ 125339 w 250202"/>
-                <a:gd name="connsiteY0" fmla="*/ 0 h 6926217"/>
-                <a:gd name="connsiteX1" fmla="*/ 250202 w 250202"/>
-                <a:gd name="connsiteY1" fmla="*/ 6899948 h 6926217"/>
-                <a:gd name="connsiteX2" fmla="*/ 0 w 250202"/>
-                <a:gd name="connsiteY2" fmla="*/ 6926217 h 6926217"/>
-              </a:gdLst>
-              <a:ahLst/>
-              <a:cxnLst>
-                <a:cxn ang="0">
-                  <a:pos x="connsiteX0" y="connsiteY0"/>
-                </a:cxn>
-                <a:cxn ang="0">
-                  <a:pos x="connsiteX1" y="connsiteY1"/>
-                </a:cxn>
-                <a:cxn ang="0">
-                  <a:pos x="connsiteX2" y="connsiteY2"/>
-                </a:cxn>
-              </a:cxnLst>
-              <a:rect l="l" t="t" r="r" b="b"/>
-              <a:pathLst>
-                <a:path w="250202" h="6926217">
-                  <a:moveTo>
-                    <a:pt x="125339" y="0"/>
-                  </a:moveTo>
-                  <a:lnTo>
-                    <a:pt x="250202" y="6899948"/>
-                  </a:lnTo>
-                  <a:lnTo>
-                    <a:pt x="0" y="6926217"/>
-                  </a:lnTo>
-                  <a:close/>
-                </a:path>
-              </a:pathLst>
-            </a:custGeom>
-            <a:solidFill>
-              <a:schemeClr val="tx1">
-                <a:lumMod val="75000"/>
-                <a:lumOff val="25000"/>
-              </a:schemeClr>
-            </a:solidFill>
-            <a:ln>
-              <a:noFill/>
-            </a:ln>
-          </p:spPr>
-          <p:style>
-            <a:lnRef idx="2">
-              <a:schemeClr val="accent1">
-                <a:shade val="50000"/>
-              </a:schemeClr>
-            </a:lnRef>
-            <a:fillRef idx="1">
-              <a:schemeClr val="accent1"/>
-            </a:fillRef>
-            <a:effectRef idx="0">
-              <a:schemeClr val="accent1"/>
-            </a:effectRef>
-            <a:fontRef idx="minor">
-              <a:schemeClr val="lt1"/>
-            </a:fontRef>
-          </p:style>
-          <p:txBody>
-            <a:bodyPr rtlCol="0" anchor="ctr"/>
-            <a:lstStyle/>
-            <a:p>
-              <a:pPr algn="ctr"/>
-              <a:endParaRPr lang="ko-KR" altLang="en-US"/>
-            </a:p>
-          </p:txBody>
-        </p:sp>
-        <p:sp>
-          <p:nvSpPr>
-            <p:cNvPr id="429" name="Freeform 428"/>
-            <p:cNvSpPr/>
-            <p:nvPr/>
-          </p:nvSpPr>
-          <p:spPr>
-            <a:xfrm rot="359612">
-              <a:off x="4449931" y="-34109"/>
-              <a:ext cx="250202" cy="6926217"/>
-            </a:xfrm>
-            <a:custGeom>
-              <a:avLst/>
-              <a:gdLst>
-                <a:gd name="connsiteX0" fmla="*/ 125339 w 250202"/>
-                <a:gd name="connsiteY0" fmla="*/ 0 h 6926217"/>
-                <a:gd name="connsiteX1" fmla="*/ 250202 w 250202"/>
-                <a:gd name="connsiteY1" fmla="*/ 6899948 h 6926217"/>
-                <a:gd name="connsiteX2" fmla="*/ 0 w 250202"/>
-                <a:gd name="connsiteY2" fmla="*/ 6926217 h 6926217"/>
-              </a:gdLst>
-              <a:ahLst/>
-              <a:cxnLst>
-                <a:cxn ang="0">
-                  <a:pos x="connsiteX0" y="connsiteY0"/>
-                </a:cxn>
-                <a:cxn ang="0">
-                  <a:pos x="connsiteX1" y="connsiteY1"/>
-                </a:cxn>
-                <a:cxn ang="0">
-                  <a:pos x="connsiteX2" y="connsiteY2"/>
-                </a:cxn>
-              </a:cxnLst>
-              <a:rect l="l" t="t" r="r" b="b"/>
-              <a:pathLst>
-                <a:path w="250202" h="6926217">
-                  <a:moveTo>
-                    <a:pt x="125339" y="0"/>
-                  </a:moveTo>
-                  <a:lnTo>
-                    <a:pt x="250202" y="6899948"/>
-                  </a:lnTo>
-                  <a:lnTo>
-                    <a:pt x="0" y="6926217"/>
-                  </a:lnTo>
-                  <a:close/>
-                </a:path>
-              </a:pathLst>
-            </a:custGeom>
-            <a:solidFill>
-              <a:schemeClr val="bg1">
-                <a:lumMod val="85000"/>
-              </a:schemeClr>
-            </a:solidFill>
-            <a:ln>
-              <a:noFill/>
-            </a:ln>
-          </p:spPr>
-          <p:style>
-            <a:lnRef idx="2">
-              <a:schemeClr val="accent1">
-                <a:shade val="50000"/>
-              </a:schemeClr>
-            </a:lnRef>
-            <a:fillRef idx="1">
-              <a:schemeClr val="accent1"/>
-            </a:fillRef>
-            <a:effectRef idx="0">
-              <a:schemeClr val="accent1"/>
-            </a:effectRef>
-            <a:fontRef idx="minor">
-              <a:schemeClr val="lt1"/>
-            </a:fontRef>
-          </p:style>
-          <p:txBody>
-            <a:bodyPr rtlCol="0" anchor="ctr"/>
-            <a:lstStyle/>
-            <a:p>
-              <a:pPr algn="ctr"/>
-              <a:endParaRPr lang="ko-KR" altLang="en-US"/>
-            </a:p>
-          </p:txBody>
-        </p:sp>
-      </p:grpSp>
-      <p:grpSp>
-        <p:nvGrpSpPr>
-          <p:cNvPr id="40" name="Group 25">
-            <a:extLst>
-              <a:ext uri="{FF2B5EF4-FFF2-40B4-BE49-F238E27FC236}">
-                <a16:creationId xmlns:a16="http://schemas.microsoft.com/office/drawing/2014/main" id="{E22B5796-11E7-4ED7-97EB-4FEB2963E45D}"/>
-              </a:ext>
-            </a:extLst>
-          </p:cNvPr>
-          <p:cNvGrpSpPr/>
-          <p:nvPr/>
-        </p:nvGrpSpPr>
-        <p:grpSpPr>
-          <a:xfrm>
-            <a:off x="0" y="0"/>
-            <a:ext cx="2142067" cy="888992"/>
-            <a:chOff x="0" y="-1"/>
-            <a:chExt cx="1855213" cy="409339"/>
-          </a:xfrm>
-        </p:grpSpPr>
-        <p:sp>
-          <p:nvSpPr>
-            <p:cNvPr id="41" name="Rectangle 26">
-              <a:extLst>
-                <a:ext uri="{FF2B5EF4-FFF2-40B4-BE49-F238E27FC236}">
-                  <a16:creationId xmlns:a16="http://schemas.microsoft.com/office/drawing/2014/main" id="{AB705A5A-1263-4FEB-8883-44055F9C03E5}"/>
-                </a:ext>
-              </a:extLst>
-            </p:cNvPr>
-            <p:cNvSpPr/>
-            <p:nvPr/>
-          </p:nvSpPr>
-          <p:spPr>
-            <a:xfrm>
-              <a:off x="0" y="-1"/>
-              <a:ext cx="1466850" cy="409339"/>
-            </a:xfrm>
-            <a:prstGeom prst="rect">
-              <a:avLst/>
-            </a:prstGeom>
-            <a:solidFill>
-              <a:schemeClr val="tx1">
-                <a:lumMod val="75000"/>
-                <a:lumOff val="25000"/>
-              </a:schemeClr>
-            </a:solidFill>
-            <a:ln>
-              <a:noFill/>
-            </a:ln>
-          </p:spPr>
-          <p:style>
-            <a:lnRef idx="2">
-              <a:schemeClr val="accent1">
-                <a:shade val="50000"/>
-              </a:schemeClr>
-            </a:lnRef>
-            <a:fillRef idx="1">
-              <a:schemeClr val="accent1"/>
-            </a:fillRef>
-            <a:effectRef idx="0">
-              <a:schemeClr val="accent1"/>
-            </a:effectRef>
-            <a:fontRef idx="minor">
-              <a:schemeClr val="lt1"/>
-            </a:fontRef>
-          </p:style>
-          <p:txBody>
-            <a:bodyPr rtlCol="0" anchor="ctr"/>
-            <a:lstStyle/>
-            <a:p>
-              <a:pPr algn="ctr"/>
-              <a:endParaRPr lang="ko-KR" altLang="en-US"/>
-            </a:p>
-          </p:txBody>
-        </p:sp>
-        <p:sp>
-          <p:nvSpPr>
-            <p:cNvPr id="42" name="Isosceles Triangle 27">
-              <a:extLst>
-                <a:ext uri="{FF2B5EF4-FFF2-40B4-BE49-F238E27FC236}">
-                  <a16:creationId xmlns:a16="http://schemas.microsoft.com/office/drawing/2014/main" id="{F6D64543-366B-4C60-A240-DDA55C1D679B}"/>
-                </a:ext>
-              </a:extLst>
-            </p:cNvPr>
-            <p:cNvSpPr/>
-            <p:nvPr/>
-          </p:nvSpPr>
-          <p:spPr>
-            <a:xfrm rot="5400000">
-              <a:off x="1456363" y="10486"/>
-              <a:ext cx="409338" cy="388363"/>
-            </a:xfrm>
-            <a:prstGeom prst="triangle">
-              <a:avLst>
-                <a:gd name="adj" fmla="val 0"/>
-              </a:avLst>
-            </a:prstGeom>
-            <a:solidFill>
-              <a:schemeClr val="tx1">
-                <a:lumMod val="75000"/>
-                <a:lumOff val="25000"/>
-              </a:schemeClr>
-            </a:solidFill>
-            <a:ln>
-              <a:noFill/>
-            </a:ln>
-          </p:spPr>
-          <p:style>
-            <a:lnRef idx="2">
-              <a:schemeClr val="accent1">
-                <a:shade val="50000"/>
-              </a:schemeClr>
-            </a:lnRef>
-            <a:fillRef idx="1">
-              <a:schemeClr val="accent1"/>
-            </a:fillRef>
-            <a:effectRef idx="0">
-              <a:schemeClr val="accent1"/>
-            </a:effectRef>
-            <a:fontRef idx="minor">
-              <a:schemeClr val="lt1"/>
-            </a:fontRef>
-          </p:style>
-          <p:txBody>
-            <a:bodyPr rtlCol="0" anchor="ctr"/>
-            <a:lstStyle/>
-            <a:p>
-              <a:pPr algn="ctr"/>
-              <a:endParaRPr lang="ko-KR" altLang="en-US"/>
-            </a:p>
-          </p:txBody>
-        </p:sp>
-      </p:grpSp>
-      <p:sp>
-        <p:nvSpPr>
-          <p:cNvPr id="43" name="TextBox 42">
-            <a:extLst>
-              <a:ext uri="{FF2B5EF4-FFF2-40B4-BE49-F238E27FC236}">
-                <a16:creationId xmlns:a16="http://schemas.microsoft.com/office/drawing/2014/main" id="{B2FB9DF9-B2C8-4A1B-BD37-A8391AEC7FC2}"/>
-              </a:ext>
-            </a:extLst>
-          </p:cNvPr>
-          <p:cNvSpPr txBox="1"/>
-          <p:nvPr/>
-        </p:nvSpPr>
-        <p:spPr>
-          <a:xfrm>
-            <a:off x="-97039" y="169147"/>
-            <a:ext cx="2029097" cy="584775"/>
-          </a:xfrm>
-          <a:prstGeom prst="rect">
-            <a:avLst/>
-          </a:prstGeom>
-          <a:noFill/>
-          <a:ln w="3175">
-            <a:noFill/>
-          </a:ln>
-        </p:spPr>
-        <p:txBody>
-          <a:bodyPr wrap="square" rtlCol="0">
-            <a:spAutoFit/>
-          </a:bodyPr>
-          <a:lstStyle/>
-          <a:p>
-            <a:r>
-              <a:rPr lang="ko-KR" altLang="en-US" sz="3200">
-                <a:solidFill>
-                  <a:schemeClr val="bg1"/>
-                </a:solidFill>
-                <a:latin typeface="나눔고딕 ExtraBold" panose="020D0904000000000000" pitchFamily="50" charset="-127"/>
-                <a:ea typeface="나눔고딕 ExtraBold" panose="020D0904000000000000" pitchFamily="50" charset="-127"/>
-              </a:rPr>
-              <a:t>역할 분담</a:t>
-            </a:r>
-            <a:endParaRPr lang="ko-KR" altLang="en-US" sz="3200" dirty="0">
-              <a:solidFill>
-                <a:schemeClr val="bg1"/>
-              </a:solidFill>
-              <a:latin typeface="나눔고딕 ExtraBold" panose="020D0904000000000000" pitchFamily="50" charset="-127"/>
-              <a:ea typeface="나눔고딕 ExtraBold" panose="020D0904000000000000" pitchFamily="50" charset="-127"/>
-            </a:endParaRPr>
-          </a:p>
-        </p:txBody>
-      </p:sp>
-    </p:spTree>
-    <p:extLst>
-      <p:ext uri="{BB962C8B-B14F-4D97-AF65-F5344CB8AC3E}">
-        <p14:creationId xmlns:p14="http://schemas.microsoft.com/office/powerpoint/2010/main" val="934220322"/>
-      </p:ext>
-    </p:extLst>
-  </p:cSld>
-  <p:clrMapOvr>
-    <a:masterClrMapping/>
-  </p:clrMapOvr>
-  <p:timing>
-    <p:tnLst>
-      <p:par>
-        <p:cTn id="1" dur="indefinite" restart="never" nodeType="tmRoot">
-          <p:childTnLst>
-            <p:seq concurrent="1" nextAc="seek">
-              <p:cTn id="2" dur="indefinite" nodeType="mainSeq">
-                <p:childTnLst>
-                  <p:par>
-                    <p:cTn id="3" fill="hold">
-                      <p:stCondLst>
-                        <p:cond delay="indefinite"/>
-                        <p:cond evt="onBegin" delay="0">
-                          <p:tn val="2"/>
-                        </p:cond>
-                      </p:stCondLst>
-                      <p:childTnLst>
-                        <p:par>
-                          <p:cTn id="4" fill="hold">
-                            <p:stCondLst>
-                              <p:cond delay="0"/>
-                            </p:stCondLst>
-                            <p:childTnLst>
-                              <p:par>
-                                <p:cTn id="5" presetID="22" presetClass="entr" presetSubtype="4" fill="hold" nodeType="afterEffect">
-                                  <p:stCondLst>
-                                    <p:cond delay="0"/>
-                                  </p:stCondLst>
-                                  <p:childTnLst>
-                                    <p:set>
-                                      <p:cBhvr>
-                                        <p:cTn id="6" dur="1" fill="hold">
-                                          <p:stCondLst>
-                                            <p:cond delay="0"/>
-                                          </p:stCondLst>
-                                        </p:cTn>
-                                        <p:tgtEl>
-                                          <p:spTgt spid="5"/>
-                                        </p:tgtEl>
-                                        <p:attrNameLst>
-                                          <p:attrName>style.visibility</p:attrName>
-                                        </p:attrNameLst>
-                                      </p:cBhvr>
-                                      <p:to>
-                                        <p:strVal val="visible"/>
-                                      </p:to>
-                                    </p:set>
-                                    <p:animEffect transition="in" filter="wipe(down)">
-                                      <p:cBhvr>
-                                        <p:cTn id="7" dur="1000"/>
-                                        <p:tgtEl>
-                                          <p:spTgt spid="5"/>
-                                        </p:tgtEl>
-                                      </p:cBhvr>
-                                    </p:animEffect>
-                                  </p:childTnLst>
-                                </p:cTn>
-                              </p:par>
-                            </p:childTnLst>
-                          </p:cTn>
-                        </p:par>
-                        <p:par>
-                          <p:cTn id="8" fill="hold">
-                            <p:stCondLst>
-                              <p:cond delay="1000"/>
-                            </p:stCondLst>
-                            <p:childTnLst>
-                              <p:par>
-                                <p:cTn id="9" presetID="22" presetClass="entr" presetSubtype="8" fill="hold" nodeType="afterEffect">
-                                  <p:stCondLst>
-                                    <p:cond delay="0"/>
-                                  </p:stCondLst>
-                                  <p:childTnLst>
-                                    <p:set>
-                                      <p:cBhvr>
-                                        <p:cTn id="10" dur="1" fill="hold">
-                                          <p:stCondLst>
-                                            <p:cond delay="0"/>
-                                          </p:stCondLst>
-                                        </p:cTn>
-                                        <p:tgtEl>
-                                          <p:spTgt spid="2"/>
-                                        </p:tgtEl>
-                                        <p:attrNameLst>
-                                          <p:attrName>style.visibility</p:attrName>
-                                        </p:attrNameLst>
-                                      </p:cBhvr>
-                                      <p:to>
-                                        <p:strVal val="visible"/>
-                                      </p:to>
-                                    </p:set>
-                                    <p:animEffect transition="in" filter="wipe(left)">
-                                      <p:cBhvr>
-                                        <p:cTn id="11" dur="500"/>
-                                        <p:tgtEl>
-                                          <p:spTgt spid="2"/>
-                                        </p:tgtEl>
-                                      </p:cBhvr>
-                                    </p:animEffect>
-                                  </p:childTnLst>
-                                </p:cTn>
-                              </p:par>
-                              <p:par>
-                                <p:cTn id="12" presetID="22" presetClass="entr" presetSubtype="1" fill="hold" grpId="0" nodeType="withEffect">
-                                  <p:stCondLst>
-                                    <p:cond delay="0"/>
-                                  </p:stCondLst>
-                                  <p:childTnLst>
-                                    <p:set>
-                                      <p:cBhvr>
-                                        <p:cTn id="13" dur="1" fill="hold">
-                                          <p:stCondLst>
-                                            <p:cond delay="0"/>
-                                          </p:stCondLst>
-                                        </p:cTn>
-                                        <p:tgtEl>
-                                          <p:spTgt spid="396"/>
-                                        </p:tgtEl>
-                                        <p:attrNameLst>
-                                          <p:attrName>style.visibility</p:attrName>
-                                        </p:attrNameLst>
-                                      </p:cBhvr>
-                                      <p:to>
-                                        <p:strVal val="visible"/>
-                                      </p:to>
-                                    </p:set>
-                                    <p:animEffect transition="in" filter="wipe(up)">
-                                      <p:cBhvr>
-                                        <p:cTn id="14" dur="750"/>
-                                        <p:tgtEl>
-                                          <p:spTgt spid="396"/>
-                                        </p:tgtEl>
-                                      </p:cBhvr>
-                                    </p:animEffect>
-                                  </p:childTnLst>
-                                </p:cTn>
-                              </p:par>
-                              <p:par>
-                                <p:cTn id="15" presetID="10" presetClass="entr" presetSubtype="0" fill="hold" grpId="0" nodeType="withEffect">
-                                  <p:stCondLst>
-                                    <p:cond delay="0"/>
-                                  </p:stCondLst>
-                                  <p:childTnLst>
-                                    <p:set>
-                                      <p:cBhvr>
-                                        <p:cTn id="16" dur="1" fill="hold">
-                                          <p:stCondLst>
-                                            <p:cond delay="0"/>
-                                          </p:stCondLst>
-                                        </p:cTn>
-                                        <p:tgtEl>
-                                          <p:spTgt spid="395"/>
-                                        </p:tgtEl>
-                                        <p:attrNameLst>
-                                          <p:attrName>style.visibility</p:attrName>
-                                        </p:attrNameLst>
-                                      </p:cBhvr>
-                                      <p:to>
-                                        <p:strVal val="visible"/>
-                                      </p:to>
-                                    </p:set>
-                                    <p:animEffect transition="in" filter="fade">
-                                      <p:cBhvr>
-                                        <p:cTn id="17" dur="1000"/>
-                                        <p:tgtEl>
-                                          <p:spTgt spid="395"/>
-                                        </p:tgtEl>
-                                      </p:cBhvr>
-                                    </p:animEffect>
-                                  </p:childTnLst>
-                                </p:cTn>
-                              </p:par>
-                            </p:childTnLst>
-                          </p:cTn>
-                        </p:par>
-                        <p:par>
-                          <p:cTn id="18" fill="hold">
-                            <p:stCondLst>
-                              <p:cond delay="2000"/>
-                            </p:stCondLst>
-                            <p:childTnLst>
-                              <p:par>
-                                <p:cTn id="19" presetID="22" presetClass="entr" presetSubtype="8" fill="hold" nodeType="afterEffect">
-                                  <p:stCondLst>
-                                    <p:cond delay="0"/>
-                                  </p:stCondLst>
-                                  <p:childTnLst>
-                                    <p:set>
-                                      <p:cBhvr>
-                                        <p:cTn id="20" dur="1" fill="hold">
-                                          <p:stCondLst>
-                                            <p:cond delay="0"/>
-                                          </p:stCondLst>
-                                        </p:cTn>
-                                        <p:tgtEl>
-                                          <p:spTgt spid="412"/>
-                                        </p:tgtEl>
-                                        <p:attrNameLst>
-                                          <p:attrName>style.visibility</p:attrName>
-                                        </p:attrNameLst>
-                                      </p:cBhvr>
-                                      <p:to>
-                                        <p:strVal val="visible"/>
-                                      </p:to>
-                                    </p:set>
-                                    <p:animEffect transition="in" filter="wipe(left)">
-                                      <p:cBhvr>
-                                        <p:cTn id="21" dur="500"/>
-                                        <p:tgtEl>
-                                          <p:spTgt spid="412"/>
-                                        </p:tgtEl>
-                                      </p:cBhvr>
-                                    </p:animEffect>
-                                  </p:childTnLst>
-                                </p:cTn>
-                              </p:par>
-                              <p:par>
-                                <p:cTn id="22" presetID="22" presetClass="entr" presetSubtype="1" fill="hold" grpId="0" nodeType="withEffect">
-                                  <p:stCondLst>
-                                    <p:cond delay="0"/>
-                                  </p:stCondLst>
-                                  <p:childTnLst>
-                                    <p:set>
-                                      <p:cBhvr>
-                                        <p:cTn id="23" dur="1" fill="hold">
-                                          <p:stCondLst>
-                                            <p:cond delay="0"/>
-                                          </p:stCondLst>
-                                        </p:cTn>
-                                        <p:tgtEl>
-                                          <p:spTgt spid="416"/>
-                                        </p:tgtEl>
-                                        <p:attrNameLst>
-                                          <p:attrName>style.visibility</p:attrName>
-                                        </p:attrNameLst>
-                                      </p:cBhvr>
-                                      <p:to>
-                                        <p:strVal val="visible"/>
-                                      </p:to>
-                                    </p:set>
-                                    <p:animEffect transition="in" filter="wipe(up)">
-                                      <p:cBhvr>
-                                        <p:cTn id="24" dur="750"/>
-                                        <p:tgtEl>
-                                          <p:spTgt spid="416"/>
-                                        </p:tgtEl>
-                                      </p:cBhvr>
-                                    </p:animEffect>
-                                  </p:childTnLst>
-                                </p:cTn>
-                              </p:par>
-                              <p:par>
-                                <p:cTn id="25" presetID="10" presetClass="entr" presetSubtype="0" fill="hold" grpId="0" nodeType="withEffect">
-                                  <p:stCondLst>
-                                    <p:cond delay="0"/>
-                                  </p:stCondLst>
-                                  <p:childTnLst>
-                                    <p:set>
-                                      <p:cBhvr>
-                                        <p:cTn id="26" dur="1" fill="hold">
-                                          <p:stCondLst>
-                                            <p:cond delay="0"/>
-                                          </p:stCondLst>
-                                        </p:cTn>
-                                        <p:tgtEl>
-                                          <p:spTgt spid="415"/>
-                                        </p:tgtEl>
-                                        <p:attrNameLst>
-                                          <p:attrName>style.visibility</p:attrName>
-                                        </p:attrNameLst>
-                                      </p:cBhvr>
-                                      <p:to>
-                                        <p:strVal val="visible"/>
-                                      </p:to>
-                                    </p:set>
-                                    <p:animEffect transition="in" filter="fade">
-                                      <p:cBhvr>
-                                        <p:cTn id="27" dur="1000"/>
-                                        <p:tgtEl>
-                                          <p:spTgt spid="415"/>
-                                        </p:tgtEl>
-                                      </p:cBhvr>
-                                    </p:animEffect>
-                                  </p:childTnLst>
-                                </p:cTn>
-                              </p:par>
-                              <p:par>
-                                <p:cTn id="28" presetID="22" presetClass="entr" presetSubtype="8" fill="hold" nodeType="withEffect">
-                                  <p:stCondLst>
-                                    <p:cond delay="0"/>
-                                  </p:stCondLst>
-                                  <p:childTnLst>
-                                    <p:set>
-                                      <p:cBhvr>
-                                        <p:cTn id="29" dur="1" fill="hold">
-                                          <p:stCondLst>
-                                            <p:cond delay="0"/>
-                                          </p:stCondLst>
-                                        </p:cTn>
-                                        <p:tgtEl>
-                                          <p:spTgt spid="40"/>
-                                        </p:tgtEl>
-                                        <p:attrNameLst>
-                                          <p:attrName>style.visibility</p:attrName>
-                                        </p:attrNameLst>
-                                      </p:cBhvr>
-                                      <p:to>
-                                        <p:strVal val="visible"/>
-                                      </p:to>
-                                    </p:set>
-                                    <p:animEffect transition="in" filter="wipe(left)">
-                                      <p:cBhvr>
-                                        <p:cTn id="30" dur="500"/>
-                                        <p:tgtEl>
-                                          <p:spTgt spid="40"/>
-                                        </p:tgtEl>
-                                      </p:cBhvr>
-                                    </p:animEffect>
-                                  </p:childTnLst>
-                                </p:cTn>
-                              </p:par>
-                              <p:par>
-                                <p:cTn id="31" presetID="10" presetClass="entr" presetSubtype="0" fill="hold" grpId="0" nodeType="withEffect">
-                                  <p:stCondLst>
-                                    <p:cond delay="0"/>
-                                  </p:stCondLst>
-                                  <p:childTnLst>
-                                    <p:set>
-                                      <p:cBhvr>
-                                        <p:cTn id="32" dur="1" fill="hold">
-                                          <p:stCondLst>
-                                            <p:cond delay="0"/>
-                                          </p:stCondLst>
-                                        </p:cTn>
-                                        <p:tgtEl>
-                                          <p:spTgt spid="43"/>
-                                        </p:tgtEl>
-                                        <p:attrNameLst>
-                                          <p:attrName>style.visibility</p:attrName>
-                                        </p:attrNameLst>
-                                      </p:cBhvr>
-                                      <p:to>
-                                        <p:strVal val="visible"/>
-                                      </p:to>
-                                    </p:set>
-                                    <p:animEffect transition="in" filter="fade">
-                                      <p:cBhvr>
-                                        <p:cTn id="33" dur="500"/>
-                                        <p:tgtEl>
-                                          <p:spTgt spid="43"/>
-                                        </p:tgtEl>
-                                      </p:cBhvr>
-                                    </p:animEffect>
-                                  </p:childTnLst>
-                                </p:cTn>
-                              </p:par>
-                            </p:childTnLst>
-                          </p:cTn>
-                        </p:par>
-                      </p:childTnLst>
-                    </p:cTn>
-                  </p:par>
-                </p:childTnLst>
-              </p:cTn>
-              <p:prevCondLst>
-                <p:cond evt="onPrev" delay="0">
-                  <p:tgtEl>
-                    <p:sldTgt/>
-                  </p:tgtEl>
-                </p:cond>
-              </p:prevCondLst>
-              <p:nextCondLst>
-                <p:cond evt="onNext" delay="0">
-                  <p:tgtEl>
-                    <p:sldTgt/>
-                  </p:tgtEl>
-                </p:cond>
-              </p:nextCondLst>
-            </p:seq>
-          </p:childTnLst>
-        </p:cTn>
-      </p:par>
-    </p:tnLst>
-    <p:bldLst>
-      <p:bldP spid="395" grpId="0"/>
-      <p:bldP spid="396" grpId="0"/>
-      <p:bldP spid="415" grpId="0"/>
-      <p:bldP spid="416" grpId="0"/>
-      <p:bldP spid="43" grpId="0"/>
-    </p:bldLst>
-  </p:timing>
-</p:sld>
-</file>
-
-<file path=ppt/slides/slide7.xml><?xml version="1.0" encoding="utf-8"?>
-<p:sld xmlns:a="http://schemas.openxmlformats.org/drawingml/2006/main" xmlns:r="http://schemas.openxmlformats.org/officeDocument/2006/relationships" xmlns:p="http://schemas.openxmlformats.org/presentationml/2006/main">
-  <p:cSld>
-    <p:spTree>
-      <p:nvGrpSpPr>
-        <p:cNvPr id="1" name=""/>
-        <p:cNvGrpSpPr/>
-        <p:nvPr/>
-      </p:nvGrpSpPr>
-      <p:grpSpPr>
-        <a:xfrm>
-          <a:off x="0" y="0"/>
-          <a:ext cx="0" cy="0"/>
-          <a:chOff x="0" y="0"/>
-          <a:chExt cx="0" cy="0"/>
-        </a:xfrm>
-      </p:grpSpPr>
-      <p:sp>
-        <p:nvSpPr>
-          <p:cNvPr id="39" name="Isosceles Triangle 38"/>
-          <p:cNvSpPr/>
-          <p:nvPr/>
-        </p:nvSpPr>
-        <p:spPr>
-          <a:xfrm rot="10800000">
-            <a:off x="4766182" y="-2"/>
-            <a:ext cx="4377818" cy="6858001"/>
-          </a:xfrm>
-          <a:prstGeom prst="triangle">
-            <a:avLst>
-              <a:gd name="adj" fmla="val 0"/>
-            </a:avLst>
-          </a:prstGeom>
-          <a:solidFill>
-            <a:schemeClr val="bg1">
-              <a:lumMod val="85000"/>
-            </a:schemeClr>
-          </a:solidFill>
-          <a:ln>
-            <a:noFill/>
-          </a:ln>
-        </p:spPr>
-        <p:style>
-          <a:lnRef idx="2">
-            <a:schemeClr val="accent1">
-              <a:shade val="50000"/>
-            </a:schemeClr>
-          </a:lnRef>
-          <a:fillRef idx="1">
-            <a:schemeClr val="accent1"/>
-          </a:fillRef>
-          <a:effectRef idx="0">
-            <a:schemeClr val="accent1"/>
-          </a:effectRef>
-          <a:fontRef idx="minor">
-            <a:schemeClr val="lt1"/>
-          </a:fontRef>
-        </p:style>
-        <p:txBody>
-          <a:bodyPr rtlCol="0" anchor="ctr"/>
-          <a:lstStyle/>
-          <a:p>
-            <a:pPr algn="ctr"/>
-            <a:endParaRPr lang="ko-KR" altLang="en-US"/>
-          </a:p>
-        </p:txBody>
-      </p:sp>
-      <p:sp>
-        <p:nvSpPr>
-          <p:cNvPr id="6" name="Isosceles Triangle 5"/>
-          <p:cNvSpPr/>
-          <p:nvPr/>
-        </p:nvSpPr>
-        <p:spPr>
-          <a:xfrm>
-            <a:off x="0" y="-3"/>
-            <a:ext cx="4377818" cy="6858003"/>
-          </a:xfrm>
-          <a:prstGeom prst="triangle">
-            <a:avLst>
-              <a:gd name="adj" fmla="val 0"/>
-            </a:avLst>
-          </a:prstGeom>
-          <a:solidFill>
-            <a:schemeClr val="bg1">
-              <a:lumMod val="85000"/>
-            </a:schemeClr>
-          </a:solidFill>
-          <a:ln>
-            <a:noFill/>
-          </a:ln>
-        </p:spPr>
-        <p:style>
-          <a:lnRef idx="2">
-            <a:schemeClr val="accent1">
-              <a:shade val="50000"/>
-            </a:schemeClr>
-          </a:lnRef>
-          <a:fillRef idx="1">
-            <a:schemeClr val="accent1"/>
-          </a:fillRef>
-          <a:effectRef idx="0">
-            <a:schemeClr val="accent1"/>
-          </a:effectRef>
-          <a:fontRef idx="minor">
-            <a:schemeClr val="lt1"/>
-          </a:fontRef>
-        </p:style>
-        <p:txBody>
-          <a:bodyPr rtlCol="0" anchor="ctr"/>
-          <a:lstStyle/>
-          <a:p>
-            <a:pPr algn="ctr"/>
-            <a:endParaRPr lang="ko-KR" altLang="en-US"/>
-          </a:p>
-        </p:txBody>
-      </p:sp>
-      <p:grpSp>
-        <p:nvGrpSpPr>
-          <p:cNvPr id="367" name="Group 366"/>
-          <p:cNvGrpSpPr/>
-          <p:nvPr/>
-        </p:nvGrpSpPr>
-        <p:grpSpPr>
-          <a:xfrm>
-            <a:off x="0" y="-1"/>
-            <a:ext cx="1855213" cy="409339"/>
-            <a:chOff x="0" y="-1"/>
-            <a:chExt cx="1855213" cy="409339"/>
-          </a:xfrm>
-        </p:grpSpPr>
-        <p:sp>
-          <p:nvSpPr>
-            <p:cNvPr id="368" name="Rectangle 367"/>
-            <p:cNvSpPr/>
-            <p:nvPr/>
-          </p:nvSpPr>
-          <p:spPr>
-            <a:xfrm>
-              <a:off x="0" y="-1"/>
-              <a:ext cx="1466850" cy="409339"/>
-            </a:xfrm>
-            <a:prstGeom prst="rect">
-              <a:avLst/>
-            </a:prstGeom>
-            <a:solidFill>
-              <a:schemeClr val="tx1">
-                <a:lumMod val="75000"/>
-                <a:lumOff val="25000"/>
-              </a:schemeClr>
-            </a:solidFill>
-            <a:ln>
-              <a:noFill/>
-            </a:ln>
-          </p:spPr>
-          <p:style>
-            <a:lnRef idx="2">
-              <a:schemeClr val="accent1">
-                <a:shade val="50000"/>
-              </a:schemeClr>
-            </a:lnRef>
-            <a:fillRef idx="1">
-              <a:schemeClr val="accent1"/>
-            </a:fillRef>
-            <a:effectRef idx="0">
-              <a:schemeClr val="accent1"/>
-            </a:effectRef>
-            <a:fontRef idx="minor">
-              <a:schemeClr val="lt1"/>
-            </a:fontRef>
-          </p:style>
-          <p:txBody>
-            <a:bodyPr rtlCol="0" anchor="ctr"/>
-            <a:lstStyle/>
-            <a:p>
-              <a:pPr algn="ctr"/>
-              <a:endParaRPr lang="ko-KR" altLang="en-US"/>
-            </a:p>
-          </p:txBody>
-        </p:sp>
-        <p:sp>
-          <p:nvSpPr>
-            <p:cNvPr id="369" name="Isosceles Triangle 368"/>
-            <p:cNvSpPr/>
-            <p:nvPr/>
-          </p:nvSpPr>
-          <p:spPr>
-            <a:xfrm rot="5400000">
-              <a:off x="1456363" y="10486"/>
-              <a:ext cx="409338" cy="388363"/>
-            </a:xfrm>
-            <a:prstGeom prst="triangle">
-              <a:avLst>
-                <a:gd name="adj" fmla="val 0"/>
-              </a:avLst>
-            </a:prstGeom>
-            <a:solidFill>
-              <a:schemeClr val="tx1">
-                <a:lumMod val="75000"/>
-                <a:lumOff val="25000"/>
-              </a:schemeClr>
-            </a:solidFill>
-            <a:ln>
-              <a:noFill/>
-            </a:ln>
-          </p:spPr>
-          <p:style>
-            <a:lnRef idx="2">
-              <a:schemeClr val="accent1">
-                <a:shade val="50000"/>
-              </a:schemeClr>
-            </a:lnRef>
-            <a:fillRef idx="1">
-              <a:schemeClr val="accent1"/>
-            </a:fillRef>
-            <a:effectRef idx="0">
-              <a:schemeClr val="accent1"/>
-            </a:effectRef>
-            <a:fontRef idx="minor">
-              <a:schemeClr val="lt1"/>
-            </a:fontRef>
-          </p:style>
-          <p:txBody>
-            <a:bodyPr rtlCol="0" anchor="ctr"/>
-            <a:lstStyle/>
-            <a:p>
-              <a:pPr algn="ctr"/>
-              <a:endParaRPr lang="ko-KR" altLang="en-US"/>
-            </a:p>
-          </p:txBody>
-        </p:sp>
-      </p:grpSp>
-      <p:sp>
-        <p:nvSpPr>
-          <p:cNvPr id="370" name="TextBox 369"/>
-          <p:cNvSpPr txBox="1"/>
-          <p:nvPr/>
-        </p:nvSpPr>
-        <p:spPr>
-          <a:xfrm>
-            <a:off x="57151" y="23812"/>
-            <a:ext cx="342899" cy="369332"/>
-          </a:xfrm>
-          <a:prstGeom prst="rect">
-            <a:avLst/>
-          </a:prstGeom>
-          <a:noFill/>
-          <a:ln w="3175">
-            <a:noFill/>
-          </a:ln>
-        </p:spPr>
-        <p:txBody>
-          <a:bodyPr wrap="square" rtlCol="0">
-            <a:spAutoFit/>
-          </a:bodyPr>
-          <a:lstStyle/>
-          <a:p>
-            <a:r>
-              <a:rPr lang="en-US" altLang="ko-KR">
-                <a:solidFill>
-                  <a:schemeClr val="bg1"/>
-                </a:solidFill>
-                <a:latin typeface="나눔고딕 ExtraBold" panose="020D0904000000000000" pitchFamily="50" charset="-127"/>
-                <a:ea typeface="나눔고딕 ExtraBold" panose="020D0904000000000000" pitchFamily="50" charset="-127"/>
-              </a:rPr>
-              <a:t>1</a:t>
-            </a:r>
-            <a:endParaRPr lang="ko-KR" altLang="en-US">
-              <a:solidFill>
-                <a:schemeClr val="bg1"/>
-              </a:solidFill>
-              <a:latin typeface="나눔고딕 ExtraBold" panose="020D0904000000000000" pitchFamily="50" charset="-127"/>
-              <a:ea typeface="나눔고딕 ExtraBold" panose="020D0904000000000000" pitchFamily="50" charset="-127"/>
-            </a:endParaRPr>
-          </a:p>
-        </p:txBody>
-      </p:sp>
-      <p:sp>
-        <p:nvSpPr>
-          <p:cNvPr id="371" name="TextBox 370"/>
-          <p:cNvSpPr txBox="1"/>
-          <p:nvPr/>
-        </p:nvSpPr>
-        <p:spPr>
-          <a:xfrm>
-            <a:off x="400051" y="64114"/>
-            <a:ext cx="1123949" cy="276999"/>
-          </a:xfrm>
-          <a:prstGeom prst="rect">
-            <a:avLst/>
-          </a:prstGeom>
-          <a:noFill/>
-          <a:ln w="3175">
-            <a:noFill/>
-          </a:ln>
-        </p:spPr>
-        <p:txBody>
-          <a:bodyPr wrap="square" rtlCol="0">
-            <a:spAutoFit/>
-          </a:bodyPr>
-          <a:lstStyle/>
-          <a:p>
-            <a:r>
-              <a:rPr lang="en-US" altLang="ko-KR" sz="1200">
-                <a:solidFill>
-                  <a:schemeClr val="bg1"/>
-                </a:solidFill>
-                <a:latin typeface="나눔고딕 ExtraBold" panose="020D0904000000000000" pitchFamily="50" charset="-127"/>
-                <a:ea typeface="나눔고딕 ExtraBold" panose="020D0904000000000000" pitchFamily="50" charset="-127"/>
-              </a:rPr>
-              <a:t>TITLE</a:t>
-            </a:r>
-            <a:endParaRPr lang="ko-KR" altLang="en-US" sz="1200">
-              <a:solidFill>
-                <a:schemeClr val="bg1"/>
-              </a:solidFill>
-              <a:latin typeface="나눔고딕 ExtraBold" panose="020D0904000000000000" pitchFamily="50" charset="-127"/>
-              <a:ea typeface="나눔고딕 ExtraBold" panose="020D0904000000000000" pitchFamily="50" charset="-127"/>
-            </a:endParaRPr>
-          </a:p>
-        </p:txBody>
-      </p:sp>
-      <p:grpSp>
-        <p:nvGrpSpPr>
-          <p:cNvPr id="35" name="Group 25">
-            <a:extLst>
-              <a:ext uri="{FF2B5EF4-FFF2-40B4-BE49-F238E27FC236}">
-                <a16:creationId xmlns:a16="http://schemas.microsoft.com/office/drawing/2014/main" id="{70BB339E-D64C-4522-A186-A71DBAF201AD}"/>
-              </a:ext>
-            </a:extLst>
-          </p:cNvPr>
-          <p:cNvGrpSpPr/>
-          <p:nvPr/>
-        </p:nvGrpSpPr>
-        <p:grpSpPr>
-          <a:xfrm>
-            <a:off x="0" y="0"/>
-            <a:ext cx="2142067" cy="888992"/>
-            <a:chOff x="0" y="-1"/>
-            <a:chExt cx="1855213" cy="409339"/>
-          </a:xfrm>
-        </p:grpSpPr>
-        <p:sp>
-          <p:nvSpPr>
-            <p:cNvPr id="36" name="Rectangle 26">
-              <a:extLst>
-                <a:ext uri="{FF2B5EF4-FFF2-40B4-BE49-F238E27FC236}">
-                  <a16:creationId xmlns:a16="http://schemas.microsoft.com/office/drawing/2014/main" id="{C93531C8-1C6E-4923-8F45-497D9987A8E3}"/>
-                </a:ext>
-              </a:extLst>
-            </p:cNvPr>
-            <p:cNvSpPr/>
-            <p:nvPr/>
-          </p:nvSpPr>
-          <p:spPr>
-            <a:xfrm>
-              <a:off x="0" y="-1"/>
-              <a:ext cx="1466850" cy="409339"/>
-            </a:xfrm>
-            <a:prstGeom prst="rect">
-              <a:avLst/>
-            </a:prstGeom>
-            <a:solidFill>
-              <a:schemeClr val="tx1">
-                <a:lumMod val="75000"/>
-                <a:lumOff val="25000"/>
-              </a:schemeClr>
-            </a:solidFill>
-            <a:ln>
-              <a:noFill/>
-            </a:ln>
-          </p:spPr>
-          <p:style>
-            <a:lnRef idx="2">
-              <a:schemeClr val="accent1">
-                <a:shade val="50000"/>
-              </a:schemeClr>
-            </a:lnRef>
-            <a:fillRef idx="1">
-              <a:schemeClr val="accent1"/>
-            </a:fillRef>
-            <a:effectRef idx="0">
-              <a:schemeClr val="accent1"/>
-            </a:effectRef>
-            <a:fontRef idx="minor">
-              <a:schemeClr val="lt1"/>
-            </a:fontRef>
-          </p:style>
-          <p:txBody>
-            <a:bodyPr rtlCol="0" anchor="ctr"/>
-            <a:lstStyle/>
-            <a:p>
-              <a:pPr algn="ctr"/>
-              <a:endParaRPr lang="ko-KR" altLang="en-US"/>
-            </a:p>
-          </p:txBody>
-        </p:sp>
-        <p:sp>
-          <p:nvSpPr>
-            <p:cNvPr id="37" name="Isosceles Triangle 27">
-              <a:extLst>
-                <a:ext uri="{FF2B5EF4-FFF2-40B4-BE49-F238E27FC236}">
-                  <a16:creationId xmlns:a16="http://schemas.microsoft.com/office/drawing/2014/main" id="{5F207E59-4897-429C-AE3B-62E13A72800E}"/>
-                </a:ext>
-              </a:extLst>
-            </p:cNvPr>
-            <p:cNvSpPr/>
-            <p:nvPr/>
-          </p:nvSpPr>
-          <p:spPr>
-            <a:xfrm rot="5400000">
-              <a:off x="1456363" y="10486"/>
-              <a:ext cx="409338" cy="388363"/>
-            </a:xfrm>
-            <a:prstGeom prst="triangle">
-              <a:avLst>
-                <a:gd name="adj" fmla="val 0"/>
-              </a:avLst>
-            </a:prstGeom>
-            <a:solidFill>
-              <a:schemeClr val="tx1">
-                <a:lumMod val="75000"/>
-                <a:lumOff val="25000"/>
-              </a:schemeClr>
-            </a:solidFill>
-            <a:ln>
-              <a:noFill/>
-            </a:ln>
-          </p:spPr>
-          <p:style>
-            <a:lnRef idx="2">
-              <a:schemeClr val="accent1">
-                <a:shade val="50000"/>
-              </a:schemeClr>
-            </a:lnRef>
-            <a:fillRef idx="1">
-              <a:schemeClr val="accent1"/>
-            </a:fillRef>
-            <a:effectRef idx="0">
-              <a:schemeClr val="accent1"/>
-            </a:effectRef>
-            <a:fontRef idx="minor">
-              <a:schemeClr val="lt1"/>
-            </a:fontRef>
-          </p:style>
-          <p:txBody>
-            <a:bodyPr rtlCol="0" anchor="ctr"/>
-            <a:lstStyle/>
-            <a:p>
-              <a:pPr algn="ctr"/>
-              <a:endParaRPr lang="ko-KR" altLang="en-US"/>
-            </a:p>
-          </p:txBody>
-        </p:sp>
-      </p:grpSp>
-      <p:sp>
-        <p:nvSpPr>
-          <p:cNvPr id="38" name="TextBox 37">
-            <a:extLst>
-              <a:ext uri="{FF2B5EF4-FFF2-40B4-BE49-F238E27FC236}">
-                <a16:creationId xmlns:a16="http://schemas.microsoft.com/office/drawing/2014/main" id="{E8EA0FA5-0E1A-4514-AA75-0C6F27F5DD37}"/>
-              </a:ext>
-            </a:extLst>
-          </p:cNvPr>
-          <p:cNvSpPr txBox="1"/>
-          <p:nvPr/>
-        </p:nvSpPr>
-        <p:spPr>
-          <a:xfrm>
-            <a:off x="-97039" y="169147"/>
-            <a:ext cx="2029097" cy="584775"/>
-          </a:xfrm>
-          <a:prstGeom prst="rect">
-            <a:avLst/>
-          </a:prstGeom>
-          <a:noFill/>
-          <a:ln w="3175">
-            <a:noFill/>
-          </a:ln>
-        </p:spPr>
-        <p:txBody>
-          <a:bodyPr wrap="square" rtlCol="0">
-            <a:spAutoFit/>
-          </a:bodyPr>
-          <a:lstStyle/>
-          <a:p>
-            <a:r>
-              <a:rPr lang="ko-KR" altLang="en-US" sz="3200" dirty="0">
-                <a:solidFill>
-                  <a:schemeClr val="bg1"/>
-                </a:solidFill>
-                <a:latin typeface="나눔고딕 ExtraBold" panose="020D0904000000000000" pitchFamily="50" charset="-127"/>
-                <a:ea typeface="나눔고딕 ExtraBold" panose="020D0904000000000000" pitchFamily="50" charset="-127"/>
-              </a:rPr>
-              <a:t>개발 계획</a:t>
-            </a:r>
-          </a:p>
-        </p:txBody>
-      </p:sp>
-      <p:graphicFrame>
-        <p:nvGraphicFramePr>
-          <p:cNvPr id="7" name="표 6">
-            <a:extLst>
-              <a:ext uri="{FF2B5EF4-FFF2-40B4-BE49-F238E27FC236}">
-                <a16:creationId xmlns:a16="http://schemas.microsoft.com/office/drawing/2014/main" id="{D7E552D5-A162-4D4D-81FE-CEBDE725E781}"/>
-              </a:ext>
-            </a:extLst>
-          </p:cNvPr>
-          <p:cNvGraphicFramePr>
-            <a:graphicFrameLocks noGrp="1"/>
-          </p:cNvGraphicFramePr>
-          <p:nvPr>
-            <p:extLst>
-              <p:ext uri="{D42A27DB-BD31-4B8C-83A1-F6EECF244321}">
-                <p14:modId xmlns:p14="http://schemas.microsoft.com/office/powerpoint/2010/main" val="61040605"/>
-              </p:ext>
-            </p:extLst>
-          </p:nvPr>
-        </p:nvGraphicFramePr>
-        <p:xfrm>
-          <a:off x="400050" y="953103"/>
-          <a:ext cx="8423108" cy="5901322"/>
-        </p:xfrm>
-        <a:graphic>
-          <a:graphicData uri="http://schemas.openxmlformats.org/drawingml/2006/table">
-            <a:tbl>
-              <a:tblPr firstRow="1" bandRow="1">
-                <a:tableStyleId>{073A0DAA-6AF3-43AB-8588-CEC1D06C72B9}</a:tableStyleId>
-              </a:tblPr>
-              <a:tblGrid>
-                <a:gridCol w="1892623">
-                  <a:extLst>
-                    <a:ext uri="{9D8B030D-6E8A-4147-A177-3AD203B41FA5}">
-                      <a16:colId xmlns:a16="http://schemas.microsoft.com/office/drawing/2014/main" val="3163852287"/>
-                    </a:ext>
-                  </a:extLst>
-                </a:gridCol>
-                <a:gridCol w="2440194">
-                  <a:extLst>
-                    <a:ext uri="{9D8B030D-6E8A-4147-A177-3AD203B41FA5}">
-                      <a16:colId xmlns:a16="http://schemas.microsoft.com/office/drawing/2014/main" val="419882718"/>
-                    </a:ext>
-                  </a:extLst>
-                </a:gridCol>
-                <a:gridCol w="3293533">
-                  <a:extLst>
-                    <a:ext uri="{9D8B030D-6E8A-4147-A177-3AD203B41FA5}">
-                      <a16:colId xmlns:a16="http://schemas.microsoft.com/office/drawing/2014/main" val="2385735483"/>
-                    </a:ext>
-                  </a:extLst>
-                </a:gridCol>
-                <a:gridCol w="796758">
-                  <a:extLst>
-                    <a:ext uri="{9D8B030D-6E8A-4147-A177-3AD203B41FA5}">
-                      <a16:colId xmlns:a16="http://schemas.microsoft.com/office/drawing/2014/main" val="1356977836"/>
-                    </a:ext>
-                  </a:extLst>
-                </a:gridCol>
-              </a:tblGrid>
-              <a:tr h="379758">
-                <a:tc>
-                  <a:txBody>
-                    <a:bodyPr/>
-                    <a:lstStyle/>
-                    <a:p>
-                      <a:pPr algn="ctr" latinLnBrk="1"/>
-                      <a:r>
-                        <a:rPr lang="ko-KR" altLang="en-US" sz="1600" dirty="0"/>
-                        <a:t>주차</a:t>
-                      </a:r>
-                    </a:p>
-                  </a:txBody>
-                  <a:tcPr/>
-                </a:tc>
-                <a:tc>
-                  <a:txBody>
-                    <a:bodyPr/>
-                    <a:lstStyle/>
-                    <a:p>
-                      <a:pPr algn="ctr" latinLnBrk="1"/>
-                      <a:r>
-                        <a:rPr lang="ko-KR" altLang="en-US" sz="1600" dirty="0"/>
-                        <a:t>계획</a:t>
-                      </a:r>
-                    </a:p>
-                  </a:txBody>
-                  <a:tcPr/>
-                </a:tc>
-                <a:tc>
-                  <a:txBody>
-                    <a:bodyPr/>
-                    <a:lstStyle/>
-                    <a:p>
-                      <a:pPr algn="ctr" latinLnBrk="1"/>
-                      <a:r>
-                        <a:rPr lang="ko-KR" altLang="en-US" sz="1600" dirty="0"/>
-                        <a:t>세부 계획</a:t>
-                      </a:r>
-                    </a:p>
-                  </a:txBody>
-                  <a:tcPr/>
-                </a:tc>
-                <a:tc>
-                  <a:txBody>
-                    <a:bodyPr/>
-                    <a:lstStyle/>
-                    <a:p>
-                      <a:pPr algn="ctr" latinLnBrk="1"/>
-                      <a:r>
-                        <a:rPr lang="ko-KR" altLang="en-US" sz="1600" dirty="0"/>
-                        <a:t>시행</a:t>
-                      </a:r>
-                    </a:p>
-                  </a:txBody>
-                  <a:tcPr/>
-                </a:tc>
-                <a:extLst>
-                  <a:ext uri="{0D108BD9-81ED-4DB2-BD59-A6C34878D82A}">
-                    <a16:rowId xmlns:a16="http://schemas.microsoft.com/office/drawing/2014/main" val="2888939091"/>
-                  </a:ext>
-                </a:extLst>
-              </a:tr>
-              <a:tr h="664578">
-                <a:tc>
-                  <a:txBody>
-                    <a:bodyPr/>
-                    <a:lstStyle/>
-                    <a:p>
-                      <a:pPr latinLnBrk="1"/>
-                      <a:r>
-                        <a:rPr lang="en-US" altLang="ko-KR" sz="1600" dirty="0"/>
-                        <a:t>1</a:t>
-                      </a:r>
-                      <a:r>
-                        <a:rPr lang="ko-KR" altLang="en-US" sz="1600" dirty="0"/>
-                        <a:t>주</a:t>
-                      </a:r>
-                      <a:r>
-                        <a:rPr lang="en-US" altLang="ko-KR" sz="1600" dirty="0"/>
-                        <a:t>(4/27 ~ 5/3)</a:t>
-                      </a:r>
-                    </a:p>
-                  </a:txBody>
-                  <a:tcPr anchor="ctr"/>
-                </a:tc>
-                <a:tc>
-                  <a:txBody>
-                    <a:bodyPr/>
-                    <a:lstStyle/>
-                    <a:p>
-                      <a:pPr algn="ctr" latinLnBrk="1"/>
-                      <a:r>
-                        <a:rPr lang="en-US" altLang="ko-KR" sz="1600" dirty="0" err="1"/>
-                        <a:t>OpenAPI</a:t>
-                      </a:r>
-                      <a:r>
-                        <a:rPr lang="en-US" altLang="ko-KR" sz="1600" dirty="0"/>
-                        <a:t> </a:t>
-                      </a:r>
-                      <a:r>
-                        <a:rPr lang="ko-KR" altLang="en-US" sz="1600" dirty="0"/>
-                        <a:t>조사</a:t>
-                      </a:r>
-                      <a:endParaRPr lang="en-US" altLang="ko-KR" sz="1600" dirty="0"/>
-                    </a:p>
-                    <a:p>
-                      <a:pPr algn="ctr" latinLnBrk="1"/>
-                      <a:r>
-                        <a:rPr lang="ko-KR" altLang="en-US" sz="1600" dirty="0"/>
-                        <a:t>주제 결정</a:t>
-                      </a:r>
-                    </a:p>
-                  </a:txBody>
-                  <a:tcPr anchor="ctr"/>
-                </a:tc>
-                <a:tc>
-                  <a:txBody>
-                    <a:bodyPr/>
-                    <a:lstStyle/>
-                    <a:p>
-                      <a:pPr latinLnBrk="1"/>
-                      <a:r>
-                        <a:rPr lang="ko-KR" altLang="en-US" sz="1600" dirty="0"/>
-                        <a:t>공공데이터 활용 신청</a:t>
-                      </a:r>
-                      <a:endParaRPr lang="en-US" altLang="ko-KR" sz="1600" dirty="0"/>
-                    </a:p>
-                  </a:txBody>
-                  <a:tcPr anchor="ctr"/>
-                </a:tc>
-                <a:tc>
-                  <a:txBody>
-                    <a:bodyPr/>
-                    <a:lstStyle/>
-                    <a:p>
-                      <a:pPr algn="ctr" latinLnBrk="1"/>
-                      <a:r>
-                        <a:rPr lang="en-US" altLang="ko-KR" sz="1600" dirty="0"/>
-                        <a:t>O</a:t>
-                      </a:r>
-                      <a:endParaRPr lang="ko-KR" altLang="en-US" sz="1600" dirty="0"/>
-                    </a:p>
-                  </a:txBody>
-                  <a:tcPr anchor="ctr"/>
-                </a:tc>
-                <a:extLst>
-                  <a:ext uri="{0D108BD9-81ED-4DB2-BD59-A6C34878D82A}">
-                    <a16:rowId xmlns:a16="http://schemas.microsoft.com/office/drawing/2014/main" val="2605564336"/>
-                  </a:ext>
-                </a:extLst>
-              </a:tr>
-              <a:tr h="664578">
-                <a:tc>
-                  <a:txBody>
-                    <a:bodyPr/>
-                    <a:lstStyle/>
-                    <a:p>
-                      <a:pPr latinLnBrk="1"/>
-                      <a:r>
-                        <a:rPr lang="en-US" altLang="ko-KR" sz="1600" dirty="0"/>
-                        <a:t>2</a:t>
-                      </a:r>
-                      <a:r>
-                        <a:rPr lang="ko-KR" altLang="en-US" sz="1600" dirty="0"/>
-                        <a:t>주</a:t>
-                      </a:r>
-                      <a:r>
-                        <a:rPr lang="en-US" altLang="ko-KR" sz="1600" dirty="0"/>
-                        <a:t>(5/4 ~ 5/10)</a:t>
-                      </a:r>
-                      <a:endParaRPr lang="ko-KR" altLang="en-US" sz="1600" dirty="0"/>
-                    </a:p>
-                  </a:txBody>
-                  <a:tcPr anchor="ctr"/>
-                </a:tc>
-                <a:tc>
-                  <a:txBody>
-                    <a:bodyPr/>
-                    <a:lstStyle/>
-                    <a:p>
-                      <a:pPr algn="ctr" latinLnBrk="1"/>
-                      <a:r>
-                        <a:rPr lang="ko-KR" altLang="en-US" sz="1600" dirty="0"/>
-                        <a:t>역할 분담</a:t>
-                      </a:r>
-                      <a:endParaRPr lang="en-US" altLang="ko-KR" sz="1600" dirty="0"/>
-                    </a:p>
-                    <a:p>
-                      <a:pPr algn="ctr" latinLnBrk="1"/>
-                      <a:r>
-                        <a:rPr lang="ko-KR" altLang="en-US" sz="1600" dirty="0"/>
-                        <a:t>기획발표 준비</a:t>
-                      </a:r>
-                    </a:p>
-                  </a:txBody>
-                  <a:tcPr anchor="ctr"/>
-                </a:tc>
-                <a:tc>
-                  <a:txBody>
-                    <a:bodyPr/>
-                    <a:lstStyle/>
-                    <a:p>
-                      <a:pPr marL="0" marR="0" lvl="0" indent="0" algn="l" defTabSz="914400" rtl="0" eaLnBrk="1" fontAlgn="auto" latinLnBrk="1" hangingPunct="1">
-                        <a:lnSpc>
-                          <a:spcPct val="100000"/>
-                        </a:lnSpc>
-                        <a:spcBef>
-                          <a:spcPts val="0"/>
-                        </a:spcBef>
-                        <a:spcAft>
-                          <a:spcPts val="0"/>
-                        </a:spcAft>
-                        <a:buClrTx/>
-                        <a:buSzTx/>
-                        <a:buFontTx/>
-                        <a:buNone/>
-                        <a:tabLst/>
-                        <a:defRPr/>
-                      </a:pPr>
-                      <a:r>
-                        <a:rPr lang="ko-KR" altLang="en-US" sz="1600" dirty="0"/>
-                        <a:t>기획 발표 </a:t>
-                      </a:r>
-                      <a:r>
-                        <a:rPr lang="en-US" altLang="ko-KR" sz="1600" dirty="0"/>
-                        <a:t>ppt</a:t>
-                      </a:r>
-                      <a:r>
-                        <a:rPr lang="ko-KR" altLang="en-US" sz="1600" dirty="0"/>
-                        <a:t>작성</a:t>
-                      </a:r>
-                    </a:p>
-                  </a:txBody>
-                  <a:tcPr anchor="ctr"/>
-                </a:tc>
-                <a:tc>
-                  <a:txBody>
-                    <a:bodyPr/>
-                    <a:lstStyle/>
-                    <a:p>
-                      <a:pPr algn="ctr" latinLnBrk="1"/>
-                      <a:r>
-                        <a:rPr lang="en-US" altLang="ko-KR" sz="1600" dirty="0"/>
-                        <a:t>O</a:t>
-                      </a:r>
-                      <a:endParaRPr lang="ko-KR" altLang="en-US" sz="1600" dirty="0"/>
-                    </a:p>
-                  </a:txBody>
-                  <a:tcPr anchor="ctr"/>
-                </a:tc>
-                <a:extLst>
-                  <a:ext uri="{0D108BD9-81ED-4DB2-BD59-A6C34878D82A}">
-                    <a16:rowId xmlns:a16="http://schemas.microsoft.com/office/drawing/2014/main" val="780891523"/>
-                  </a:ext>
-                </a:extLst>
-              </a:tr>
-              <a:tr h="413547">
-                <a:tc>
-                  <a:txBody>
-                    <a:bodyPr/>
-                    <a:lstStyle/>
-                    <a:p>
-                      <a:pPr latinLnBrk="1"/>
-                      <a:r>
-                        <a:rPr lang="en-US" altLang="ko-KR" sz="1600" dirty="0"/>
-                        <a:t>3</a:t>
-                      </a:r>
-                      <a:r>
-                        <a:rPr lang="ko-KR" altLang="en-US" sz="1600" dirty="0"/>
-                        <a:t>주</a:t>
-                      </a:r>
-                      <a:r>
-                        <a:rPr lang="en-US" altLang="ko-KR" sz="1600" dirty="0"/>
-                        <a:t>(5/11 ~ 5/17)</a:t>
-                      </a:r>
-                      <a:endParaRPr lang="ko-KR" altLang="en-US" sz="1600" dirty="0"/>
-                    </a:p>
-                  </a:txBody>
-                  <a:tcPr anchor="ctr"/>
-                </a:tc>
-                <a:tc>
-                  <a:txBody>
-                    <a:bodyPr/>
-                    <a:lstStyle/>
-                    <a:p>
-                      <a:pPr algn="ctr" latinLnBrk="1"/>
-                      <a:r>
-                        <a:rPr lang="ko-KR" altLang="en-US" sz="1600" dirty="0"/>
-                        <a:t>기획 발표</a:t>
-                      </a:r>
-                      <a:endParaRPr lang="en-US" altLang="ko-KR" sz="1600" dirty="0"/>
-                    </a:p>
-                    <a:p>
-                      <a:pPr algn="ctr" latinLnBrk="1"/>
-                      <a:r>
-                        <a:rPr lang="ko-KR" altLang="en-US" sz="1600" dirty="0"/>
-                        <a:t>파싱</a:t>
-                      </a:r>
-                    </a:p>
-                  </a:txBody>
-                  <a:tcPr anchor="ctr"/>
-                </a:tc>
-                <a:tc>
-                  <a:txBody>
-                    <a:bodyPr/>
-                    <a:lstStyle/>
-                    <a:p>
-                      <a:pPr latinLnBrk="1"/>
-                      <a:r>
-                        <a:rPr lang="en-US" altLang="ko-KR" sz="1600" dirty="0" err="1"/>
-                        <a:t>Youtube</a:t>
-                      </a:r>
-                      <a:r>
-                        <a:rPr lang="ko-KR" altLang="en-US" sz="1600" dirty="0"/>
-                        <a:t>기획 발표</a:t>
-                      </a:r>
-                      <a:r>
-                        <a:rPr lang="en-US" altLang="ko-KR" sz="1600" dirty="0"/>
-                        <a:t>, xml</a:t>
-                      </a:r>
-                      <a:r>
-                        <a:rPr lang="ko-KR" altLang="en-US" sz="1600" dirty="0"/>
-                        <a:t>파일 파싱</a:t>
-                      </a:r>
-                    </a:p>
-                  </a:txBody>
-                  <a:tcPr anchor="ctr"/>
-                </a:tc>
-                <a:tc>
-                  <a:txBody>
-                    <a:bodyPr/>
-                    <a:lstStyle/>
-                    <a:p>
-                      <a:pPr algn="ctr" latinLnBrk="1"/>
-                      <a:r>
-                        <a:rPr lang="en-US" altLang="ko-KR" sz="1600" dirty="0"/>
-                        <a:t>O</a:t>
-                      </a:r>
-                      <a:endParaRPr lang="ko-KR" altLang="en-US" sz="1600" dirty="0"/>
-                    </a:p>
-                  </a:txBody>
-                  <a:tcPr anchor="ctr"/>
-                </a:tc>
-                <a:extLst>
-                  <a:ext uri="{0D108BD9-81ED-4DB2-BD59-A6C34878D82A}">
-                    <a16:rowId xmlns:a16="http://schemas.microsoft.com/office/drawing/2014/main" val="76010417"/>
-                  </a:ext>
-                </a:extLst>
-              </a:tr>
-              <a:tr h="621253">
-                <a:tc>
-                  <a:txBody>
-                    <a:bodyPr/>
-                    <a:lstStyle/>
-                    <a:p>
-                      <a:pPr latinLnBrk="1"/>
-                      <a:r>
-                        <a:rPr lang="en-US" altLang="ko-KR" sz="1600" dirty="0"/>
-                        <a:t>4</a:t>
-                      </a:r>
-                      <a:r>
-                        <a:rPr lang="ko-KR" altLang="en-US" sz="1600" dirty="0"/>
-                        <a:t>주</a:t>
-                      </a:r>
-                      <a:r>
-                        <a:rPr lang="en-US" altLang="ko-KR" sz="1600" dirty="0"/>
-                        <a:t>(5/18 ~ 5/24)</a:t>
-                      </a:r>
-                      <a:endParaRPr lang="ko-KR" altLang="en-US" sz="1600" dirty="0"/>
-                    </a:p>
-                  </a:txBody>
-                  <a:tcPr anchor="ctr"/>
-                </a:tc>
-                <a:tc>
-                  <a:txBody>
-                    <a:bodyPr/>
-                    <a:lstStyle/>
-                    <a:p>
-                      <a:pPr algn="ctr" latinLnBrk="1"/>
-                      <a:r>
-                        <a:rPr lang="en-US" altLang="ko-KR" sz="1600" dirty="0"/>
-                        <a:t> </a:t>
-                      </a:r>
-                      <a:r>
-                        <a:rPr lang="ko-KR" altLang="en-US" sz="1600" dirty="0"/>
-                        <a:t>검색기능 구현</a:t>
-                      </a:r>
-                      <a:endParaRPr lang="en-US" altLang="ko-KR" sz="1600" dirty="0"/>
-                    </a:p>
-                    <a:p>
-                      <a:pPr algn="ctr" latinLnBrk="1"/>
-                      <a:r>
-                        <a:rPr lang="ko-KR" altLang="en-US" sz="1600" dirty="0"/>
-                        <a:t>파싱</a:t>
-                      </a:r>
-                    </a:p>
-                  </a:txBody>
-                  <a:tcPr anchor="ctr"/>
-                </a:tc>
-                <a:tc>
-                  <a:txBody>
-                    <a:bodyPr/>
-                    <a:lstStyle/>
-                    <a:p>
-                      <a:pPr latinLnBrk="1"/>
-                      <a:r>
-                        <a:rPr lang="ko-KR" altLang="en-US" sz="1600" dirty="0"/>
-                        <a:t>지역검색</a:t>
-                      </a:r>
-                      <a:r>
-                        <a:rPr lang="en-US" altLang="ko-KR" sz="1600" dirty="0"/>
-                        <a:t>(</a:t>
-                      </a:r>
-                      <a:r>
-                        <a:rPr lang="ko-KR" altLang="en-US" sz="1600" dirty="0"/>
-                        <a:t>시</a:t>
-                      </a:r>
-                      <a:r>
-                        <a:rPr lang="en-US" altLang="ko-KR" sz="1600" dirty="0"/>
-                        <a:t>,</a:t>
-                      </a:r>
-                      <a:r>
-                        <a:rPr lang="ko-KR" altLang="en-US" sz="1600" dirty="0"/>
-                        <a:t>도 </a:t>
-                      </a:r>
-                      <a:r>
-                        <a:rPr lang="en-US" altLang="ko-KR" sz="1600" dirty="0"/>
-                        <a:t>-&gt;</a:t>
-                      </a:r>
-                      <a:r>
-                        <a:rPr lang="ko-KR" altLang="en-US" sz="1600" dirty="0"/>
-                        <a:t>동</a:t>
-                      </a:r>
-                      <a:r>
-                        <a:rPr lang="en-US" altLang="ko-KR" sz="1600" dirty="0"/>
-                        <a:t>) </a:t>
-                      </a:r>
-                      <a:r>
-                        <a:rPr lang="ko-KR" altLang="en-US" sz="1600" dirty="0"/>
-                        <a:t>오염도 정보 제공</a:t>
-                      </a:r>
-                      <a:r>
-                        <a:rPr lang="en-US" altLang="ko-KR" sz="1600" dirty="0"/>
-                        <a:t>, xml</a:t>
-                      </a:r>
-                      <a:r>
-                        <a:rPr lang="ko-KR" altLang="en-US" sz="1600" dirty="0"/>
-                        <a:t>파일 파싱</a:t>
-                      </a:r>
-                    </a:p>
-                  </a:txBody>
-                  <a:tcPr anchor="ctr"/>
-                </a:tc>
-                <a:tc>
-                  <a:txBody>
-                    <a:bodyPr/>
-                    <a:lstStyle/>
-                    <a:p>
-                      <a:pPr algn="ctr" latinLnBrk="1"/>
-                      <a:r>
-                        <a:rPr lang="en-US" altLang="ko-KR" sz="1600" dirty="0"/>
-                        <a:t>O</a:t>
-                      </a:r>
-                      <a:endParaRPr lang="ko-KR" altLang="en-US" sz="1600" dirty="0"/>
-                    </a:p>
-                  </a:txBody>
-                  <a:tcPr anchor="ctr"/>
-                </a:tc>
-                <a:extLst>
-                  <a:ext uri="{0D108BD9-81ED-4DB2-BD59-A6C34878D82A}">
-                    <a16:rowId xmlns:a16="http://schemas.microsoft.com/office/drawing/2014/main" val="1495688993"/>
-                  </a:ext>
-                </a:extLst>
-              </a:tr>
-              <a:tr h="428663">
-                <a:tc>
-                  <a:txBody>
-                    <a:bodyPr/>
-                    <a:lstStyle/>
-                    <a:p>
-                      <a:pPr latinLnBrk="1"/>
-                      <a:r>
-                        <a:rPr lang="en-US" altLang="ko-KR" sz="1600" dirty="0"/>
-                        <a:t>5</a:t>
-                      </a:r>
-                      <a:r>
-                        <a:rPr lang="ko-KR" altLang="en-US" sz="1600" dirty="0"/>
-                        <a:t>주</a:t>
-                      </a:r>
-                      <a:r>
-                        <a:rPr lang="en-US" altLang="ko-KR" sz="1600" dirty="0"/>
-                        <a:t>(5/25 ~ 5/31)</a:t>
-                      </a:r>
-                      <a:endParaRPr lang="ko-KR" altLang="en-US" sz="1600" dirty="0"/>
-                    </a:p>
-                  </a:txBody>
-                  <a:tcPr anchor="ctr"/>
-                </a:tc>
-                <a:tc>
-                  <a:txBody>
-                    <a:bodyPr/>
-                    <a:lstStyle/>
-                    <a:p>
-                      <a:pPr algn="ctr" latinLnBrk="1"/>
-                      <a:r>
-                        <a:rPr lang="ko-KR" altLang="en-US" sz="1600" dirty="0"/>
-                        <a:t>중간 시연 발표</a:t>
-                      </a:r>
-                    </a:p>
-                  </a:txBody>
-                  <a:tcPr anchor="ctr"/>
-                </a:tc>
-                <a:tc>
-                  <a:txBody>
-                    <a:bodyPr/>
-                    <a:lstStyle/>
-                    <a:p>
-                      <a:pPr latinLnBrk="1"/>
-                      <a:r>
-                        <a:rPr lang="en-US" altLang="ko-KR" sz="1600" dirty="0" err="1"/>
-                        <a:t>Youtube</a:t>
-                      </a:r>
-                      <a:r>
-                        <a:rPr lang="ko-KR" altLang="en-US" sz="1600" dirty="0"/>
-                        <a:t>중간 시연 발표</a:t>
-                      </a:r>
-                    </a:p>
-                  </a:txBody>
-                  <a:tcPr anchor="ctr"/>
-                </a:tc>
-                <a:tc>
-                  <a:txBody>
-                    <a:bodyPr/>
-                    <a:lstStyle/>
-                    <a:p>
-                      <a:pPr algn="ctr" latinLnBrk="1"/>
-                      <a:r>
-                        <a:rPr lang="en-US" altLang="ko-KR" sz="1600" dirty="0"/>
-                        <a:t>O</a:t>
-                      </a:r>
-                      <a:endParaRPr lang="ko-KR" altLang="en-US" sz="1600" dirty="0"/>
-                    </a:p>
-                  </a:txBody>
-                  <a:tcPr anchor="ctr"/>
-                </a:tc>
-                <a:extLst>
-                  <a:ext uri="{0D108BD9-81ED-4DB2-BD59-A6C34878D82A}">
-                    <a16:rowId xmlns:a16="http://schemas.microsoft.com/office/drawing/2014/main" val="2677483965"/>
-                  </a:ext>
-                </a:extLst>
-              </a:tr>
-              <a:tr h="949397">
-                <a:tc>
-                  <a:txBody>
-                    <a:bodyPr/>
-                    <a:lstStyle/>
-                    <a:p>
-                      <a:pPr latinLnBrk="1"/>
-                      <a:r>
-                        <a:rPr lang="en-US" altLang="ko-KR" sz="1600" dirty="0"/>
-                        <a:t>6</a:t>
-                      </a:r>
-                      <a:r>
-                        <a:rPr lang="ko-KR" altLang="en-US" sz="1600" dirty="0"/>
-                        <a:t>주</a:t>
-                      </a:r>
-                      <a:r>
-                        <a:rPr lang="en-US" altLang="ko-KR" sz="1600" dirty="0"/>
-                        <a:t>(6/1 ~ 6/7)</a:t>
-                      </a:r>
-                      <a:endParaRPr lang="ko-KR" altLang="en-US" sz="1600" dirty="0"/>
-                    </a:p>
-                  </a:txBody>
-                  <a:tcPr anchor="ctr"/>
-                </a:tc>
-                <a:tc>
-                  <a:txBody>
-                    <a:bodyPr/>
-                    <a:lstStyle/>
-                    <a:p>
-                      <a:pPr algn="ctr" latinLnBrk="1"/>
-                      <a:r>
-                        <a:rPr lang="en-US" altLang="ko-KR" sz="1600" dirty="0" err="1"/>
-                        <a:t>tkinter</a:t>
-                      </a:r>
-                      <a:r>
-                        <a:rPr lang="en-US" altLang="ko-KR" sz="1600" dirty="0"/>
-                        <a:t> GUI</a:t>
-                      </a:r>
-                      <a:r>
-                        <a:rPr lang="ko-KR" altLang="en-US" sz="1600" dirty="0"/>
-                        <a:t>구현</a:t>
-                      </a:r>
-                      <a:endParaRPr lang="en-US" altLang="ko-KR" sz="1600" dirty="0"/>
-                    </a:p>
-                    <a:p>
-                      <a:pPr algn="ctr" latinLnBrk="1"/>
-                      <a:r>
-                        <a:rPr lang="ko-KR" altLang="en-US" sz="1600" dirty="0"/>
-                        <a:t>오염도 증감표시</a:t>
-                      </a:r>
-                    </a:p>
-                  </a:txBody>
-                  <a:tcPr anchor="ctr"/>
-                </a:tc>
-                <a:tc>
-                  <a:txBody>
-                    <a:bodyPr/>
-                    <a:lstStyle/>
-                    <a:p>
-                      <a:pPr marL="0" marR="0" lvl="0" indent="0" algn="l" defTabSz="914400" rtl="0" eaLnBrk="1" fontAlgn="auto" latinLnBrk="1" hangingPunct="1">
-                        <a:lnSpc>
-                          <a:spcPct val="100000"/>
-                        </a:lnSpc>
-                        <a:spcBef>
-                          <a:spcPts val="0"/>
-                        </a:spcBef>
-                        <a:spcAft>
-                          <a:spcPts val="0"/>
-                        </a:spcAft>
-                        <a:buClrTx/>
-                        <a:buSzTx/>
-                        <a:buFontTx/>
-                        <a:buNone/>
-                        <a:tabLst/>
-                        <a:defRPr/>
-                      </a:pPr>
-                      <a:r>
-                        <a:rPr lang="en-US" altLang="ko-KR" sz="1600" dirty="0" err="1"/>
-                        <a:t>tkinter</a:t>
-                      </a:r>
-                      <a:r>
-                        <a:rPr lang="en-US" altLang="ko-KR" sz="1600" dirty="0"/>
-                        <a:t> GUI</a:t>
-                      </a:r>
-                      <a:r>
-                        <a:rPr lang="ko-KR" altLang="en-US" sz="1600" dirty="0"/>
-                        <a:t>를 이용해 인터페이스를 구현</a:t>
-                      </a:r>
-                      <a:r>
-                        <a:rPr lang="en-US" altLang="ko-KR" sz="1600" dirty="0"/>
-                        <a:t> </a:t>
-                      </a:r>
-                      <a:r>
-                        <a:rPr lang="ko-KR" altLang="en-US" sz="1600" dirty="0"/>
-                        <a:t>및 오염도 증감 정보 표시</a:t>
-                      </a:r>
-                      <a:endParaRPr lang="en-US" altLang="ko-KR" sz="1600" dirty="0"/>
-                    </a:p>
-                  </a:txBody>
-                  <a:tcPr anchor="ctr"/>
-                </a:tc>
-                <a:tc>
-                  <a:txBody>
-                    <a:bodyPr/>
-                    <a:lstStyle/>
-                    <a:p>
-                      <a:pPr algn="ctr" latinLnBrk="1"/>
-                      <a:r>
-                        <a:rPr lang="en-US" altLang="ko-KR" sz="1600" dirty="0" err="1"/>
-                        <a:t>Tkinter</a:t>
-                      </a:r>
-                      <a:endParaRPr lang="en-US" altLang="ko-KR" sz="1600" dirty="0"/>
-                    </a:p>
-                    <a:p>
-                      <a:pPr algn="ctr" latinLnBrk="1"/>
-                      <a:r>
-                        <a:rPr lang="ko-KR" altLang="en-US" sz="1600" dirty="0"/>
-                        <a:t>구현</a:t>
-                      </a:r>
-                    </a:p>
-                  </a:txBody>
-                  <a:tcPr anchor="ctr"/>
-                </a:tc>
-                <a:extLst>
-                  <a:ext uri="{0D108BD9-81ED-4DB2-BD59-A6C34878D82A}">
-                    <a16:rowId xmlns:a16="http://schemas.microsoft.com/office/drawing/2014/main" val="2776503358"/>
-                  </a:ext>
-                </a:extLst>
-              </a:tr>
-              <a:tr h="949397">
-                <a:tc>
-                  <a:txBody>
-                    <a:bodyPr/>
-                    <a:lstStyle/>
-                    <a:p>
-                      <a:pPr latinLnBrk="1"/>
-                      <a:r>
-                        <a:rPr lang="en-US" altLang="ko-KR" sz="1600" dirty="0"/>
-                        <a:t>7</a:t>
-                      </a:r>
-                      <a:r>
-                        <a:rPr lang="ko-KR" altLang="en-US" sz="1600" dirty="0"/>
-                        <a:t>주</a:t>
-                      </a:r>
-                      <a:r>
-                        <a:rPr lang="en-US" altLang="ko-KR" sz="1600" dirty="0"/>
-                        <a:t>(6/8 ~ 6/14)</a:t>
-                      </a:r>
-                      <a:endParaRPr lang="ko-KR" altLang="en-US" sz="1600" dirty="0"/>
-                    </a:p>
-                  </a:txBody>
-                  <a:tcPr anchor="ctr"/>
-                </a:tc>
-                <a:tc>
-                  <a:txBody>
-                    <a:bodyPr/>
-                    <a:lstStyle/>
-                    <a:p>
-                      <a:pPr algn="ctr" latinLnBrk="1"/>
-                      <a:r>
-                        <a:rPr lang="ko-KR" altLang="en-US" sz="1600" dirty="0"/>
-                        <a:t>지도연동</a:t>
-                      </a:r>
-                      <a:endParaRPr lang="en-US" altLang="ko-KR" sz="1600" dirty="0"/>
-                    </a:p>
-                    <a:p>
-                      <a:pPr algn="ctr" latinLnBrk="1"/>
-                      <a:r>
-                        <a:rPr lang="ko-KR" altLang="en-US" sz="1600" dirty="0"/>
-                        <a:t>이메일 전송</a:t>
-                      </a:r>
-                    </a:p>
-                  </a:txBody>
-                  <a:tcPr anchor="ctr"/>
-                </a:tc>
-                <a:tc>
-                  <a:txBody>
-                    <a:bodyPr/>
-                    <a:lstStyle/>
-                    <a:p>
-                      <a:pPr latinLnBrk="1"/>
-                      <a:r>
-                        <a:rPr lang="ko-KR" altLang="en-US" sz="1600" dirty="0"/>
-                        <a:t>지도에 지역별 오염도 표시</a:t>
-                      </a:r>
-                      <a:r>
-                        <a:rPr lang="en-US" altLang="ko-KR" sz="1600" dirty="0"/>
-                        <a:t>,</a:t>
-                      </a:r>
-                    </a:p>
-                    <a:p>
-                      <a:pPr latinLnBrk="1"/>
-                      <a:r>
-                        <a:rPr lang="ko-KR" altLang="en-US" sz="1600" dirty="0"/>
-                        <a:t>시간 별 대기 오염 정보를 이메일로 전송</a:t>
-                      </a:r>
-                      <a:endParaRPr lang="en-US" altLang="ko-KR" sz="1600" dirty="0"/>
-                    </a:p>
-                  </a:txBody>
-                  <a:tcPr anchor="ctr"/>
-                </a:tc>
-                <a:tc>
-                  <a:txBody>
-                    <a:bodyPr/>
-                    <a:lstStyle/>
-                    <a:p>
-                      <a:pPr algn="ctr" latinLnBrk="1"/>
-                      <a:endParaRPr lang="ko-KR" altLang="en-US" sz="1600" dirty="0"/>
-                    </a:p>
-                  </a:txBody>
-                  <a:tcPr anchor="ctr"/>
-                </a:tc>
-                <a:extLst>
-                  <a:ext uri="{0D108BD9-81ED-4DB2-BD59-A6C34878D82A}">
-                    <a16:rowId xmlns:a16="http://schemas.microsoft.com/office/drawing/2014/main" val="398540782"/>
-                  </a:ext>
-                </a:extLst>
-              </a:tr>
-              <a:tr h="664578">
-                <a:tc>
-                  <a:txBody>
-                    <a:bodyPr/>
-                    <a:lstStyle/>
-                    <a:p>
-                      <a:pPr latinLnBrk="1"/>
-                      <a:r>
-                        <a:rPr lang="en-US" altLang="ko-KR" sz="1600" dirty="0"/>
-                        <a:t>8</a:t>
-                      </a:r>
-                      <a:r>
-                        <a:rPr lang="ko-KR" altLang="en-US" sz="1600" dirty="0"/>
-                        <a:t>주</a:t>
-                      </a:r>
-                      <a:r>
-                        <a:rPr lang="en-US" altLang="ko-KR" sz="1600" dirty="0"/>
-                        <a:t>(6/15 ~ 6/21)</a:t>
-                      </a:r>
-                      <a:endParaRPr lang="ko-KR" altLang="en-US" sz="1600" dirty="0"/>
-                    </a:p>
-                  </a:txBody>
-                  <a:tcPr anchor="ctr"/>
-                </a:tc>
-                <a:tc>
-                  <a:txBody>
-                    <a:bodyPr/>
-                    <a:lstStyle/>
-                    <a:p>
-                      <a:pPr marL="0" marR="0" lvl="0" indent="0" algn="ctr" defTabSz="914400" rtl="0" eaLnBrk="1" fontAlgn="auto" latinLnBrk="1" hangingPunct="1">
-                        <a:lnSpc>
-                          <a:spcPct val="100000"/>
-                        </a:lnSpc>
-                        <a:spcBef>
-                          <a:spcPts val="0"/>
-                        </a:spcBef>
-                        <a:spcAft>
-                          <a:spcPts val="0"/>
-                        </a:spcAft>
-                        <a:buClrTx/>
-                        <a:buSzTx/>
-                        <a:buFontTx/>
-                        <a:buNone/>
-                        <a:tabLst/>
-                        <a:defRPr/>
-                      </a:pPr>
-                      <a:r>
-                        <a:rPr lang="en-US" altLang="ko-KR" sz="1600" dirty="0"/>
-                        <a:t>C/C++</a:t>
-                      </a:r>
-                      <a:r>
-                        <a:rPr lang="ko-KR" altLang="en-US" sz="1600" dirty="0"/>
-                        <a:t> 연동</a:t>
-                      </a:r>
-                      <a:endParaRPr lang="en-US" altLang="ko-KR" sz="1600" dirty="0"/>
-                    </a:p>
-                    <a:p>
-                      <a:pPr marL="0" marR="0" lvl="0" indent="0" algn="ctr" defTabSz="914400" rtl="0" eaLnBrk="1" fontAlgn="auto" latinLnBrk="1" hangingPunct="1">
-                        <a:lnSpc>
-                          <a:spcPct val="100000"/>
-                        </a:lnSpc>
-                        <a:spcBef>
-                          <a:spcPts val="0"/>
-                        </a:spcBef>
-                        <a:spcAft>
-                          <a:spcPts val="0"/>
-                        </a:spcAft>
-                        <a:buClrTx/>
-                        <a:buSzTx/>
-                        <a:buFontTx/>
-                        <a:buNone/>
-                        <a:tabLst/>
-                        <a:defRPr/>
-                      </a:pPr>
-                      <a:r>
-                        <a:rPr lang="ko-KR" altLang="en-US" sz="1600" dirty="0"/>
-                        <a:t>최종 발표 </a:t>
-                      </a:r>
-                    </a:p>
-                  </a:txBody>
-                  <a:tcPr anchor="ctr"/>
-                </a:tc>
-                <a:tc>
-                  <a:txBody>
-                    <a:bodyPr/>
-                    <a:lstStyle/>
-                    <a:p>
-                      <a:pPr marL="0" marR="0" lvl="0" indent="0" algn="l" defTabSz="914400" rtl="0" eaLnBrk="1" fontAlgn="auto" latinLnBrk="1" hangingPunct="1">
-                        <a:lnSpc>
-                          <a:spcPct val="100000"/>
-                        </a:lnSpc>
-                        <a:spcBef>
-                          <a:spcPts val="0"/>
-                        </a:spcBef>
-                        <a:spcAft>
-                          <a:spcPts val="0"/>
-                        </a:spcAft>
-                        <a:buClrTx/>
-                        <a:buSzTx/>
-                        <a:buFontTx/>
-                        <a:buNone/>
-                        <a:tabLst/>
-                        <a:defRPr/>
-                      </a:pPr>
-                      <a:r>
-                        <a:rPr lang="en-US" altLang="ko-KR" sz="1600" dirty="0"/>
-                        <a:t>C/C++</a:t>
-                      </a:r>
-                      <a:r>
-                        <a:rPr lang="ko-KR" altLang="en-US" sz="1600" dirty="0"/>
-                        <a:t> 연동 및 배포 파일 작성 및 최종 발표</a:t>
-                      </a:r>
-                    </a:p>
-                  </a:txBody>
-                  <a:tcPr anchor="ctr"/>
-                </a:tc>
-                <a:tc>
-                  <a:txBody>
-                    <a:bodyPr/>
-                    <a:lstStyle/>
-                    <a:p>
-                      <a:pPr algn="ctr" latinLnBrk="1"/>
-                      <a:endParaRPr lang="ko-KR" altLang="en-US" sz="1600" dirty="0"/>
-                    </a:p>
-                  </a:txBody>
-                  <a:tcPr anchor="ctr"/>
-                </a:tc>
-                <a:extLst>
-                  <a:ext uri="{0D108BD9-81ED-4DB2-BD59-A6C34878D82A}">
-                    <a16:rowId xmlns:a16="http://schemas.microsoft.com/office/drawing/2014/main" val="3782899496"/>
-                  </a:ext>
-                </a:extLst>
-              </a:tr>
-            </a:tbl>
-          </a:graphicData>
-        </a:graphic>
-      </p:graphicFrame>
-    </p:spTree>
-    <p:extLst>
-      <p:ext uri="{BB962C8B-B14F-4D97-AF65-F5344CB8AC3E}">
-        <p14:creationId xmlns:p14="http://schemas.microsoft.com/office/powerpoint/2010/main" val="3388957407"/>
-      </p:ext>
-    </p:extLst>
-  </p:cSld>
-  <p:clrMapOvr>
-    <a:masterClrMapping/>
-  </p:clrMapOvr>
-  <p:timing>
-    <p:tnLst>
-      <p:par>
-        <p:cTn id="1" dur="indefinite" restart="never" nodeType="tmRoot">
-          <p:childTnLst>
-            <p:seq concurrent="1" nextAc="seek">
-              <p:cTn id="2" dur="indefinite" nodeType="mainSeq">
-                <p:childTnLst>
-                  <p:par>
-                    <p:cTn id="3" fill="hold">
-                      <p:stCondLst>
-                        <p:cond delay="indefinite"/>
-                        <p:cond evt="onBegin" delay="0">
-                          <p:tn val="2"/>
-                        </p:cond>
-                      </p:stCondLst>
-                      <p:childTnLst>
-                        <p:par>
-                          <p:cTn id="4" fill="hold">
-                            <p:stCondLst>
-                              <p:cond delay="0"/>
-                            </p:stCondLst>
-                            <p:childTnLst>
-                              <p:par>
-                                <p:cTn id="5" presetID="22" presetClass="entr" presetSubtype="8" fill="hold" nodeType="withEffect">
-                                  <p:stCondLst>
-                                    <p:cond delay="0"/>
-                                  </p:stCondLst>
-                                  <p:childTnLst>
-                                    <p:set>
-                                      <p:cBhvr>
-                                        <p:cTn id="6" dur="1" fill="hold">
-                                          <p:stCondLst>
-                                            <p:cond delay="0"/>
-                                          </p:stCondLst>
-                                        </p:cTn>
-                                        <p:tgtEl>
-                                          <p:spTgt spid="367"/>
-                                        </p:tgtEl>
-                                        <p:attrNameLst>
-                                          <p:attrName>style.visibility</p:attrName>
-                                        </p:attrNameLst>
-                                      </p:cBhvr>
-                                      <p:to>
-                                        <p:strVal val="visible"/>
-                                      </p:to>
-                                    </p:set>
-                                    <p:animEffect transition="in" filter="wipe(left)">
-                                      <p:cBhvr>
-                                        <p:cTn id="7" dur="500"/>
-                                        <p:tgtEl>
-                                          <p:spTgt spid="367"/>
-                                        </p:tgtEl>
-                                      </p:cBhvr>
-                                    </p:animEffect>
-                                  </p:childTnLst>
-                                </p:cTn>
-                              </p:par>
-                            </p:childTnLst>
-                          </p:cTn>
-                        </p:par>
-                        <p:par>
-                          <p:cTn id="8" fill="hold">
-                            <p:stCondLst>
-                              <p:cond delay="500"/>
-                            </p:stCondLst>
-                            <p:childTnLst>
-                              <p:par>
-                                <p:cTn id="9" presetID="10" presetClass="entr" presetSubtype="0" fill="hold" grpId="0" nodeType="afterEffect">
-                                  <p:stCondLst>
-                                    <p:cond delay="0"/>
-                                  </p:stCondLst>
-                                  <p:childTnLst>
-                                    <p:set>
-                                      <p:cBhvr>
-                                        <p:cTn id="10" dur="1" fill="hold">
-                                          <p:stCondLst>
-                                            <p:cond delay="0"/>
-                                          </p:stCondLst>
-                                        </p:cTn>
-                                        <p:tgtEl>
-                                          <p:spTgt spid="370"/>
-                                        </p:tgtEl>
-                                        <p:attrNameLst>
-                                          <p:attrName>style.visibility</p:attrName>
-                                        </p:attrNameLst>
-                                      </p:cBhvr>
-                                      <p:to>
-                                        <p:strVal val="visible"/>
-                                      </p:to>
-                                    </p:set>
-                                    <p:animEffect transition="in" filter="fade">
-                                      <p:cBhvr>
-                                        <p:cTn id="11" dur="500"/>
-                                        <p:tgtEl>
-                                          <p:spTgt spid="370"/>
-                                        </p:tgtEl>
-                                      </p:cBhvr>
-                                    </p:animEffect>
-                                  </p:childTnLst>
-                                </p:cTn>
-                              </p:par>
-                              <p:par>
-                                <p:cTn id="12" presetID="10" presetClass="entr" presetSubtype="0" fill="hold" grpId="0" nodeType="withEffect">
-                                  <p:stCondLst>
-                                    <p:cond delay="0"/>
-                                  </p:stCondLst>
-                                  <p:childTnLst>
-                                    <p:set>
-                                      <p:cBhvr>
-                                        <p:cTn id="13" dur="1" fill="hold">
-                                          <p:stCondLst>
-                                            <p:cond delay="0"/>
-                                          </p:stCondLst>
-                                        </p:cTn>
-                                        <p:tgtEl>
-                                          <p:spTgt spid="371"/>
-                                        </p:tgtEl>
-                                        <p:attrNameLst>
-                                          <p:attrName>style.visibility</p:attrName>
-                                        </p:attrNameLst>
-                                      </p:cBhvr>
-                                      <p:to>
-                                        <p:strVal val="visible"/>
-                                      </p:to>
-                                    </p:set>
-                                    <p:animEffect transition="in" filter="fade">
-                                      <p:cBhvr>
-                                        <p:cTn id="14" dur="500"/>
-                                        <p:tgtEl>
-                                          <p:spTgt spid="371"/>
-                                        </p:tgtEl>
-                                      </p:cBhvr>
-                                    </p:animEffect>
-                                  </p:childTnLst>
-                                </p:cTn>
-                              </p:par>
-                            </p:childTnLst>
-                          </p:cTn>
-                        </p:par>
-                        <p:par>
-                          <p:cTn id="15" fill="hold">
-                            <p:stCondLst>
-                              <p:cond delay="1000"/>
-                            </p:stCondLst>
-                            <p:childTnLst>
-                              <p:par>
-                                <p:cTn id="16" presetID="22" presetClass="entr" presetSubtype="1" fill="hold" grpId="0" nodeType="afterEffect">
-                                  <p:stCondLst>
-                                    <p:cond delay="0"/>
-                                  </p:stCondLst>
-                                  <p:childTnLst>
-                                    <p:set>
-                                      <p:cBhvr>
-                                        <p:cTn id="17" dur="1" fill="hold">
-                                          <p:stCondLst>
-                                            <p:cond delay="0"/>
-                                          </p:stCondLst>
-                                        </p:cTn>
-                                        <p:tgtEl>
-                                          <p:spTgt spid="6"/>
-                                        </p:tgtEl>
-                                        <p:attrNameLst>
-                                          <p:attrName>style.visibility</p:attrName>
-                                        </p:attrNameLst>
-                                      </p:cBhvr>
-                                      <p:to>
-                                        <p:strVal val="visible"/>
-                                      </p:to>
-                                    </p:set>
-                                    <p:animEffect transition="in" filter="wipe(up)">
-                                      <p:cBhvr>
-                                        <p:cTn id="18" dur="500"/>
-                                        <p:tgtEl>
-                                          <p:spTgt spid="6"/>
-                                        </p:tgtEl>
-                                      </p:cBhvr>
-                                    </p:animEffect>
-                                  </p:childTnLst>
-                                </p:cTn>
-                              </p:par>
-                              <p:par>
-                                <p:cTn id="19" presetID="22" presetClass="entr" presetSubtype="4" fill="hold" grpId="0" nodeType="withEffect">
-                                  <p:stCondLst>
-                                    <p:cond delay="0"/>
-                                  </p:stCondLst>
-                                  <p:childTnLst>
-                                    <p:set>
-                                      <p:cBhvr>
-                                        <p:cTn id="20" dur="1" fill="hold">
-                                          <p:stCondLst>
-                                            <p:cond delay="0"/>
-                                          </p:stCondLst>
-                                        </p:cTn>
-                                        <p:tgtEl>
-                                          <p:spTgt spid="39"/>
-                                        </p:tgtEl>
-                                        <p:attrNameLst>
-                                          <p:attrName>style.visibility</p:attrName>
-                                        </p:attrNameLst>
-                                      </p:cBhvr>
-                                      <p:to>
-                                        <p:strVal val="visible"/>
-                                      </p:to>
-                                    </p:set>
-                                    <p:animEffect transition="in" filter="wipe(down)">
-                                      <p:cBhvr>
-                                        <p:cTn id="21" dur="500"/>
-                                        <p:tgtEl>
-                                          <p:spTgt spid="39"/>
-                                        </p:tgtEl>
-                                      </p:cBhvr>
-                                    </p:animEffect>
-                                  </p:childTnLst>
-                                </p:cTn>
-                              </p:par>
-                              <p:par>
-                                <p:cTn id="22" presetID="22" presetClass="entr" presetSubtype="8" fill="hold" nodeType="withEffect">
-                                  <p:stCondLst>
-                                    <p:cond delay="0"/>
-                                  </p:stCondLst>
-                                  <p:childTnLst>
-                                    <p:set>
-                                      <p:cBhvr>
-                                        <p:cTn id="23" dur="1" fill="hold">
-                                          <p:stCondLst>
-                                            <p:cond delay="0"/>
-                                          </p:stCondLst>
-                                        </p:cTn>
-                                        <p:tgtEl>
-                                          <p:spTgt spid="35"/>
-                                        </p:tgtEl>
-                                        <p:attrNameLst>
-                                          <p:attrName>style.visibility</p:attrName>
-                                        </p:attrNameLst>
-                                      </p:cBhvr>
-                                      <p:to>
-                                        <p:strVal val="visible"/>
-                                      </p:to>
-                                    </p:set>
-                                    <p:animEffect transition="in" filter="wipe(left)">
-                                      <p:cBhvr>
-                                        <p:cTn id="24" dur="500"/>
-                                        <p:tgtEl>
-                                          <p:spTgt spid="35"/>
-                                        </p:tgtEl>
-                                      </p:cBhvr>
-                                    </p:animEffect>
-                                  </p:childTnLst>
-                                </p:cTn>
-                              </p:par>
-                              <p:par>
-                                <p:cTn id="25" presetID="10" presetClass="entr" presetSubtype="0" fill="hold" grpId="0" nodeType="withEffect">
-                                  <p:stCondLst>
-                                    <p:cond delay="0"/>
-                                  </p:stCondLst>
-                                  <p:childTnLst>
-                                    <p:set>
-                                      <p:cBhvr>
-                                        <p:cTn id="26" dur="1" fill="hold">
-                                          <p:stCondLst>
-                                            <p:cond delay="0"/>
-                                          </p:stCondLst>
-                                        </p:cTn>
-                                        <p:tgtEl>
-                                          <p:spTgt spid="38"/>
-                                        </p:tgtEl>
-                                        <p:attrNameLst>
-                                          <p:attrName>style.visibility</p:attrName>
-                                        </p:attrNameLst>
-                                      </p:cBhvr>
-                                      <p:to>
-                                        <p:strVal val="visible"/>
-                                      </p:to>
-                                    </p:set>
-                                    <p:animEffect transition="in" filter="fade">
-                                      <p:cBhvr>
-                                        <p:cTn id="27" dur="500"/>
-                                        <p:tgtEl>
-                                          <p:spTgt spid="38"/>
-                                        </p:tgtEl>
-                                      </p:cBhvr>
-                                    </p:animEffect>
-                                  </p:childTnLst>
-                                </p:cTn>
-                              </p:par>
-                            </p:childTnLst>
-                          </p:cTn>
-                        </p:par>
-                      </p:childTnLst>
-                    </p:cTn>
-                  </p:par>
-                </p:childTnLst>
-              </p:cTn>
-              <p:prevCondLst>
-                <p:cond evt="onPrev" delay="0">
-                  <p:tgtEl>
-                    <p:sldTgt/>
-                  </p:tgtEl>
-                </p:cond>
-              </p:prevCondLst>
-              <p:nextCondLst>
-                <p:cond evt="onNext" delay="0">
-                  <p:tgtEl>
-                    <p:sldTgt/>
-                  </p:tgtEl>
-                </p:cond>
-              </p:nextCondLst>
-            </p:seq>
-          </p:childTnLst>
-        </p:cTn>
-      </p:par>
-    </p:tnLst>
-    <p:bldLst>
-      <p:bldP spid="39" grpId="0" animBg="1"/>
-      <p:bldP spid="6" grpId="0" animBg="1"/>
-      <p:bldP spid="370" grpId="0"/>
-      <p:bldP spid="371" grpId="0"/>
-      <p:bldP spid="38" grpId="0"/>
-    </p:bldLst>
-  </p:timing>
-</p:sld>
-</file>
-
-<file path=ppt/slides/slide8.xml><?xml version="1.0" encoding="utf-8"?>
 <p:sld xmlns:a="http://schemas.openxmlformats.org/drawingml/2006/main" xmlns:r="http://schemas.openxmlformats.org/officeDocument/2006/relationships" xmlns:p="http://schemas.openxmlformats.org/presentationml/2006/main">
   <p:cSld>
     <p:spTree>
